--- a/Presentazione tesi.pptx
+++ b/Presentazione tesi.pptx
@@ -17,6 +17,7 @@
     <p:sldId id="265" r:id="rId11"/>
     <p:sldId id="266" r:id="rId12"/>
     <p:sldId id="267" r:id="rId13"/>
+    <p:sldId id="268" r:id="rId14"/>
   </p:sldIdLst>
   <p:sldSz cx="9144000" cy="6858000" type="screen4x3"/>
   <p:notesSz cx="6858000" cy="9144000"/>
@@ -4028,6 +4029,214 @@
               <a:t>Protocolli per la condivisione di un progetto</a:t>
             </a:r>
             <a:endParaRPr lang="it-IT" sz="3600" b="1" dirty="0"/>
+          </a:p>
+        </p:txBody>
+      </p:sp>
+      <p:sp>
+        <p:nvSpPr>
+          <p:cNvPr id="4" name="CasellaDiTesto 3"/>
+          <p:cNvSpPr txBox="1"/>
+          <p:nvPr/>
+        </p:nvSpPr>
+        <p:spPr>
+          <a:xfrm>
+            <a:off x="0" y="1268760"/>
+            <a:ext cx="9144000" cy="2585323"/>
+          </a:xfrm>
+          <a:prstGeom prst="rect">
+            <a:avLst/>
+          </a:prstGeom>
+          <a:noFill/>
+        </p:spPr>
+        <p:txBody>
+          <a:bodyPr wrap="square" rtlCol="0">
+            <a:spAutoFit/>
+          </a:bodyPr>
+          <a:lstStyle/>
+          <a:p>
+            <a:r>
+              <a:rPr lang="it-IT" dirty="0" smtClean="0"/>
+              <a:t>Un aspetto importante per la  condivisione di un progetto è il tipo di protocollo scelto per comunicare con la </a:t>
+            </a:r>
+            <a:r>
+              <a:rPr lang="it-IT" dirty="0" err="1" smtClean="0"/>
+              <a:t>repository</a:t>
+            </a:r>
+            <a:r>
+              <a:rPr lang="it-IT" dirty="0" smtClean="0"/>
+              <a:t> remota.</a:t>
+            </a:r>
+          </a:p>
+          <a:p>
+            <a:endParaRPr lang="it-IT" dirty="0" smtClean="0"/>
+          </a:p>
+          <a:p>
+            <a:r>
+              <a:rPr lang="it-IT" dirty="0" smtClean="0"/>
+              <a:t>In </a:t>
+            </a:r>
+            <a:r>
+              <a:rPr lang="it-IT" dirty="0" err="1" smtClean="0"/>
+              <a:t>Git</a:t>
+            </a:r>
+            <a:r>
+              <a:rPr lang="it-IT" dirty="0" smtClean="0"/>
+              <a:t> esistono quattro principale protocolli:</a:t>
+            </a:r>
+          </a:p>
+          <a:p>
+            <a:endParaRPr lang="it-IT" dirty="0" smtClean="0"/>
+          </a:p>
+          <a:p>
+            <a:pPr>
+              <a:buFont typeface="Arial" pitchFamily="34" charset="0"/>
+              <a:buChar char="•"/>
+            </a:pPr>
+            <a:r>
+              <a:rPr lang="it-IT" dirty="0" smtClean="0"/>
+              <a:t>  Locale </a:t>
+            </a:r>
+          </a:p>
+          <a:p>
+            <a:pPr>
+              <a:buFont typeface="Arial" pitchFamily="34" charset="0"/>
+              <a:buChar char="•"/>
+            </a:pPr>
+            <a:r>
+              <a:rPr lang="it-IT" dirty="0" smtClean="0"/>
+              <a:t> </a:t>
+            </a:r>
+            <a:r>
+              <a:rPr lang="it-IT" dirty="0" smtClean="0"/>
+              <a:t> </a:t>
+            </a:r>
+            <a:r>
+              <a:rPr lang="it-IT" dirty="0" err="1" smtClean="0"/>
+              <a:t>Secure</a:t>
+            </a:r>
+            <a:r>
+              <a:rPr lang="it-IT" dirty="0" smtClean="0"/>
+              <a:t> </a:t>
+            </a:r>
+            <a:r>
+              <a:rPr lang="it-IT" dirty="0" err="1" smtClean="0"/>
+              <a:t>Shell</a:t>
+            </a:r>
+            <a:endParaRPr lang="it-IT" dirty="0" smtClean="0"/>
+          </a:p>
+          <a:p>
+            <a:pPr>
+              <a:buFont typeface="Arial" pitchFamily="34" charset="0"/>
+              <a:buChar char="•"/>
+            </a:pPr>
+            <a:r>
+              <a:rPr lang="it-IT" dirty="0" smtClean="0"/>
+              <a:t> </a:t>
+            </a:r>
+            <a:r>
+              <a:rPr lang="it-IT" dirty="0" smtClean="0"/>
+              <a:t> </a:t>
+            </a:r>
+            <a:r>
+              <a:rPr lang="it-IT" dirty="0" err="1" smtClean="0"/>
+              <a:t>Git</a:t>
+            </a:r>
+            <a:endParaRPr lang="it-IT" dirty="0" smtClean="0"/>
+          </a:p>
+          <a:p>
+            <a:pPr>
+              <a:buFont typeface="Arial" pitchFamily="34" charset="0"/>
+              <a:buChar char="•"/>
+            </a:pPr>
+            <a:r>
+              <a:rPr lang="it-IT" dirty="0" smtClean="0"/>
+              <a:t>  </a:t>
+            </a:r>
+            <a:r>
+              <a:rPr lang="it-IT" dirty="0" smtClean="0"/>
+              <a:t>HTPP</a:t>
+            </a:r>
+          </a:p>
+        </p:txBody>
+      </p:sp>
+    </p:spTree>
+  </p:cSld>
+  <p:clrMapOvr>
+    <a:masterClrMapping/>
+  </p:clrMapOvr>
+</p:sld>
+</file>
+
+<file path=ppt/slides/slide13.xml><?xml version="1.0" encoding="utf-8"?>
+<p:sld xmlns:a="http://schemas.openxmlformats.org/drawingml/2006/main" xmlns:r="http://schemas.openxmlformats.org/officeDocument/2006/relationships" xmlns:p="http://schemas.openxmlformats.org/presentationml/2006/main">
+  <p:cSld>
+    <p:spTree>
+      <p:nvGrpSpPr>
+        <p:cNvPr id="1" name=""/>
+        <p:cNvGrpSpPr/>
+        <p:nvPr/>
+      </p:nvGrpSpPr>
+      <p:grpSpPr>
+        <a:xfrm>
+          <a:off x="0" y="0"/>
+          <a:ext cx="0" cy="0"/>
+          <a:chOff x="0" y="0"/>
+          <a:chExt cx="0" cy="0"/>
+        </a:xfrm>
+      </p:grpSpPr>
+      <p:sp>
+        <p:nvSpPr>
+          <p:cNvPr id="2" name="CasellaDiTesto 1"/>
+          <p:cNvSpPr txBox="1"/>
+          <p:nvPr/>
+        </p:nvSpPr>
+        <p:spPr>
+          <a:xfrm>
+            <a:off x="0" y="260648"/>
+            <a:ext cx="9144000" cy="769441"/>
+          </a:xfrm>
+          <a:prstGeom prst="rect">
+            <a:avLst/>
+          </a:prstGeom>
+          <a:noFill/>
+        </p:spPr>
+        <p:txBody>
+          <a:bodyPr wrap="square" rtlCol="0">
+            <a:spAutoFit/>
+          </a:bodyPr>
+          <a:lstStyle/>
+          <a:p>
+            <a:r>
+              <a:rPr lang="it-IT" sz="4400" b="1" dirty="0" err="1" smtClean="0"/>
+              <a:t>GitHub</a:t>
+            </a:r>
+            <a:endParaRPr lang="it-IT" sz="4400" b="1" dirty="0"/>
+          </a:p>
+        </p:txBody>
+      </p:sp>
+      <p:sp>
+        <p:nvSpPr>
+          <p:cNvPr id="3" name="CasellaDiTesto 2"/>
+          <p:cNvSpPr txBox="1"/>
+          <p:nvPr/>
+        </p:nvSpPr>
+        <p:spPr>
+          <a:xfrm>
+            <a:off x="0" y="1484784"/>
+            <a:ext cx="9144000" cy="369332"/>
+          </a:xfrm>
+          <a:prstGeom prst="rect">
+            <a:avLst/>
+          </a:prstGeom>
+          <a:noFill/>
+        </p:spPr>
+        <p:txBody>
+          <a:bodyPr wrap="square" rtlCol="0">
+            <a:spAutoFit/>
+          </a:bodyPr>
+          <a:lstStyle/>
+          <a:p>
+            <a:endParaRPr lang="it-IT" dirty="0"/>
           </a:p>
         </p:txBody>
       </p:sp>

--- a/Presentazione tesi.pptx
+++ b/Presentazione tesi.pptx
@@ -18,6 +18,8 @@
     <p:sldId id="266" r:id="rId12"/>
     <p:sldId id="267" r:id="rId13"/>
     <p:sldId id="268" r:id="rId14"/>
+    <p:sldId id="269" r:id="rId15"/>
+    <p:sldId id="270" r:id="rId16"/>
   </p:sldIdLst>
   <p:sldSz cx="9144000" cy="6858000" type="screen4x3"/>
   <p:notesSz cx="6858000" cy="9144000"/>
@@ -301,7 +303,7 @@
             <a:fld id="{4B6055F8-1D02-4417-9241-55C834FD9970}" type="datetimeFigureOut">
               <a:rPr lang="it-IT" smtClean="0"/>
               <a:pPr/>
-              <a:t>05/06/2020</a:t>
+              <a:t>06/06/2020</a:t>
             </a:fld>
             <a:endParaRPr lang="it-IT"/>
           </a:p>
@@ -468,7 +470,7 @@
             <a:fld id="{4B6055F8-1D02-4417-9241-55C834FD9970}" type="datetimeFigureOut">
               <a:rPr lang="it-IT" smtClean="0"/>
               <a:pPr/>
-              <a:t>05/06/2020</a:t>
+              <a:t>06/06/2020</a:t>
             </a:fld>
             <a:endParaRPr lang="it-IT"/>
           </a:p>
@@ -645,7 +647,7 @@
             <a:fld id="{4B6055F8-1D02-4417-9241-55C834FD9970}" type="datetimeFigureOut">
               <a:rPr lang="it-IT" smtClean="0"/>
               <a:pPr/>
-              <a:t>05/06/2020</a:t>
+              <a:t>06/06/2020</a:t>
             </a:fld>
             <a:endParaRPr lang="it-IT"/>
           </a:p>
@@ -812,7 +814,7 @@
             <a:fld id="{4B6055F8-1D02-4417-9241-55C834FD9970}" type="datetimeFigureOut">
               <a:rPr lang="it-IT" smtClean="0"/>
               <a:pPr/>
-              <a:t>05/06/2020</a:t>
+              <a:t>06/06/2020</a:t>
             </a:fld>
             <a:endParaRPr lang="it-IT"/>
           </a:p>
@@ -1055,7 +1057,7 @@
             <a:fld id="{4B6055F8-1D02-4417-9241-55C834FD9970}" type="datetimeFigureOut">
               <a:rPr lang="it-IT" smtClean="0"/>
               <a:pPr/>
-              <a:t>05/06/2020</a:t>
+              <a:t>06/06/2020</a:t>
             </a:fld>
             <a:endParaRPr lang="it-IT"/>
           </a:p>
@@ -1340,7 +1342,7 @@
             <a:fld id="{4B6055F8-1D02-4417-9241-55C834FD9970}" type="datetimeFigureOut">
               <a:rPr lang="it-IT" smtClean="0"/>
               <a:pPr/>
-              <a:t>05/06/2020</a:t>
+              <a:t>06/06/2020</a:t>
             </a:fld>
             <a:endParaRPr lang="it-IT"/>
           </a:p>
@@ -1759,7 +1761,7 @@
             <a:fld id="{4B6055F8-1D02-4417-9241-55C834FD9970}" type="datetimeFigureOut">
               <a:rPr lang="it-IT" smtClean="0"/>
               <a:pPr/>
-              <a:t>05/06/2020</a:t>
+              <a:t>06/06/2020</a:t>
             </a:fld>
             <a:endParaRPr lang="it-IT"/>
           </a:p>
@@ -1874,7 +1876,7 @@
             <a:fld id="{4B6055F8-1D02-4417-9241-55C834FD9970}" type="datetimeFigureOut">
               <a:rPr lang="it-IT" smtClean="0"/>
               <a:pPr/>
-              <a:t>05/06/2020</a:t>
+              <a:t>06/06/2020</a:t>
             </a:fld>
             <a:endParaRPr lang="it-IT"/>
           </a:p>
@@ -1966,7 +1968,7 @@
             <a:fld id="{4B6055F8-1D02-4417-9241-55C834FD9970}" type="datetimeFigureOut">
               <a:rPr lang="it-IT" smtClean="0"/>
               <a:pPr/>
-              <a:t>05/06/2020</a:t>
+              <a:t>06/06/2020</a:t>
             </a:fld>
             <a:endParaRPr lang="it-IT"/>
           </a:p>
@@ -2240,7 +2242,7 @@
             <a:fld id="{4B6055F8-1D02-4417-9241-55C834FD9970}" type="datetimeFigureOut">
               <a:rPr lang="it-IT" smtClean="0"/>
               <a:pPr/>
-              <a:t>05/06/2020</a:t>
+              <a:t>06/06/2020</a:t>
             </a:fld>
             <a:endParaRPr lang="it-IT"/>
           </a:p>
@@ -2490,7 +2492,7 @@
             <a:fld id="{4B6055F8-1D02-4417-9241-55C834FD9970}" type="datetimeFigureOut">
               <a:rPr lang="it-IT" smtClean="0"/>
               <a:pPr/>
-              <a:t>05/06/2020</a:t>
+              <a:t>06/06/2020</a:t>
             </a:fld>
             <a:endParaRPr lang="it-IT"/>
           </a:p>
@@ -2700,7 +2702,7 @@
             <a:fld id="{4B6055F8-1D02-4417-9241-55C834FD9970}" type="datetimeFigureOut">
               <a:rPr lang="it-IT" smtClean="0"/>
               <a:pPr/>
-              <a:t>05/06/2020</a:t>
+              <a:t>06/06/2020</a:t>
             </a:fld>
             <a:endParaRPr lang="it-IT"/>
           </a:p>
@@ -3338,11 +3340,7 @@
             </a:pPr>
             <a:r>
               <a:rPr lang="it-IT" dirty="0" smtClean="0"/>
-              <a:t> </a:t>
-            </a:r>
-            <a:r>
-              <a:rPr lang="it-IT" dirty="0" smtClean="0"/>
-              <a:t> </a:t>
+              <a:t>  </a:t>
             </a:r>
             <a:r>
               <a:rPr lang="it-IT" dirty="0" err="1" smtClean="0"/>
@@ -3368,11 +3366,7 @@
             </a:pPr>
             <a:r>
               <a:rPr lang="it-IT" dirty="0" smtClean="0"/>
-              <a:t> </a:t>
-            </a:r>
-            <a:r>
-              <a:rPr lang="it-IT" dirty="0" smtClean="0"/>
-              <a:t> </a:t>
+              <a:t>  </a:t>
             </a:r>
             <a:r>
               <a:rPr lang="it-IT" dirty="0" err="1" smtClean="0"/>
@@ -3390,11 +3384,7 @@
             </a:pPr>
             <a:r>
               <a:rPr lang="it-IT" dirty="0" smtClean="0"/>
-              <a:t> </a:t>
-            </a:r>
-            <a:r>
-              <a:rPr lang="it-IT" dirty="0" smtClean="0"/>
-              <a:t> </a:t>
+              <a:t>  </a:t>
             </a:r>
             <a:r>
               <a:rPr lang="it-IT" dirty="0" err="1" smtClean="0"/>
@@ -3420,11 +3410,7 @@
             </a:pPr>
             <a:r>
               <a:rPr lang="it-IT" dirty="0" smtClean="0"/>
-              <a:t> </a:t>
-            </a:r>
-            <a:r>
-              <a:rPr lang="it-IT" dirty="0" smtClean="0"/>
-              <a:t> </a:t>
+              <a:t>  </a:t>
             </a:r>
             <a:r>
               <a:rPr lang="it-IT" dirty="0" err="1" smtClean="0"/>
@@ -3458,11 +3444,7 @@
             </a:pPr>
             <a:r>
               <a:rPr lang="it-IT" dirty="0" smtClean="0"/>
-              <a:t> </a:t>
-            </a:r>
-            <a:r>
-              <a:rPr lang="it-IT" dirty="0" smtClean="0"/>
-              <a:t> </a:t>
+              <a:t>  </a:t>
             </a:r>
             <a:r>
               <a:rPr lang="it-IT" dirty="0" err="1" smtClean="0"/>
@@ -3496,11 +3478,7 @@
             </a:pPr>
             <a:r>
               <a:rPr lang="it-IT" dirty="0" smtClean="0"/>
-              <a:t> </a:t>
-            </a:r>
-            <a:r>
-              <a:rPr lang="it-IT" dirty="0" smtClean="0"/>
-              <a:t> </a:t>
+              <a:t>  </a:t>
             </a:r>
             <a:r>
               <a:rPr lang="it-IT" dirty="0" err="1" smtClean="0"/>
@@ -3799,11 +3777,7 @@
             </a:pPr>
             <a:r>
               <a:rPr lang="it-IT" dirty="0" smtClean="0"/>
-              <a:t> </a:t>
-            </a:r>
-            <a:r>
-              <a:rPr lang="it-IT" dirty="0" smtClean="0"/>
-              <a:t> Utilizzata su grandi progetti </a:t>
+              <a:t>  Utilizzata su grandi progetti </a:t>
             </a:r>
           </a:p>
           <a:p>
@@ -3813,11 +3787,7 @@
             </a:pPr>
             <a:r>
               <a:rPr lang="it-IT" dirty="0" smtClean="0"/>
-              <a:t> </a:t>
-            </a:r>
-            <a:r>
-              <a:rPr lang="it-IT" dirty="0" smtClean="0"/>
-              <a:t> I tenenti sono responsabili solo di alcuni sottoteam</a:t>
+              <a:t>  I tenenti sono responsabili solo di alcuni sottoteam</a:t>
             </a:r>
           </a:p>
           <a:p>
@@ -3827,11 +3797,7 @@
             </a:pPr>
             <a:r>
               <a:rPr lang="it-IT" dirty="0" smtClean="0"/>
-              <a:t> </a:t>
-            </a:r>
-            <a:r>
-              <a:rPr lang="it-IT" dirty="0" smtClean="0"/>
-              <a:t> il dittatore è l’unico che può effettuare modifiche sul progetto originale </a:t>
+              <a:t>  il dittatore è l’unico che può effettuare modifiche sul progetto originale </a:t>
             </a:r>
           </a:p>
           <a:p>
@@ -3883,11 +3849,7 @@
             </a:pPr>
             <a:r>
               <a:rPr lang="it-IT" dirty="0" smtClean="0"/>
-              <a:t>  </a:t>
-            </a:r>
-            <a:r>
-              <a:rPr lang="it-IT" dirty="0" smtClean="0"/>
-              <a:t>Il manager è l’unico che può effettuare modifiche sul progetto </a:t>
+              <a:t>  Il manager è l’unico che può effettuare modifiche sul progetto </a:t>
             </a:r>
             <a:r>
               <a:rPr lang="it-IT" dirty="0" err="1" smtClean="0"/>
@@ -3967,11 +3929,7 @@
             </a:pPr>
             <a:r>
               <a:rPr lang="it-IT" dirty="0" smtClean="0"/>
-              <a:t> </a:t>
-            </a:r>
-            <a:r>
-              <a:rPr lang="it-IT" dirty="0" smtClean="0"/>
-              <a:t>Tutti gli sviluppatori posso accedere e modificare il progetto originale</a:t>
+              <a:t> Tutti gli sviluppatori posso accedere e modificare il progetto originale</a:t>
             </a:r>
             <a:endParaRPr lang="it-IT" dirty="0"/>
           </a:p>
@@ -4104,11 +4062,7 @@
             </a:pPr>
             <a:r>
               <a:rPr lang="it-IT" dirty="0" smtClean="0"/>
-              <a:t> </a:t>
-            </a:r>
-            <a:r>
-              <a:rPr lang="it-IT" dirty="0" smtClean="0"/>
-              <a:t> </a:t>
+              <a:t>  </a:t>
             </a:r>
             <a:r>
               <a:rPr lang="it-IT" dirty="0" err="1" smtClean="0"/>
@@ -4131,11 +4085,7 @@
             </a:pPr>
             <a:r>
               <a:rPr lang="it-IT" dirty="0" smtClean="0"/>
-              <a:t> </a:t>
-            </a:r>
-            <a:r>
-              <a:rPr lang="it-IT" dirty="0" smtClean="0"/>
-              <a:t> </a:t>
+              <a:t>  </a:t>
             </a:r>
             <a:r>
               <a:rPr lang="it-IT" dirty="0" err="1" smtClean="0"/>
@@ -4150,11 +4100,7 @@
             </a:pPr>
             <a:r>
               <a:rPr lang="it-IT" dirty="0" smtClean="0"/>
-              <a:t>  </a:t>
-            </a:r>
-            <a:r>
-              <a:rPr lang="it-IT" dirty="0" smtClean="0"/>
-              <a:t>HTPP</a:t>
+              <a:t>  HTPP</a:t>
             </a:r>
           </a:p>
         </p:txBody>
@@ -4237,6 +4183,246 @@
           <a:lstStyle/>
           <a:p>
             <a:endParaRPr lang="it-IT" dirty="0"/>
+          </a:p>
+        </p:txBody>
+      </p:sp>
+      <p:sp>
+        <p:nvSpPr>
+          <p:cNvPr id="4" name="CasellaDiTesto 3"/>
+          <p:cNvSpPr txBox="1"/>
+          <p:nvPr/>
+        </p:nvSpPr>
+        <p:spPr>
+          <a:xfrm>
+            <a:off x="0" y="1412776"/>
+            <a:ext cx="9144000" cy="1754326"/>
+          </a:xfrm>
+          <a:prstGeom prst="rect">
+            <a:avLst/>
+          </a:prstGeom>
+          <a:noFill/>
+        </p:spPr>
+        <p:txBody>
+          <a:bodyPr wrap="square" rtlCol="0">
+            <a:spAutoFit/>
+          </a:bodyPr>
+          <a:lstStyle/>
+          <a:p>
+            <a:pPr>
+              <a:buFont typeface="Arial" pitchFamily="34" charset="0"/>
+              <a:buChar char="•"/>
+            </a:pPr>
+            <a:r>
+              <a:rPr lang="it-IT" dirty="0" smtClean="0"/>
+              <a:t> Offre la possibilità di utilizzare sia </a:t>
+            </a:r>
+            <a:r>
+              <a:rPr lang="it-IT" dirty="0" err="1" smtClean="0"/>
+              <a:t>Git</a:t>
+            </a:r>
+            <a:r>
+              <a:rPr lang="it-IT" dirty="0" smtClean="0"/>
+              <a:t> che </a:t>
+            </a:r>
+            <a:r>
+              <a:rPr lang="it-IT" dirty="0" err="1" smtClean="0"/>
+              <a:t>Subversioni</a:t>
+            </a:r>
+            <a:endParaRPr lang="it-IT" dirty="0" smtClean="0"/>
+          </a:p>
+          <a:p>
+            <a:pPr>
+              <a:buFont typeface="Arial" pitchFamily="34" charset="0"/>
+              <a:buChar char="•"/>
+            </a:pPr>
+            <a:r>
+              <a:rPr lang="it-IT" dirty="0" smtClean="0"/>
+              <a:t> </a:t>
+            </a:r>
+            <a:r>
+              <a:rPr lang="it-IT" dirty="0" smtClean="0"/>
+              <a:t>Consente di creare in modo illimitato le </a:t>
+            </a:r>
+            <a:r>
+              <a:rPr lang="it-IT" dirty="0" err="1" smtClean="0"/>
+              <a:t>repository</a:t>
+            </a:r>
+            <a:r>
+              <a:rPr lang="it-IT" dirty="0" smtClean="0"/>
+              <a:t> pubbliche, pagamento mensile per le private</a:t>
+            </a:r>
+          </a:p>
+          <a:p>
+            <a:pPr>
+              <a:buFont typeface="Arial" pitchFamily="34" charset="0"/>
+              <a:buChar char="•"/>
+            </a:pPr>
+            <a:r>
+              <a:rPr lang="it-IT" dirty="0" smtClean="0"/>
+              <a:t> </a:t>
+            </a:r>
+            <a:r>
+              <a:rPr lang="it-IT" dirty="0" smtClean="0"/>
+              <a:t> Permette di creare team che funzionano come account normali</a:t>
+            </a:r>
+          </a:p>
+          <a:p>
+            <a:pPr>
+              <a:buFont typeface="Arial" pitchFamily="34" charset="0"/>
+              <a:buChar char="•"/>
+            </a:pPr>
+            <a:r>
+              <a:rPr lang="it-IT" dirty="0" smtClean="0"/>
+              <a:t> </a:t>
+            </a:r>
+            <a:r>
+              <a:rPr lang="it-IT" dirty="0" smtClean="0"/>
+              <a:t> Permette di configurare velocemente la propria </a:t>
+            </a:r>
+            <a:r>
+              <a:rPr lang="it-IT" dirty="0" err="1" smtClean="0"/>
+              <a:t>repository</a:t>
+            </a:r>
+            <a:r>
+              <a:rPr lang="it-IT" dirty="0" smtClean="0"/>
+              <a:t> con i protocolli di HTTPS e SHH</a:t>
+            </a:r>
+          </a:p>
+          <a:p>
+            <a:pPr>
+              <a:buFont typeface="Arial" pitchFamily="34" charset="0"/>
+              <a:buChar char="•"/>
+            </a:pPr>
+            <a:r>
+              <a:rPr lang="it-IT" dirty="0" smtClean="0"/>
+              <a:t> </a:t>
+            </a:r>
+            <a:r>
+              <a:rPr lang="it-IT" dirty="0" smtClean="0"/>
+              <a:t> </a:t>
+            </a:r>
+            <a:r>
+              <a:rPr lang="it-IT" dirty="0" err="1" smtClean="0"/>
+              <a:t>Permettte</a:t>
+            </a:r>
+            <a:r>
+              <a:rPr lang="it-IT" dirty="0" smtClean="0"/>
+              <a:t> l’accesso in solo lettura tramite  il link di condivisione</a:t>
+            </a:r>
+          </a:p>
+        </p:txBody>
+      </p:sp>
+    </p:spTree>
+  </p:cSld>
+  <p:clrMapOvr>
+    <a:masterClrMapping/>
+  </p:clrMapOvr>
+</p:sld>
+</file>
+
+<file path=ppt/slides/slide14.xml><?xml version="1.0" encoding="utf-8"?>
+<p:sld xmlns:a="http://schemas.openxmlformats.org/drawingml/2006/main" xmlns:r="http://schemas.openxmlformats.org/officeDocument/2006/relationships" xmlns:p="http://schemas.openxmlformats.org/presentationml/2006/main">
+  <p:cSld>
+    <p:spTree>
+      <p:nvGrpSpPr>
+        <p:cNvPr id="1" name=""/>
+        <p:cNvGrpSpPr/>
+        <p:nvPr/>
+      </p:nvGrpSpPr>
+      <p:grpSpPr>
+        <a:xfrm>
+          <a:off x="0" y="0"/>
+          <a:ext cx="0" cy="0"/>
+          <a:chOff x="0" y="0"/>
+          <a:chExt cx="0" cy="0"/>
+        </a:xfrm>
+      </p:grpSpPr>
+      <p:sp>
+        <p:nvSpPr>
+          <p:cNvPr id="2" name="CasellaDiTesto 1"/>
+          <p:cNvSpPr txBox="1"/>
+          <p:nvPr/>
+        </p:nvSpPr>
+        <p:spPr>
+          <a:xfrm>
+            <a:off x="0" y="332656"/>
+            <a:ext cx="9144000" cy="707886"/>
+          </a:xfrm>
+          <a:prstGeom prst="rect">
+            <a:avLst/>
+          </a:prstGeom>
+          <a:noFill/>
+        </p:spPr>
+        <p:txBody>
+          <a:bodyPr wrap="square" rtlCol="0">
+            <a:spAutoFit/>
+          </a:bodyPr>
+          <a:lstStyle/>
+          <a:p>
+            <a:r>
+              <a:rPr lang="it-IT" sz="4000" b="1" dirty="0" smtClean="0"/>
+              <a:t>Servizi di hosting alternativi a </a:t>
+            </a:r>
+            <a:r>
+              <a:rPr lang="it-IT" sz="4000" b="1" dirty="0" err="1" smtClean="0"/>
+              <a:t>GitHub</a:t>
+            </a:r>
+            <a:endParaRPr lang="it-IT" sz="4000" b="1" dirty="0"/>
+          </a:p>
+        </p:txBody>
+      </p:sp>
+    </p:spTree>
+  </p:cSld>
+  <p:clrMapOvr>
+    <a:masterClrMapping/>
+  </p:clrMapOvr>
+</p:sld>
+</file>
+
+<file path=ppt/slides/slide15.xml><?xml version="1.0" encoding="utf-8"?>
+<p:sld xmlns:a="http://schemas.openxmlformats.org/drawingml/2006/main" xmlns:r="http://schemas.openxmlformats.org/officeDocument/2006/relationships" xmlns:p="http://schemas.openxmlformats.org/presentationml/2006/main">
+  <p:cSld>
+    <p:spTree>
+      <p:nvGrpSpPr>
+        <p:cNvPr id="1" name=""/>
+        <p:cNvGrpSpPr/>
+        <p:nvPr/>
+      </p:nvGrpSpPr>
+      <p:grpSpPr>
+        <a:xfrm>
+          <a:off x="0" y="0"/>
+          <a:ext cx="0" cy="0"/>
+          <a:chOff x="0" y="0"/>
+          <a:chExt cx="0" cy="0"/>
+        </a:xfrm>
+      </p:grpSpPr>
+      <p:sp>
+        <p:nvSpPr>
+          <p:cNvPr id="2" name="CasellaDiTesto 1"/>
+          <p:cNvSpPr txBox="1"/>
+          <p:nvPr/>
+        </p:nvSpPr>
+        <p:spPr>
+          <a:xfrm>
+            <a:off x="0" y="260648"/>
+            <a:ext cx="9144000" cy="769441"/>
+          </a:xfrm>
+          <a:prstGeom prst="rect">
+            <a:avLst/>
+          </a:prstGeom>
+          <a:noFill/>
+        </p:spPr>
+        <p:txBody>
+          <a:bodyPr wrap="square" rtlCol="0">
+            <a:spAutoFit/>
+          </a:bodyPr>
+          <a:lstStyle/>
+          <a:p>
+            <a:r>
+              <a:rPr lang="it-IT" sz="4400" b="1" dirty="0" smtClean="0"/>
+              <a:t>Conclusioni</a:t>
+            </a:r>
+            <a:endParaRPr lang="it-IT" sz="4400" b="1" dirty="0"/>
           </a:p>
         </p:txBody>
       </p:sp>

--- a/Presentazione tesi.pptx
+++ b/Presentazione tesi.pptx
@@ -3599,6 +3599,13 @@
   <p:clrMapOvr>
     <a:masterClrMapping/>
   </p:clrMapOvr>
+  <p:timing>
+    <p:tnLst>
+      <p:par>
+        <p:cTn id="1" dur="indefinite" restart="never" nodeType="tmRoot"/>
+      </p:par>
+    </p:tnLst>
+  </p:timing>
 </p:sld>
 </file>
 
@@ -3694,8 +3701,8 @@
         </p:blipFill>
         <p:spPr bwMode="auto">
           <a:xfrm>
-            <a:off x="4104640" y="2636912"/>
-            <a:ext cx="5039360" cy="2034160"/>
+            <a:off x="4427984" y="2780928"/>
+            <a:ext cx="4716016" cy="1872208"/>
           </a:xfrm>
           <a:prstGeom prst="rect">
             <a:avLst/>
@@ -3724,8 +3731,8 @@
         </p:blipFill>
         <p:spPr bwMode="auto">
           <a:xfrm>
-            <a:off x="0" y="4733411"/>
-            <a:ext cx="2847975" cy="2124589"/>
+            <a:off x="0" y="4653137"/>
+            <a:ext cx="3203848" cy="2204864"/>
           </a:xfrm>
           <a:prstGeom prst="rect">
             <a:avLst/>
@@ -3940,6 +3947,13 @@
   <p:clrMapOvr>
     <a:masterClrMapping/>
   </p:clrMapOvr>
+  <p:timing>
+    <p:tnLst>
+      <p:par>
+        <p:cTn id="1" dur="indefinite" restart="never" nodeType="tmRoot"/>
+      </p:par>
+    </p:tnLst>
+  </p:timing>
 </p:sld>
 </file>
 
@@ -3999,7 +4013,7 @@
         <p:spPr>
           <a:xfrm>
             <a:off x="0" y="1268760"/>
-            <a:ext cx="9144000" cy="2585323"/>
+            <a:ext cx="9144000" cy="5016758"/>
           </a:xfrm>
           <a:prstGeom prst="rect">
             <a:avLst/>
@@ -4013,37 +4027,37 @@
           <a:lstStyle/>
           <a:p>
             <a:r>
-              <a:rPr lang="it-IT" dirty="0" smtClean="0"/>
+              <a:rPr lang="it-IT" sz="3200" dirty="0" smtClean="0"/>
               <a:t>Un aspetto importante per la  condivisione di un progetto è il tipo di protocollo scelto per comunicare con la </a:t>
             </a:r>
             <a:r>
-              <a:rPr lang="it-IT" dirty="0" err="1" smtClean="0"/>
+              <a:rPr lang="it-IT" sz="3200" dirty="0" err="1" smtClean="0"/>
               <a:t>repository</a:t>
             </a:r>
             <a:r>
-              <a:rPr lang="it-IT" dirty="0" smtClean="0"/>
+              <a:rPr lang="it-IT" sz="3200" dirty="0" smtClean="0"/>
               <a:t> remota.</a:t>
             </a:r>
           </a:p>
           <a:p>
-            <a:endParaRPr lang="it-IT" dirty="0" smtClean="0"/>
-          </a:p>
-          <a:p>
-            <a:r>
-              <a:rPr lang="it-IT" dirty="0" smtClean="0"/>
+            <a:endParaRPr lang="it-IT" sz="3200" dirty="0" smtClean="0"/>
+          </a:p>
+          <a:p>
+            <a:r>
+              <a:rPr lang="it-IT" sz="3200" dirty="0" smtClean="0"/>
               <a:t>In </a:t>
             </a:r>
             <a:r>
-              <a:rPr lang="it-IT" dirty="0" err="1" smtClean="0"/>
+              <a:rPr lang="it-IT" sz="3200" dirty="0" err="1" smtClean="0"/>
               <a:t>Git</a:t>
             </a:r>
             <a:r>
-              <a:rPr lang="it-IT" dirty="0" smtClean="0"/>
+              <a:rPr lang="it-IT" sz="3200" dirty="0" smtClean="0"/>
               <a:t> esistono quattro principale protocolli:</a:t>
             </a:r>
           </a:p>
           <a:p>
-            <a:endParaRPr lang="it-IT" dirty="0" smtClean="0"/>
+            <a:endParaRPr lang="it-IT" sz="3200" dirty="0" smtClean="0"/>
           </a:p>
           <a:p>
             <a:pPr>
@@ -4051,7 +4065,7 @@
               <a:buChar char="•"/>
             </a:pPr>
             <a:r>
-              <a:rPr lang="it-IT" dirty="0" smtClean="0"/>
+              <a:rPr lang="it-IT" sz="3200" dirty="0" smtClean="0"/>
               <a:t>  Locale </a:t>
             </a:r>
           </a:p>
@@ -4061,22 +4075,22 @@
               <a:buChar char="•"/>
             </a:pPr>
             <a:r>
-              <a:rPr lang="it-IT" dirty="0" smtClean="0"/>
+              <a:rPr lang="it-IT" sz="3200" dirty="0" smtClean="0"/>
               <a:t>  </a:t>
             </a:r>
             <a:r>
-              <a:rPr lang="it-IT" dirty="0" err="1" smtClean="0"/>
+              <a:rPr lang="it-IT" sz="3200" dirty="0" err="1" smtClean="0"/>
               <a:t>Secure</a:t>
             </a:r>
             <a:r>
-              <a:rPr lang="it-IT" dirty="0" smtClean="0"/>
+              <a:rPr lang="it-IT" sz="3200" dirty="0" smtClean="0"/>
               <a:t> </a:t>
             </a:r>
             <a:r>
-              <a:rPr lang="it-IT" dirty="0" err="1" smtClean="0"/>
+              <a:rPr lang="it-IT" sz="3200" dirty="0" err="1" smtClean="0"/>
               <a:t>Shell</a:t>
             </a:r>
-            <a:endParaRPr lang="it-IT" dirty="0" smtClean="0"/>
+            <a:endParaRPr lang="it-IT" sz="3200" dirty="0" smtClean="0"/>
           </a:p>
           <a:p>
             <a:pPr>
@@ -4084,14 +4098,14 @@
               <a:buChar char="•"/>
             </a:pPr>
             <a:r>
-              <a:rPr lang="it-IT" dirty="0" smtClean="0"/>
+              <a:rPr lang="it-IT" sz="3200" dirty="0" smtClean="0"/>
               <a:t>  </a:t>
             </a:r>
             <a:r>
-              <a:rPr lang="it-IT" dirty="0" err="1" smtClean="0"/>
+              <a:rPr lang="it-IT" sz="3200" dirty="0" err="1" smtClean="0"/>
               <a:t>Git</a:t>
             </a:r>
-            <a:endParaRPr lang="it-IT" dirty="0" smtClean="0"/>
+            <a:endParaRPr lang="it-IT" sz="3200" dirty="0" smtClean="0"/>
           </a:p>
           <a:p>
             <a:pPr>
@@ -4099,7 +4113,7 @@
               <a:buChar char="•"/>
             </a:pPr>
             <a:r>
-              <a:rPr lang="it-IT" dirty="0" smtClean="0"/>
+              <a:rPr lang="it-IT" sz="3200" dirty="0" smtClean="0"/>
               <a:t>  HTPP</a:t>
             </a:r>
           </a:p>
@@ -4110,6 +4124,13 @@
   <p:clrMapOvr>
     <a:masterClrMapping/>
   </p:clrMapOvr>
+  <p:timing>
+    <p:tnLst>
+      <p:par>
+        <p:cTn id="1" dur="indefinite" restart="never" nodeType="tmRoot"/>
+      </p:par>
+    </p:tnLst>
+  </p:timing>
 </p:sld>
 </file>
 
@@ -4195,7 +4216,7 @@
         <p:spPr>
           <a:xfrm>
             <a:off x="0" y="1412776"/>
-            <a:ext cx="9144000" cy="1754326"/>
+            <a:ext cx="9144000" cy="3970318"/>
           </a:xfrm>
           <a:prstGeom prst="rect">
             <a:avLst/>
@@ -4213,22 +4234,22 @@
               <a:buChar char="•"/>
             </a:pPr>
             <a:r>
-              <a:rPr lang="it-IT" dirty="0" smtClean="0"/>
+              <a:rPr lang="it-IT" sz="2800" dirty="0" smtClean="0"/>
               <a:t> Offre la possibilità di utilizzare sia </a:t>
             </a:r>
             <a:r>
-              <a:rPr lang="it-IT" dirty="0" err="1" smtClean="0"/>
+              <a:rPr lang="it-IT" sz="2800" dirty="0" err="1" smtClean="0"/>
               <a:t>Git</a:t>
             </a:r>
             <a:r>
-              <a:rPr lang="it-IT" dirty="0" smtClean="0"/>
+              <a:rPr lang="it-IT" sz="2800" dirty="0" smtClean="0"/>
               <a:t> che </a:t>
             </a:r>
             <a:r>
-              <a:rPr lang="it-IT" dirty="0" err="1" smtClean="0"/>
+              <a:rPr lang="it-IT" sz="2800" dirty="0" err="1" smtClean="0"/>
               <a:t>Subversioni</a:t>
             </a:r>
-            <a:endParaRPr lang="it-IT" dirty="0" smtClean="0"/>
+            <a:endParaRPr lang="it-IT" sz="2800" dirty="0" smtClean="0"/>
           </a:p>
           <a:p>
             <a:pPr>
@@ -4236,19 +4257,15 @@
               <a:buChar char="•"/>
             </a:pPr>
             <a:r>
-              <a:rPr lang="it-IT" dirty="0" smtClean="0"/>
-              <a:t> </a:t>
-            </a:r>
-            <a:r>
-              <a:rPr lang="it-IT" dirty="0" smtClean="0"/>
-              <a:t>Consente di creare in modo illimitato le </a:t>
-            </a:r>
-            <a:r>
-              <a:rPr lang="it-IT" dirty="0" err="1" smtClean="0"/>
+              <a:rPr lang="it-IT" sz="2800" dirty="0" smtClean="0"/>
+              <a:t> Consente di creare in modo illimitato le </a:t>
+            </a:r>
+            <a:r>
+              <a:rPr lang="it-IT" sz="2800" dirty="0" err="1" smtClean="0"/>
               <a:t>repository</a:t>
             </a:r>
             <a:r>
-              <a:rPr lang="it-IT" dirty="0" smtClean="0"/>
+              <a:rPr lang="it-IT" sz="2800" dirty="0" smtClean="0"/>
               <a:t> pubbliche, pagamento mensile per le private</a:t>
             </a:r>
           </a:p>
@@ -4258,12 +4275,8 @@
               <a:buChar char="•"/>
             </a:pPr>
             <a:r>
-              <a:rPr lang="it-IT" dirty="0" smtClean="0"/>
-              <a:t> </a:t>
-            </a:r>
-            <a:r>
-              <a:rPr lang="it-IT" dirty="0" smtClean="0"/>
-              <a:t> Permette di creare team che funzionano come account normali</a:t>
+              <a:rPr lang="it-IT" sz="2800" dirty="0" smtClean="0"/>
+              <a:t>  Permette di creare team che funzionano come account normali</a:t>
             </a:r>
           </a:p>
           <a:p>
@@ -4272,19 +4285,15 @@
               <a:buChar char="•"/>
             </a:pPr>
             <a:r>
-              <a:rPr lang="it-IT" dirty="0" smtClean="0"/>
-              <a:t> </a:t>
-            </a:r>
-            <a:r>
-              <a:rPr lang="it-IT" dirty="0" smtClean="0"/>
-              <a:t> Permette di configurare velocemente la propria </a:t>
-            </a:r>
-            <a:r>
-              <a:rPr lang="it-IT" dirty="0" err="1" smtClean="0"/>
+              <a:rPr lang="it-IT" sz="2800" dirty="0" smtClean="0"/>
+              <a:t>  Permette di configurare velocemente la propria </a:t>
+            </a:r>
+            <a:r>
+              <a:rPr lang="it-IT" sz="2800" dirty="0" err="1" smtClean="0"/>
               <a:t>repository</a:t>
             </a:r>
             <a:r>
-              <a:rPr lang="it-IT" dirty="0" smtClean="0"/>
+              <a:rPr lang="it-IT" sz="2800" dirty="0" smtClean="0"/>
               <a:t> con i protocolli di HTTPS e SHH</a:t>
             </a:r>
           </a:p>
@@ -4294,19 +4303,15 @@
               <a:buChar char="•"/>
             </a:pPr>
             <a:r>
-              <a:rPr lang="it-IT" dirty="0" smtClean="0"/>
-              <a:t> </a:t>
-            </a:r>
-            <a:r>
-              <a:rPr lang="it-IT" dirty="0" smtClean="0"/>
-              <a:t> </a:t>
-            </a:r>
-            <a:r>
-              <a:rPr lang="it-IT" dirty="0" err="1" smtClean="0"/>
+              <a:rPr lang="it-IT" sz="2800" dirty="0" smtClean="0"/>
+              <a:t>  </a:t>
+            </a:r>
+            <a:r>
+              <a:rPr lang="it-IT" sz="2800" dirty="0" err="1" smtClean="0"/>
               <a:t>Permettte</a:t>
             </a:r>
             <a:r>
-              <a:rPr lang="it-IT" dirty="0" smtClean="0"/>
+              <a:rPr lang="it-IT" sz="2800" dirty="0" smtClean="0"/>
               <a:t> l’accesso in solo lettura tramite  il link di condivisione</a:t>
             </a:r>
           </a:p>
@@ -4317,6 +4322,13 @@
   <p:clrMapOvr>
     <a:masterClrMapping/>
   </p:clrMapOvr>
+  <p:timing>
+    <p:tnLst>
+      <p:par>
+        <p:cTn id="1" dur="indefinite" restart="never" nodeType="tmRoot"/>
+      </p:par>
+    </p:tnLst>
+  </p:timing>
 </p:sld>
 </file>
 
@@ -4371,11 +4383,759 @@
           </a:p>
         </p:txBody>
       </p:sp>
+      <p:graphicFrame>
+        <p:nvGraphicFramePr>
+          <p:cNvPr id="4" name="Tabella 3"/>
+          <p:cNvGraphicFramePr>
+            <a:graphicFrameLocks noGrp="1"/>
+          </p:cNvGraphicFramePr>
+          <p:nvPr/>
+        </p:nvGraphicFramePr>
+        <p:xfrm>
+          <a:off x="0" y="1124744"/>
+          <a:ext cx="9144000" cy="5727549"/>
+        </p:xfrm>
+        <a:graphic>
+          <a:graphicData uri="http://schemas.openxmlformats.org/drawingml/2006/table">
+            <a:tbl>
+              <a:tblPr firstRow="1" bandRow="1">
+                <a:tableStyleId>{9D7B26C5-4107-4FEC-AEDC-1716B250A1EF}</a:tableStyleId>
+              </a:tblPr>
+              <a:tblGrid>
+                <a:gridCol w="1828800"/>
+                <a:gridCol w="1828800"/>
+                <a:gridCol w="1828800"/>
+                <a:gridCol w="1828800"/>
+                <a:gridCol w="1828800"/>
+              </a:tblGrid>
+              <a:tr h="537583">
+                <a:tc>
+                  <a:txBody>
+                    <a:bodyPr/>
+                    <a:lstStyle/>
+                    <a:p>
+                      <a:endParaRPr lang="it-IT" dirty="0"/>
+                    </a:p>
+                  </a:txBody>
+                  <a:tcPr/>
+                </a:tc>
+                <a:tc>
+                  <a:txBody>
+                    <a:bodyPr/>
+                    <a:lstStyle/>
+                    <a:p>
+                      <a:r>
+                        <a:rPr lang="it-IT" dirty="0" err="1" smtClean="0"/>
+                        <a:t>GitHub</a:t>
+                      </a:r>
+                      <a:endParaRPr lang="it-IT" dirty="0"/>
+                    </a:p>
+                  </a:txBody>
+                  <a:tcPr/>
+                </a:tc>
+                <a:tc>
+                  <a:txBody>
+                    <a:bodyPr/>
+                    <a:lstStyle/>
+                    <a:p>
+                      <a:r>
+                        <a:rPr lang="it-IT" dirty="0" err="1" smtClean="0"/>
+                        <a:t>Bitbucket</a:t>
+                      </a:r>
+                      <a:endParaRPr lang="it-IT" dirty="0"/>
+                    </a:p>
+                  </a:txBody>
+                  <a:tcPr/>
+                </a:tc>
+                <a:tc>
+                  <a:txBody>
+                    <a:bodyPr/>
+                    <a:lstStyle/>
+                    <a:p>
+                      <a:r>
+                        <a:rPr lang="it-IT" dirty="0" err="1" smtClean="0"/>
+                        <a:t>SourceForge</a:t>
+                      </a:r>
+                      <a:endParaRPr lang="it-IT" dirty="0"/>
+                    </a:p>
+                  </a:txBody>
+                  <a:tcPr/>
+                </a:tc>
+                <a:tc>
+                  <a:txBody>
+                    <a:bodyPr/>
+                    <a:lstStyle/>
+                    <a:p>
+                      <a:r>
+                        <a:rPr lang="it-IT" dirty="0" err="1" smtClean="0"/>
+                        <a:t>GitLab</a:t>
+                      </a:r>
+                      <a:endParaRPr lang="it-IT" dirty="0"/>
+                    </a:p>
+                  </a:txBody>
+                  <a:tcPr/>
+                </a:tc>
+              </a:tr>
+              <a:tr h="537583">
+                <a:tc>
+                  <a:txBody>
+                    <a:bodyPr/>
+                    <a:lstStyle/>
+                    <a:p>
+                      <a:r>
+                        <a:rPr lang="it-IT" dirty="0" smtClean="0"/>
+                        <a:t>Costo</a:t>
+                      </a:r>
+                      <a:endParaRPr lang="it-IT" dirty="0"/>
+                    </a:p>
+                  </a:txBody>
+                  <a:tcPr/>
+                </a:tc>
+                <a:tc>
+                  <a:txBody>
+                    <a:bodyPr/>
+                    <a:lstStyle/>
+                    <a:p>
+                      <a:r>
+                        <a:rPr lang="it-IT" dirty="0" smtClean="0"/>
+                        <a:t>Gratuito</a:t>
+                      </a:r>
+                      <a:endParaRPr lang="it-IT" dirty="0"/>
+                    </a:p>
+                  </a:txBody>
+                  <a:tcPr/>
+                </a:tc>
+                <a:tc>
+                  <a:txBody>
+                    <a:bodyPr/>
+                    <a:lstStyle/>
+                    <a:p>
+                      <a:r>
+                        <a:rPr lang="it-IT" dirty="0" smtClean="0"/>
+                        <a:t>Gratuito</a:t>
+                      </a:r>
+                      <a:endParaRPr lang="it-IT" dirty="0"/>
+                    </a:p>
+                  </a:txBody>
+                  <a:tcPr/>
+                </a:tc>
+                <a:tc>
+                  <a:txBody>
+                    <a:bodyPr/>
+                    <a:lstStyle/>
+                    <a:p>
+                      <a:r>
+                        <a:rPr lang="it-IT" dirty="0" smtClean="0"/>
+                        <a:t>Gratuito</a:t>
+                      </a:r>
+                      <a:endParaRPr lang="it-IT" dirty="0"/>
+                    </a:p>
+                  </a:txBody>
+                  <a:tcPr/>
+                </a:tc>
+                <a:tc>
+                  <a:txBody>
+                    <a:bodyPr/>
+                    <a:lstStyle/>
+                    <a:p>
+                      <a:r>
+                        <a:rPr lang="it-IT" dirty="0" smtClean="0"/>
+                        <a:t>Gratuito</a:t>
+                      </a:r>
+                      <a:endParaRPr lang="it-IT" dirty="0"/>
+                    </a:p>
+                  </a:txBody>
+                  <a:tcPr/>
+                </a:tc>
+              </a:tr>
+              <a:tr h="598734">
+                <a:tc>
+                  <a:txBody>
+                    <a:bodyPr/>
+                    <a:lstStyle/>
+                    <a:p>
+                      <a:r>
+                        <a:rPr lang="it-IT" dirty="0" err="1" smtClean="0"/>
+                        <a:t>Repository</a:t>
+                      </a:r>
+                      <a:r>
+                        <a:rPr lang="it-IT" dirty="0" smtClean="0"/>
+                        <a:t> private</a:t>
+                      </a:r>
+                      <a:endParaRPr lang="it-IT" dirty="0"/>
+                    </a:p>
+                  </a:txBody>
+                  <a:tcPr/>
+                </a:tc>
+                <a:tc>
+                  <a:txBody>
+                    <a:bodyPr/>
+                    <a:lstStyle/>
+                    <a:p>
+                      <a:r>
+                        <a:rPr lang="it-IT" dirty="0" smtClean="0"/>
+                        <a:t>A pagamento</a:t>
+                      </a:r>
+                      <a:endParaRPr lang="it-IT" dirty="0"/>
+                    </a:p>
+                  </a:txBody>
+                  <a:tcPr/>
+                </a:tc>
+                <a:tc>
+                  <a:txBody>
+                    <a:bodyPr/>
+                    <a:lstStyle/>
+                    <a:p>
+                      <a:r>
+                        <a:rPr lang="it-IT" dirty="0" smtClean="0"/>
+                        <a:t>Illimitate</a:t>
+                      </a:r>
+                      <a:r>
+                        <a:rPr lang="it-IT" baseline="0" dirty="0" smtClean="0"/>
+                        <a:t> e gratuite</a:t>
+                      </a:r>
+                      <a:endParaRPr lang="it-IT" dirty="0"/>
+                    </a:p>
+                  </a:txBody>
+                  <a:tcPr/>
+                </a:tc>
+                <a:tc>
+                  <a:txBody>
+                    <a:bodyPr/>
+                    <a:lstStyle/>
+                    <a:p>
+                      <a:r>
+                        <a:rPr lang="it-IT" dirty="0" smtClean="0"/>
+                        <a:t>Illimitate</a:t>
+                      </a:r>
+                      <a:r>
+                        <a:rPr lang="it-IT" baseline="0" dirty="0" smtClean="0"/>
+                        <a:t> e gratuite </a:t>
+                      </a:r>
+                    </a:p>
+                  </a:txBody>
+                  <a:tcPr/>
+                </a:tc>
+                <a:tc>
+                  <a:txBody>
+                    <a:bodyPr/>
+                    <a:lstStyle/>
+                    <a:p>
+                      <a:r>
+                        <a:rPr lang="it-IT" dirty="0" smtClean="0"/>
+                        <a:t>Illimitate e gratuite</a:t>
+                      </a:r>
+                      <a:endParaRPr lang="it-IT" dirty="0"/>
+                    </a:p>
+                  </a:txBody>
+                  <a:tcPr/>
+                </a:tc>
+              </a:tr>
+              <a:tr h="598734">
+                <a:tc>
+                  <a:txBody>
+                    <a:bodyPr/>
+                    <a:lstStyle/>
+                    <a:p>
+                      <a:r>
+                        <a:rPr lang="it-IT" dirty="0" err="1" smtClean="0"/>
+                        <a:t>Repository</a:t>
+                      </a:r>
+                      <a:endParaRPr lang="it-IT" dirty="0" smtClean="0"/>
+                    </a:p>
+                    <a:p>
+                      <a:r>
+                        <a:rPr lang="it-IT" dirty="0" smtClean="0"/>
+                        <a:t>pubbliche</a:t>
+                      </a:r>
+                      <a:endParaRPr lang="it-IT" dirty="0"/>
+                    </a:p>
+                  </a:txBody>
+                  <a:tcPr/>
+                </a:tc>
+                <a:tc>
+                  <a:txBody>
+                    <a:bodyPr/>
+                    <a:lstStyle/>
+                    <a:p>
+                      <a:r>
+                        <a:rPr lang="it-IT" dirty="0" smtClean="0"/>
+                        <a:t>Illimitate e gratuite</a:t>
+                      </a:r>
+                      <a:endParaRPr lang="it-IT" dirty="0"/>
+                    </a:p>
+                  </a:txBody>
+                  <a:tcPr/>
+                </a:tc>
+                <a:tc>
+                  <a:txBody>
+                    <a:bodyPr/>
+                    <a:lstStyle/>
+                    <a:p>
+                      <a:r>
+                        <a:rPr lang="it-IT" dirty="0" smtClean="0"/>
+                        <a:t>Illimitate e gratuite</a:t>
+                      </a:r>
+                      <a:endParaRPr lang="it-IT" dirty="0"/>
+                    </a:p>
+                  </a:txBody>
+                  <a:tcPr/>
+                </a:tc>
+                <a:tc>
+                  <a:txBody>
+                    <a:bodyPr/>
+                    <a:lstStyle/>
+                    <a:p>
+                      <a:r>
+                        <a:rPr lang="it-IT" dirty="0" smtClean="0"/>
+                        <a:t>Illimitate</a:t>
+                      </a:r>
+                      <a:r>
+                        <a:rPr lang="it-IT" baseline="0" dirty="0" smtClean="0"/>
+                        <a:t> e gratuite</a:t>
+                      </a:r>
+                      <a:endParaRPr lang="it-IT" dirty="0"/>
+                    </a:p>
+                  </a:txBody>
+                  <a:tcPr/>
+                </a:tc>
+                <a:tc>
+                  <a:txBody>
+                    <a:bodyPr/>
+                    <a:lstStyle/>
+                    <a:p>
+                      <a:r>
+                        <a:rPr lang="it-IT" dirty="0" smtClean="0"/>
+                        <a:t>Illimitate e </a:t>
+                      </a:r>
+                      <a:r>
+                        <a:rPr lang="it-IT" dirty="0" err="1" smtClean="0"/>
+                        <a:t>gratutite</a:t>
+                      </a:r>
+                      <a:endParaRPr lang="it-IT" dirty="0"/>
+                    </a:p>
+                  </a:txBody>
+                  <a:tcPr/>
+                </a:tc>
+              </a:tr>
+              <a:tr h="598734">
+                <a:tc>
+                  <a:txBody>
+                    <a:bodyPr/>
+                    <a:lstStyle/>
+                    <a:p>
+                      <a:r>
+                        <a:rPr lang="it-IT" dirty="0" smtClean="0"/>
+                        <a:t>Limite</a:t>
+                      </a:r>
+                      <a:r>
+                        <a:rPr lang="it-IT" baseline="0" dirty="0" smtClean="0"/>
+                        <a:t> di archiviazione</a:t>
+                      </a:r>
+                      <a:endParaRPr lang="it-IT" dirty="0"/>
+                    </a:p>
+                  </a:txBody>
+                  <a:tcPr/>
+                </a:tc>
+                <a:tc>
+                  <a:txBody>
+                    <a:bodyPr/>
+                    <a:lstStyle/>
+                    <a:p>
+                      <a:r>
+                        <a:rPr lang="it-IT" dirty="0" smtClean="0"/>
+                        <a:t>1 GB per </a:t>
+                      </a:r>
+                      <a:r>
+                        <a:rPr lang="it-IT" dirty="0" err="1" smtClean="0"/>
+                        <a:t>repository</a:t>
+                      </a:r>
+                      <a:endParaRPr lang="it-IT" dirty="0"/>
+                    </a:p>
+                  </a:txBody>
+                  <a:tcPr/>
+                </a:tc>
+                <a:tc>
+                  <a:txBody>
+                    <a:bodyPr/>
+                    <a:lstStyle/>
+                    <a:p>
+                      <a:r>
+                        <a:rPr lang="it-IT" dirty="0" smtClean="0"/>
+                        <a:t>2 GB per</a:t>
+                      </a:r>
+                      <a:r>
+                        <a:rPr lang="it-IT" baseline="0" dirty="0" smtClean="0"/>
+                        <a:t> </a:t>
+                      </a:r>
+                      <a:r>
+                        <a:rPr lang="it-IT" baseline="0" dirty="0" err="1" smtClean="0"/>
+                        <a:t>repository</a:t>
+                      </a:r>
+                      <a:endParaRPr lang="it-IT" dirty="0"/>
+                    </a:p>
+                  </a:txBody>
+                  <a:tcPr/>
+                </a:tc>
+                <a:tc>
+                  <a:txBody>
+                    <a:bodyPr/>
+                    <a:lstStyle/>
+                    <a:p>
+                      <a:r>
+                        <a:rPr lang="it-IT" dirty="0" smtClean="0"/>
+                        <a:t>Nessuno</a:t>
+                      </a:r>
+                      <a:endParaRPr lang="it-IT" dirty="0"/>
+                    </a:p>
+                  </a:txBody>
+                  <a:tcPr/>
+                </a:tc>
+                <a:tc>
+                  <a:txBody>
+                    <a:bodyPr/>
+                    <a:lstStyle/>
+                    <a:p>
+                      <a:r>
+                        <a:rPr lang="it-IT" dirty="0" smtClean="0"/>
+                        <a:t>Nessuno</a:t>
+                      </a:r>
+                      <a:endParaRPr lang="it-IT" dirty="0"/>
+                    </a:p>
+                  </a:txBody>
+                  <a:tcPr/>
+                </a:tc>
+              </a:tr>
+              <a:tr h="537583">
+                <a:tc>
+                  <a:txBody>
+                    <a:bodyPr/>
+                    <a:lstStyle/>
+                    <a:p>
+                      <a:r>
+                        <a:rPr lang="it-IT" dirty="0" smtClean="0"/>
+                        <a:t>Utenti</a:t>
+                      </a:r>
+                      <a:endParaRPr lang="it-IT" dirty="0"/>
+                    </a:p>
+                  </a:txBody>
+                  <a:tcPr/>
+                </a:tc>
+                <a:tc>
+                  <a:txBody>
+                    <a:bodyPr/>
+                    <a:lstStyle/>
+                    <a:p>
+                      <a:r>
+                        <a:rPr lang="it-IT" dirty="0" smtClean="0"/>
+                        <a:t>Illimitati</a:t>
+                      </a:r>
+                      <a:endParaRPr lang="it-IT" dirty="0"/>
+                    </a:p>
+                  </a:txBody>
+                  <a:tcPr/>
+                </a:tc>
+                <a:tc>
+                  <a:txBody>
+                    <a:bodyPr/>
+                    <a:lstStyle/>
+                    <a:p>
+                      <a:r>
+                        <a:rPr lang="it-IT" dirty="0" smtClean="0"/>
+                        <a:t>5 per gli account gratuiti</a:t>
+                      </a:r>
+                      <a:endParaRPr lang="it-IT" dirty="0"/>
+                    </a:p>
+                  </a:txBody>
+                  <a:tcPr/>
+                </a:tc>
+                <a:tc>
+                  <a:txBody>
+                    <a:bodyPr/>
+                    <a:lstStyle/>
+                    <a:p>
+                      <a:r>
+                        <a:rPr lang="it-IT" dirty="0" smtClean="0"/>
+                        <a:t>Non permette</a:t>
+                      </a:r>
+                      <a:r>
+                        <a:rPr lang="it-IT" baseline="0" dirty="0" smtClean="0"/>
+                        <a:t> la collaborazione</a:t>
+                      </a:r>
+                      <a:endParaRPr lang="it-IT" dirty="0"/>
+                    </a:p>
+                  </a:txBody>
+                  <a:tcPr/>
+                </a:tc>
+                <a:tc>
+                  <a:txBody>
+                    <a:bodyPr/>
+                    <a:lstStyle/>
+                    <a:p>
+                      <a:r>
+                        <a:rPr lang="it-IT" dirty="0" smtClean="0"/>
+                        <a:t>Illimitati</a:t>
+                      </a:r>
+                      <a:endParaRPr lang="it-IT" dirty="0"/>
+                    </a:p>
+                  </a:txBody>
+                  <a:tcPr/>
+                </a:tc>
+              </a:tr>
+              <a:tr h="855334">
+                <a:tc>
+                  <a:txBody>
+                    <a:bodyPr/>
+                    <a:lstStyle/>
+                    <a:p>
+                      <a:r>
+                        <a:rPr lang="it-IT" dirty="0" smtClean="0"/>
+                        <a:t>Tipi di sistemi di </a:t>
+                      </a:r>
+                      <a:r>
+                        <a:rPr lang="it-IT" baseline="0" dirty="0" smtClean="0"/>
+                        <a:t>  controllo di versione </a:t>
+                      </a:r>
+                      <a:endParaRPr lang="it-IT" dirty="0"/>
+                    </a:p>
+                  </a:txBody>
+                  <a:tcPr/>
+                </a:tc>
+                <a:tc>
+                  <a:txBody>
+                    <a:bodyPr/>
+                    <a:lstStyle/>
+                    <a:p>
+                      <a:r>
+                        <a:rPr lang="it-IT" dirty="0" err="1" smtClean="0"/>
+                        <a:t>Git</a:t>
+                      </a:r>
+                      <a:r>
+                        <a:rPr lang="it-IT" dirty="0" smtClean="0"/>
+                        <a:t> SVN</a:t>
+                      </a:r>
+                      <a:endParaRPr lang="it-IT" dirty="0"/>
+                    </a:p>
+                  </a:txBody>
+                  <a:tcPr/>
+                </a:tc>
+                <a:tc>
+                  <a:txBody>
+                    <a:bodyPr/>
+                    <a:lstStyle/>
+                    <a:p>
+                      <a:r>
+                        <a:rPr lang="it-IT" dirty="0" err="1" smtClean="0"/>
+                        <a:t>Git</a:t>
+                      </a:r>
+                      <a:r>
+                        <a:rPr lang="it-IT" dirty="0" smtClean="0"/>
+                        <a:t>, HG</a:t>
+                      </a:r>
+                    </a:p>
+                    <a:p>
+                      <a:endParaRPr lang="it-IT" dirty="0"/>
+                    </a:p>
+                  </a:txBody>
+                  <a:tcPr/>
+                </a:tc>
+                <a:tc>
+                  <a:txBody>
+                    <a:bodyPr/>
+                    <a:lstStyle/>
+                    <a:p>
+                      <a:r>
+                        <a:rPr lang="it-IT" dirty="0" err="1" smtClean="0"/>
+                        <a:t>Git</a:t>
+                      </a:r>
+                      <a:r>
+                        <a:rPr lang="it-IT" dirty="0" smtClean="0"/>
+                        <a:t> ,</a:t>
+                      </a:r>
+                      <a:r>
+                        <a:rPr lang="it-IT" baseline="0" dirty="0" smtClean="0"/>
+                        <a:t> SVN, HG</a:t>
+                      </a:r>
+                      <a:endParaRPr lang="it-IT" dirty="0"/>
+                    </a:p>
+                  </a:txBody>
+                  <a:tcPr/>
+                </a:tc>
+                <a:tc>
+                  <a:txBody>
+                    <a:bodyPr/>
+                    <a:lstStyle/>
+                    <a:p>
+                      <a:r>
+                        <a:rPr lang="it-IT" dirty="0" smtClean="0"/>
+                        <a:t>Nessuno</a:t>
+                      </a:r>
+                      <a:endParaRPr lang="it-IT" dirty="0"/>
+                    </a:p>
+                  </a:txBody>
+                  <a:tcPr/>
+                </a:tc>
+              </a:tr>
+              <a:tr h="537583">
+                <a:tc>
+                  <a:txBody>
+                    <a:bodyPr/>
+                    <a:lstStyle/>
+                    <a:p>
+                      <a:r>
+                        <a:rPr lang="it-IT" dirty="0" err="1" smtClean="0"/>
+                        <a:t>Wiki</a:t>
+                      </a:r>
+                      <a:endParaRPr lang="it-IT" dirty="0"/>
+                    </a:p>
+                  </a:txBody>
+                  <a:tcPr/>
+                </a:tc>
+                <a:tc>
+                  <a:txBody>
+                    <a:bodyPr/>
+                    <a:lstStyle/>
+                    <a:p>
+                      <a:r>
+                        <a:rPr lang="it-IT" dirty="0" smtClean="0"/>
+                        <a:t>Disponibile</a:t>
+                      </a:r>
+                      <a:endParaRPr lang="it-IT" dirty="0"/>
+                    </a:p>
+                  </a:txBody>
+                  <a:tcPr/>
+                </a:tc>
+                <a:tc>
+                  <a:txBody>
+                    <a:bodyPr/>
+                    <a:lstStyle/>
+                    <a:p>
+                      <a:r>
+                        <a:rPr lang="it-IT" dirty="0" smtClean="0"/>
+                        <a:t>Disponibile</a:t>
+                      </a:r>
+                      <a:endParaRPr lang="it-IT" dirty="0"/>
+                    </a:p>
+                  </a:txBody>
+                  <a:tcPr/>
+                </a:tc>
+                <a:tc>
+                  <a:txBody>
+                    <a:bodyPr/>
+                    <a:lstStyle/>
+                    <a:p>
+                      <a:r>
+                        <a:rPr lang="it-IT" dirty="0" smtClean="0"/>
+                        <a:t>Disponibile</a:t>
+                      </a:r>
+                      <a:endParaRPr lang="it-IT" dirty="0"/>
+                    </a:p>
+                  </a:txBody>
+                  <a:tcPr/>
+                </a:tc>
+                <a:tc>
+                  <a:txBody>
+                    <a:bodyPr/>
+                    <a:lstStyle/>
+                    <a:p>
+                      <a:r>
+                        <a:rPr lang="it-IT" dirty="0" smtClean="0"/>
+                        <a:t>Disponibile</a:t>
+                      </a:r>
+                      <a:endParaRPr lang="it-IT" dirty="0"/>
+                    </a:p>
+                  </a:txBody>
+                  <a:tcPr/>
+                </a:tc>
+              </a:tr>
+              <a:tr h="598734">
+                <a:tc>
+                  <a:txBody>
+                    <a:bodyPr/>
+                    <a:lstStyle/>
+                    <a:p>
+                      <a:r>
+                        <a:rPr lang="it-IT" dirty="0" smtClean="0"/>
+                        <a:t>Revisione del codice</a:t>
+                      </a:r>
+                      <a:endParaRPr lang="it-IT" dirty="0"/>
+                    </a:p>
+                  </a:txBody>
+                  <a:tcPr/>
+                </a:tc>
+                <a:tc>
+                  <a:txBody>
+                    <a:bodyPr/>
+                    <a:lstStyle/>
+                    <a:p>
+                      <a:r>
+                        <a:rPr lang="it-IT" dirty="0" smtClean="0"/>
+                        <a:t>Disponibile</a:t>
+                      </a:r>
+                      <a:endParaRPr lang="it-IT" dirty="0"/>
+                    </a:p>
+                  </a:txBody>
+                  <a:tcPr/>
+                </a:tc>
+                <a:tc>
+                  <a:txBody>
+                    <a:bodyPr/>
+                    <a:lstStyle/>
+                    <a:p>
+                      <a:r>
+                        <a:rPr lang="it-IT" dirty="0" smtClean="0"/>
+                        <a:t>Disponibile</a:t>
+                      </a:r>
+                      <a:endParaRPr lang="it-IT" dirty="0"/>
+                    </a:p>
+                  </a:txBody>
+                  <a:tcPr/>
+                </a:tc>
+                <a:tc>
+                  <a:txBody>
+                    <a:bodyPr/>
+                    <a:lstStyle/>
+                    <a:p>
+                      <a:r>
+                        <a:rPr lang="it-IT" dirty="0" smtClean="0"/>
+                        <a:t>Disponibile</a:t>
+                      </a:r>
+                      <a:endParaRPr lang="it-IT" dirty="0"/>
+                    </a:p>
+                  </a:txBody>
+                  <a:tcPr/>
+                </a:tc>
+                <a:tc>
+                  <a:txBody>
+                    <a:bodyPr/>
+                    <a:lstStyle/>
+                    <a:p>
+                      <a:r>
+                        <a:rPr lang="it-IT" dirty="0" smtClean="0"/>
+                        <a:t>Disponibile</a:t>
+                      </a:r>
+                      <a:endParaRPr lang="it-IT" dirty="0"/>
+                    </a:p>
+                  </a:txBody>
+                  <a:tcPr/>
+                </a:tc>
+              </a:tr>
+            </a:tbl>
+          </a:graphicData>
+        </a:graphic>
+      </p:graphicFrame>
     </p:spTree>
   </p:cSld>
   <p:clrMapOvr>
     <a:masterClrMapping/>
   </p:clrMapOvr>
+  <p:timing>
+    <p:tnLst>
+      <p:par>
+        <p:cTn id="1" dur="indefinite" restart="never" nodeType="tmRoot"/>
+      </p:par>
+    </p:tnLst>
+  </p:timing>
 </p:sld>
 </file>
 
@@ -4431,6 +5191,13 @@
   <p:clrMapOvr>
     <a:masterClrMapping/>
   </p:clrMapOvr>
+  <p:timing>
+    <p:tnLst>
+      <p:par>
+        <p:cTn id="1" dur="indefinite" restart="never" nodeType="tmRoot"/>
+      </p:par>
+    </p:tnLst>
+  </p:timing>
 </p:sld>
 </file>
 
@@ -5236,6 +6003,13 @@
   <p:clrMapOvr>
     <a:masterClrMapping/>
   </p:clrMapOvr>
+  <p:timing>
+    <p:tnLst>
+      <p:par>
+        <p:cTn id="1" dur="indefinite" restart="never" nodeType="tmRoot"/>
+      </p:par>
+    </p:tnLst>
+  </p:timing>
 </p:sld>
 </file>
 
@@ -5295,7 +6069,7 @@
         <p:spPr>
           <a:xfrm>
             <a:off x="179512" y="1628800"/>
-            <a:ext cx="8712968" cy="2585323"/>
+            <a:ext cx="8712968" cy="4154984"/>
           </a:xfrm>
           <a:prstGeom prst="rect">
             <a:avLst/>
@@ -5309,82 +6083,82 @@
           <a:lstStyle/>
           <a:p>
             <a:r>
-              <a:rPr lang="it-IT" dirty="0" smtClean="0"/>
+              <a:rPr lang="it-IT" sz="2400" dirty="0" smtClean="0"/>
               <a:t>Ogni volta che si opera una modifica in un file o un salvataggio dello stato, </a:t>
             </a:r>
             <a:r>
-              <a:rPr lang="it-IT" dirty="0" err="1" smtClean="0"/>
+              <a:rPr lang="it-IT" sz="2400" dirty="0" err="1" smtClean="0"/>
               <a:t>Git</a:t>
             </a:r>
             <a:r>
-              <a:rPr lang="it-IT" dirty="0" smtClean="0"/>
+              <a:rPr lang="it-IT" sz="2400" dirty="0" smtClean="0"/>
               <a:t> fa un’immagine di tutti i file modificati in quel momento, creando una serie di istantanee.</a:t>
             </a:r>
           </a:p>
           <a:p>
-            <a:endParaRPr lang="it-IT" dirty="0" smtClean="0"/>
-          </a:p>
-          <a:p>
-            <a:r>
-              <a:rPr lang="it-IT" dirty="0" smtClean="0"/>
+            <a:endParaRPr lang="it-IT" sz="2400" dirty="0" smtClean="0"/>
+          </a:p>
+          <a:p>
+            <a:r>
+              <a:rPr lang="it-IT" sz="2400" dirty="0" smtClean="0"/>
               <a:t>Controlla tramite </a:t>
             </a:r>
             <a:r>
-              <a:rPr lang="it-IT" dirty="0" err="1" smtClean="0"/>
+              <a:rPr lang="it-IT" sz="2400" dirty="0" err="1" smtClean="0"/>
               <a:t>checksum</a:t>
             </a:r>
             <a:r>
-              <a:rPr lang="it-IT" dirty="0" smtClean="0"/>
+              <a:rPr lang="it-IT" sz="2400" dirty="0" smtClean="0"/>
               <a:t> ogni operazione.</a:t>
             </a:r>
           </a:p>
           <a:p>
-            <a:endParaRPr lang="it-IT" dirty="0" smtClean="0"/>
-          </a:p>
-          <a:p>
-            <a:r>
-              <a:rPr lang="it-IT" dirty="0" smtClean="0"/>
+            <a:endParaRPr lang="it-IT" sz="2400" dirty="0" smtClean="0"/>
+          </a:p>
+          <a:p>
+            <a:r>
+              <a:rPr lang="it-IT" sz="2400" dirty="0" smtClean="0"/>
               <a:t>Utilizza il </a:t>
             </a:r>
             <a:r>
-              <a:rPr lang="it-IT" dirty="0" err="1" smtClean="0"/>
+              <a:rPr lang="it-IT" sz="2400" dirty="0" err="1" smtClean="0"/>
               <a:t>checksum</a:t>
             </a:r>
             <a:r>
-              <a:rPr lang="it-IT" dirty="0" smtClean="0"/>
+              <a:rPr lang="it-IT" sz="2400" dirty="0" smtClean="0"/>
               <a:t> denominato SHA-1.</a:t>
             </a:r>
           </a:p>
           <a:p>
-            <a:endParaRPr lang="it-IT" dirty="0" smtClean="0"/>
-          </a:p>
-          <a:p>
-            <a:r>
-              <a:rPr lang="it-IT" dirty="0" smtClean="0"/>
+            <a:endParaRPr lang="it-IT" sz="2400" dirty="0" smtClean="0"/>
+          </a:p>
+          <a:p>
+            <a:r>
+              <a:rPr lang="it-IT" sz="2400" dirty="0" smtClean="0"/>
               <a:t>SHA-1 è una funzione di </a:t>
             </a:r>
             <a:r>
-              <a:rPr lang="it-IT" dirty="0" err="1" smtClean="0"/>
+              <a:rPr lang="it-IT" sz="2400" dirty="0" err="1" smtClean="0"/>
               <a:t>hash</a:t>
             </a:r>
             <a:r>
-              <a:rPr lang="it-IT" dirty="0" smtClean="0"/>
+              <a:rPr lang="it-IT" sz="2400" dirty="0" smtClean="0"/>
               <a:t> crittografica che accetta un input e produce un valore di </a:t>
             </a:r>
             <a:r>
-              <a:rPr lang="it-IT" dirty="0" err="1" smtClean="0"/>
+              <a:rPr lang="it-IT" sz="2400" dirty="0" err="1" smtClean="0"/>
               <a:t>hash</a:t>
             </a:r>
             <a:r>
-              <a:rPr lang="it-IT" dirty="0" smtClean="0"/>
+              <a:rPr lang="it-IT" sz="2400" dirty="0" smtClean="0"/>
               <a:t> a  20 byte, denominato come </a:t>
             </a:r>
             <a:r>
-              <a:rPr lang="it-IT" dirty="0" err="1" smtClean="0"/>
+              <a:rPr lang="it-IT" sz="2400" dirty="0" err="1" smtClean="0"/>
               <a:t>digest</a:t>
             </a:r>
             <a:r>
-              <a:rPr lang="it-IT" dirty="0" smtClean="0"/>
+              <a:rPr lang="it-IT" sz="2400" dirty="0" smtClean="0"/>
               <a:t> del messaggio. </a:t>
             </a:r>
           </a:p>
@@ -5395,6 +6169,13 @@
   <p:clrMapOvr>
     <a:masterClrMapping/>
   </p:clrMapOvr>
+  <p:timing>
+    <p:tnLst>
+      <p:par>
+        <p:cTn id="1" dur="indefinite" restart="never" nodeType="tmRoot"/>
+      </p:par>
+    </p:tnLst>
+  </p:timing>
 </p:sld>
 </file>
 
@@ -5643,6 +6424,13 @@
   <p:clrMapOvr>
     <a:masterClrMapping/>
   </p:clrMapOvr>
+  <p:timing>
+    <p:tnLst>
+      <p:par>
+        <p:cTn id="1" dur="indefinite" restart="never" nodeType="tmRoot"/>
+      </p:par>
+    </p:tnLst>
+  </p:timing>
 </p:sld>
 </file>
 
@@ -5702,7 +6490,7 @@
         <p:spPr>
           <a:xfrm>
             <a:off x="0" y="2348880"/>
-            <a:ext cx="9144000" cy="2862322"/>
+            <a:ext cx="9144000" cy="4093428"/>
           </a:xfrm>
           <a:prstGeom prst="rect">
             <a:avLst/>
@@ -5720,23 +6508,23 @@
               <a:buChar char="•"/>
             </a:pPr>
             <a:r>
-              <a:rPr lang="it-IT" dirty="0" smtClean="0"/>
+              <a:rPr lang="it-IT" sz="2000" dirty="0" smtClean="0"/>
               <a:t>  </a:t>
             </a:r>
             <a:r>
-              <a:rPr lang="it-IT" dirty="0" err="1" smtClean="0"/>
+              <a:rPr lang="it-IT" sz="2000" dirty="0" err="1" smtClean="0"/>
               <a:t>git</a:t>
             </a:r>
             <a:r>
-              <a:rPr lang="it-IT" dirty="0" smtClean="0"/>
+              <a:rPr lang="it-IT" sz="2000" dirty="0" smtClean="0"/>
               <a:t> clone, per importare una </a:t>
             </a:r>
             <a:r>
-              <a:rPr lang="it-IT" dirty="0" err="1" smtClean="0"/>
+              <a:rPr lang="it-IT" sz="2000" dirty="0" err="1" smtClean="0"/>
               <a:t>repository</a:t>
             </a:r>
             <a:r>
-              <a:rPr lang="it-IT" dirty="0" smtClean="0"/>
+              <a:rPr lang="it-IT" sz="2000" dirty="0" smtClean="0"/>
               <a:t> esistente</a:t>
             </a:r>
           </a:p>
@@ -5746,31 +6534,31 @@
               <a:buChar char="•"/>
             </a:pPr>
             <a:r>
-              <a:rPr lang="it-IT" dirty="0" smtClean="0"/>
+              <a:rPr lang="it-IT" sz="2000" dirty="0" smtClean="0"/>
               <a:t>  </a:t>
             </a:r>
             <a:r>
-              <a:rPr lang="it-IT" dirty="0" err="1" smtClean="0"/>
+              <a:rPr lang="it-IT" sz="2000" dirty="0" err="1" smtClean="0"/>
               <a:t>git</a:t>
             </a:r>
             <a:r>
-              <a:rPr lang="it-IT" dirty="0" smtClean="0"/>
+              <a:rPr lang="it-IT" sz="2000" dirty="0" smtClean="0"/>
               <a:t> </a:t>
             </a:r>
             <a:r>
-              <a:rPr lang="it-IT" dirty="0" err="1" smtClean="0"/>
+              <a:rPr lang="it-IT" sz="2000" dirty="0" err="1" smtClean="0"/>
               <a:t>init</a:t>
             </a:r>
             <a:r>
-              <a:rPr lang="it-IT" dirty="0" smtClean="0"/>
+              <a:rPr lang="it-IT" sz="2000" dirty="0" smtClean="0"/>
               <a:t>, per creare una </a:t>
             </a:r>
             <a:r>
-              <a:rPr lang="it-IT" dirty="0" err="1" smtClean="0"/>
+              <a:rPr lang="it-IT" sz="2000" dirty="0" err="1" smtClean="0"/>
               <a:t>repository</a:t>
             </a:r>
             <a:r>
-              <a:rPr lang="it-IT" dirty="0" smtClean="0"/>
+              <a:rPr lang="it-IT" sz="2000" dirty="0" smtClean="0"/>
               <a:t> </a:t>
             </a:r>
           </a:p>
@@ -5780,30 +6568,30 @@
               <a:buChar char="•"/>
             </a:pPr>
             <a:r>
-              <a:rPr lang="it-IT" dirty="0" smtClean="0"/>
+              <a:rPr lang="it-IT" sz="2000" dirty="0" smtClean="0"/>
               <a:t>  </a:t>
             </a:r>
             <a:r>
-              <a:rPr lang="it-IT" dirty="0" err="1" smtClean="0"/>
+              <a:rPr lang="it-IT" sz="2000" dirty="0" err="1" smtClean="0"/>
               <a:t>git</a:t>
             </a:r>
             <a:r>
-              <a:rPr lang="it-IT" dirty="0" smtClean="0"/>
+              <a:rPr lang="it-IT" sz="2000" dirty="0" smtClean="0"/>
               <a:t> </a:t>
             </a:r>
             <a:r>
-              <a:rPr lang="it-IT" dirty="0" err="1" smtClean="0"/>
+              <a:rPr lang="it-IT" sz="2000" dirty="0" err="1" smtClean="0"/>
               <a:t>add</a:t>
             </a:r>
             <a:r>
-              <a:rPr lang="it-IT" dirty="0" smtClean="0"/>
+              <a:rPr lang="it-IT" sz="2000" dirty="0" smtClean="0"/>
               <a:t>, per poter aggiungere un  file in area di stage o nella directory di </a:t>
             </a:r>
             <a:r>
-              <a:rPr lang="it-IT" dirty="0" err="1" smtClean="0"/>
+              <a:rPr lang="it-IT" sz="2000" dirty="0" err="1" smtClean="0"/>
               <a:t>git</a:t>
             </a:r>
-            <a:endParaRPr lang="it-IT" dirty="0" smtClean="0"/>
+            <a:endParaRPr lang="it-IT" sz="2000" dirty="0" smtClean="0"/>
           </a:p>
           <a:p>
             <a:pPr>
@@ -5811,31 +6599,31 @@
               <a:buChar char="•"/>
             </a:pPr>
             <a:r>
-              <a:rPr lang="it-IT" dirty="0" smtClean="0"/>
+              <a:rPr lang="it-IT" sz="2000" dirty="0" smtClean="0"/>
               <a:t>  </a:t>
             </a:r>
             <a:r>
-              <a:rPr lang="it-IT" dirty="0" err="1" smtClean="0"/>
+              <a:rPr lang="it-IT" sz="2000" dirty="0" err="1" smtClean="0"/>
               <a:t>git</a:t>
             </a:r>
             <a:r>
-              <a:rPr lang="it-IT" dirty="0" smtClean="0"/>
+              <a:rPr lang="it-IT" sz="2000" dirty="0" smtClean="0"/>
               <a:t> status, per conoscere lo stato dei file ( tracciato o non tracciato e </a:t>
             </a:r>
             <a:r>
-              <a:rPr lang="it-IT" dirty="0" err="1" smtClean="0"/>
+              <a:rPr lang="it-IT" sz="2000" dirty="0" err="1" smtClean="0"/>
               <a:t>unmodified</a:t>
             </a:r>
             <a:r>
-              <a:rPr lang="it-IT" dirty="0" smtClean="0"/>
+              <a:rPr lang="it-IT" sz="2000" dirty="0" smtClean="0"/>
               <a:t> o </a:t>
             </a:r>
             <a:r>
-              <a:rPr lang="it-IT" dirty="0" err="1" smtClean="0"/>
+              <a:rPr lang="it-IT" sz="2000" dirty="0" err="1" smtClean="0"/>
               <a:t>modified</a:t>
             </a:r>
             <a:r>
-              <a:rPr lang="it-IT" dirty="0" smtClean="0"/>
+              <a:rPr lang="it-IT" sz="2000" dirty="0" smtClean="0"/>
               <a:t>)</a:t>
             </a:r>
           </a:p>
@@ -5845,31 +6633,31 @@
               <a:buChar char="•"/>
             </a:pPr>
             <a:r>
-              <a:rPr lang="it-IT" dirty="0" smtClean="0"/>
+              <a:rPr lang="it-IT" sz="2000" dirty="0" smtClean="0"/>
               <a:t>  </a:t>
             </a:r>
             <a:r>
-              <a:rPr lang="it-IT" dirty="0" err="1" smtClean="0"/>
+              <a:rPr lang="it-IT" sz="2000" dirty="0" err="1" smtClean="0"/>
               <a:t>git</a:t>
             </a:r>
             <a:r>
-              <a:rPr lang="it-IT" dirty="0" smtClean="0"/>
+              <a:rPr lang="it-IT" sz="2000" dirty="0" smtClean="0"/>
               <a:t> </a:t>
             </a:r>
             <a:r>
-              <a:rPr lang="it-IT" dirty="0" err="1" smtClean="0"/>
+              <a:rPr lang="it-IT" sz="2000" dirty="0" err="1" smtClean="0"/>
               <a:t>diff</a:t>
             </a:r>
             <a:r>
-              <a:rPr lang="it-IT" dirty="0" smtClean="0"/>
+              <a:rPr lang="it-IT" sz="2000" dirty="0" smtClean="0"/>
               <a:t>, per conoscere le </a:t>
             </a:r>
             <a:r>
-              <a:rPr lang="it-IT" dirty="0" err="1" smtClean="0"/>
+              <a:rPr lang="it-IT" sz="2000" dirty="0" err="1" smtClean="0"/>
               <a:t>modifche</a:t>
             </a:r>
             <a:r>
-              <a:rPr lang="it-IT" dirty="0" smtClean="0"/>
+              <a:rPr lang="it-IT" sz="2000" dirty="0" smtClean="0"/>
               <a:t> di un file  presente in due aree diverse del progetto </a:t>
             </a:r>
           </a:p>
@@ -5879,23 +6667,23 @@
               <a:buChar char="•"/>
             </a:pPr>
             <a:r>
-              <a:rPr lang="it-IT" dirty="0" smtClean="0"/>
+              <a:rPr lang="it-IT" sz="2000" dirty="0" smtClean="0"/>
               <a:t>  </a:t>
             </a:r>
             <a:r>
-              <a:rPr lang="it-IT" dirty="0" err="1" smtClean="0"/>
+              <a:rPr lang="it-IT" sz="2000" dirty="0" err="1" smtClean="0"/>
               <a:t>git</a:t>
             </a:r>
             <a:r>
-              <a:rPr lang="it-IT" dirty="0" smtClean="0"/>
+              <a:rPr lang="it-IT" sz="2000" dirty="0" smtClean="0"/>
               <a:t> </a:t>
             </a:r>
             <a:r>
-              <a:rPr lang="it-IT" dirty="0" err="1" smtClean="0"/>
+              <a:rPr lang="it-IT" sz="2000" dirty="0" err="1" smtClean="0"/>
               <a:t>commit</a:t>
             </a:r>
             <a:r>
-              <a:rPr lang="it-IT" dirty="0" smtClean="0"/>
+              <a:rPr lang="it-IT" sz="2000" dirty="0" smtClean="0"/>
               <a:t>, per ufficializzare un file nel progetto</a:t>
             </a:r>
           </a:p>
@@ -5905,23 +6693,23 @@
               <a:buChar char="•"/>
             </a:pPr>
             <a:r>
-              <a:rPr lang="it-IT" dirty="0" smtClean="0"/>
+              <a:rPr lang="it-IT" sz="2000" dirty="0" smtClean="0"/>
               <a:t>  </a:t>
             </a:r>
             <a:r>
-              <a:rPr lang="it-IT" dirty="0" err="1" smtClean="0"/>
+              <a:rPr lang="it-IT" sz="2000" dirty="0" err="1" smtClean="0"/>
               <a:t>git</a:t>
             </a:r>
             <a:r>
-              <a:rPr lang="it-IT" dirty="0" smtClean="0"/>
+              <a:rPr lang="it-IT" sz="2000" dirty="0" smtClean="0"/>
               <a:t> checkout </a:t>
             </a:r>
             <a:r>
-              <a:rPr lang="it-IT" dirty="0" err="1" smtClean="0"/>
+              <a:rPr lang="it-IT" sz="2000" dirty="0" err="1" smtClean="0"/>
               <a:t>--</a:t>
             </a:r>
             <a:r>
-              <a:rPr lang="it-IT" dirty="0" smtClean="0"/>
+              <a:rPr lang="it-IT" sz="2000" dirty="0" smtClean="0"/>
               <a:t> , per eliminare tutte le modifiche</a:t>
             </a:r>
           </a:p>
@@ -5931,23 +6719,23 @@
               <a:buChar char="•"/>
             </a:pPr>
             <a:r>
-              <a:rPr lang="it-IT" dirty="0" smtClean="0"/>
+              <a:rPr lang="it-IT" sz="2000" dirty="0" smtClean="0"/>
               <a:t>  </a:t>
             </a:r>
             <a:r>
-              <a:rPr lang="it-IT" dirty="0" err="1" smtClean="0"/>
+              <a:rPr lang="it-IT" sz="2000" dirty="0" err="1" smtClean="0"/>
               <a:t>git</a:t>
             </a:r>
             <a:r>
-              <a:rPr lang="it-IT" dirty="0" smtClean="0"/>
+              <a:rPr lang="it-IT" sz="2000" dirty="0" smtClean="0"/>
               <a:t> </a:t>
             </a:r>
             <a:r>
-              <a:rPr lang="it-IT" dirty="0" err="1" smtClean="0"/>
+              <a:rPr lang="it-IT" sz="2000" dirty="0" err="1" smtClean="0"/>
               <a:t>rm</a:t>
             </a:r>
             <a:r>
-              <a:rPr lang="it-IT" dirty="0" smtClean="0"/>
+              <a:rPr lang="it-IT" sz="2000" dirty="0" smtClean="0"/>
               <a:t>, per rimuovere un file.</a:t>
             </a:r>
           </a:p>
@@ -5957,47 +6745,47 @@
               <a:buChar char="•"/>
             </a:pPr>
             <a:r>
-              <a:rPr lang="it-IT" dirty="0" smtClean="0"/>
+              <a:rPr lang="it-IT" sz="2000" dirty="0" smtClean="0"/>
               <a:t>  </a:t>
             </a:r>
             <a:r>
-              <a:rPr lang="it-IT" dirty="0" err="1" smtClean="0"/>
+              <a:rPr lang="it-IT" sz="2000" dirty="0" err="1" smtClean="0"/>
               <a:t>git</a:t>
             </a:r>
             <a:r>
-              <a:rPr lang="it-IT" dirty="0" smtClean="0"/>
+              <a:rPr lang="it-IT" sz="2000" dirty="0" smtClean="0"/>
               <a:t> </a:t>
             </a:r>
             <a:r>
-              <a:rPr lang="it-IT" dirty="0" err="1" smtClean="0"/>
+              <a:rPr lang="it-IT" sz="2000" dirty="0" err="1" smtClean="0"/>
               <a:t>mv</a:t>
             </a:r>
             <a:r>
-              <a:rPr lang="it-IT" dirty="0" smtClean="0"/>
+              <a:rPr lang="it-IT" sz="2000" dirty="0" smtClean="0"/>
               <a:t> </a:t>
             </a:r>
             <a:r>
-              <a:rPr lang="it-IT" dirty="0" err="1" smtClean="0"/>
+              <a:rPr lang="it-IT" sz="2000" dirty="0" err="1" smtClean="0"/>
               <a:t>nomefile</a:t>
             </a:r>
             <a:r>
-              <a:rPr lang="it-IT" dirty="0" smtClean="0"/>
+              <a:rPr lang="it-IT" sz="2000" dirty="0" smtClean="0"/>
               <a:t> </a:t>
             </a:r>
             <a:r>
-              <a:rPr lang="it-IT" dirty="0" err="1" smtClean="0"/>
+              <a:rPr lang="it-IT" sz="2000" dirty="0" err="1" smtClean="0"/>
               <a:t>nomenuovofile</a:t>
             </a:r>
             <a:r>
-              <a:rPr lang="it-IT" dirty="0" smtClean="0"/>
+              <a:rPr lang="it-IT" sz="2000" dirty="0" smtClean="0"/>
               <a:t>, per rinominare  un file ( </a:t>
             </a:r>
             <a:r>
-              <a:rPr lang="it-IT" dirty="0" err="1" smtClean="0"/>
+              <a:rPr lang="it-IT" sz="2000" dirty="0" err="1" smtClean="0"/>
               <a:t>Git</a:t>
             </a:r>
             <a:r>
-              <a:rPr lang="it-IT" dirty="0" smtClean="0"/>
+              <a:rPr lang="it-IT" sz="2000" dirty="0" smtClean="0"/>
               <a:t> non traccia questa operazione)</a:t>
             </a:r>
           </a:p>
@@ -6007,22 +6795,22 @@
               <a:buChar char="•"/>
             </a:pPr>
             <a:r>
-              <a:rPr lang="it-IT" dirty="0" smtClean="0"/>
+              <a:rPr lang="it-IT" sz="2000" dirty="0" smtClean="0"/>
               <a:t>  </a:t>
             </a:r>
             <a:r>
-              <a:rPr lang="it-IT" dirty="0" err="1" smtClean="0"/>
+              <a:rPr lang="it-IT" sz="2000" dirty="0" err="1" smtClean="0"/>
               <a:t>git</a:t>
             </a:r>
             <a:r>
-              <a:rPr lang="it-IT" dirty="0" smtClean="0"/>
+              <a:rPr lang="it-IT" sz="2000" dirty="0" smtClean="0"/>
               <a:t> log, per controllare la cronologia delle </a:t>
             </a:r>
             <a:r>
-              <a:rPr lang="it-IT" dirty="0" err="1" smtClean="0"/>
+              <a:rPr lang="it-IT" sz="2000" dirty="0" err="1" smtClean="0"/>
               <a:t>commit</a:t>
             </a:r>
-            <a:endParaRPr lang="it-IT" dirty="0" smtClean="0"/>
+            <a:endParaRPr lang="it-IT" sz="2000" dirty="0" smtClean="0"/>
           </a:p>
         </p:txBody>
       </p:sp>
@@ -6031,6 +6819,13 @@
   <p:clrMapOvr>
     <a:masterClrMapping/>
   </p:clrMapOvr>
+  <p:timing>
+    <p:tnLst>
+      <p:par>
+        <p:cTn id="1" dur="indefinite" restart="never" nodeType="tmRoot"/>
+      </p:par>
+    </p:tnLst>
+  </p:timing>
 </p:sld>
 </file>
 
@@ -6090,7 +6885,7 @@
         <p:spPr>
           <a:xfrm>
             <a:off x="0" y="1700808"/>
-            <a:ext cx="9144000" cy="3139321"/>
+            <a:ext cx="9144000" cy="5170646"/>
           </a:xfrm>
           <a:prstGeom prst="rect">
             <a:avLst/>
@@ -6104,18 +6899,18 @@
           <a:lstStyle/>
           <a:p>
             <a:r>
-              <a:rPr lang="it-IT" dirty="0" smtClean="0"/>
+              <a:rPr lang="it-IT" sz="2400" dirty="0" smtClean="0"/>
               <a:t>Permettono  di  contrassegnare i  file e  mantenere una migliore gestione della cronologia.</a:t>
             </a:r>
           </a:p>
           <a:p>
             <a:r>
-              <a:rPr lang="it-IT" dirty="0" smtClean="0"/>
+              <a:rPr lang="it-IT" sz="2400" dirty="0" smtClean="0"/>
               <a:t>Esistono due tipi di etichette:</a:t>
             </a:r>
           </a:p>
           <a:p>
-            <a:endParaRPr lang="it-IT" dirty="0" smtClean="0"/>
+            <a:endParaRPr lang="it-IT" sz="2400" dirty="0" smtClean="0"/>
           </a:p>
           <a:p>
             <a:pPr>
@@ -6123,15 +6918,15 @@
               <a:buChar char="•"/>
             </a:pPr>
             <a:r>
-              <a:rPr lang="it-IT" dirty="0" smtClean="0"/>
+              <a:rPr lang="it-IT" sz="2400" dirty="0" smtClean="0"/>
               <a:t>  Semplici,  semplice riferimento ad un </a:t>
             </a:r>
             <a:r>
-              <a:rPr lang="it-IT" dirty="0" err="1" smtClean="0"/>
+              <a:rPr lang="it-IT" sz="2400" dirty="0" err="1" smtClean="0"/>
               <a:t>commit</a:t>
             </a:r>
             <a:r>
-              <a:rPr lang="it-IT" dirty="0" smtClean="0"/>
+              <a:rPr lang="it-IT" sz="2400" dirty="0" smtClean="0"/>
               <a:t> specifico</a:t>
             </a:r>
           </a:p>
@@ -6141,24 +6936,24 @@
               <a:buChar char="•"/>
             </a:pPr>
             <a:r>
-              <a:rPr lang="it-IT" dirty="0" smtClean="0"/>
+              <a:rPr lang="it-IT" sz="2400" dirty="0" smtClean="0"/>
               <a:t>  Annotate, oggetti complessi , ne viene calcolato il </a:t>
             </a:r>
             <a:r>
-              <a:rPr lang="it-IT" dirty="0" err="1" smtClean="0"/>
+              <a:rPr lang="it-IT" sz="2400" dirty="0" err="1" smtClean="0"/>
               <a:t>checksum</a:t>
             </a:r>
             <a:r>
-              <a:rPr lang="it-IT" dirty="0" smtClean="0"/>
+              <a:rPr lang="it-IT" sz="2400" dirty="0" smtClean="0"/>
               <a:t>, possono essere firmate con GPG</a:t>
             </a:r>
           </a:p>
           <a:p>
-            <a:endParaRPr lang="it-IT" dirty="0" smtClean="0"/>
-          </a:p>
-          <a:p>
-            <a:r>
-              <a:rPr lang="it-IT" dirty="0" smtClean="0"/>
+            <a:endParaRPr lang="it-IT" sz="2400" dirty="0" smtClean="0"/>
+          </a:p>
+          <a:p>
+            <a:r>
+              <a:rPr lang="it-IT" sz="2400" dirty="0" smtClean="0"/>
               <a:t>Comandi utili:</a:t>
             </a:r>
           </a:p>
@@ -6168,23 +6963,23 @@
               <a:buChar char="•"/>
             </a:pPr>
             <a:r>
-              <a:rPr lang="it-IT" dirty="0" smtClean="0"/>
+              <a:rPr lang="it-IT" sz="2400" dirty="0" smtClean="0"/>
               <a:t>  </a:t>
             </a:r>
             <a:r>
-              <a:rPr lang="it-IT" dirty="0" err="1" smtClean="0"/>
+              <a:rPr lang="it-IT" sz="2400" dirty="0" err="1" smtClean="0"/>
               <a:t>git</a:t>
             </a:r>
             <a:r>
-              <a:rPr lang="it-IT" dirty="0" smtClean="0"/>
+              <a:rPr lang="it-IT" sz="2400" dirty="0" smtClean="0"/>
               <a:t> </a:t>
             </a:r>
             <a:r>
-              <a:rPr lang="it-IT" dirty="0" err="1" smtClean="0"/>
+              <a:rPr lang="it-IT" sz="2400" dirty="0" err="1" smtClean="0"/>
               <a:t>tag</a:t>
             </a:r>
             <a:r>
-              <a:rPr lang="it-IT" dirty="0" smtClean="0"/>
+              <a:rPr lang="it-IT" sz="2400" dirty="0" smtClean="0"/>
               <a:t>, per creare una etichetta ( -a per creare le etichette Annotate)</a:t>
             </a:r>
           </a:p>
@@ -6194,23 +6989,23 @@
               <a:buChar char="•"/>
             </a:pPr>
             <a:r>
-              <a:rPr lang="it-IT" dirty="0" smtClean="0"/>
+              <a:rPr lang="it-IT" sz="2400" dirty="0" smtClean="0"/>
               <a:t>  </a:t>
             </a:r>
             <a:r>
-              <a:rPr lang="it-IT" dirty="0" err="1" smtClean="0"/>
+              <a:rPr lang="it-IT" sz="2400" dirty="0" err="1" smtClean="0"/>
               <a:t>git</a:t>
             </a:r>
             <a:r>
-              <a:rPr lang="it-IT" dirty="0" smtClean="0"/>
+              <a:rPr lang="it-IT" sz="2400" dirty="0" smtClean="0"/>
               <a:t> show per ottenere tutte le  informazioni aggiuntive ( nome, </a:t>
             </a:r>
             <a:r>
-              <a:rPr lang="it-IT" dirty="0" err="1" smtClean="0"/>
+              <a:rPr lang="it-IT" sz="2400" dirty="0" err="1" smtClean="0"/>
               <a:t>email</a:t>
             </a:r>
             <a:r>
-              <a:rPr lang="it-IT" dirty="0" smtClean="0"/>
+              <a:rPr lang="it-IT" sz="2400" dirty="0" smtClean="0"/>
               <a:t> e data del creatore)</a:t>
             </a:r>
           </a:p>
@@ -6220,23 +7015,23 @@
               <a:buChar char="•"/>
             </a:pPr>
             <a:r>
-              <a:rPr lang="it-IT" dirty="0" smtClean="0"/>
+              <a:rPr lang="it-IT" sz="2400" dirty="0" smtClean="0"/>
               <a:t>  </a:t>
             </a:r>
             <a:r>
-              <a:rPr lang="it-IT" dirty="0" err="1" smtClean="0"/>
+              <a:rPr lang="it-IT" sz="2400" dirty="0" err="1" smtClean="0"/>
               <a:t>git</a:t>
             </a:r>
             <a:r>
-              <a:rPr lang="it-IT" dirty="0" smtClean="0"/>
+              <a:rPr lang="it-IT" sz="2400" dirty="0" smtClean="0"/>
               <a:t> </a:t>
             </a:r>
             <a:r>
-              <a:rPr lang="it-IT" dirty="0" err="1" smtClean="0"/>
+              <a:rPr lang="it-IT" sz="2400" dirty="0" err="1" smtClean="0"/>
               <a:t>tag</a:t>
             </a:r>
             <a:r>
-              <a:rPr lang="it-IT" dirty="0" smtClean="0"/>
+              <a:rPr lang="it-IT" sz="2400" dirty="0" smtClean="0"/>
               <a:t>, per creare un elenco di tutte le etichette create</a:t>
             </a:r>
           </a:p>
@@ -6250,6 +7045,13 @@
   <p:clrMapOvr>
     <a:masterClrMapping/>
   </p:clrMapOvr>
+  <p:timing>
+    <p:tnLst>
+      <p:par>
+        <p:cTn id="1" dur="indefinite" restart="never" nodeType="tmRoot"/>
+      </p:par>
+    </p:tnLst>
+  </p:timing>
 </p:sld>
 </file>
 
@@ -6342,6 +7144,13 @@
   <p:clrMapOvr>
     <a:masterClrMapping/>
   </p:clrMapOvr>
+  <p:timing>
+    <p:tnLst>
+      <p:par>
+        <p:cTn id="1" dur="indefinite" restart="never" nodeType="tmRoot"/>
+      </p:par>
+    </p:tnLst>
+  </p:timing>
 </p:sld>
 </file>
 

--- a/Presentazione tesi.pptx
+++ b/Presentazione tesi.pptx
@@ -2,24 +2,26 @@
 <file path=ppt/presentation.xml><?xml version="1.0" encoding="utf-8"?>
 <p:presentation xmlns:a="http://schemas.openxmlformats.org/drawingml/2006/main" xmlns:r="http://schemas.openxmlformats.org/officeDocument/2006/relationships" xmlns:p="http://schemas.openxmlformats.org/presentationml/2006/main" saveSubsetFonts="1">
   <p:sldMasterIdLst>
-    <p:sldMasterId id="2147483648" r:id="rId1"/>
+    <p:sldMasterId id="2147483732" r:id="rId1"/>
   </p:sldMasterIdLst>
   <p:sldIdLst>
     <p:sldId id="256" r:id="rId2"/>
     <p:sldId id="257" r:id="rId3"/>
-    <p:sldId id="258" r:id="rId4"/>
-    <p:sldId id="259" r:id="rId5"/>
-    <p:sldId id="260" r:id="rId6"/>
-    <p:sldId id="261" r:id="rId7"/>
-    <p:sldId id="262" r:id="rId8"/>
-    <p:sldId id="263" r:id="rId9"/>
-    <p:sldId id="264" r:id="rId10"/>
-    <p:sldId id="265" r:id="rId11"/>
-    <p:sldId id="266" r:id="rId12"/>
-    <p:sldId id="267" r:id="rId13"/>
-    <p:sldId id="268" r:id="rId14"/>
-    <p:sldId id="269" r:id="rId15"/>
-    <p:sldId id="270" r:id="rId16"/>
+    <p:sldId id="271" r:id="rId4"/>
+    <p:sldId id="258" r:id="rId5"/>
+    <p:sldId id="259" r:id="rId6"/>
+    <p:sldId id="260" r:id="rId7"/>
+    <p:sldId id="261" r:id="rId8"/>
+    <p:sldId id="262" r:id="rId9"/>
+    <p:sldId id="263" r:id="rId10"/>
+    <p:sldId id="264" r:id="rId11"/>
+    <p:sldId id="265" r:id="rId12"/>
+    <p:sldId id="266" r:id="rId13"/>
+    <p:sldId id="267" r:id="rId14"/>
+    <p:sldId id="268" r:id="rId15"/>
+    <p:sldId id="269" r:id="rId16"/>
+    <p:sldId id="270" r:id="rId17"/>
+    <p:sldId id="272" r:id="rId18"/>
   </p:sldIdLst>
   <p:sldSz cx="9144000" cy="6858000" type="screen4x3"/>
   <p:notesSz cx="6858000" cy="9144000"/>
@@ -140,7 +142,78 @@
       </p:grpSpPr>
       <p:sp>
         <p:nvSpPr>
-          <p:cNvPr id="2" name="Titolo 1"/>
+          <p:cNvPr id="7" name="Triangolo isoscele 6"/>
+          <p:cNvSpPr/>
+          <p:nvPr/>
+        </p:nvSpPr>
+        <p:spPr>
+          <a:xfrm rot="16200000">
+            <a:off x="7554353" y="5254283"/>
+            <a:ext cx="1892949" cy="1294228"/>
+          </a:xfrm>
+          <a:prstGeom prst="triangle">
+            <a:avLst>
+              <a:gd name="adj" fmla="val 51323"/>
+            </a:avLst>
+          </a:prstGeom>
+          <a:gradFill flip="none" rotWithShape="1">
+            <a:gsLst>
+              <a:gs pos="0">
+                <a:schemeClr val="accent1">
+                  <a:shade val="30000"/>
+                  <a:satMod val="155000"/>
+                  <a:alpha val="100000"/>
+                </a:schemeClr>
+              </a:gs>
+              <a:gs pos="60000">
+                <a:schemeClr val="accent1">
+                  <a:satMod val="160000"/>
+                  <a:alpha val="100000"/>
+                </a:schemeClr>
+              </a:gs>
+              <a:gs pos="100000">
+                <a:schemeClr val="accent1">
+                  <a:tint val="70000"/>
+                  <a:satMod val="200000"/>
+                  <a:alpha val="100000"/>
+                </a:schemeClr>
+              </a:gs>
+            </a:gsLst>
+            <a:lin ang="15500000" scaled="1"/>
+            <a:tileRect/>
+          </a:gradFill>
+          <a:ln w="38100" cap="rnd" cmpd="sng" algn="ctr">
+            <a:noFill/>
+            <a:prstDash val="solid"/>
+          </a:ln>
+          <a:effectLst/>
+        </p:spPr>
+        <p:style>
+          <a:lnRef idx="3">
+            <a:schemeClr val="lt1"/>
+          </a:lnRef>
+          <a:fillRef idx="1">
+            <a:schemeClr val="accent1"/>
+          </a:fillRef>
+          <a:effectRef idx="1">
+            <a:schemeClr val="accent1"/>
+          </a:effectRef>
+          <a:fontRef idx="minor">
+            <a:schemeClr val="lt1"/>
+          </a:fontRef>
+        </p:style>
+        <p:txBody>
+          <a:bodyPr anchor="ctr"/>
+          <a:lstStyle/>
+          <a:p>
+            <a:pPr algn="ctr" eaLnBrk="1" latinLnBrk="0" hangingPunct="1"/>
+            <a:endParaRPr kumimoji="0" lang="en-US"/>
+          </a:p>
+        </p:txBody>
+      </p:sp>
+      <p:sp>
+        <p:nvSpPr>
+          <p:cNvPr id="8" name="Titolo 7"/>
           <p:cNvSpPr>
             <a:spLocks noGrp="1"/>
           </p:cNvSpPr>
@@ -150,25 +223,31 @@
         </p:nvSpPr>
         <p:spPr>
           <a:xfrm>
-            <a:off x="685800" y="2130425"/>
-            <a:ext cx="7772400" cy="1470025"/>
-          </a:xfrm>
-        </p:spPr>
-        <p:txBody>
-          <a:bodyPr/>
-          <a:lstStyle/>
-          <a:p>
-            <a:r>
-              <a:rPr lang="it-IT" smtClean="0"/>
+            <a:off x="540544" y="776288"/>
+            <a:ext cx="8062912" cy="1470025"/>
+          </a:xfrm>
+        </p:spPr>
+        <p:txBody>
+          <a:bodyPr anchor="b">
+            <a:normAutofit/>
+          </a:bodyPr>
+          <a:lstStyle>
+            <a:lvl1pPr algn="r">
+              <a:defRPr sz="4400"/>
+            </a:lvl1pPr>
+          </a:lstStyle>
+          <a:p>
+            <a:r>
+              <a:rPr kumimoji="0" lang="it-IT" smtClean="0"/>
               <a:t>Fare clic per modificare lo stile del titolo</a:t>
             </a:r>
-            <a:endParaRPr lang="it-IT"/>
-          </a:p>
-        </p:txBody>
-      </p:sp>
-      <p:sp>
-        <p:nvSpPr>
-          <p:cNvPr id="3" name="Sottotitolo 2"/>
+            <a:endParaRPr kumimoji="0" lang="en-US"/>
+          </a:p>
+        </p:txBody>
+      </p:sp>
+      <p:sp>
+        <p:nvSpPr>
+          <p:cNvPr id="9" name="Sottotitolo 8"/>
           <p:cNvSpPr>
             <a:spLocks noGrp="1"/>
           </p:cNvSpPr>
@@ -178,16 +257,24 @@
         </p:nvSpPr>
         <p:spPr>
           <a:xfrm>
-            <a:off x="1371600" y="3886200"/>
-            <a:ext cx="6400800" cy="1752600"/>
+            <a:off x="540544" y="2250280"/>
+            <a:ext cx="8062912" cy="1752600"/>
           </a:xfrm>
         </p:spPr>
         <p:txBody>
           <a:bodyPr/>
           <a:lstStyle>
-            <a:lvl1pPr marL="0" indent="0" algn="ctr">
+            <a:lvl1pPr marL="0" marR="36576" indent="0" algn="r">
+              <a:spcBef>
+                <a:spcPts val="0"/>
+              </a:spcBef>
               <a:buNone/>
               <a:defRPr>
+                <a:ln>
+                  <a:solidFill>
+                    <a:schemeClr val="bg2"/>
+                  </a:solidFill>
+                </a:ln>
                 <a:solidFill>
                   <a:schemeClr val="tx1">
                     <a:tint val="75000"/>
@@ -197,97 +284,41 @@
             </a:lvl1pPr>
             <a:lvl2pPr marL="457200" indent="0" algn="ctr">
               <a:buNone/>
-              <a:defRPr>
-                <a:solidFill>
-                  <a:schemeClr val="tx1">
-                    <a:tint val="75000"/>
-                  </a:schemeClr>
-                </a:solidFill>
-              </a:defRPr>
             </a:lvl2pPr>
             <a:lvl3pPr marL="914400" indent="0" algn="ctr">
               <a:buNone/>
-              <a:defRPr>
-                <a:solidFill>
-                  <a:schemeClr val="tx1">
-                    <a:tint val="75000"/>
-                  </a:schemeClr>
-                </a:solidFill>
-              </a:defRPr>
             </a:lvl3pPr>
             <a:lvl4pPr marL="1371600" indent="0" algn="ctr">
               <a:buNone/>
-              <a:defRPr>
-                <a:solidFill>
-                  <a:schemeClr val="tx1">
-                    <a:tint val="75000"/>
-                  </a:schemeClr>
-                </a:solidFill>
-              </a:defRPr>
             </a:lvl4pPr>
             <a:lvl5pPr marL="1828800" indent="0" algn="ctr">
               <a:buNone/>
-              <a:defRPr>
-                <a:solidFill>
-                  <a:schemeClr val="tx1">
-                    <a:tint val="75000"/>
-                  </a:schemeClr>
-                </a:solidFill>
-              </a:defRPr>
             </a:lvl5pPr>
             <a:lvl6pPr marL="2286000" indent="0" algn="ctr">
               <a:buNone/>
-              <a:defRPr>
-                <a:solidFill>
-                  <a:schemeClr val="tx1">
-                    <a:tint val="75000"/>
-                  </a:schemeClr>
-                </a:solidFill>
-              </a:defRPr>
             </a:lvl6pPr>
             <a:lvl7pPr marL="2743200" indent="0" algn="ctr">
               <a:buNone/>
-              <a:defRPr>
-                <a:solidFill>
-                  <a:schemeClr val="tx1">
-                    <a:tint val="75000"/>
-                  </a:schemeClr>
-                </a:solidFill>
-              </a:defRPr>
             </a:lvl7pPr>
             <a:lvl8pPr marL="3200400" indent="0" algn="ctr">
               <a:buNone/>
-              <a:defRPr>
-                <a:solidFill>
-                  <a:schemeClr val="tx1">
-                    <a:tint val="75000"/>
-                  </a:schemeClr>
-                </a:solidFill>
-              </a:defRPr>
             </a:lvl8pPr>
             <a:lvl9pPr marL="3657600" indent="0" algn="ctr">
               <a:buNone/>
-              <a:defRPr>
-                <a:solidFill>
-                  <a:schemeClr val="tx1">
-                    <a:tint val="75000"/>
-                  </a:schemeClr>
-                </a:solidFill>
-              </a:defRPr>
             </a:lvl9pPr>
           </a:lstStyle>
           <a:p>
             <a:r>
-              <a:rPr lang="it-IT" smtClean="0"/>
+              <a:rPr kumimoji="0" lang="it-IT" smtClean="0"/>
               <a:t>Fare clic per modificare lo stile del sottotitolo dello schema</a:t>
             </a:r>
-            <a:endParaRPr lang="it-IT"/>
-          </a:p>
-        </p:txBody>
-      </p:sp>
-      <p:sp>
-        <p:nvSpPr>
-          <p:cNvPr id="4" name="Segnaposto data 3"/>
+            <a:endParaRPr kumimoji="0" lang="en-US"/>
+          </a:p>
+        </p:txBody>
+      </p:sp>
+      <p:sp>
+        <p:nvSpPr>
+          <p:cNvPr id="28" name="Segnaposto data 27"/>
           <p:cNvSpPr>
             <a:spLocks noGrp="1"/>
           </p:cNvSpPr>
@@ -295,10 +326,19 @@
             <p:ph type="dt" sz="half" idx="10"/>
           </p:nvPr>
         </p:nvSpPr>
-        <p:spPr/>
-        <p:txBody>
-          <a:bodyPr/>
-          <a:lstStyle/>
+        <p:spPr>
+          <a:xfrm>
+            <a:off x="1371600" y="6012656"/>
+            <a:ext cx="5791200" cy="365125"/>
+          </a:xfrm>
+        </p:spPr>
+        <p:txBody>
+          <a:bodyPr tIns="0" bIns="0" anchor="t"/>
+          <a:lstStyle>
+            <a:lvl1pPr algn="r">
+              <a:defRPr sz="1000"/>
+            </a:lvl1pPr>
+          </a:lstStyle>
           <a:p>
             <a:fld id="{4B6055F8-1D02-4417-9241-55C834FD9970}" type="datetimeFigureOut">
               <a:rPr lang="it-IT" smtClean="0"/>
@@ -311,7 +351,7 @@
       </p:sp>
       <p:sp>
         <p:nvSpPr>
-          <p:cNvPr id="5" name="Segnaposto piè di pagina 4"/>
+          <p:cNvPr id="17" name="Segnaposto piè di pagina 16"/>
           <p:cNvSpPr>
             <a:spLocks noGrp="1"/>
           </p:cNvSpPr>
@@ -319,10 +359,19 @@
             <p:ph type="ftr" sz="quarter" idx="11"/>
           </p:nvPr>
         </p:nvSpPr>
-        <p:spPr/>
-        <p:txBody>
-          <a:bodyPr/>
-          <a:lstStyle/>
+        <p:spPr>
+          <a:xfrm>
+            <a:off x="1371600" y="5650704"/>
+            <a:ext cx="5791200" cy="365125"/>
+          </a:xfrm>
+        </p:spPr>
+        <p:txBody>
+          <a:bodyPr tIns="0" bIns="0" anchor="b"/>
+          <a:lstStyle>
+            <a:lvl1pPr algn="r">
+              <a:defRPr sz="1100"/>
+            </a:lvl1pPr>
+          </a:lstStyle>
           <a:p>
             <a:endParaRPr lang="it-IT"/>
           </a:p>
@@ -330,7 +379,7 @@
       </p:sp>
       <p:sp>
         <p:nvSpPr>
-          <p:cNvPr id="6" name="Segnaposto numero diapositiva 5"/>
+          <p:cNvPr id="29" name="Segnaposto numero diapositiva 28"/>
           <p:cNvSpPr>
             <a:spLocks noGrp="1"/>
           </p:cNvSpPr>
@@ -338,10 +387,23 @@
             <p:ph type="sldNum" sz="quarter" idx="12"/>
           </p:nvPr>
         </p:nvSpPr>
-        <p:spPr/>
-        <p:txBody>
-          <a:bodyPr/>
-          <a:lstStyle/>
+        <p:spPr>
+          <a:xfrm>
+            <a:off x="8392247" y="5752307"/>
+            <a:ext cx="502920" cy="365125"/>
+          </a:xfrm>
+        </p:spPr>
+        <p:txBody>
+          <a:bodyPr anchor="ctr"/>
+          <a:lstStyle>
+            <a:lvl1pPr algn="ctr">
+              <a:defRPr sz="1300">
+                <a:solidFill>
+                  <a:srgbClr val="FFFFFF"/>
+                </a:solidFill>
+              </a:defRPr>
+            </a:lvl1pPr>
+          </a:lstStyle>
           <a:p>
             <a:fld id="{B007B441-5312-499D-93C3-6E37886527FA}" type="slidenum">
               <a:rPr lang="it-IT" smtClean="0"/>
@@ -393,10 +455,10 @@
           <a:lstStyle/>
           <a:p>
             <a:r>
-              <a:rPr lang="it-IT" smtClean="0"/>
+              <a:rPr kumimoji="0" lang="it-IT" smtClean="0"/>
               <a:t>Fare clic per modificare lo stile del titolo</a:t>
             </a:r>
-            <a:endParaRPr lang="it-IT"/>
+            <a:endParaRPr kumimoji="0" lang="en-US"/>
           </a:p>
         </p:txBody>
       </p:sp>
@@ -415,40 +477,40 @@
           <a:bodyPr vert="eaVert"/>
           <a:lstStyle/>
           <a:p>
-            <a:pPr lvl="0"/>
+            <a:pPr lvl="0" eaLnBrk="1" latinLnBrk="0" hangingPunct="1"/>
             <a:r>
               <a:rPr lang="it-IT" smtClean="0"/>
               <a:t>Fare clic per modificare stili del testo dello schema</a:t>
             </a:r>
           </a:p>
           <a:p>
-            <a:pPr lvl="1"/>
+            <a:pPr lvl="1" eaLnBrk="1" latinLnBrk="0" hangingPunct="1"/>
             <a:r>
               <a:rPr lang="it-IT" smtClean="0"/>
               <a:t>Secondo livello</a:t>
             </a:r>
           </a:p>
           <a:p>
-            <a:pPr lvl="2"/>
+            <a:pPr lvl="2" eaLnBrk="1" latinLnBrk="0" hangingPunct="1"/>
             <a:r>
               <a:rPr lang="it-IT" smtClean="0"/>
               <a:t>Terzo livello</a:t>
             </a:r>
           </a:p>
           <a:p>
-            <a:pPr lvl="3"/>
+            <a:pPr lvl="3" eaLnBrk="1" latinLnBrk="0" hangingPunct="1"/>
             <a:r>
               <a:rPr lang="it-IT" smtClean="0"/>
               <a:t>Quarto livello</a:t>
             </a:r>
           </a:p>
           <a:p>
-            <a:pPr lvl="4"/>
+            <a:pPr lvl="4" eaLnBrk="1" latinLnBrk="0" hangingPunct="1"/>
             <a:r>
               <a:rPr lang="it-IT" smtClean="0"/>
               <a:t>Quinto livello</a:t>
             </a:r>
-            <a:endParaRPr lang="it-IT"/>
+            <a:endParaRPr kumimoji="0" lang="en-US"/>
           </a:p>
         </p:txBody>
       </p:sp>
@@ -529,7 +591,7 @@
 
 <file path=ppt/slideLayouts/slideLayout11.xml><?xml version="1.0" encoding="utf-8"?>
 <p:sldLayout xmlns:a="http://schemas.openxmlformats.org/drawingml/2006/main" xmlns:r="http://schemas.openxmlformats.org/officeDocument/2006/relationships" xmlns:p="http://schemas.openxmlformats.org/presentationml/2006/main" type="vertTitleAndTx" preserve="1">
-  <p:cSld name="Titolo e testo verticale">
+  <p:cSld name="1_Titolo e testo verticale">
     <p:spTree>
       <p:nvGrpSpPr>
         <p:cNvPr id="1" name=""/>
@@ -556,8 +618,8 @@
         </p:nvSpPr>
         <p:spPr>
           <a:xfrm>
-            <a:off x="6629400" y="274638"/>
-            <a:ext cx="2057400" cy="5851525"/>
+            <a:off x="6781800" y="381000"/>
+            <a:ext cx="1905000" cy="5486400"/>
           </a:xfrm>
         </p:spPr>
         <p:txBody>
@@ -565,10 +627,10 @@
           <a:lstStyle/>
           <a:p>
             <a:r>
-              <a:rPr lang="it-IT" smtClean="0"/>
+              <a:rPr kumimoji="0" lang="it-IT" smtClean="0"/>
               <a:t>Fare clic per modificare lo stile del titolo</a:t>
             </a:r>
-            <a:endParaRPr lang="it-IT"/>
+            <a:endParaRPr kumimoji="0" lang="en-US"/>
           </a:p>
         </p:txBody>
       </p:sp>
@@ -584,48 +646,48 @@
         </p:nvSpPr>
         <p:spPr>
           <a:xfrm>
-            <a:off x="457200" y="274638"/>
-            <a:ext cx="6019800" cy="5851525"/>
+            <a:off x="457200" y="381000"/>
+            <a:ext cx="6248400" cy="5486400"/>
           </a:xfrm>
         </p:spPr>
         <p:txBody>
           <a:bodyPr vert="eaVert"/>
           <a:lstStyle/>
           <a:p>
-            <a:pPr lvl="0"/>
+            <a:pPr lvl="0" eaLnBrk="1" latinLnBrk="0" hangingPunct="1"/>
             <a:r>
               <a:rPr lang="it-IT" smtClean="0"/>
               <a:t>Fare clic per modificare stili del testo dello schema</a:t>
             </a:r>
           </a:p>
           <a:p>
-            <a:pPr lvl="1"/>
+            <a:pPr lvl="1" eaLnBrk="1" latinLnBrk="0" hangingPunct="1"/>
             <a:r>
               <a:rPr lang="it-IT" smtClean="0"/>
               <a:t>Secondo livello</a:t>
             </a:r>
           </a:p>
           <a:p>
-            <a:pPr lvl="2"/>
+            <a:pPr lvl="2" eaLnBrk="1" latinLnBrk="0" hangingPunct="1"/>
             <a:r>
               <a:rPr lang="it-IT" smtClean="0"/>
               <a:t>Terzo livello</a:t>
             </a:r>
           </a:p>
           <a:p>
-            <a:pPr lvl="3"/>
+            <a:pPr lvl="3" eaLnBrk="1" latinLnBrk="0" hangingPunct="1"/>
             <a:r>
               <a:rPr lang="it-IT" smtClean="0"/>
               <a:t>Quarto livello</a:t>
             </a:r>
           </a:p>
           <a:p>
-            <a:pPr lvl="4"/>
+            <a:pPr lvl="4" eaLnBrk="1" latinLnBrk="0" hangingPunct="1"/>
             <a:r>
               <a:rPr lang="it-IT" smtClean="0"/>
               <a:t>Quinto livello</a:t>
             </a:r>
-            <a:endParaRPr lang="it-IT"/>
+            <a:endParaRPr kumimoji="0" lang="en-US"/>
           </a:p>
         </p:txBody>
       </p:sp>
@@ -731,16 +793,21 @@
             <p:ph type="title"/>
           </p:nvPr>
         </p:nvSpPr>
-        <p:spPr/>
+        <p:spPr>
+          <a:xfrm>
+            <a:off x="457200" y="267494"/>
+            <a:ext cx="8229600" cy="1399032"/>
+          </a:xfrm>
+        </p:spPr>
         <p:txBody>
           <a:bodyPr/>
           <a:lstStyle/>
           <a:p>
             <a:r>
-              <a:rPr lang="it-IT" smtClean="0"/>
+              <a:rPr kumimoji="0" lang="it-IT" smtClean="0"/>
               <a:t>Fare clic per modificare lo stile del titolo</a:t>
             </a:r>
-            <a:endParaRPr lang="it-IT"/>
+            <a:endParaRPr kumimoji="0" lang="en-US"/>
           </a:p>
         </p:txBody>
       </p:sp>
@@ -754,45 +821,50 @@
             <p:ph idx="1"/>
           </p:nvPr>
         </p:nvSpPr>
-        <p:spPr/>
+        <p:spPr>
+          <a:xfrm>
+            <a:off x="457200" y="1882808"/>
+            <a:ext cx="8229600" cy="4572000"/>
+          </a:xfrm>
+        </p:spPr>
         <p:txBody>
           <a:bodyPr/>
           <a:lstStyle/>
           <a:p>
-            <a:pPr lvl="0"/>
+            <a:pPr lvl="0" eaLnBrk="1" latinLnBrk="0" hangingPunct="1"/>
             <a:r>
               <a:rPr lang="it-IT" smtClean="0"/>
               <a:t>Fare clic per modificare stili del testo dello schema</a:t>
             </a:r>
           </a:p>
           <a:p>
-            <a:pPr lvl="1"/>
+            <a:pPr lvl="1" eaLnBrk="1" latinLnBrk="0" hangingPunct="1"/>
             <a:r>
               <a:rPr lang="it-IT" smtClean="0"/>
               <a:t>Secondo livello</a:t>
             </a:r>
           </a:p>
           <a:p>
-            <a:pPr lvl="2"/>
+            <a:pPr lvl="2" eaLnBrk="1" latinLnBrk="0" hangingPunct="1"/>
             <a:r>
               <a:rPr lang="it-IT" smtClean="0"/>
               <a:t>Terzo livello</a:t>
             </a:r>
           </a:p>
           <a:p>
-            <a:pPr lvl="3"/>
+            <a:pPr lvl="3" eaLnBrk="1" latinLnBrk="0" hangingPunct="1"/>
             <a:r>
               <a:rPr lang="it-IT" smtClean="0"/>
               <a:t>Quarto livello</a:t>
             </a:r>
           </a:p>
           <a:p>
-            <a:pPr lvl="4"/>
+            <a:pPr lvl="4" eaLnBrk="1" latinLnBrk="0" hangingPunct="1"/>
             <a:r>
               <a:rPr lang="it-IT" smtClean="0"/>
               <a:t>Quinto livello</a:t>
             </a:r>
-            <a:endParaRPr lang="it-IT"/>
+            <a:endParaRPr kumimoji="0" lang="en-US"/>
           </a:p>
         </p:txBody>
       </p:sp>
@@ -806,7 +878,12 @@
             <p:ph type="dt" sz="half" idx="10"/>
           </p:nvPr>
         </p:nvSpPr>
-        <p:spPr/>
+        <p:spPr>
+          <a:xfrm>
+            <a:off x="4791456" y="6480048"/>
+            <a:ext cx="2133600" cy="301752"/>
+          </a:xfrm>
+        </p:spPr>
         <p:txBody>
           <a:bodyPr/>
           <a:lstStyle/>
@@ -830,7 +907,12 @@
             <p:ph type="ftr" sz="quarter" idx="11"/>
           </p:nvPr>
         </p:nvSpPr>
-        <p:spPr/>
+        <p:spPr>
+          <a:xfrm>
+            <a:off x="457200" y="6480969"/>
+            <a:ext cx="4260056" cy="300831"/>
+          </a:xfrm>
+        </p:spPr>
         <p:txBody>
           <a:bodyPr/>
           <a:lstStyle/>
@@ -872,8 +954,13 @@
 </file>
 
 <file path=ppt/slideLayouts/slideLayout3.xml><?xml version="1.0" encoding="utf-8"?>
-<p:sldLayout xmlns:a="http://schemas.openxmlformats.org/drawingml/2006/main" xmlns:r="http://schemas.openxmlformats.org/officeDocument/2006/relationships" xmlns:p="http://schemas.openxmlformats.org/presentationml/2006/main" type="secHead" preserve="1">
+<p:sldLayout xmlns:a="http://schemas.openxmlformats.org/drawingml/2006/main" xmlns:r="http://schemas.openxmlformats.org/officeDocument/2006/relationships" xmlns:p="http://schemas.openxmlformats.org/presentationml/2006/main" showMasterSp="0" type="secHead" preserve="1">
   <p:cSld name="Intestazione sezione">
+    <p:bg>
+      <p:bgRef idx="1002">
+        <a:schemeClr val="bg1"/>
+      </p:bgRef>
+    </p:bg>
     <p:spTree>
       <p:nvGrpSpPr>
         <p:cNvPr id="1" name=""/>
@@ -890,6 +977,314 @@
       </p:grpSpPr>
       <p:sp>
         <p:nvSpPr>
+          <p:cNvPr id="9" name="Triangolo rettangolo 8"/>
+          <p:cNvSpPr/>
+          <p:nvPr/>
+        </p:nvSpPr>
+        <p:spPr>
+          <a:xfrm flipV="1">
+            <a:off x="7034" y="7034"/>
+            <a:ext cx="9129932" cy="6836899"/>
+          </a:xfrm>
+          <a:prstGeom prst="rtTriangle">
+            <a:avLst/>
+          </a:prstGeom>
+          <a:gradFill flip="none" rotWithShape="1">
+            <a:gsLst>
+              <a:gs pos="0">
+                <a:schemeClr val="tx2">
+                  <a:alpha val="10000"/>
+                </a:schemeClr>
+              </a:gs>
+              <a:gs pos="70000">
+                <a:schemeClr val="tx2">
+                  <a:alpha val="8000"/>
+                </a:schemeClr>
+              </a:gs>
+              <a:gs pos="100000">
+                <a:schemeClr val="tx2">
+                  <a:alpha val="1000"/>
+                </a:schemeClr>
+              </a:gs>
+            </a:gsLst>
+            <a:lin ang="8000000" scaled="1"/>
+            <a:tileRect/>
+          </a:gradFill>
+          <a:ln w="38100" cap="rnd" cmpd="sng" algn="ctr">
+            <a:noFill/>
+            <a:prstDash val="solid"/>
+          </a:ln>
+          <a:effectLst/>
+        </p:spPr>
+        <p:style>
+          <a:lnRef idx="3">
+            <a:schemeClr val="lt1"/>
+          </a:lnRef>
+          <a:fillRef idx="1">
+            <a:schemeClr val="accent1"/>
+          </a:fillRef>
+          <a:effectRef idx="1">
+            <a:schemeClr val="accent1"/>
+          </a:effectRef>
+          <a:fontRef idx="minor">
+            <a:schemeClr val="lt1"/>
+          </a:fontRef>
+        </p:style>
+        <p:txBody>
+          <a:bodyPr anchor="ctr"/>
+          <a:lstStyle/>
+          <a:p>
+            <a:pPr marL="0" algn="ctr" defTabSz="914400" rtl="0" eaLnBrk="1" latinLnBrk="0" hangingPunct="1"/>
+            <a:endParaRPr kumimoji="0" lang="en-US" sz="1800" kern="1200">
+              <a:solidFill>
+                <a:schemeClr val="lt1"/>
+              </a:solidFill>
+              <a:latin typeface="+mn-lt"/>
+              <a:ea typeface="+mn-ea"/>
+              <a:cs typeface="+mn-cs"/>
+            </a:endParaRPr>
+          </a:p>
+        </p:txBody>
+      </p:sp>
+      <p:sp>
+        <p:nvSpPr>
+          <p:cNvPr id="8" name="Triangolo isoscele 7"/>
+          <p:cNvSpPr/>
+          <p:nvPr/>
+        </p:nvSpPr>
+        <p:spPr>
+          <a:xfrm rot="5400000" flipV="1">
+            <a:off x="7554353" y="309490"/>
+            <a:ext cx="1892949" cy="1294228"/>
+          </a:xfrm>
+          <a:prstGeom prst="triangle">
+            <a:avLst>
+              <a:gd name="adj" fmla="val 51323"/>
+            </a:avLst>
+          </a:prstGeom>
+          <a:gradFill flip="none" rotWithShape="1">
+            <a:gsLst>
+              <a:gs pos="0">
+                <a:schemeClr val="accent1">
+                  <a:shade val="30000"/>
+                  <a:satMod val="155000"/>
+                  <a:alpha val="100000"/>
+                </a:schemeClr>
+              </a:gs>
+              <a:gs pos="60000">
+                <a:schemeClr val="accent1">
+                  <a:satMod val="160000"/>
+                  <a:alpha val="100000"/>
+                </a:schemeClr>
+              </a:gs>
+              <a:gs pos="100000">
+                <a:schemeClr val="accent1">
+                  <a:tint val="70000"/>
+                  <a:satMod val="200000"/>
+                  <a:alpha val="100000"/>
+                </a:schemeClr>
+              </a:gs>
+            </a:gsLst>
+            <a:lin ang="15500000" scaled="1"/>
+            <a:tileRect/>
+          </a:gradFill>
+          <a:ln w="38100" cap="rnd" cmpd="sng" algn="ctr">
+            <a:noFill/>
+            <a:prstDash val="solid"/>
+          </a:ln>
+          <a:effectLst/>
+        </p:spPr>
+        <p:style>
+          <a:lnRef idx="3">
+            <a:schemeClr val="lt1"/>
+          </a:lnRef>
+          <a:fillRef idx="1">
+            <a:schemeClr val="accent1"/>
+          </a:fillRef>
+          <a:effectRef idx="1">
+            <a:schemeClr val="accent1"/>
+          </a:effectRef>
+          <a:fontRef idx="minor">
+            <a:schemeClr val="lt1"/>
+          </a:fontRef>
+        </p:style>
+        <p:txBody>
+          <a:bodyPr anchor="ctr"/>
+          <a:lstStyle/>
+          <a:p>
+            <a:pPr algn="ctr" eaLnBrk="1" latinLnBrk="0" hangingPunct="1"/>
+            <a:endParaRPr kumimoji="0" lang="en-US"/>
+          </a:p>
+        </p:txBody>
+      </p:sp>
+      <p:sp>
+        <p:nvSpPr>
+          <p:cNvPr id="4" name="Segnaposto data 3"/>
+          <p:cNvSpPr>
+            <a:spLocks noGrp="1"/>
+          </p:cNvSpPr>
+          <p:nvPr>
+            <p:ph type="dt" sz="half" idx="10"/>
+          </p:nvPr>
+        </p:nvSpPr>
+        <p:spPr>
+          <a:xfrm>
+            <a:off x="6955632" y="6477000"/>
+            <a:ext cx="2133600" cy="304800"/>
+          </a:xfrm>
+        </p:spPr>
+        <p:txBody>
+          <a:bodyPr/>
+          <a:lstStyle/>
+          <a:p>
+            <a:fld id="{4B6055F8-1D02-4417-9241-55C834FD9970}" type="datetimeFigureOut">
+              <a:rPr lang="it-IT" smtClean="0"/>
+              <a:pPr/>
+              <a:t>06/06/2020</a:t>
+            </a:fld>
+            <a:endParaRPr lang="it-IT"/>
+          </a:p>
+        </p:txBody>
+      </p:sp>
+      <p:sp>
+        <p:nvSpPr>
+          <p:cNvPr id="5" name="Segnaposto piè di pagina 4"/>
+          <p:cNvSpPr>
+            <a:spLocks noGrp="1"/>
+          </p:cNvSpPr>
+          <p:nvPr>
+            <p:ph type="ftr" sz="quarter" idx="11"/>
+          </p:nvPr>
+        </p:nvSpPr>
+        <p:spPr>
+          <a:xfrm>
+            <a:off x="2619376" y="6480969"/>
+            <a:ext cx="4260056" cy="300831"/>
+          </a:xfrm>
+        </p:spPr>
+        <p:txBody>
+          <a:bodyPr/>
+          <a:lstStyle/>
+          <a:p>
+            <a:endParaRPr lang="it-IT"/>
+          </a:p>
+        </p:txBody>
+      </p:sp>
+      <p:sp>
+        <p:nvSpPr>
+          <p:cNvPr id="6" name="Segnaposto numero diapositiva 5"/>
+          <p:cNvSpPr>
+            <a:spLocks noGrp="1"/>
+          </p:cNvSpPr>
+          <p:nvPr>
+            <p:ph type="sldNum" sz="quarter" idx="12"/>
+          </p:nvPr>
+        </p:nvSpPr>
+        <p:spPr>
+          <a:xfrm>
+            <a:off x="8451056" y="809624"/>
+            <a:ext cx="502920" cy="300831"/>
+          </a:xfrm>
+        </p:spPr>
+        <p:txBody>
+          <a:bodyPr/>
+          <a:lstStyle/>
+          <a:p>
+            <a:fld id="{B007B441-5312-499D-93C3-6E37886527FA}" type="slidenum">
+              <a:rPr lang="it-IT" smtClean="0"/>
+              <a:pPr/>
+              <a:t>‹N›</a:t>
+            </a:fld>
+            <a:endParaRPr lang="it-IT"/>
+          </a:p>
+        </p:txBody>
+      </p:sp>
+      <p:cxnSp>
+        <p:nvCxnSpPr>
+          <p:cNvPr id="11" name="Connettore 1 10"/>
+          <p:cNvCxnSpPr/>
+          <p:nvPr/>
+        </p:nvCxnSpPr>
+        <p:spPr>
+          <a:xfrm rot="10800000">
+            <a:off x="6468794" y="9381"/>
+            <a:ext cx="2672861" cy="1900210"/>
+          </a:xfrm>
+          <a:prstGeom prst="line">
+            <a:avLst/>
+          </a:prstGeom>
+          <a:noFill/>
+          <a:ln w="6000" cap="rnd" cmpd="sng" algn="ctr">
+            <a:solidFill>
+              <a:schemeClr val="bg2">
+                <a:tint val="50000"/>
+                <a:satMod val="200000"/>
+                <a:alpha val="45000"/>
+              </a:schemeClr>
+            </a:solidFill>
+            <a:prstDash val="solid"/>
+          </a:ln>
+          <a:effectLst/>
+        </p:spPr>
+        <p:style>
+          <a:lnRef idx="2">
+            <a:schemeClr val="accent1"/>
+          </a:lnRef>
+          <a:fillRef idx="0">
+            <a:schemeClr val="accent1"/>
+          </a:fillRef>
+          <a:effectRef idx="1">
+            <a:schemeClr val="accent1"/>
+          </a:effectRef>
+          <a:fontRef idx="minor">
+            <a:schemeClr val="tx1"/>
+          </a:fontRef>
+        </p:style>
+      </p:cxnSp>
+      <p:cxnSp>
+        <p:nvCxnSpPr>
+          <p:cNvPr id="10" name="Connettore 1 9"/>
+          <p:cNvCxnSpPr/>
+          <p:nvPr/>
+        </p:nvCxnSpPr>
+        <p:spPr>
+          <a:xfrm flipV="1">
+            <a:off x="0" y="7034"/>
+            <a:ext cx="9136966" cy="6843933"/>
+          </a:xfrm>
+          <a:prstGeom prst="line">
+            <a:avLst/>
+          </a:prstGeom>
+          <a:noFill/>
+          <a:ln w="5000" cap="rnd" cmpd="sng" algn="ctr">
+            <a:solidFill>
+              <a:schemeClr val="bg2">
+                <a:tint val="55000"/>
+                <a:satMod val="200000"/>
+                <a:alpha val="35000"/>
+              </a:schemeClr>
+            </a:solidFill>
+            <a:prstDash val="solid"/>
+          </a:ln>
+          <a:effectLst/>
+        </p:spPr>
+        <p:style>
+          <a:lnRef idx="2">
+            <a:schemeClr val="accent1"/>
+          </a:lnRef>
+          <a:fillRef idx="0">
+            <a:schemeClr val="accent1"/>
+          </a:fillRef>
+          <a:effectRef idx="1">
+            <a:schemeClr val="accent1"/>
+          </a:effectRef>
+          <a:fontRef idx="minor">
+            <a:schemeClr val="tx1"/>
+          </a:fontRef>
+        </p:style>
+      </p:cxnSp>
+      <p:sp>
+        <p:nvSpPr>
           <p:cNvPr id="2" name="Titolo 1"/>
           <p:cNvSpPr>
             <a:spLocks noGrp="1"/>
@@ -900,23 +1295,24 @@
         </p:nvSpPr>
         <p:spPr>
           <a:xfrm>
-            <a:off x="722313" y="4406900"/>
-            <a:ext cx="7772400" cy="1362075"/>
-          </a:xfrm>
-        </p:spPr>
-        <p:txBody>
-          <a:bodyPr anchor="t"/>
+            <a:off x="381000" y="271464"/>
+            <a:ext cx="7239000" cy="1362075"/>
+          </a:xfrm>
+        </p:spPr>
+        <p:txBody>
+          <a:bodyPr anchor="ctr"/>
           <a:lstStyle>
-            <a:lvl1pPr algn="l">
-              <a:defRPr sz="4000" b="1" cap="all"/>
+            <a:lvl1pPr marL="0" algn="l">
+              <a:buNone/>
+              <a:defRPr sz="3600" b="1" cap="none" baseline="0"/>
             </a:lvl1pPr>
           </a:lstStyle>
           <a:p>
             <a:r>
-              <a:rPr lang="it-IT" smtClean="0"/>
+              <a:rPr kumimoji="0" lang="it-IT" smtClean="0"/>
               <a:t>Fare clic per modificare lo stile del titolo</a:t>
             </a:r>
-            <a:endParaRPr lang="it-IT"/>
+            <a:endParaRPr kumimoji="0" lang="en-US"/>
           </a:p>
         </p:txBody>
       </p:sp>
@@ -932,14 +1328,14 @@
         </p:nvSpPr>
         <p:spPr>
           <a:xfrm>
-            <a:off x="722313" y="2906713"/>
-            <a:ext cx="7772400" cy="1500187"/>
-          </a:xfrm>
-        </p:spPr>
-        <p:txBody>
-          <a:bodyPr anchor="b"/>
+            <a:off x="381000" y="1633536"/>
+            <a:ext cx="3886200" cy="2286000"/>
+          </a:xfrm>
+        </p:spPr>
+        <p:txBody>
+          <a:bodyPr anchor="t"/>
           <a:lstStyle>
-            <a:lvl1pPr marL="0" indent="0">
+            <a:lvl1pPr marL="54864" indent="0" algn="l">
               <a:buNone/>
               <a:defRPr sz="2000">
                 <a:solidFill>
@@ -949,7 +1345,7 @@
                 </a:solidFill>
               </a:defRPr>
             </a:lvl1pPr>
-            <a:lvl2pPr marL="457200" indent="0">
+            <a:lvl2pPr>
               <a:buNone/>
               <a:defRPr sz="1800">
                 <a:solidFill>
@@ -959,7 +1355,7 @@
                 </a:solidFill>
               </a:defRPr>
             </a:lvl2pPr>
-            <a:lvl3pPr marL="914400" indent="0">
+            <a:lvl3pPr>
               <a:buNone/>
               <a:defRPr sz="1600">
                 <a:solidFill>
@@ -969,7 +1365,7 @@
                 </a:solidFill>
               </a:defRPr>
             </a:lvl3pPr>
-            <a:lvl4pPr marL="1371600" indent="0">
+            <a:lvl4pPr>
               <a:buNone/>
               <a:defRPr sz="1400">
                 <a:solidFill>
@@ -979,7 +1375,7 @@
                 </a:solidFill>
               </a:defRPr>
             </a:lvl4pPr>
-            <a:lvl5pPr marL="1828800" indent="0">
+            <a:lvl5pPr>
               <a:buNone/>
               <a:defRPr sz="1400">
                 <a:solidFill>
@@ -989,127 +1385,20 @@
                 </a:solidFill>
               </a:defRPr>
             </a:lvl5pPr>
-            <a:lvl6pPr marL="2286000" indent="0">
-              <a:buNone/>
-              <a:defRPr sz="1400">
-                <a:solidFill>
-                  <a:schemeClr val="tx1">
-                    <a:tint val="75000"/>
-                  </a:schemeClr>
-                </a:solidFill>
-              </a:defRPr>
-            </a:lvl6pPr>
-            <a:lvl7pPr marL="2743200" indent="0">
-              <a:buNone/>
-              <a:defRPr sz="1400">
-                <a:solidFill>
-                  <a:schemeClr val="tx1">
-                    <a:tint val="75000"/>
-                  </a:schemeClr>
-                </a:solidFill>
-              </a:defRPr>
-            </a:lvl7pPr>
-            <a:lvl8pPr marL="3200400" indent="0">
-              <a:buNone/>
-              <a:defRPr sz="1400">
-                <a:solidFill>
-                  <a:schemeClr val="tx1">
-                    <a:tint val="75000"/>
-                  </a:schemeClr>
-                </a:solidFill>
-              </a:defRPr>
-            </a:lvl8pPr>
-            <a:lvl9pPr marL="3657600" indent="0">
-              <a:buNone/>
-              <a:defRPr sz="1400">
-                <a:solidFill>
-                  <a:schemeClr val="tx1">
-                    <a:tint val="75000"/>
-                  </a:schemeClr>
-                </a:solidFill>
-              </a:defRPr>
-            </a:lvl9pPr>
           </a:lstStyle>
           <a:p>
-            <a:pPr lvl="0"/>
-            <a:r>
-              <a:rPr lang="it-IT" smtClean="0"/>
+            <a:pPr lvl="0" eaLnBrk="1" latinLnBrk="0" hangingPunct="1"/>
+            <a:r>
+              <a:rPr kumimoji="0" lang="it-IT" smtClean="0"/>
               <a:t>Fare clic per modificare stili del testo dello schema</a:t>
             </a:r>
-          </a:p>
-        </p:txBody>
-      </p:sp>
-      <p:sp>
-        <p:nvSpPr>
-          <p:cNvPr id="4" name="Segnaposto data 3"/>
-          <p:cNvSpPr>
-            <a:spLocks noGrp="1"/>
-          </p:cNvSpPr>
-          <p:nvPr>
-            <p:ph type="dt" sz="half" idx="10"/>
-          </p:nvPr>
-        </p:nvSpPr>
-        <p:spPr/>
-        <p:txBody>
-          <a:bodyPr/>
-          <a:lstStyle/>
-          <a:p>
-            <a:fld id="{4B6055F8-1D02-4417-9241-55C834FD9970}" type="datetimeFigureOut">
-              <a:rPr lang="it-IT" smtClean="0"/>
-              <a:pPr/>
-              <a:t>06/06/2020</a:t>
-            </a:fld>
-            <a:endParaRPr lang="it-IT"/>
-          </a:p>
-        </p:txBody>
-      </p:sp>
-      <p:sp>
-        <p:nvSpPr>
-          <p:cNvPr id="5" name="Segnaposto piè di pagina 4"/>
-          <p:cNvSpPr>
-            <a:spLocks noGrp="1"/>
-          </p:cNvSpPr>
-          <p:nvPr>
-            <p:ph type="ftr" sz="quarter" idx="11"/>
-          </p:nvPr>
-        </p:nvSpPr>
-        <p:spPr/>
-        <p:txBody>
-          <a:bodyPr/>
-          <a:lstStyle/>
-          <a:p>
-            <a:endParaRPr lang="it-IT"/>
-          </a:p>
-        </p:txBody>
-      </p:sp>
-      <p:sp>
-        <p:nvSpPr>
-          <p:cNvPr id="6" name="Segnaposto numero diapositiva 5"/>
-          <p:cNvSpPr>
-            <a:spLocks noGrp="1"/>
-          </p:cNvSpPr>
-          <p:nvPr>
-            <p:ph type="sldNum" sz="quarter" idx="12"/>
-          </p:nvPr>
-        </p:nvSpPr>
-        <p:spPr/>
-        <p:txBody>
-          <a:bodyPr/>
-          <a:lstStyle/>
-          <a:p>
-            <a:fld id="{B007B441-5312-499D-93C3-6E37886527FA}" type="slidenum">
-              <a:rPr lang="it-IT" smtClean="0"/>
-              <a:pPr/>
-              <a:t>‹N›</a:t>
-            </a:fld>
-            <a:endParaRPr lang="it-IT"/>
           </a:p>
         </p:txBody>
       </p:sp>
     </p:spTree>
   </p:cSld>
   <p:clrMapOvr>
-    <a:masterClrMapping/>
+    <a:overrideClrMapping bg1="dk1" tx1="lt1" bg2="dk2" tx2="lt2" accent1="accent1" accent2="accent2" accent3="accent3" accent4="accent4" accent5="accent5" accent6="accent6" hlink="hlink" folHlink="folHlink"/>
   </p:clrMapOvr>
 </p:sldLayout>
 </file>
@@ -1144,13 +1433,17 @@
         <p:spPr/>
         <p:txBody>
           <a:bodyPr/>
-          <a:lstStyle/>
-          <a:p>
-            <a:r>
-              <a:rPr lang="it-IT" smtClean="0"/>
+          <a:lstStyle>
+            <a:lvl1pPr marL="0" algn="l">
+              <a:defRPr/>
+            </a:lvl1pPr>
+          </a:lstStyle>
+          <a:p>
+            <a:r>
+              <a:rPr kumimoji="0" lang="it-IT" smtClean="0"/>
               <a:t>Fare clic per modificare lo stile del titolo</a:t>
             </a:r>
-            <a:endParaRPr lang="it-IT"/>
+            <a:endParaRPr kumimoji="0" lang="en-US"/>
           </a:p>
         </p:txBody>
       </p:sp>
@@ -1166,7 +1459,7 @@
         </p:nvSpPr>
         <p:spPr>
           <a:xfrm>
-            <a:off x="457200" y="1600200"/>
+            <a:off x="457200" y="1722437"/>
             <a:ext cx="4038600" cy="4525963"/>
           </a:xfrm>
         </p:spPr>
@@ -1174,7 +1467,7 @@
           <a:bodyPr/>
           <a:lstStyle>
             <a:lvl1pPr>
-              <a:defRPr sz="2800"/>
+              <a:defRPr sz="2600"/>
             </a:lvl1pPr>
             <a:lvl2pPr>
               <a:defRPr sz="2400"/>
@@ -1188,54 +1481,42 @@
             <a:lvl5pPr>
               <a:defRPr sz="1800"/>
             </a:lvl5pPr>
-            <a:lvl6pPr>
-              <a:defRPr sz="1800"/>
-            </a:lvl6pPr>
-            <a:lvl7pPr>
-              <a:defRPr sz="1800"/>
-            </a:lvl7pPr>
-            <a:lvl8pPr>
-              <a:defRPr sz="1800"/>
-            </a:lvl8pPr>
-            <a:lvl9pPr>
-              <a:defRPr sz="1800"/>
-            </a:lvl9pPr>
           </a:lstStyle>
           <a:p>
-            <a:pPr lvl="0"/>
+            <a:pPr lvl="0" eaLnBrk="1" latinLnBrk="0" hangingPunct="1"/>
             <a:r>
               <a:rPr lang="it-IT" smtClean="0"/>
               <a:t>Fare clic per modificare stili del testo dello schema</a:t>
             </a:r>
           </a:p>
           <a:p>
-            <a:pPr lvl="1"/>
+            <a:pPr lvl="1" eaLnBrk="1" latinLnBrk="0" hangingPunct="1"/>
             <a:r>
               <a:rPr lang="it-IT" smtClean="0"/>
               <a:t>Secondo livello</a:t>
             </a:r>
           </a:p>
           <a:p>
-            <a:pPr lvl="2"/>
+            <a:pPr lvl="2" eaLnBrk="1" latinLnBrk="0" hangingPunct="1"/>
             <a:r>
               <a:rPr lang="it-IT" smtClean="0"/>
               <a:t>Terzo livello</a:t>
             </a:r>
           </a:p>
           <a:p>
-            <a:pPr lvl="3"/>
+            <a:pPr lvl="3" eaLnBrk="1" latinLnBrk="0" hangingPunct="1"/>
             <a:r>
               <a:rPr lang="it-IT" smtClean="0"/>
               <a:t>Quarto livello</a:t>
             </a:r>
           </a:p>
           <a:p>
-            <a:pPr lvl="4"/>
+            <a:pPr lvl="4" eaLnBrk="1" latinLnBrk="0" hangingPunct="1"/>
             <a:r>
               <a:rPr lang="it-IT" smtClean="0"/>
               <a:t>Quinto livello</a:t>
             </a:r>
-            <a:endParaRPr lang="it-IT"/>
+            <a:endParaRPr kumimoji="0" lang="en-US"/>
           </a:p>
         </p:txBody>
       </p:sp>
@@ -1251,7 +1532,7 @@
         </p:nvSpPr>
         <p:spPr>
           <a:xfrm>
-            <a:off x="4648200" y="1600200"/>
+            <a:off x="4648200" y="1722437"/>
             <a:ext cx="4038600" cy="4525963"/>
           </a:xfrm>
         </p:spPr>
@@ -1259,7 +1540,7 @@
           <a:bodyPr/>
           <a:lstStyle>
             <a:lvl1pPr>
-              <a:defRPr sz="2800"/>
+              <a:defRPr sz="2600"/>
             </a:lvl1pPr>
             <a:lvl2pPr>
               <a:defRPr sz="2400"/>
@@ -1273,54 +1554,42 @@
             <a:lvl5pPr>
               <a:defRPr sz="1800"/>
             </a:lvl5pPr>
-            <a:lvl6pPr>
-              <a:defRPr sz="1800"/>
-            </a:lvl6pPr>
-            <a:lvl7pPr>
-              <a:defRPr sz="1800"/>
-            </a:lvl7pPr>
-            <a:lvl8pPr>
-              <a:defRPr sz="1800"/>
-            </a:lvl8pPr>
-            <a:lvl9pPr>
-              <a:defRPr sz="1800"/>
-            </a:lvl9pPr>
           </a:lstStyle>
           <a:p>
-            <a:pPr lvl="0"/>
+            <a:pPr lvl="0" eaLnBrk="1" latinLnBrk="0" hangingPunct="1"/>
             <a:r>
               <a:rPr lang="it-IT" smtClean="0"/>
               <a:t>Fare clic per modificare stili del testo dello schema</a:t>
             </a:r>
           </a:p>
           <a:p>
-            <a:pPr lvl="1"/>
+            <a:pPr lvl="1" eaLnBrk="1" latinLnBrk="0" hangingPunct="1"/>
             <a:r>
               <a:rPr lang="it-IT" smtClean="0"/>
               <a:t>Secondo livello</a:t>
             </a:r>
           </a:p>
           <a:p>
-            <a:pPr lvl="2"/>
+            <a:pPr lvl="2" eaLnBrk="1" latinLnBrk="0" hangingPunct="1"/>
             <a:r>
               <a:rPr lang="it-IT" smtClean="0"/>
               <a:t>Terzo livello</a:t>
             </a:r>
           </a:p>
           <a:p>
-            <a:pPr lvl="3"/>
+            <a:pPr lvl="3" eaLnBrk="1" latinLnBrk="0" hangingPunct="1"/>
             <a:r>
               <a:rPr lang="it-IT" smtClean="0"/>
               <a:t>Quarto livello</a:t>
             </a:r>
           </a:p>
           <a:p>
-            <a:pPr lvl="4"/>
+            <a:pPr lvl="4" eaLnBrk="1" latinLnBrk="0" hangingPunct="1"/>
             <a:r>
               <a:rPr lang="it-IT" smtClean="0"/>
               <a:t>Quinto livello</a:t>
             </a:r>
-            <a:endParaRPr lang="it-IT"/>
+            <a:endParaRPr kumimoji="0" lang="en-US"/>
           </a:p>
         </p:txBody>
       </p:sp>
@@ -1334,7 +1603,12 @@
             <p:ph type="dt" sz="half" idx="10"/>
           </p:nvPr>
         </p:nvSpPr>
-        <p:spPr/>
+        <p:spPr>
+          <a:xfrm>
+            <a:off x="4791456" y="6480969"/>
+            <a:ext cx="2133600" cy="301752"/>
+          </a:xfrm>
+        </p:spPr>
         <p:txBody>
           <a:bodyPr/>
           <a:lstStyle/>
@@ -1358,7 +1632,12 @@
             <p:ph type="ftr" sz="quarter" idx="11"/>
           </p:nvPr>
         </p:nvSpPr>
-        <p:spPr/>
+        <p:spPr>
+          <a:xfrm>
+            <a:off x="457200" y="6480969"/>
+            <a:ext cx="4260056" cy="301752"/>
+          </a:xfrm>
+        </p:spPr>
         <p:txBody>
           <a:bodyPr/>
           <a:lstStyle/>
@@ -1377,7 +1656,12 @@
             <p:ph type="sldNum" sz="quarter" idx="12"/>
           </p:nvPr>
         </p:nvSpPr>
-        <p:spPr/>
+        <p:spPr>
+          <a:xfrm>
+            <a:off x="7589520" y="6480969"/>
+            <a:ext cx="502920" cy="301752"/>
+          </a:xfrm>
+        </p:spPr>
         <p:txBody>
           <a:bodyPr/>
           <a:lstStyle/>
@@ -1400,8 +1684,13 @@
 </file>
 
 <file path=ppt/slideLayouts/slideLayout5.xml><?xml version="1.0" encoding="utf-8"?>
-<p:sldLayout xmlns:a="http://schemas.openxmlformats.org/drawingml/2006/main" xmlns:r="http://schemas.openxmlformats.org/officeDocument/2006/relationships" xmlns:p="http://schemas.openxmlformats.org/presentationml/2006/main" type="twoTxTwoObj" preserve="1">
+<p:sldLayout xmlns:a="http://schemas.openxmlformats.org/drawingml/2006/main" xmlns:r="http://schemas.openxmlformats.org/officeDocument/2006/relationships" xmlns:p="http://schemas.openxmlformats.org/presentationml/2006/main" showMasterSp="0" type="twoTxTwoObj" preserve="1">
   <p:cSld name="Confronto">
+    <p:bg>
+      <p:bgRef idx="1002">
+        <a:schemeClr val="bg2"/>
+      </p:bgRef>
+    </p:bg>
     <p:spTree>
       <p:nvGrpSpPr>
         <p:cNvPr id="1" name=""/>
@@ -1426,20 +1715,34 @@
             <p:ph type="title"/>
           </p:nvPr>
         </p:nvSpPr>
-        <p:spPr/>
-        <p:txBody>
-          <a:bodyPr/>
+        <p:spPr>
+          <a:xfrm>
+            <a:off x="248198" y="290732"/>
+            <a:ext cx="1066800" cy="6153912"/>
+          </a:xfrm>
+        </p:spPr>
+        <p:txBody>
+          <a:bodyPr vert="vert270" anchor="b"/>
           <a:lstStyle>
-            <a:lvl1pPr>
-              <a:defRPr/>
+            <a:lvl1pPr marL="0" algn="ctr">
+              <a:defRPr sz="3300" b="1">
+                <a:ln w="6350">
+                  <a:solidFill>
+                    <a:schemeClr val="tx1"/>
+                  </a:solidFill>
+                </a:ln>
+                <a:solidFill>
+                  <a:schemeClr val="tx1"/>
+                </a:solidFill>
+              </a:defRPr>
             </a:lvl1pPr>
           </a:lstStyle>
           <a:p>
             <a:r>
-              <a:rPr lang="it-IT" smtClean="0"/>
+              <a:rPr kumimoji="0" lang="it-IT" smtClean="0"/>
               <a:t>Fare clic per modificare lo stile del titolo</a:t>
             </a:r>
-            <a:endParaRPr lang="it-IT"/>
+            <a:endParaRPr kumimoji="0" lang="en-US"/>
           </a:p>
         </p:txBody>
       </p:sp>
@@ -1455,54 +1758,48 @@
         </p:nvSpPr>
         <p:spPr>
           <a:xfrm>
-            <a:off x="457200" y="1535113"/>
-            <a:ext cx="4040188" cy="639762"/>
-          </a:xfrm>
-        </p:spPr>
-        <p:txBody>
-          <a:bodyPr anchor="b"/>
+            <a:off x="1365006" y="290732"/>
+            <a:ext cx="581024" cy="3017520"/>
+          </a:xfrm>
+          <a:solidFill>
+            <a:schemeClr val="bg1"/>
+          </a:solidFill>
+          <a:ln w="12700">
+            <a:noFill/>
+          </a:ln>
+        </p:spPr>
+        <p:txBody>
+          <a:bodyPr vert="vert270" anchor="ctr"/>
           <a:lstStyle>
-            <a:lvl1pPr marL="0" indent="0">
+            <a:lvl1pPr marL="0" indent="0" algn="ctr">
               <a:buNone/>
-              <a:defRPr sz="2400" b="1"/>
+              <a:defRPr sz="1600" b="0">
+                <a:solidFill>
+                  <a:schemeClr val="tx1"/>
+                </a:solidFill>
+              </a:defRPr>
             </a:lvl1pPr>
-            <a:lvl2pPr marL="457200" indent="0">
+            <a:lvl2pPr>
               <a:buNone/>
               <a:defRPr sz="2000" b="1"/>
             </a:lvl2pPr>
-            <a:lvl3pPr marL="914400" indent="0">
+            <a:lvl3pPr>
               <a:buNone/>
               <a:defRPr sz="1800" b="1"/>
             </a:lvl3pPr>
-            <a:lvl4pPr marL="1371600" indent="0">
+            <a:lvl4pPr>
               <a:buNone/>
               <a:defRPr sz="1600" b="1"/>
             </a:lvl4pPr>
-            <a:lvl5pPr marL="1828800" indent="0">
+            <a:lvl5pPr>
               <a:buNone/>
               <a:defRPr sz="1600" b="1"/>
             </a:lvl5pPr>
-            <a:lvl6pPr marL="2286000" indent="0">
-              <a:buNone/>
-              <a:defRPr sz="1600" b="1"/>
-            </a:lvl6pPr>
-            <a:lvl7pPr marL="2743200" indent="0">
-              <a:buNone/>
-              <a:defRPr sz="1600" b="1"/>
-            </a:lvl7pPr>
-            <a:lvl8pPr marL="3200400" indent="0">
-              <a:buNone/>
-              <a:defRPr sz="1600" b="1"/>
-            </a:lvl8pPr>
-            <a:lvl9pPr marL="3657600" indent="0">
-              <a:buNone/>
-              <a:defRPr sz="1600" b="1"/>
-            </a:lvl9pPr>
           </a:lstStyle>
           <a:p>
-            <a:pPr lvl="0"/>
-            <a:r>
-              <a:rPr lang="it-IT" smtClean="0"/>
+            <a:pPr lvl="0" eaLnBrk="1" latinLnBrk="0" hangingPunct="1"/>
+            <a:r>
+              <a:rPr kumimoji="0" lang="it-IT" smtClean="0"/>
               <a:t>Fare clic per modificare stili del testo dello schema</a:t>
             </a:r>
           </a:p>
@@ -1510,18 +1807,150 @@
       </p:sp>
       <p:sp>
         <p:nvSpPr>
-          <p:cNvPr id="4" name="Segnaposto contenuto 3"/>
+          <p:cNvPr id="4" name="Segnaposto testo 3"/>
           <p:cNvSpPr>
             <a:spLocks noGrp="1"/>
           </p:cNvSpPr>
           <p:nvPr>
-            <p:ph sz="half" idx="2"/>
+            <p:ph type="body" sz="half" idx="3"/>
           </p:nvPr>
         </p:nvSpPr>
         <p:spPr>
           <a:xfrm>
-            <a:off x="457200" y="2174875"/>
-            <a:ext cx="4040188" cy="3951288"/>
+            <a:off x="1365006" y="3427124"/>
+            <a:ext cx="581024" cy="3017520"/>
+          </a:xfrm>
+          <a:solidFill>
+            <a:schemeClr val="bg1"/>
+          </a:solidFill>
+          <a:ln w="12700">
+            <a:noFill/>
+          </a:ln>
+        </p:spPr>
+        <p:txBody>
+          <a:bodyPr vert="vert270" anchor="ctr"/>
+          <a:lstStyle>
+            <a:lvl1pPr marL="0" indent="0" algn="ctr">
+              <a:buNone/>
+              <a:defRPr sz="1600" b="0">
+                <a:solidFill>
+                  <a:schemeClr val="tx1"/>
+                </a:solidFill>
+              </a:defRPr>
+            </a:lvl1pPr>
+            <a:lvl2pPr>
+              <a:buNone/>
+              <a:defRPr sz="2000" b="1"/>
+            </a:lvl2pPr>
+            <a:lvl3pPr>
+              <a:buNone/>
+              <a:defRPr sz="1800" b="1"/>
+            </a:lvl3pPr>
+            <a:lvl4pPr>
+              <a:buNone/>
+              <a:defRPr sz="1600" b="1"/>
+            </a:lvl4pPr>
+            <a:lvl5pPr>
+              <a:buNone/>
+              <a:defRPr sz="1600" b="1"/>
+            </a:lvl5pPr>
+          </a:lstStyle>
+          <a:p>
+            <a:pPr lvl="0" eaLnBrk="1" latinLnBrk="0" hangingPunct="1"/>
+            <a:r>
+              <a:rPr kumimoji="0" lang="it-IT" smtClean="0"/>
+              <a:t>Fare clic per modificare stili del testo dello schema</a:t>
+            </a:r>
+          </a:p>
+        </p:txBody>
+      </p:sp>
+      <p:sp>
+        <p:nvSpPr>
+          <p:cNvPr id="5" name="Segnaposto contenuto 4"/>
+          <p:cNvSpPr>
+            <a:spLocks noGrp="1"/>
+          </p:cNvSpPr>
+          <p:nvPr>
+            <p:ph sz="quarter" idx="2"/>
+          </p:nvPr>
+        </p:nvSpPr>
+        <p:spPr>
+          <a:xfrm>
+            <a:off x="2022230" y="290732"/>
+            <a:ext cx="6858000" cy="3017520"/>
+          </a:xfrm>
+        </p:spPr>
+        <p:txBody>
+          <a:bodyPr/>
+          <a:lstStyle>
+            <a:lvl1pPr algn="l">
+              <a:defRPr sz="2400"/>
+            </a:lvl1pPr>
+            <a:lvl2pPr algn="l">
+              <a:defRPr sz="2000"/>
+            </a:lvl2pPr>
+            <a:lvl3pPr algn="l">
+              <a:defRPr sz="1800"/>
+            </a:lvl3pPr>
+            <a:lvl4pPr algn="l">
+              <a:defRPr sz="1600"/>
+            </a:lvl4pPr>
+            <a:lvl5pPr algn="l">
+              <a:defRPr sz="1600"/>
+            </a:lvl5pPr>
+          </a:lstStyle>
+          <a:p>
+            <a:pPr lvl="0" eaLnBrk="1" latinLnBrk="0" hangingPunct="1"/>
+            <a:r>
+              <a:rPr lang="it-IT" smtClean="0"/>
+              <a:t>Fare clic per modificare stili del testo dello schema</a:t>
+            </a:r>
+          </a:p>
+          <a:p>
+            <a:pPr lvl="1" eaLnBrk="1" latinLnBrk="0" hangingPunct="1"/>
+            <a:r>
+              <a:rPr lang="it-IT" smtClean="0"/>
+              <a:t>Secondo livello</a:t>
+            </a:r>
+          </a:p>
+          <a:p>
+            <a:pPr lvl="2" eaLnBrk="1" latinLnBrk="0" hangingPunct="1"/>
+            <a:r>
+              <a:rPr lang="it-IT" smtClean="0"/>
+              <a:t>Terzo livello</a:t>
+            </a:r>
+          </a:p>
+          <a:p>
+            <a:pPr lvl="3" eaLnBrk="1" latinLnBrk="0" hangingPunct="1"/>
+            <a:r>
+              <a:rPr lang="it-IT" smtClean="0"/>
+              <a:t>Quarto livello</a:t>
+            </a:r>
+          </a:p>
+          <a:p>
+            <a:pPr lvl="4" eaLnBrk="1" latinLnBrk="0" hangingPunct="1"/>
+            <a:r>
+              <a:rPr lang="it-IT" smtClean="0"/>
+              <a:t>Quinto livello</a:t>
+            </a:r>
+            <a:endParaRPr kumimoji="0" lang="en-US"/>
+          </a:p>
+        </p:txBody>
+      </p:sp>
+      <p:sp>
+        <p:nvSpPr>
+          <p:cNvPr id="6" name="Segnaposto contenuto 5"/>
+          <p:cNvSpPr>
+            <a:spLocks noGrp="1"/>
+          </p:cNvSpPr>
+          <p:nvPr>
+            <p:ph sz="quarter" idx="4"/>
+          </p:nvPr>
+        </p:nvSpPr>
+        <p:spPr>
+          <a:xfrm>
+            <a:off x="2022230" y="3427124"/>
+            <a:ext cx="6858000" cy="3017520"/>
           </a:xfrm>
         </p:spPr>
         <p:txBody>
@@ -1542,204 +1971,42 @@
             <a:lvl5pPr>
               <a:defRPr sz="1600"/>
             </a:lvl5pPr>
-            <a:lvl6pPr>
-              <a:defRPr sz="1600"/>
-            </a:lvl6pPr>
-            <a:lvl7pPr>
-              <a:defRPr sz="1600"/>
-            </a:lvl7pPr>
-            <a:lvl8pPr>
-              <a:defRPr sz="1600"/>
-            </a:lvl8pPr>
-            <a:lvl9pPr>
-              <a:defRPr sz="1600"/>
-            </a:lvl9pPr>
           </a:lstStyle>
           <a:p>
-            <a:pPr lvl="0"/>
+            <a:pPr lvl="0" eaLnBrk="1" latinLnBrk="0" hangingPunct="1"/>
             <a:r>
               <a:rPr lang="it-IT" smtClean="0"/>
               <a:t>Fare clic per modificare stili del testo dello schema</a:t>
             </a:r>
           </a:p>
           <a:p>
-            <a:pPr lvl="1"/>
+            <a:pPr lvl="1" eaLnBrk="1" latinLnBrk="0" hangingPunct="1"/>
             <a:r>
               <a:rPr lang="it-IT" smtClean="0"/>
               <a:t>Secondo livello</a:t>
             </a:r>
           </a:p>
           <a:p>
-            <a:pPr lvl="2"/>
+            <a:pPr lvl="2" eaLnBrk="1" latinLnBrk="0" hangingPunct="1"/>
             <a:r>
               <a:rPr lang="it-IT" smtClean="0"/>
               <a:t>Terzo livello</a:t>
             </a:r>
           </a:p>
           <a:p>
-            <a:pPr lvl="3"/>
+            <a:pPr lvl="3" eaLnBrk="1" latinLnBrk="0" hangingPunct="1"/>
             <a:r>
               <a:rPr lang="it-IT" smtClean="0"/>
               <a:t>Quarto livello</a:t>
             </a:r>
           </a:p>
           <a:p>
-            <a:pPr lvl="4"/>
+            <a:pPr lvl="4" eaLnBrk="1" latinLnBrk="0" hangingPunct="1"/>
             <a:r>
               <a:rPr lang="it-IT" smtClean="0"/>
               <a:t>Quinto livello</a:t>
             </a:r>
-            <a:endParaRPr lang="it-IT"/>
-          </a:p>
-        </p:txBody>
-      </p:sp>
-      <p:sp>
-        <p:nvSpPr>
-          <p:cNvPr id="5" name="Segnaposto testo 4"/>
-          <p:cNvSpPr>
-            <a:spLocks noGrp="1"/>
-          </p:cNvSpPr>
-          <p:nvPr>
-            <p:ph type="body" sz="quarter" idx="3"/>
-          </p:nvPr>
-        </p:nvSpPr>
-        <p:spPr>
-          <a:xfrm>
-            <a:off x="4645025" y="1535113"/>
-            <a:ext cx="4041775" cy="639762"/>
-          </a:xfrm>
-        </p:spPr>
-        <p:txBody>
-          <a:bodyPr anchor="b"/>
-          <a:lstStyle>
-            <a:lvl1pPr marL="0" indent="0">
-              <a:buNone/>
-              <a:defRPr sz="2400" b="1"/>
-            </a:lvl1pPr>
-            <a:lvl2pPr marL="457200" indent="0">
-              <a:buNone/>
-              <a:defRPr sz="2000" b="1"/>
-            </a:lvl2pPr>
-            <a:lvl3pPr marL="914400" indent="0">
-              <a:buNone/>
-              <a:defRPr sz="1800" b="1"/>
-            </a:lvl3pPr>
-            <a:lvl4pPr marL="1371600" indent="0">
-              <a:buNone/>
-              <a:defRPr sz="1600" b="1"/>
-            </a:lvl4pPr>
-            <a:lvl5pPr marL="1828800" indent="0">
-              <a:buNone/>
-              <a:defRPr sz="1600" b="1"/>
-            </a:lvl5pPr>
-            <a:lvl6pPr marL="2286000" indent="0">
-              <a:buNone/>
-              <a:defRPr sz="1600" b="1"/>
-            </a:lvl6pPr>
-            <a:lvl7pPr marL="2743200" indent="0">
-              <a:buNone/>
-              <a:defRPr sz="1600" b="1"/>
-            </a:lvl7pPr>
-            <a:lvl8pPr marL="3200400" indent="0">
-              <a:buNone/>
-              <a:defRPr sz="1600" b="1"/>
-            </a:lvl8pPr>
-            <a:lvl9pPr marL="3657600" indent="0">
-              <a:buNone/>
-              <a:defRPr sz="1600" b="1"/>
-            </a:lvl9pPr>
-          </a:lstStyle>
-          <a:p>
-            <a:pPr lvl="0"/>
-            <a:r>
-              <a:rPr lang="it-IT" smtClean="0"/>
-              <a:t>Fare clic per modificare stili del testo dello schema</a:t>
-            </a:r>
-          </a:p>
-        </p:txBody>
-      </p:sp>
-      <p:sp>
-        <p:nvSpPr>
-          <p:cNvPr id="6" name="Segnaposto contenuto 5"/>
-          <p:cNvSpPr>
-            <a:spLocks noGrp="1"/>
-          </p:cNvSpPr>
-          <p:nvPr>
-            <p:ph sz="quarter" idx="4"/>
-          </p:nvPr>
-        </p:nvSpPr>
-        <p:spPr>
-          <a:xfrm>
-            <a:off x="4645025" y="2174875"/>
-            <a:ext cx="4041775" cy="3951288"/>
-          </a:xfrm>
-        </p:spPr>
-        <p:txBody>
-          <a:bodyPr/>
-          <a:lstStyle>
-            <a:lvl1pPr>
-              <a:defRPr sz="2400"/>
-            </a:lvl1pPr>
-            <a:lvl2pPr>
-              <a:defRPr sz="2000"/>
-            </a:lvl2pPr>
-            <a:lvl3pPr>
-              <a:defRPr sz="1800"/>
-            </a:lvl3pPr>
-            <a:lvl4pPr>
-              <a:defRPr sz="1600"/>
-            </a:lvl4pPr>
-            <a:lvl5pPr>
-              <a:defRPr sz="1600"/>
-            </a:lvl5pPr>
-            <a:lvl6pPr>
-              <a:defRPr sz="1600"/>
-            </a:lvl6pPr>
-            <a:lvl7pPr>
-              <a:defRPr sz="1600"/>
-            </a:lvl7pPr>
-            <a:lvl8pPr>
-              <a:defRPr sz="1600"/>
-            </a:lvl8pPr>
-            <a:lvl9pPr>
-              <a:defRPr sz="1600"/>
-            </a:lvl9pPr>
-          </a:lstStyle>
-          <a:p>
-            <a:pPr lvl="0"/>
-            <a:r>
-              <a:rPr lang="it-IT" smtClean="0"/>
-              <a:t>Fare clic per modificare stili del testo dello schema</a:t>
-            </a:r>
-          </a:p>
-          <a:p>
-            <a:pPr lvl="1"/>
-            <a:r>
-              <a:rPr lang="it-IT" smtClean="0"/>
-              <a:t>Secondo livello</a:t>
-            </a:r>
-          </a:p>
-          <a:p>
-            <a:pPr lvl="2"/>
-            <a:r>
-              <a:rPr lang="it-IT" smtClean="0"/>
-              <a:t>Terzo livello</a:t>
-            </a:r>
-          </a:p>
-          <a:p>
-            <a:pPr lvl="3"/>
-            <a:r>
-              <a:rPr lang="it-IT" smtClean="0"/>
-              <a:t>Quarto livello</a:t>
-            </a:r>
-          </a:p>
-          <a:p>
-            <a:pPr lvl="4"/>
-            <a:r>
-              <a:rPr lang="it-IT" smtClean="0"/>
-              <a:t>Quinto livello</a:t>
-            </a:r>
-            <a:endParaRPr lang="it-IT"/>
+            <a:endParaRPr kumimoji="0" lang="en-US"/>
           </a:p>
         </p:txBody>
       </p:sp>
@@ -1753,7 +2020,12 @@
             <p:ph type="dt" sz="half" idx="10"/>
           </p:nvPr>
         </p:nvSpPr>
-        <p:spPr/>
+        <p:spPr>
+          <a:xfrm>
+            <a:off x="4791456" y="6480969"/>
+            <a:ext cx="2130552" cy="301752"/>
+          </a:xfrm>
+        </p:spPr>
         <p:txBody>
           <a:bodyPr/>
           <a:lstStyle/>
@@ -1777,7 +2049,12 @@
             <p:ph type="ftr" sz="quarter" idx="11"/>
           </p:nvPr>
         </p:nvSpPr>
-        <p:spPr/>
+        <p:spPr>
+          <a:xfrm>
+            <a:off x="457200" y="6480969"/>
+            <a:ext cx="4261104" cy="301752"/>
+          </a:xfrm>
+        </p:spPr>
         <p:txBody>
           <a:bodyPr/>
           <a:lstStyle/>
@@ -1796,10 +2073,19 @@
             <p:ph type="sldNum" sz="quarter" idx="12"/>
           </p:nvPr>
         </p:nvSpPr>
-        <p:spPr/>
+        <p:spPr>
+          <a:xfrm>
+            <a:off x="7589520" y="6483096"/>
+            <a:ext cx="502920" cy="301752"/>
+          </a:xfrm>
+        </p:spPr>
         <p:txBody>
           <a:bodyPr/>
-          <a:lstStyle/>
+          <a:lstStyle>
+            <a:lvl1pPr algn="ctr">
+              <a:defRPr/>
+            </a:lvl1pPr>
+          </a:lstStyle>
           <a:p>
             <a:fld id="{B007B441-5312-499D-93C3-6E37886527FA}" type="slidenum">
               <a:rPr lang="it-IT" smtClean="0"/>
@@ -1813,7 +2099,7 @@
     </p:spTree>
   </p:cSld>
   <p:clrMapOvr>
-    <a:masterClrMapping/>
+    <a:overrideClrMapping bg1="dk1" tx1="lt1" bg2="dk2" tx2="lt2" accent1="accent1" accent2="accent2" accent3="accent3" accent4="accent4" accent5="accent5" accent6="accent6" hlink="hlink" folHlink="folHlink"/>
   </p:clrMapOvr>
 </p:sldLayout>
 </file>
@@ -1848,13 +2134,17 @@
         <p:spPr/>
         <p:txBody>
           <a:bodyPr/>
-          <a:lstStyle/>
-          <a:p>
-            <a:r>
-              <a:rPr lang="it-IT" smtClean="0"/>
+          <a:lstStyle>
+            <a:lvl1pPr>
+              <a:defRPr b="0"/>
+            </a:lvl1pPr>
+          </a:lstStyle>
+          <a:p>
+            <a:r>
+              <a:rPr kumimoji="0" lang="it-IT" smtClean="0"/>
               <a:t>Fare clic per modificare lo stile del titolo</a:t>
             </a:r>
-            <a:endParaRPr lang="it-IT"/>
+            <a:endParaRPr kumimoji="0" lang="en-US"/>
           </a:p>
         </p:txBody>
       </p:sp>
@@ -1960,7 +2250,12 @@
             <p:ph type="dt" sz="half" idx="10"/>
           </p:nvPr>
         </p:nvSpPr>
-        <p:spPr/>
+        <p:spPr>
+          <a:xfrm>
+            <a:off x="4791456" y="6480969"/>
+            <a:ext cx="2133600" cy="301752"/>
+          </a:xfrm>
+        </p:spPr>
         <p:txBody>
           <a:bodyPr/>
           <a:lstStyle/>
@@ -1984,7 +2279,12 @@
             <p:ph type="ftr" sz="quarter" idx="11"/>
           </p:nvPr>
         </p:nvSpPr>
-        <p:spPr/>
+        <p:spPr>
+          <a:xfrm>
+            <a:off x="457200" y="6481890"/>
+            <a:ext cx="4260056" cy="300831"/>
+          </a:xfrm>
+        </p:spPr>
         <p:txBody>
           <a:bodyPr/>
           <a:lstStyle/>
@@ -2003,7 +2303,12 @@
             <p:ph type="sldNum" sz="quarter" idx="12"/>
           </p:nvPr>
         </p:nvSpPr>
-        <p:spPr/>
+        <p:spPr>
+          <a:xfrm>
+            <a:off x="7589520" y="6480969"/>
+            <a:ext cx="502920" cy="301752"/>
+          </a:xfrm>
+        </p:spPr>
         <p:txBody>
           <a:bodyPr/>
           <a:lstStyle/>
@@ -2026,8 +2331,13 @@
 </file>
 
 <file path=ppt/slideLayouts/slideLayout8.xml><?xml version="1.0" encoding="utf-8"?>
-<p:sldLayout xmlns:a="http://schemas.openxmlformats.org/drawingml/2006/main" xmlns:r="http://schemas.openxmlformats.org/officeDocument/2006/relationships" xmlns:p="http://schemas.openxmlformats.org/presentationml/2006/main" type="objTx" preserve="1">
+<p:sldLayout xmlns:a="http://schemas.openxmlformats.org/drawingml/2006/main" xmlns:r="http://schemas.openxmlformats.org/officeDocument/2006/relationships" xmlns:p="http://schemas.openxmlformats.org/presentationml/2006/main" showMasterSp="0" type="objTx" preserve="1">
   <p:cSld name="Contenuto con didascalia">
+    <p:bg>
+      <p:bgRef idx="1002">
+        <a:schemeClr val="bg2"/>
+      </p:bgRef>
+    </p:bg>
     <p:spTree>
       <p:nvGrpSpPr>
         <p:cNvPr id="1" name=""/>
@@ -2054,50 +2364,109 @@
         </p:nvSpPr>
         <p:spPr>
           <a:xfrm>
-            <a:off x="457200" y="273050"/>
-            <a:ext cx="3008313" cy="1162050"/>
-          </a:xfrm>
-        </p:spPr>
-        <p:txBody>
-          <a:bodyPr anchor="b"/>
+            <a:off x="219456" y="367664"/>
+            <a:ext cx="914400" cy="5943600"/>
+          </a:xfrm>
+        </p:spPr>
+        <p:txBody>
+          <a:bodyPr vert="vert270" anchor="b"/>
           <a:lstStyle>
-            <a:lvl1pPr algn="l">
-              <a:defRPr sz="2000" b="1"/>
+            <a:lvl1pPr marL="0" marR="18288" algn="r">
+              <a:spcBef>
+                <a:spcPts val="0"/>
+              </a:spcBef>
+              <a:buNone/>
+              <a:defRPr sz="2900" b="0" cap="all" baseline="0"/>
             </a:lvl1pPr>
           </a:lstStyle>
           <a:p>
             <a:r>
-              <a:rPr lang="it-IT" smtClean="0"/>
+              <a:rPr kumimoji="0" lang="it-IT" smtClean="0"/>
               <a:t>Fare clic per modificare lo stile del titolo</a:t>
             </a:r>
-            <a:endParaRPr lang="it-IT"/>
-          </a:p>
-        </p:txBody>
-      </p:sp>
-      <p:sp>
-        <p:nvSpPr>
-          <p:cNvPr id="3" name="Segnaposto contenuto 2"/>
+            <a:endParaRPr kumimoji="0" lang="en-US"/>
+          </a:p>
+        </p:txBody>
+      </p:sp>
+      <p:sp>
+        <p:nvSpPr>
+          <p:cNvPr id="3" name="Segnaposto testo 2"/>
           <p:cNvSpPr>
             <a:spLocks noGrp="1"/>
           </p:cNvSpPr>
           <p:nvPr>
-            <p:ph idx="1"/>
+            <p:ph type="body" idx="2"/>
           </p:nvPr>
         </p:nvSpPr>
         <p:spPr>
           <a:xfrm>
-            <a:off x="3575050" y="273050"/>
-            <a:ext cx="5111750" cy="5853113"/>
+            <a:off x="1135856" y="367664"/>
+            <a:ext cx="2438400" cy="5943600"/>
+          </a:xfrm>
+        </p:spPr>
+        <p:txBody>
+          <a:bodyPr anchor="t"/>
+          <a:lstStyle>
+            <a:lvl1pPr marL="0" indent="0">
+              <a:spcBef>
+                <a:spcPts val="0"/>
+              </a:spcBef>
+              <a:buNone/>
+              <a:defRPr sz="1400"/>
+            </a:lvl1pPr>
+            <a:lvl2pPr>
+              <a:buNone/>
+              <a:defRPr sz="1200"/>
+            </a:lvl2pPr>
+            <a:lvl3pPr>
+              <a:buNone/>
+              <a:defRPr sz="1000"/>
+            </a:lvl3pPr>
+            <a:lvl4pPr>
+              <a:buNone/>
+              <a:defRPr sz="900"/>
+            </a:lvl4pPr>
+            <a:lvl5pPr>
+              <a:buNone/>
+              <a:defRPr sz="900"/>
+            </a:lvl5pPr>
+          </a:lstStyle>
+          <a:p>
+            <a:pPr lvl="0" eaLnBrk="1" latinLnBrk="0" hangingPunct="1"/>
+            <a:r>
+              <a:rPr kumimoji="0" lang="it-IT" smtClean="0"/>
+              <a:t>Fare clic per modificare stili del testo dello schema</a:t>
+            </a:r>
+          </a:p>
+        </p:txBody>
+      </p:sp>
+      <p:sp>
+        <p:nvSpPr>
+          <p:cNvPr id="4" name="Segnaposto contenuto 3"/>
+          <p:cNvSpPr>
+            <a:spLocks noGrp="1"/>
+          </p:cNvSpPr>
+          <p:nvPr>
+            <p:ph sz="half" idx="1"/>
+          </p:nvPr>
+        </p:nvSpPr>
+        <p:spPr>
+          <a:xfrm>
+            <a:off x="3651250" y="320040"/>
+            <a:ext cx="5276088" cy="5989320"/>
           </a:xfrm>
         </p:spPr>
         <p:txBody>
           <a:bodyPr/>
           <a:lstStyle>
             <a:lvl1pPr>
-              <a:defRPr sz="3200"/>
+              <a:spcBef>
+                <a:spcPts val="0"/>
+              </a:spcBef>
+              <a:defRPr sz="3000"/>
             </a:lvl1pPr>
             <a:lvl2pPr>
-              <a:defRPr sz="2800"/>
+              <a:defRPr sz="2600"/>
             </a:lvl2pPr>
             <a:lvl3pPr>
               <a:defRPr sz="2400"/>
@@ -2108,119 +2477,42 @@
             <a:lvl5pPr>
               <a:defRPr sz="2000"/>
             </a:lvl5pPr>
-            <a:lvl6pPr>
-              <a:defRPr sz="2000"/>
-            </a:lvl6pPr>
-            <a:lvl7pPr>
-              <a:defRPr sz="2000"/>
-            </a:lvl7pPr>
-            <a:lvl8pPr>
-              <a:defRPr sz="2000"/>
-            </a:lvl8pPr>
-            <a:lvl9pPr>
-              <a:defRPr sz="2000"/>
-            </a:lvl9pPr>
           </a:lstStyle>
           <a:p>
-            <a:pPr lvl="0"/>
+            <a:pPr lvl="0" eaLnBrk="1" latinLnBrk="0" hangingPunct="1"/>
             <a:r>
               <a:rPr lang="it-IT" smtClean="0"/>
               <a:t>Fare clic per modificare stili del testo dello schema</a:t>
             </a:r>
           </a:p>
           <a:p>
-            <a:pPr lvl="1"/>
+            <a:pPr lvl="1" eaLnBrk="1" latinLnBrk="0" hangingPunct="1"/>
             <a:r>
               <a:rPr lang="it-IT" smtClean="0"/>
               <a:t>Secondo livello</a:t>
             </a:r>
           </a:p>
           <a:p>
-            <a:pPr lvl="2"/>
+            <a:pPr lvl="2" eaLnBrk="1" latinLnBrk="0" hangingPunct="1"/>
             <a:r>
               <a:rPr lang="it-IT" smtClean="0"/>
               <a:t>Terzo livello</a:t>
             </a:r>
           </a:p>
           <a:p>
-            <a:pPr lvl="3"/>
+            <a:pPr lvl="3" eaLnBrk="1" latinLnBrk="0" hangingPunct="1"/>
             <a:r>
               <a:rPr lang="it-IT" smtClean="0"/>
               <a:t>Quarto livello</a:t>
             </a:r>
           </a:p>
           <a:p>
-            <a:pPr lvl="4"/>
+            <a:pPr lvl="4" eaLnBrk="1" latinLnBrk="0" hangingPunct="1"/>
             <a:r>
               <a:rPr lang="it-IT" smtClean="0"/>
               <a:t>Quinto livello</a:t>
             </a:r>
-            <a:endParaRPr lang="it-IT"/>
-          </a:p>
-        </p:txBody>
-      </p:sp>
-      <p:sp>
-        <p:nvSpPr>
-          <p:cNvPr id="4" name="Segnaposto testo 3"/>
-          <p:cNvSpPr>
-            <a:spLocks noGrp="1"/>
-          </p:cNvSpPr>
-          <p:nvPr>
-            <p:ph type="body" sz="half" idx="2"/>
-          </p:nvPr>
-        </p:nvSpPr>
-        <p:spPr>
-          <a:xfrm>
-            <a:off x="457200" y="1435100"/>
-            <a:ext cx="3008313" cy="4691063"/>
-          </a:xfrm>
-        </p:spPr>
-        <p:txBody>
-          <a:bodyPr/>
-          <a:lstStyle>
-            <a:lvl1pPr marL="0" indent="0">
-              <a:buNone/>
-              <a:defRPr sz="1400"/>
-            </a:lvl1pPr>
-            <a:lvl2pPr marL="457200" indent="0">
-              <a:buNone/>
-              <a:defRPr sz="1200"/>
-            </a:lvl2pPr>
-            <a:lvl3pPr marL="914400" indent="0">
-              <a:buNone/>
-              <a:defRPr sz="1000"/>
-            </a:lvl3pPr>
-            <a:lvl4pPr marL="1371600" indent="0">
-              <a:buNone/>
-              <a:defRPr sz="900"/>
-            </a:lvl4pPr>
-            <a:lvl5pPr marL="1828800" indent="0">
-              <a:buNone/>
-              <a:defRPr sz="900"/>
-            </a:lvl5pPr>
-            <a:lvl6pPr marL="2286000" indent="0">
-              <a:buNone/>
-              <a:defRPr sz="900"/>
-            </a:lvl6pPr>
-            <a:lvl7pPr marL="2743200" indent="0">
-              <a:buNone/>
-              <a:defRPr sz="900"/>
-            </a:lvl7pPr>
-            <a:lvl8pPr marL="3200400" indent="0">
-              <a:buNone/>
-              <a:defRPr sz="900"/>
-            </a:lvl8pPr>
-            <a:lvl9pPr marL="3657600" indent="0">
-              <a:buNone/>
-              <a:defRPr sz="900"/>
-            </a:lvl9pPr>
-          </a:lstStyle>
-          <a:p>
-            <a:pPr lvl="0"/>
-            <a:r>
-              <a:rPr lang="it-IT" smtClean="0"/>
-              <a:t>Fare clic per modificare stili del testo dello schema</a:t>
-            </a:r>
+            <a:endParaRPr kumimoji="0" lang="en-US"/>
           </a:p>
         </p:txBody>
       </p:sp>
@@ -2234,10 +2526,19 @@
             <p:ph type="dt" sz="half" idx="10"/>
           </p:nvPr>
         </p:nvSpPr>
-        <p:spPr/>
+        <p:spPr>
+          <a:xfrm>
+            <a:off x="6278976" y="6556248"/>
+            <a:ext cx="2133600" cy="301752"/>
+          </a:xfrm>
+        </p:spPr>
         <p:txBody>
           <a:bodyPr/>
-          <a:lstStyle/>
+          <a:lstStyle>
+            <a:lvl1pPr>
+              <a:defRPr sz="900"/>
+            </a:lvl1pPr>
+          </a:lstStyle>
           <a:p>
             <a:fld id="{4B6055F8-1D02-4417-9241-55C834FD9970}" type="datetimeFigureOut">
               <a:rPr lang="it-IT" smtClean="0"/>
@@ -2258,10 +2559,19 @@
             <p:ph type="ftr" sz="quarter" idx="11"/>
           </p:nvPr>
         </p:nvSpPr>
-        <p:spPr/>
+        <p:spPr>
+          <a:xfrm>
+            <a:off x="1135856" y="6556248"/>
+            <a:ext cx="5143120" cy="301752"/>
+          </a:xfrm>
+        </p:spPr>
         <p:txBody>
           <a:bodyPr/>
-          <a:lstStyle/>
+          <a:lstStyle>
+            <a:lvl1pPr>
+              <a:defRPr sz="900"/>
+            </a:lvl1pPr>
+          </a:lstStyle>
           <a:p>
             <a:endParaRPr lang="it-IT"/>
           </a:p>
@@ -2277,10 +2587,19 @@
             <p:ph type="sldNum" sz="quarter" idx="12"/>
           </p:nvPr>
         </p:nvSpPr>
-        <p:spPr/>
+        <p:spPr>
+          <a:xfrm>
+            <a:off x="8410576" y="6556248"/>
+            <a:ext cx="502920" cy="301752"/>
+          </a:xfrm>
+        </p:spPr>
         <p:txBody>
           <a:bodyPr/>
-          <a:lstStyle/>
+          <a:lstStyle>
+            <a:lvl1pPr>
+              <a:defRPr sz="900"/>
+            </a:lvl1pPr>
+          </a:lstStyle>
           <a:p>
             <a:fld id="{B007B441-5312-499D-93C3-6E37886527FA}" type="slidenum">
               <a:rPr lang="it-IT" smtClean="0"/>
@@ -2294,266 +2613,16 @@
     </p:spTree>
   </p:cSld>
   <p:clrMapOvr>
-    <a:masterClrMapping/>
+    <a:overrideClrMapping bg1="dk1" tx1="lt1" bg2="dk2" tx2="lt2" accent1="accent1" accent2="accent2" accent3="accent3" accent4="accent4" accent5="accent5" accent6="accent6" hlink="hlink" folHlink="folHlink"/>
   </p:clrMapOvr>
 </p:sldLayout>
 </file>
 
 <file path=ppt/slideLayouts/slideLayout9.xml><?xml version="1.0" encoding="utf-8"?>
-<p:sldLayout xmlns:a="http://schemas.openxmlformats.org/drawingml/2006/main" xmlns:r="http://schemas.openxmlformats.org/officeDocument/2006/relationships" xmlns:p="http://schemas.openxmlformats.org/presentationml/2006/main" type="picTx" preserve="1">
+<p:sldLayout xmlns:a="http://schemas.openxmlformats.org/drawingml/2006/main" xmlns:r="http://schemas.openxmlformats.org/officeDocument/2006/relationships" xmlns:p="http://schemas.openxmlformats.org/presentationml/2006/main" showMasterSp="0" type="picTx" preserve="1">
   <p:cSld name="Immagine con didascalia">
-    <p:spTree>
-      <p:nvGrpSpPr>
-        <p:cNvPr id="1" name=""/>
-        <p:cNvGrpSpPr/>
-        <p:nvPr/>
-      </p:nvGrpSpPr>
-      <p:grpSpPr>
-        <a:xfrm>
-          <a:off x="0" y="0"/>
-          <a:ext cx="0" cy="0"/>
-          <a:chOff x="0" y="0"/>
-          <a:chExt cx="0" cy="0"/>
-        </a:xfrm>
-      </p:grpSpPr>
-      <p:sp>
-        <p:nvSpPr>
-          <p:cNvPr id="2" name="Titolo 1"/>
-          <p:cNvSpPr>
-            <a:spLocks noGrp="1"/>
-          </p:cNvSpPr>
-          <p:nvPr>
-            <p:ph type="title"/>
-          </p:nvPr>
-        </p:nvSpPr>
-        <p:spPr>
-          <a:xfrm>
-            <a:off x="1792288" y="4800600"/>
-            <a:ext cx="5486400" cy="566738"/>
-          </a:xfrm>
-        </p:spPr>
-        <p:txBody>
-          <a:bodyPr anchor="b"/>
-          <a:lstStyle>
-            <a:lvl1pPr algn="l">
-              <a:defRPr sz="2000" b="1"/>
-            </a:lvl1pPr>
-          </a:lstStyle>
-          <a:p>
-            <a:r>
-              <a:rPr lang="it-IT" smtClean="0"/>
-              <a:t>Fare clic per modificare lo stile del titolo</a:t>
-            </a:r>
-            <a:endParaRPr lang="it-IT"/>
-          </a:p>
-        </p:txBody>
-      </p:sp>
-      <p:sp>
-        <p:nvSpPr>
-          <p:cNvPr id="3" name="Segnaposto immagine 2"/>
-          <p:cNvSpPr>
-            <a:spLocks noGrp="1"/>
-          </p:cNvSpPr>
-          <p:nvPr>
-            <p:ph type="pic" idx="1"/>
-          </p:nvPr>
-        </p:nvSpPr>
-        <p:spPr>
-          <a:xfrm>
-            <a:off x="1792288" y="612775"/>
-            <a:ext cx="5486400" cy="4114800"/>
-          </a:xfrm>
-        </p:spPr>
-        <p:txBody>
-          <a:bodyPr/>
-          <a:lstStyle>
-            <a:lvl1pPr marL="0" indent="0">
-              <a:buNone/>
-              <a:defRPr sz="3200"/>
-            </a:lvl1pPr>
-            <a:lvl2pPr marL="457200" indent="0">
-              <a:buNone/>
-              <a:defRPr sz="2800"/>
-            </a:lvl2pPr>
-            <a:lvl3pPr marL="914400" indent="0">
-              <a:buNone/>
-              <a:defRPr sz="2400"/>
-            </a:lvl3pPr>
-            <a:lvl4pPr marL="1371600" indent="0">
-              <a:buNone/>
-              <a:defRPr sz="2000"/>
-            </a:lvl4pPr>
-            <a:lvl5pPr marL="1828800" indent="0">
-              <a:buNone/>
-              <a:defRPr sz="2000"/>
-            </a:lvl5pPr>
-            <a:lvl6pPr marL="2286000" indent="0">
-              <a:buNone/>
-              <a:defRPr sz="2000"/>
-            </a:lvl6pPr>
-            <a:lvl7pPr marL="2743200" indent="0">
-              <a:buNone/>
-              <a:defRPr sz="2000"/>
-            </a:lvl7pPr>
-            <a:lvl8pPr marL="3200400" indent="0">
-              <a:buNone/>
-              <a:defRPr sz="2000"/>
-            </a:lvl8pPr>
-            <a:lvl9pPr marL="3657600" indent="0">
-              <a:buNone/>
-              <a:defRPr sz="2000"/>
-            </a:lvl9pPr>
-          </a:lstStyle>
-          <a:p>
-            <a:endParaRPr lang="it-IT"/>
-          </a:p>
-        </p:txBody>
-      </p:sp>
-      <p:sp>
-        <p:nvSpPr>
-          <p:cNvPr id="4" name="Segnaposto testo 3"/>
-          <p:cNvSpPr>
-            <a:spLocks noGrp="1"/>
-          </p:cNvSpPr>
-          <p:nvPr>
-            <p:ph type="body" sz="half" idx="2"/>
-          </p:nvPr>
-        </p:nvSpPr>
-        <p:spPr>
-          <a:xfrm>
-            <a:off x="1792288" y="5367338"/>
-            <a:ext cx="5486400" cy="804862"/>
-          </a:xfrm>
-        </p:spPr>
-        <p:txBody>
-          <a:bodyPr/>
-          <a:lstStyle>
-            <a:lvl1pPr marL="0" indent="0">
-              <a:buNone/>
-              <a:defRPr sz="1400"/>
-            </a:lvl1pPr>
-            <a:lvl2pPr marL="457200" indent="0">
-              <a:buNone/>
-              <a:defRPr sz="1200"/>
-            </a:lvl2pPr>
-            <a:lvl3pPr marL="914400" indent="0">
-              <a:buNone/>
-              <a:defRPr sz="1000"/>
-            </a:lvl3pPr>
-            <a:lvl4pPr marL="1371600" indent="0">
-              <a:buNone/>
-              <a:defRPr sz="900"/>
-            </a:lvl4pPr>
-            <a:lvl5pPr marL="1828800" indent="0">
-              <a:buNone/>
-              <a:defRPr sz="900"/>
-            </a:lvl5pPr>
-            <a:lvl6pPr marL="2286000" indent="0">
-              <a:buNone/>
-              <a:defRPr sz="900"/>
-            </a:lvl6pPr>
-            <a:lvl7pPr marL="2743200" indent="0">
-              <a:buNone/>
-              <a:defRPr sz="900"/>
-            </a:lvl7pPr>
-            <a:lvl8pPr marL="3200400" indent="0">
-              <a:buNone/>
-              <a:defRPr sz="900"/>
-            </a:lvl8pPr>
-            <a:lvl9pPr marL="3657600" indent="0">
-              <a:buNone/>
-              <a:defRPr sz="900"/>
-            </a:lvl9pPr>
-          </a:lstStyle>
-          <a:p>
-            <a:pPr lvl="0"/>
-            <a:r>
-              <a:rPr lang="it-IT" smtClean="0"/>
-              <a:t>Fare clic per modificare stili del testo dello schema</a:t>
-            </a:r>
-          </a:p>
-        </p:txBody>
-      </p:sp>
-      <p:sp>
-        <p:nvSpPr>
-          <p:cNvPr id="5" name="Segnaposto data 4"/>
-          <p:cNvSpPr>
-            <a:spLocks noGrp="1"/>
-          </p:cNvSpPr>
-          <p:nvPr>
-            <p:ph type="dt" sz="half" idx="10"/>
-          </p:nvPr>
-        </p:nvSpPr>
-        <p:spPr/>
-        <p:txBody>
-          <a:bodyPr/>
-          <a:lstStyle/>
-          <a:p>
-            <a:fld id="{4B6055F8-1D02-4417-9241-55C834FD9970}" type="datetimeFigureOut">
-              <a:rPr lang="it-IT" smtClean="0"/>
-              <a:pPr/>
-              <a:t>06/06/2020</a:t>
-            </a:fld>
-            <a:endParaRPr lang="it-IT"/>
-          </a:p>
-        </p:txBody>
-      </p:sp>
-      <p:sp>
-        <p:nvSpPr>
-          <p:cNvPr id="6" name="Segnaposto piè di pagina 5"/>
-          <p:cNvSpPr>
-            <a:spLocks noGrp="1"/>
-          </p:cNvSpPr>
-          <p:nvPr>
-            <p:ph type="ftr" sz="quarter" idx="11"/>
-          </p:nvPr>
-        </p:nvSpPr>
-        <p:spPr/>
-        <p:txBody>
-          <a:bodyPr/>
-          <a:lstStyle/>
-          <a:p>
-            <a:endParaRPr lang="it-IT"/>
-          </a:p>
-        </p:txBody>
-      </p:sp>
-      <p:sp>
-        <p:nvSpPr>
-          <p:cNvPr id="7" name="Segnaposto numero diapositiva 6"/>
-          <p:cNvSpPr>
-            <a:spLocks noGrp="1"/>
-          </p:cNvSpPr>
-          <p:nvPr>
-            <p:ph type="sldNum" sz="quarter" idx="12"/>
-          </p:nvPr>
-        </p:nvSpPr>
-        <p:spPr/>
-        <p:txBody>
-          <a:bodyPr/>
-          <a:lstStyle/>
-          <a:p>
-            <a:fld id="{B007B441-5312-499D-93C3-6E37886527FA}" type="slidenum">
-              <a:rPr lang="it-IT" smtClean="0"/>
-              <a:pPr/>
-              <a:t>‹N›</a:t>
-            </a:fld>
-            <a:endParaRPr lang="it-IT"/>
-          </a:p>
-        </p:txBody>
-      </p:sp>
-    </p:spTree>
-  </p:cSld>
-  <p:clrMapOvr>
-    <a:masterClrMapping/>
-  </p:clrMapOvr>
-</p:sldLayout>
-</file>
-
-<file path=ppt/slideMasters/slideMaster1.xml><?xml version="1.0" encoding="utf-8"?>
-<p:sldMaster xmlns:a="http://schemas.openxmlformats.org/drawingml/2006/main" xmlns:r="http://schemas.openxmlformats.org/officeDocument/2006/relationships" xmlns:p="http://schemas.openxmlformats.org/presentationml/2006/main">
-  <p:cSld>
     <p:bg>
-      <p:bgRef idx="1001">
+      <p:bgRef idx="1002">
         <a:schemeClr val="bg1"/>
       </p:bgRef>
     </p:bg>
@@ -2573,7 +2642,7 @@
       </p:grpSpPr>
       <p:sp>
         <p:nvSpPr>
-          <p:cNvPr id="2" name="Segnaposto titolo 1"/>
+          <p:cNvPr id="2" name="Titolo 1"/>
           <p:cNvSpPr>
             <a:spLocks noGrp="1"/>
           </p:cNvSpPr>
@@ -2583,30 +2652,432 @@
         </p:nvSpPr>
         <p:spPr>
           <a:xfrm>
-            <a:off x="457200" y="274638"/>
-            <a:ext cx="8229600" cy="1143000"/>
+            <a:off x="219456" y="150896"/>
+            <a:ext cx="914400" cy="6400800"/>
+          </a:xfrm>
+        </p:spPr>
+        <p:txBody>
+          <a:bodyPr vert="vert270" anchor="b"/>
+          <a:lstStyle>
+            <a:lvl1pPr marL="0" algn="l">
+              <a:buNone/>
+              <a:defRPr sz="3000" b="0" cap="all" baseline="0"/>
+            </a:lvl1pPr>
+          </a:lstStyle>
+          <a:p>
+            <a:r>
+              <a:rPr kumimoji="0" lang="it-IT" smtClean="0"/>
+              <a:t>Fare clic per modificare lo stile del titolo</a:t>
+            </a:r>
+            <a:endParaRPr kumimoji="0" lang="en-US"/>
+          </a:p>
+        </p:txBody>
+      </p:sp>
+      <p:sp>
+        <p:nvSpPr>
+          <p:cNvPr id="3" name="Segnaposto immagine 2"/>
+          <p:cNvSpPr>
+            <a:spLocks noGrp="1"/>
+          </p:cNvSpPr>
+          <p:nvPr>
+            <p:ph type="pic" idx="1"/>
+          </p:nvPr>
+        </p:nvSpPr>
+        <p:spPr>
+          <a:xfrm>
+            <a:off x="1138237" y="373966"/>
+            <a:ext cx="7333488" cy="5486400"/>
+          </a:xfrm>
+          <a:solidFill>
+            <a:schemeClr val="bg2">
+              <a:shade val="50000"/>
+            </a:schemeClr>
+          </a:solidFill>
+        </p:spPr>
+        <p:txBody>
+          <a:bodyPr/>
+          <a:lstStyle>
+            <a:lvl1pPr marL="0" indent="0">
+              <a:buNone/>
+              <a:defRPr sz="3200"/>
+            </a:lvl1pPr>
+          </a:lstStyle>
+          <a:p>
+            <a:r>
+              <a:rPr kumimoji="0" lang="it-IT" smtClean="0"/>
+              <a:t>Fare clic sull'icona per inserire un'immagine</a:t>
+            </a:r>
+            <a:endParaRPr kumimoji="0" lang="en-US" dirty="0"/>
+          </a:p>
+        </p:txBody>
+      </p:sp>
+      <p:sp>
+        <p:nvSpPr>
+          <p:cNvPr id="4" name="Segnaposto testo 3"/>
+          <p:cNvSpPr>
+            <a:spLocks noGrp="1"/>
+          </p:cNvSpPr>
+          <p:nvPr>
+            <p:ph type="body" sz="half" idx="2"/>
+          </p:nvPr>
+        </p:nvSpPr>
+        <p:spPr>
+          <a:xfrm>
+            <a:off x="1143000" y="5867400"/>
+            <a:ext cx="7333488" cy="685800"/>
+          </a:xfrm>
+          <a:solidFill>
+            <a:schemeClr val="accent1">
+              <a:alpha val="15000"/>
+            </a:schemeClr>
+          </a:solidFill>
+          <a:ln>
+            <a:solidFill>
+              <a:schemeClr val="accent1"/>
+            </a:solidFill>
+            <a:miter lim="800000"/>
+          </a:ln>
+        </p:spPr>
+        <p:txBody>
+          <a:bodyPr/>
+          <a:lstStyle>
+            <a:lvl1pPr marL="0" indent="0">
+              <a:spcBef>
+                <a:spcPts val="0"/>
+              </a:spcBef>
+              <a:buNone/>
+              <a:defRPr sz="1400"/>
+            </a:lvl1pPr>
+            <a:lvl2pPr>
+              <a:defRPr sz="1200"/>
+            </a:lvl2pPr>
+            <a:lvl3pPr>
+              <a:defRPr sz="1000"/>
+            </a:lvl3pPr>
+            <a:lvl4pPr>
+              <a:defRPr sz="900"/>
+            </a:lvl4pPr>
+            <a:lvl5pPr>
+              <a:defRPr sz="900"/>
+            </a:lvl5pPr>
+          </a:lstStyle>
+          <a:p>
+            <a:pPr lvl="0" eaLnBrk="1" latinLnBrk="0" hangingPunct="1"/>
+            <a:r>
+              <a:rPr kumimoji="0" lang="it-IT" smtClean="0"/>
+              <a:t>Fare clic per modificare stili del testo dello schema</a:t>
+            </a:r>
+          </a:p>
+        </p:txBody>
+      </p:sp>
+      <p:sp>
+        <p:nvSpPr>
+          <p:cNvPr id="5" name="Segnaposto data 4"/>
+          <p:cNvSpPr>
+            <a:spLocks noGrp="1"/>
+          </p:cNvSpPr>
+          <p:nvPr>
+            <p:ph type="dt" sz="half" idx="10"/>
+          </p:nvPr>
+        </p:nvSpPr>
+        <p:spPr>
+          <a:xfrm>
+            <a:off x="6108192" y="6556248"/>
+            <a:ext cx="2103120" cy="301752"/>
+          </a:xfrm>
+        </p:spPr>
+        <p:txBody>
+          <a:bodyPr/>
+          <a:lstStyle>
+            <a:lvl1pPr>
+              <a:defRPr sz="900"/>
+            </a:lvl1pPr>
+          </a:lstStyle>
+          <a:p>
+            <a:fld id="{4B6055F8-1D02-4417-9241-55C834FD9970}" type="datetimeFigureOut">
+              <a:rPr lang="it-IT" smtClean="0"/>
+              <a:pPr/>
+              <a:t>06/06/2020</a:t>
+            </a:fld>
+            <a:endParaRPr lang="it-IT"/>
+          </a:p>
+        </p:txBody>
+      </p:sp>
+      <p:sp>
+        <p:nvSpPr>
+          <p:cNvPr id="6" name="Segnaposto piè di pagina 5"/>
+          <p:cNvSpPr>
+            <a:spLocks noGrp="1"/>
+          </p:cNvSpPr>
+          <p:nvPr>
+            <p:ph type="ftr" sz="quarter" idx="11"/>
+          </p:nvPr>
+        </p:nvSpPr>
+        <p:spPr>
+          <a:xfrm>
+            <a:off x="1170432" y="6557169"/>
+            <a:ext cx="4948072" cy="301752"/>
+          </a:xfrm>
+        </p:spPr>
+        <p:txBody>
+          <a:bodyPr/>
+          <a:lstStyle>
+            <a:lvl1pPr>
+              <a:defRPr sz="900"/>
+            </a:lvl1pPr>
+          </a:lstStyle>
+          <a:p>
+            <a:endParaRPr lang="it-IT"/>
+          </a:p>
+        </p:txBody>
+      </p:sp>
+      <p:sp>
+        <p:nvSpPr>
+          <p:cNvPr id="7" name="Segnaposto numero diapositiva 6"/>
+          <p:cNvSpPr>
+            <a:spLocks noGrp="1"/>
+          </p:cNvSpPr>
+          <p:nvPr>
+            <p:ph type="sldNum" sz="quarter" idx="12"/>
+          </p:nvPr>
+        </p:nvSpPr>
+        <p:spPr>
+          <a:xfrm>
+            <a:off x="8217192" y="6556248"/>
+            <a:ext cx="365760" cy="301752"/>
+          </a:xfrm>
+        </p:spPr>
+        <p:txBody>
+          <a:bodyPr/>
+          <a:lstStyle>
+            <a:lvl1pPr algn="ctr">
+              <a:defRPr sz="900"/>
+            </a:lvl1pPr>
+          </a:lstStyle>
+          <a:p>
+            <a:fld id="{B007B441-5312-499D-93C3-6E37886527FA}" type="slidenum">
+              <a:rPr lang="it-IT" smtClean="0"/>
+              <a:pPr/>
+              <a:t>‹N›</a:t>
+            </a:fld>
+            <a:endParaRPr lang="it-IT"/>
+          </a:p>
+        </p:txBody>
+      </p:sp>
+    </p:spTree>
+  </p:cSld>
+  <p:clrMapOvr>
+    <a:overrideClrMapping bg1="dk1" tx1="lt1" bg2="dk2" tx2="lt2" accent1="accent1" accent2="accent2" accent3="accent3" accent4="accent4" accent5="accent5" accent6="accent6" hlink="hlink" folHlink="folHlink"/>
+  </p:clrMapOvr>
+</p:sldLayout>
+</file>
+
+<file path=ppt/slideMasters/slideMaster1.xml><?xml version="1.0" encoding="utf-8"?>
+<p:sldMaster xmlns:a="http://schemas.openxmlformats.org/drawingml/2006/main" xmlns:r="http://schemas.openxmlformats.org/officeDocument/2006/relationships" xmlns:p="http://schemas.openxmlformats.org/presentationml/2006/main">
+  <p:cSld>
+    <p:bg>
+      <p:bgRef idx="1002">
+        <a:schemeClr val="bg2"/>
+      </p:bgRef>
+    </p:bg>
+    <p:spTree>
+      <p:nvGrpSpPr>
+        <p:cNvPr id="1" name=""/>
+        <p:cNvGrpSpPr/>
+        <p:nvPr/>
+      </p:nvGrpSpPr>
+      <p:grpSpPr>
+        <a:xfrm>
+          <a:off x="0" y="0"/>
+          <a:ext cx="0" cy="0"/>
+          <a:chOff x="0" y="0"/>
+          <a:chExt cx="0" cy="0"/>
+        </a:xfrm>
+      </p:grpSpPr>
+      <p:sp>
+        <p:nvSpPr>
+          <p:cNvPr id="11" name="Triangolo rettangolo 10"/>
+          <p:cNvSpPr/>
+          <p:nvPr/>
+        </p:nvSpPr>
+        <p:spPr>
+          <a:xfrm>
+            <a:off x="7034" y="14068"/>
+            <a:ext cx="9129932" cy="6836899"/>
+          </a:xfrm>
+          <a:prstGeom prst="rtTriangle">
+            <a:avLst/>
+          </a:prstGeom>
+          <a:gradFill flip="none" rotWithShape="1">
+            <a:gsLst>
+              <a:gs pos="0">
+                <a:schemeClr val="tx2">
+                  <a:alpha val="10000"/>
+                </a:schemeClr>
+              </a:gs>
+              <a:gs pos="70000">
+                <a:schemeClr val="tx2">
+                  <a:alpha val="8000"/>
+                </a:schemeClr>
+              </a:gs>
+              <a:gs pos="100000">
+                <a:schemeClr val="tx2">
+                  <a:alpha val="1000"/>
+                </a:schemeClr>
+              </a:gs>
+            </a:gsLst>
+            <a:lin ang="8000000" scaled="1"/>
+            <a:tileRect/>
+          </a:gradFill>
+          <a:ln w="38100" cap="rnd" cmpd="sng" algn="ctr">
+            <a:noFill/>
+            <a:prstDash val="solid"/>
+          </a:ln>
+          <a:effectLst/>
+        </p:spPr>
+        <p:style>
+          <a:lnRef idx="3">
+            <a:schemeClr val="lt1"/>
+          </a:lnRef>
+          <a:fillRef idx="1">
+            <a:schemeClr val="accent1"/>
+          </a:fillRef>
+          <a:effectRef idx="1">
+            <a:schemeClr val="accent1"/>
+          </a:effectRef>
+          <a:fontRef idx="minor">
+            <a:schemeClr val="lt1"/>
+          </a:fontRef>
+        </p:style>
+        <p:txBody>
+          <a:bodyPr anchor="ctr"/>
+          <a:lstStyle/>
+          <a:p>
+            <a:pPr algn="ctr" eaLnBrk="1" latinLnBrk="0" hangingPunct="1"/>
+            <a:endParaRPr kumimoji="0" lang="en-US"/>
+          </a:p>
+        </p:txBody>
+      </p:sp>
+      <p:cxnSp>
+        <p:nvCxnSpPr>
+          <p:cNvPr id="8" name="Connettore 1 7"/>
+          <p:cNvCxnSpPr/>
+          <p:nvPr/>
+        </p:nvCxnSpPr>
+        <p:spPr>
+          <a:xfrm>
+            <a:off x="0" y="7034"/>
+            <a:ext cx="9136966" cy="6843933"/>
+          </a:xfrm>
+          <a:prstGeom prst="line">
+            <a:avLst/>
+          </a:prstGeom>
+          <a:noFill/>
+          <a:ln w="5000" cap="rnd" cmpd="sng" algn="ctr">
+            <a:solidFill>
+              <a:schemeClr val="bg2">
+                <a:tint val="55000"/>
+                <a:satMod val="200000"/>
+                <a:alpha val="35000"/>
+              </a:schemeClr>
+            </a:solidFill>
+            <a:prstDash val="solid"/>
+          </a:ln>
+          <a:effectLst/>
+        </p:spPr>
+        <p:style>
+          <a:lnRef idx="2">
+            <a:schemeClr val="accent1"/>
+          </a:lnRef>
+          <a:fillRef idx="0">
+            <a:schemeClr val="accent1"/>
+          </a:fillRef>
+          <a:effectRef idx="1">
+            <a:schemeClr val="accent1"/>
+          </a:effectRef>
+          <a:fontRef idx="minor">
+            <a:schemeClr val="tx1"/>
+          </a:fontRef>
+        </p:style>
+      </p:cxnSp>
+      <p:cxnSp>
+        <p:nvCxnSpPr>
+          <p:cNvPr id="9" name="Connettore 1 8"/>
+          <p:cNvCxnSpPr/>
+          <p:nvPr/>
+        </p:nvCxnSpPr>
+        <p:spPr>
+          <a:xfrm rot="10800000" flipV="1">
+            <a:off x="6468794" y="4948410"/>
+            <a:ext cx="2672861" cy="1900210"/>
+          </a:xfrm>
+          <a:prstGeom prst="line">
+            <a:avLst/>
+          </a:prstGeom>
+          <a:noFill/>
+          <a:ln w="6000" cap="rnd" cmpd="sng" algn="ctr">
+            <a:solidFill>
+              <a:schemeClr val="bg2">
+                <a:tint val="50000"/>
+                <a:satMod val="200000"/>
+                <a:alpha val="45000"/>
+              </a:schemeClr>
+            </a:solidFill>
+            <a:prstDash val="solid"/>
+          </a:ln>
+          <a:effectLst/>
+        </p:spPr>
+        <p:style>
+          <a:lnRef idx="2">
+            <a:schemeClr val="accent1"/>
+          </a:lnRef>
+          <a:fillRef idx="0">
+            <a:schemeClr val="accent1"/>
+          </a:fillRef>
+          <a:effectRef idx="1">
+            <a:schemeClr val="accent1"/>
+          </a:effectRef>
+          <a:fontRef idx="minor">
+            <a:schemeClr val="tx1"/>
+          </a:fontRef>
+        </p:style>
+      </p:cxnSp>
+      <p:sp>
+        <p:nvSpPr>
+          <p:cNvPr id="22" name="Segnaposto titolo 21"/>
+          <p:cNvSpPr>
+            <a:spLocks noGrp="1"/>
+          </p:cNvSpPr>
+          <p:nvPr>
+            <p:ph type="title"/>
+          </p:nvPr>
+        </p:nvSpPr>
+        <p:spPr>
+          <a:xfrm>
+            <a:off x="457200" y="267494"/>
+            <a:ext cx="8229600" cy="1399032"/>
           </a:xfrm>
           <a:prstGeom prst="rect">
             <a:avLst/>
           </a:prstGeom>
         </p:spPr>
         <p:txBody>
-          <a:bodyPr vert="horz" lIns="91440" tIns="45720" rIns="91440" bIns="45720" rtlCol="0" anchor="ctr">
+          <a:bodyPr vert="horz" anchor="ctr">
             <a:normAutofit/>
           </a:bodyPr>
           <a:lstStyle/>
           <a:p>
             <a:r>
-              <a:rPr lang="it-IT" smtClean="0"/>
+              <a:rPr kumimoji="0" lang="it-IT" smtClean="0"/>
               <a:t>Fare clic per modificare lo stile del titolo</a:t>
             </a:r>
-            <a:endParaRPr lang="it-IT"/>
-          </a:p>
-        </p:txBody>
-      </p:sp>
-      <p:sp>
-        <p:nvSpPr>
-          <p:cNvPr id="3" name="Segnaposto testo 2"/>
+            <a:endParaRPr kumimoji="0" lang="en-US"/>
+          </a:p>
+        </p:txBody>
+      </p:sp>
+      <p:sp>
+        <p:nvSpPr>
+          <p:cNvPr id="13" name="Segnaposto testo 12"/>
           <p:cNvSpPr>
             <a:spLocks noGrp="1"/>
           </p:cNvSpPr>
@@ -2616,59 +3087,59 @@
         </p:nvSpPr>
         <p:spPr>
           <a:xfrm>
-            <a:off x="457200" y="1600200"/>
-            <a:ext cx="8229600" cy="4525963"/>
+            <a:off x="457200" y="1882808"/>
+            <a:ext cx="8229600" cy="4572000"/>
           </a:xfrm>
           <a:prstGeom prst="rect">
             <a:avLst/>
           </a:prstGeom>
         </p:spPr>
         <p:txBody>
-          <a:bodyPr vert="horz" lIns="91440" tIns="45720" rIns="91440" bIns="45720" rtlCol="0">
+          <a:bodyPr vert="horz" anchor="t">
             <a:normAutofit/>
           </a:bodyPr>
           <a:lstStyle/>
           <a:p>
-            <a:pPr lvl="0"/>
-            <a:r>
-              <a:rPr lang="it-IT" smtClean="0"/>
+            <a:pPr lvl="0" eaLnBrk="1" latinLnBrk="0" hangingPunct="1"/>
+            <a:r>
+              <a:rPr kumimoji="0" lang="it-IT" smtClean="0"/>
               <a:t>Fare clic per modificare stili del testo dello schema</a:t>
             </a:r>
           </a:p>
           <a:p>
-            <a:pPr lvl="1"/>
-            <a:r>
-              <a:rPr lang="it-IT" smtClean="0"/>
+            <a:pPr lvl="1" eaLnBrk="1" latinLnBrk="0" hangingPunct="1"/>
+            <a:r>
+              <a:rPr kumimoji="0" lang="it-IT" smtClean="0"/>
               <a:t>Secondo livello</a:t>
             </a:r>
           </a:p>
           <a:p>
-            <a:pPr lvl="2"/>
-            <a:r>
-              <a:rPr lang="it-IT" smtClean="0"/>
+            <a:pPr lvl="2" eaLnBrk="1" latinLnBrk="0" hangingPunct="1"/>
+            <a:r>
+              <a:rPr kumimoji="0" lang="it-IT" smtClean="0"/>
               <a:t>Terzo livello</a:t>
             </a:r>
           </a:p>
           <a:p>
-            <a:pPr lvl="3"/>
-            <a:r>
-              <a:rPr lang="it-IT" smtClean="0"/>
+            <a:pPr lvl="3" eaLnBrk="1" latinLnBrk="0" hangingPunct="1"/>
+            <a:r>
+              <a:rPr kumimoji="0" lang="it-IT" smtClean="0"/>
               <a:t>Quarto livello</a:t>
             </a:r>
           </a:p>
           <a:p>
-            <a:pPr lvl="4"/>
-            <a:r>
-              <a:rPr lang="it-IT" smtClean="0"/>
+            <a:pPr lvl="4" eaLnBrk="1" latinLnBrk="0" hangingPunct="1"/>
+            <a:r>
+              <a:rPr kumimoji="0" lang="it-IT" smtClean="0"/>
               <a:t>Quinto livello</a:t>
             </a:r>
-            <a:endParaRPr lang="it-IT"/>
-          </a:p>
-        </p:txBody>
-      </p:sp>
-      <p:sp>
-        <p:nvSpPr>
-          <p:cNvPr id="4" name="Segnaposto data 3"/>
+            <a:endParaRPr kumimoji="0" lang="en-US"/>
+          </a:p>
+        </p:txBody>
+      </p:sp>
+      <p:sp>
+        <p:nvSpPr>
+          <p:cNvPr id="14" name="Segnaposto data 13"/>
           <p:cNvSpPr>
             <a:spLocks noGrp="1"/>
           </p:cNvSpPr>
@@ -2678,22 +3149,20 @@
         </p:nvSpPr>
         <p:spPr>
           <a:xfrm>
-            <a:off x="457200" y="6356350"/>
-            <a:ext cx="2133600" cy="365125"/>
+            <a:off x="4791456" y="6480969"/>
+            <a:ext cx="2133600" cy="301752"/>
           </a:xfrm>
           <a:prstGeom prst="rect">
             <a:avLst/>
           </a:prstGeom>
         </p:spPr>
         <p:txBody>
-          <a:bodyPr vert="horz" lIns="91440" tIns="45720" rIns="91440" bIns="45720" rtlCol="0" anchor="ctr"/>
+          <a:bodyPr vert="horz" anchor="b"/>
           <a:lstStyle>
-            <a:lvl1pPr algn="l">
-              <a:defRPr sz="1200">
+            <a:lvl1pPr algn="l" eaLnBrk="1" latinLnBrk="0" hangingPunct="1">
+              <a:defRPr kumimoji="0" sz="1000" b="0">
                 <a:solidFill>
-                  <a:schemeClr val="tx1">
-                    <a:tint val="75000"/>
-                  </a:schemeClr>
+                  <a:schemeClr val="tx1"/>
                 </a:solidFill>
               </a:defRPr>
             </a:lvl1pPr>
@@ -2710,7 +3179,7 @@
       </p:sp>
       <p:sp>
         <p:nvSpPr>
-          <p:cNvPr id="5" name="Segnaposto piè di pagina 4"/>
+          <p:cNvPr id="3" name="Segnaposto piè di pagina 2"/>
           <p:cNvSpPr>
             <a:spLocks noGrp="1"/>
           </p:cNvSpPr>
@@ -2720,22 +3189,20 @@
         </p:nvSpPr>
         <p:spPr>
           <a:xfrm>
-            <a:off x="3124200" y="6356350"/>
-            <a:ext cx="2895600" cy="365125"/>
+            <a:off x="457200" y="6481890"/>
+            <a:ext cx="4260056" cy="300831"/>
           </a:xfrm>
           <a:prstGeom prst="rect">
             <a:avLst/>
           </a:prstGeom>
         </p:spPr>
         <p:txBody>
-          <a:bodyPr vert="horz" lIns="91440" tIns="45720" rIns="91440" bIns="45720" rtlCol="0" anchor="ctr"/>
+          <a:bodyPr vert="horz" anchor="b"/>
           <a:lstStyle>
-            <a:lvl1pPr algn="ctr">
-              <a:defRPr sz="1200">
+            <a:lvl1pPr algn="r" eaLnBrk="1" latinLnBrk="0" hangingPunct="1">
+              <a:defRPr kumimoji="0" sz="1000">
                 <a:solidFill>
-                  <a:schemeClr val="tx1">
-                    <a:tint val="75000"/>
-                  </a:schemeClr>
+                  <a:schemeClr val="tx1"/>
                 </a:solidFill>
               </a:defRPr>
             </a:lvl1pPr>
@@ -2747,7 +3214,7 @@
       </p:sp>
       <p:sp>
         <p:nvSpPr>
-          <p:cNvPr id="6" name="Segnaposto numero diapositiva 5"/>
+          <p:cNvPr id="23" name="Segnaposto numero diapositiva 22"/>
           <p:cNvSpPr>
             <a:spLocks noGrp="1"/>
           </p:cNvSpPr>
@@ -2757,22 +3224,20 @@
         </p:nvSpPr>
         <p:spPr>
           <a:xfrm>
-            <a:off x="6553200" y="6356350"/>
-            <a:ext cx="2133600" cy="365125"/>
+            <a:off x="7589520" y="6480969"/>
+            <a:ext cx="502920" cy="301752"/>
           </a:xfrm>
           <a:prstGeom prst="rect">
             <a:avLst/>
           </a:prstGeom>
         </p:spPr>
         <p:txBody>
-          <a:bodyPr vert="horz" lIns="91440" tIns="45720" rIns="91440" bIns="45720" rtlCol="0" anchor="ctr"/>
+          <a:bodyPr vert="horz" anchor="b"/>
           <a:lstStyle>
-            <a:lvl1pPr algn="r">
-              <a:defRPr sz="1200">
+            <a:lvl1pPr algn="ctr" eaLnBrk="1" latinLnBrk="0" hangingPunct="1">
+              <a:defRPr kumimoji="0" sz="1200">
                 <a:solidFill>
-                  <a:schemeClr val="tx1">
-                    <a:tint val="75000"/>
-                  </a:schemeClr>
+                  <a:schemeClr val="tx1"/>
                 </a:solidFill>
               </a:defRPr>
             </a:lvl1pPr>
@@ -2789,31 +3254,48 @@
       </p:sp>
     </p:spTree>
   </p:cSld>
-  <p:clrMap bg1="lt1" tx1="dk1" bg2="lt2" tx2="dk2" accent1="accent1" accent2="accent2" accent3="accent3" accent4="accent4" accent5="accent5" accent6="accent6" hlink="hlink" folHlink="folHlink"/>
+  <p:clrMap bg1="dk1" tx1="lt1" bg2="dk2" tx2="lt2" accent1="accent1" accent2="accent2" accent3="accent3" accent4="accent4" accent5="accent5" accent6="accent6" hlink="hlink" folHlink="folHlink"/>
   <p:sldLayoutIdLst>
-    <p:sldLayoutId id="2147483649" r:id="rId1"/>
-    <p:sldLayoutId id="2147483650" r:id="rId2"/>
-    <p:sldLayoutId id="2147483651" r:id="rId3"/>
-    <p:sldLayoutId id="2147483652" r:id="rId4"/>
-    <p:sldLayoutId id="2147483653" r:id="rId5"/>
-    <p:sldLayoutId id="2147483654" r:id="rId6"/>
-    <p:sldLayoutId id="2147483655" r:id="rId7"/>
-    <p:sldLayoutId id="2147483656" r:id="rId8"/>
-    <p:sldLayoutId id="2147483657" r:id="rId9"/>
-    <p:sldLayoutId id="2147483658" r:id="rId10"/>
-    <p:sldLayoutId id="2147483659" r:id="rId11"/>
+    <p:sldLayoutId id="2147483733" r:id="rId1"/>
+    <p:sldLayoutId id="2147483734" r:id="rId2"/>
+    <p:sldLayoutId id="2147483735" r:id="rId3"/>
+    <p:sldLayoutId id="2147483736" r:id="rId4"/>
+    <p:sldLayoutId id="2147483737" r:id="rId5"/>
+    <p:sldLayoutId id="2147483738" r:id="rId6"/>
+    <p:sldLayoutId id="2147483739" r:id="rId7"/>
+    <p:sldLayoutId id="2147483740" r:id="rId8"/>
+    <p:sldLayoutId id="2147483741" r:id="rId9"/>
+    <p:sldLayoutId id="2147483742" r:id="rId10"/>
+    <p:sldLayoutId id="2147483743" r:id="rId11"/>
   </p:sldLayoutIdLst>
   <p:txStyles>
     <p:titleStyle>
-      <a:lvl1pPr algn="ctr" defTabSz="914400" rtl="0" eaLnBrk="1" latinLnBrk="0" hangingPunct="1">
+      <a:lvl1pPr marL="484632" algn="l" rtl="0" eaLnBrk="1" latinLnBrk="0" hangingPunct="1">
         <a:spcBef>
           <a:spcPct val="0"/>
         </a:spcBef>
         <a:buNone/>
-        <a:defRPr sz="4400" kern="1200">
+        <a:defRPr kumimoji="0" sz="4200" kern="1200">
+          <a:ln w="6350">
+            <a:solidFill>
+              <a:schemeClr val="accent1">
+                <a:shade val="43000"/>
+              </a:schemeClr>
+            </a:solidFill>
+          </a:ln>
           <a:solidFill>
-            <a:schemeClr val="tx1"/>
+            <a:schemeClr val="accent1">
+              <a:tint val="83000"/>
+              <a:satMod val="150000"/>
+            </a:schemeClr>
           </a:solidFill>
+          <a:effectLst>
+            <a:outerShdw blurRad="26000" dist="26000" dir="14500000" algn="tl" rotWithShape="0">
+              <a:srgbClr val="000000">
+                <a:alpha val="40000"/>
+              </a:srgbClr>
+            </a:outerShdw>
+          </a:effectLst>
           <a:latin typeface="+mj-lt"/>
           <a:ea typeface="+mj-ea"/>
           <a:cs typeface="+mj-cs"/>
@@ -2821,13 +3303,17 @@
       </a:lvl1pPr>
     </p:titleStyle>
     <p:bodyStyle>
-      <a:lvl1pPr marL="342900" indent="-342900" algn="l" defTabSz="914400" rtl="0" eaLnBrk="1" latinLnBrk="0" hangingPunct="1">
+      <a:lvl1pPr marL="448056" indent="-384048" algn="l" rtl="0" eaLnBrk="1" latinLnBrk="0" hangingPunct="1">
         <a:spcBef>
           <a:spcPct val="20000"/>
         </a:spcBef>
-        <a:buFont typeface="Arial" pitchFamily="34" charset="0"/>
-        <a:buChar char="•"/>
-        <a:defRPr sz="3200" kern="1200">
+        <a:buClr>
+          <a:schemeClr val="accent1"/>
+        </a:buClr>
+        <a:buSzPct val="80000"/>
+        <a:buFont typeface="Wingdings 2"/>
+        <a:buChar char=""/>
+        <a:defRPr kumimoji="0" sz="3000" kern="1200">
           <a:solidFill>
             <a:schemeClr val="tx1"/>
           </a:solidFill>
@@ -2836,13 +3322,17 @@
           <a:cs typeface="+mn-cs"/>
         </a:defRPr>
       </a:lvl1pPr>
-      <a:lvl2pPr marL="742950" indent="-285750" algn="l" defTabSz="914400" rtl="0" eaLnBrk="1" latinLnBrk="0" hangingPunct="1">
+      <a:lvl2pPr marL="822960" indent="-285750" algn="l" rtl="0" eaLnBrk="1" latinLnBrk="0" hangingPunct="1">
         <a:spcBef>
           <a:spcPct val="20000"/>
         </a:spcBef>
-        <a:buFont typeface="Arial" pitchFamily="34" charset="0"/>
-        <a:buChar char="–"/>
-        <a:defRPr sz="2800" kern="1200">
+        <a:buClr>
+          <a:schemeClr val="accent1"/>
+        </a:buClr>
+        <a:buSzPct val="95000"/>
+        <a:buFont typeface="Verdana"/>
+        <a:buChar char="›"/>
+        <a:defRPr kumimoji="0" sz="2600" kern="1200">
           <a:solidFill>
             <a:schemeClr val="tx1"/>
           </a:solidFill>
@@ -2851,13 +3341,16 @@
           <a:cs typeface="+mn-cs"/>
         </a:defRPr>
       </a:lvl2pPr>
-      <a:lvl3pPr marL="1143000" indent="-228600" algn="l" defTabSz="914400" rtl="0" eaLnBrk="1" latinLnBrk="0" hangingPunct="1">
+      <a:lvl3pPr marL="1106424" indent="-228600" algn="l" rtl="0" eaLnBrk="1" latinLnBrk="0" hangingPunct="1">
         <a:spcBef>
           <a:spcPct val="20000"/>
         </a:spcBef>
-        <a:buFont typeface="Arial" pitchFamily="34" charset="0"/>
-        <a:buChar char="•"/>
-        <a:defRPr sz="2400" kern="1200">
+        <a:buClr>
+          <a:schemeClr val="accent1"/>
+        </a:buClr>
+        <a:buFont typeface="Wingdings 2"/>
+        <a:buChar char=""/>
+        <a:defRPr kumimoji="0" sz="2400" kern="1200">
           <a:solidFill>
             <a:schemeClr val="tx1"/>
           </a:solidFill>
@@ -2866,13 +3359,16 @@
           <a:cs typeface="+mn-cs"/>
         </a:defRPr>
       </a:lvl3pPr>
-      <a:lvl4pPr marL="1600200" indent="-228600" algn="l" defTabSz="914400" rtl="0" eaLnBrk="1" latinLnBrk="0" hangingPunct="1">
+      <a:lvl4pPr marL="1371600" indent="-210312" algn="l" rtl="0" eaLnBrk="1" latinLnBrk="0" hangingPunct="1">
         <a:spcBef>
           <a:spcPct val="20000"/>
         </a:spcBef>
-        <a:buFont typeface="Arial" pitchFamily="34" charset="0"/>
-        <a:buChar char="–"/>
-        <a:defRPr sz="2000" kern="1200">
+        <a:buClr>
+          <a:schemeClr val="accent1"/>
+        </a:buClr>
+        <a:buFont typeface="Wingdings 2"/>
+        <a:buChar char=""/>
+        <a:defRPr kumimoji="0" sz="2000" kern="1200">
           <a:solidFill>
             <a:schemeClr val="tx1"/>
           </a:solidFill>
@@ -2881,13 +3377,18 @@
           <a:cs typeface="+mn-cs"/>
         </a:defRPr>
       </a:lvl4pPr>
-      <a:lvl5pPr marL="2057400" indent="-228600" algn="l" defTabSz="914400" rtl="0" eaLnBrk="1" latinLnBrk="0" hangingPunct="1">
+      <a:lvl5pPr marL="1600200" indent="-210312" algn="l" rtl="0" eaLnBrk="1" latinLnBrk="0" hangingPunct="1">
         <a:spcBef>
           <a:spcPct val="20000"/>
         </a:spcBef>
-        <a:buFont typeface="Arial" pitchFamily="34" charset="0"/>
-        <a:buChar char="»"/>
-        <a:defRPr sz="2000" kern="1200">
+        <a:buClr>
+          <a:schemeClr val="accent1">
+            <a:tint val="75000"/>
+          </a:schemeClr>
+        </a:buClr>
+        <a:buFont typeface="Wingdings 2"/>
+        <a:buChar char=""/>
+        <a:defRPr kumimoji="0" sz="1900" kern="1200">
           <a:solidFill>
             <a:schemeClr val="tx1"/>
           </a:solidFill>
@@ -2896,13 +3397,18 @@
           <a:cs typeface="+mn-cs"/>
         </a:defRPr>
       </a:lvl5pPr>
-      <a:lvl6pPr marL="2514600" indent="-228600" algn="l" defTabSz="914400" rtl="0" eaLnBrk="1" latinLnBrk="0" hangingPunct="1">
+      <a:lvl6pPr marL="1828800" indent="-210312" algn="l" rtl="0" eaLnBrk="1" latinLnBrk="0" hangingPunct="1">
         <a:spcBef>
           <a:spcPct val="20000"/>
         </a:spcBef>
-        <a:buFont typeface="Arial" pitchFamily="34" charset="0"/>
-        <a:buChar char="•"/>
-        <a:defRPr sz="2000" kern="1200">
+        <a:buClr>
+          <a:schemeClr val="accent1">
+            <a:tint val="75000"/>
+          </a:schemeClr>
+        </a:buClr>
+        <a:buFont typeface="Wingdings 2"/>
+        <a:buChar char=""/>
+        <a:defRPr kumimoji="0" sz="1800" kern="1200">
           <a:solidFill>
             <a:schemeClr val="tx1"/>
           </a:solidFill>
@@ -2911,13 +3417,18 @@
           <a:cs typeface="+mn-cs"/>
         </a:defRPr>
       </a:lvl6pPr>
-      <a:lvl7pPr marL="2971800" indent="-228600" algn="l" defTabSz="914400" rtl="0" eaLnBrk="1" latinLnBrk="0" hangingPunct="1">
+      <a:lvl7pPr marL="2084832" indent="-210312" algn="l" rtl="0" eaLnBrk="1" latinLnBrk="0" hangingPunct="1">
         <a:spcBef>
           <a:spcPct val="20000"/>
         </a:spcBef>
-        <a:buFont typeface="Arial" pitchFamily="34" charset="0"/>
-        <a:buChar char="•"/>
-        <a:defRPr sz="2000" kern="1200">
+        <a:buClr>
+          <a:schemeClr val="accent1">
+            <a:tint val="75000"/>
+          </a:schemeClr>
+        </a:buClr>
+        <a:buFont typeface="Wingdings 2"/>
+        <a:buChar char=""/>
+        <a:defRPr kumimoji="0" sz="1600" kern="1200">
           <a:solidFill>
             <a:schemeClr val="tx1"/>
           </a:solidFill>
@@ -2926,13 +3437,18 @@
           <a:cs typeface="+mn-cs"/>
         </a:defRPr>
       </a:lvl7pPr>
-      <a:lvl8pPr marL="3429000" indent="-228600" algn="l" defTabSz="914400" rtl="0" eaLnBrk="1" latinLnBrk="0" hangingPunct="1">
+      <a:lvl8pPr marL="2286000" indent="-182880" algn="l" rtl="0" eaLnBrk="1" latinLnBrk="0" hangingPunct="1">
         <a:spcBef>
           <a:spcPct val="20000"/>
         </a:spcBef>
-        <a:buFont typeface="Arial" pitchFamily="34" charset="0"/>
-        <a:buChar char="•"/>
-        <a:defRPr sz="2000" kern="1200">
+        <a:buClr>
+          <a:schemeClr val="accent1">
+            <a:tint val="75000"/>
+          </a:schemeClr>
+        </a:buClr>
+        <a:buFont typeface="Wingdings 2"/>
+        <a:buChar char=""/>
+        <a:defRPr kumimoji="0" sz="1600" kern="1200">
           <a:solidFill>
             <a:schemeClr val="tx1"/>
           </a:solidFill>
@@ -2941,13 +3457,18 @@
           <a:cs typeface="+mn-cs"/>
         </a:defRPr>
       </a:lvl8pPr>
-      <a:lvl9pPr marL="3886200" indent="-228600" algn="l" defTabSz="914400" rtl="0" eaLnBrk="1" latinLnBrk="0" hangingPunct="1">
+      <a:lvl9pPr marL="2514600" indent="-182880" algn="l" rtl="0" eaLnBrk="1" latinLnBrk="0" hangingPunct="1">
         <a:spcBef>
           <a:spcPct val="20000"/>
         </a:spcBef>
-        <a:buFont typeface="Arial" pitchFamily="34" charset="0"/>
-        <a:buChar char="•"/>
-        <a:defRPr sz="2000" kern="1200">
+        <a:buClr>
+          <a:schemeClr val="accent1">
+            <a:tint val="75000"/>
+          </a:schemeClr>
+        </a:buClr>
+        <a:buFont typeface="Wingdings 2"/>
+        <a:buChar char=""/>
+        <a:defRPr kumimoji="0" sz="1600" kern="1200">
           <a:solidFill>
             <a:schemeClr val="tx1"/>
           </a:solidFill>
@@ -2958,11 +3479,8 @@
       </a:lvl9pPr>
     </p:bodyStyle>
     <p:otherStyle>
-      <a:defPPr>
-        <a:defRPr lang="it-IT"/>
-      </a:defPPr>
-      <a:lvl1pPr marL="0" algn="l" defTabSz="914400" rtl="0" eaLnBrk="1" latinLnBrk="0" hangingPunct="1">
-        <a:defRPr sz="1800" kern="1200">
+      <a:lvl1pPr marL="0" algn="l" rtl="0" eaLnBrk="1" latinLnBrk="0" hangingPunct="1">
+        <a:defRPr kumimoji="0" kern="1200">
           <a:solidFill>
             <a:schemeClr val="tx1"/>
           </a:solidFill>
@@ -2971,8 +3489,8 @@
           <a:cs typeface="+mn-cs"/>
         </a:defRPr>
       </a:lvl1pPr>
-      <a:lvl2pPr marL="457200" algn="l" defTabSz="914400" rtl="0" eaLnBrk="1" latinLnBrk="0" hangingPunct="1">
-        <a:defRPr sz="1800" kern="1200">
+      <a:lvl2pPr marL="457200" algn="l" rtl="0" eaLnBrk="1" latinLnBrk="0" hangingPunct="1">
+        <a:defRPr kumimoji="0" kern="1200">
           <a:solidFill>
             <a:schemeClr val="tx1"/>
           </a:solidFill>
@@ -2981,8 +3499,8 @@
           <a:cs typeface="+mn-cs"/>
         </a:defRPr>
       </a:lvl2pPr>
-      <a:lvl3pPr marL="914400" algn="l" defTabSz="914400" rtl="0" eaLnBrk="1" latinLnBrk="0" hangingPunct="1">
-        <a:defRPr sz="1800" kern="1200">
+      <a:lvl3pPr marL="914400" algn="l" rtl="0" eaLnBrk="1" latinLnBrk="0" hangingPunct="1">
+        <a:defRPr kumimoji="0" kern="1200">
           <a:solidFill>
             <a:schemeClr val="tx1"/>
           </a:solidFill>
@@ -2991,8 +3509,8 @@
           <a:cs typeface="+mn-cs"/>
         </a:defRPr>
       </a:lvl3pPr>
-      <a:lvl4pPr marL="1371600" algn="l" defTabSz="914400" rtl="0" eaLnBrk="1" latinLnBrk="0" hangingPunct="1">
-        <a:defRPr sz="1800" kern="1200">
+      <a:lvl4pPr marL="1371600" algn="l" rtl="0" eaLnBrk="1" latinLnBrk="0" hangingPunct="1">
+        <a:defRPr kumimoji="0" kern="1200">
           <a:solidFill>
             <a:schemeClr val="tx1"/>
           </a:solidFill>
@@ -3001,8 +3519,8 @@
           <a:cs typeface="+mn-cs"/>
         </a:defRPr>
       </a:lvl4pPr>
-      <a:lvl5pPr marL="1828800" algn="l" defTabSz="914400" rtl="0" eaLnBrk="1" latinLnBrk="0" hangingPunct="1">
-        <a:defRPr sz="1800" kern="1200">
+      <a:lvl5pPr marL="1828800" algn="l" rtl="0" eaLnBrk="1" latinLnBrk="0" hangingPunct="1">
+        <a:defRPr kumimoji="0" kern="1200">
           <a:solidFill>
             <a:schemeClr val="tx1"/>
           </a:solidFill>
@@ -3011,8 +3529,8 @@
           <a:cs typeface="+mn-cs"/>
         </a:defRPr>
       </a:lvl5pPr>
-      <a:lvl6pPr marL="2286000" algn="l" defTabSz="914400" rtl="0" eaLnBrk="1" latinLnBrk="0" hangingPunct="1">
-        <a:defRPr sz="1800" kern="1200">
+      <a:lvl6pPr marL="2286000" algn="l" rtl="0" eaLnBrk="1" latinLnBrk="0" hangingPunct="1">
+        <a:defRPr kumimoji="0" kern="1200">
           <a:solidFill>
             <a:schemeClr val="tx1"/>
           </a:solidFill>
@@ -3021,8 +3539,8 @@
           <a:cs typeface="+mn-cs"/>
         </a:defRPr>
       </a:lvl6pPr>
-      <a:lvl7pPr marL="2743200" algn="l" defTabSz="914400" rtl="0" eaLnBrk="1" latinLnBrk="0" hangingPunct="1">
-        <a:defRPr sz="1800" kern="1200">
+      <a:lvl7pPr marL="2743200" algn="l" rtl="0" eaLnBrk="1" latinLnBrk="0" hangingPunct="1">
+        <a:defRPr kumimoji="0" kern="1200">
           <a:solidFill>
             <a:schemeClr val="tx1"/>
           </a:solidFill>
@@ -3031,8 +3549,8 @@
           <a:cs typeface="+mn-cs"/>
         </a:defRPr>
       </a:lvl7pPr>
-      <a:lvl8pPr marL="3200400" algn="l" defTabSz="914400" rtl="0" eaLnBrk="1" latinLnBrk="0" hangingPunct="1">
-        <a:defRPr sz="1800" kern="1200">
+      <a:lvl8pPr marL="3200400" algn="l" rtl="0" eaLnBrk="1" latinLnBrk="0" hangingPunct="1">
+        <a:defRPr kumimoji="0" kern="1200">
           <a:solidFill>
             <a:schemeClr val="tx1"/>
           </a:solidFill>
@@ -3041,8 +3559,8 @@
           <a:cs typeface="+mn-cs"/>
         </a:defRPr>
       </a:lvl8pPr>
-      <a:lvl9pPr marL="3657600" algn="l" defTabSz="914400" rtl="0" eaLnBrk="1" latinLnBrk="0" hangingPunct="1">
-        <a:defRPr sz="1800" kern="1200">
+      <a:lvl9pPr marL="3657600" algn="l" rtl="0" eaLnBrk="1" latinLnBrk="0" hangingPunct="1">
+        <a:defRPr kumimoji="0" kern="1200">
           <a:solidFill>
             <a:schemeClr val="tx1"/>
           </a:solidFill>
@@ -3085,18 +3603,20 @@
         </p:nvSpPr>
         <p:spPr>
           <a:xfrm>
-            <a:off x="1585912" y="260648"/>
+            <a:off x="0" y="0"/>
             <a:ext cx="7558088" cy="1658938"/>
           </a:xfrm>
         </p:spPr>
         <p:txBody>
           <a:bodyPr>
-            <a:normAutofit fontScale="90000"/>
+            <a:normAutofit/>
           </a:bodyPr>
           <a:lstStyle/>
           <a:p>
             <a:r>
-              <a:rPr lang="it-IT" sz="3600" dirty="0" smtClean="0"/>
+              <a:rPr lang="it-IT" sz="3600" dirty="0" smtClean="0">
+                <a:latin typeface="Century Gothic" pitchFamily="34" charset="0"/>
+              </a:rPr>
               <a:t>Università degli studi di Perugia</a:t>
             </a:r>
             <a:r>
@@ -3106,17 +3626,6 @@
             <a:br>
               <a:rPr lang="it-IT" dirty="0" smtClean="0"/>
             </a:br>
-            <a:r>
-              <a:rPr lang="it-IT" sz="2400" dirty="0" smtClean="0"/>
-              <a:t>Dipartimento di Ingegneria </a:t>
-            </a:r>
-            <a:br>
-              <a:rPr lang="it-IT" sz="2400" dirty="0" smtClean="0"/>
-            </a:br>
-            <a:r>
-              <a:rPr lang="it-IT" sz="2400" dirty="0" smtClean="0"/>
-              <a:t>Corso di Laurea Triennale in Ingegneria Informatica ed Elettronica</a:t>
-            </a:r>
             <a:endParaRPr lang="it-IT" dirty="0"/>
           </a:p>
         </p:txBody>
@@ -3133,61 +3642,69 @@
         </p:nvSpPr>
         <p:spPr>
           <a:xfrm>
-            <a:off x="1691680" y="2420888"/>
-            <a:ext cx="6400800" cy="1752600"/>
-          </a:xfrm>
-        </p:spPr>
-        <p:txBody>
-          <a:bodyPr/>
+            <a:off x="0" y="5373688"/>
+            <a:ext cx="9144000" cy="647700"/>
+          </a:xfrm>
+        </p:spPr>
+        <p:txBody>
+          <a:bodyPr>
+            <a:normAutofit fontScale="92500"/>
+          </a:bodyPr>
           <a:lstStyle/>
           <a:p>
             <a:pPr>
               <a:buNone/>
             </a:pPr>
             <a:r>
-              <a:rPr lang="it-IT" b="1" dirty="0" smtClean="0">
+              <a:rPr lang="it-IT" sz="2800" b="1" dirty="0" smtClean="0">
                 <a:solidFill>
                   <a:schemeClr val="tx1"/>
                 </a:solidFill>
+                <a:latin typeface="Century Gothic" pitchFamily="34" charset="0"/>
               </a:rPr>
               <a:t>IL SISTEMA </a:t>
             </a:r>
             <a:r>
-              <a:rPr lang="it-IT" b="1" dirty="0" err="1" smtClean="0">
+              <a:rPr lang="it-IT" sz="2800" b="1" dirty="0" err="1" smtClean="0">
                 <a:solidFill>
                   <a:schemeClr val="tx1"/>
                 </a:solidFill>
+                <a:latin typeface="Century Gothic" pitchFamily="34" charset="0"/>
               </a:rPr>
               <a:t>DI</a:t>
             </a:r>
             <a:r>
-              <a:rPr lang="it-IT" b="1" dirty="0" smtClean="0">
+              <a:rPr lang="it-IT" sz="2800" b="1" dirty="0" smtClean="0">
                 <a:solidFill>
                   <a:schemeClr val="tx1"/>
                 </a:solidFill>
+                <a:latin typeface="Century Gothic" pitchFamily="34" charset="0"/>
               </a:rPr>
               <a:t> CONTROLLO </a:t>
             </a:r>
             <a:r>
-              <a:rPr lang="it-IT" b="1" dirty="0" err="1" smtClean="0">
+              <a:rPr lang="it-IT" sz="2800" b="1" dirty="0" err="1" smtClean="0">
                 <a:solidFill>
                   <a:schemeClr val="tx1"/>
                 </a:solidFill>
+                <a:latin typeface="Century Gothic" pitchFamily="34" charset="0"/>
               </a:rPr>
               <a:t>DI</a:t>
             </a:r>
             <a:r>
-              <a:rPr lang="it-IT" b="1" dirty="0" smtClean="0">
+              <a:rPr lang="it-IT" sz="2800" b="1" dirty="0" smtClean="0">
                 <a:solidFill>
                   <a:schemeClr val="tx1"/>
                 </a:solidFill>
+                <a:latin typeface="Century Gothic" pitchFamily="34" charset="0"/>
               </a:rPr>
               <a:t> VERSIONE DISTRIBUITO GIT</a:t>
             </a:r>
-            <a:endParaRPr lang="it-IT" b="1" dirty="0">
+            <a:endParaRPr lang="it-IT" sz="2800" b="1" dirty="0">
               <a:solidFill>
                 <a:schemeClr val="tx1"/>
               </a:solidFill>
+              <a:latin typeface="Century Gothic" pitchFamily="34" charset="0"/>
             </a:endParaRPr>
           </a:p>
         </p:txBody>
@@ -3206,8 +3723,8 @@
         </p:blipFill>
         <p:spPr>
           <a:xfrm>
-            <a:off x="323528" y="260648"/>
-            <a:ext cx="1905000" cy="1897440"/>
+            <a:off x="2483768" y="1052736"/>
+            <a:ext cx="3528392" cy="3096344"/>
           </a:xfrm>
           <a:prstGeom prst="rect">
             <a:avLst/>
@@ -3222,8 +3739,8 @@
         </p:nvSpPr>
         <p:spPr>
           <a:xfrm>
-            <a:off x="251520" y="4797152"/>
-            <a:ext cx="7776864" cy="646331"/>
+            <a:off x="0" y="2132856"/>
+            <a:ext cx="9144000" cy="646331"/>
           </a:xfrm>
           <a:prstGeom prst="rect">
             <a:avLst/>
@@ -3237,16 +3754,71 @@
           <a:lstStyle/>
           <a:p>
             <a:r>
+              <a:rPr lang="it-IT" dirty="0" smtClean="0">
+                <a:latin typeface="Century Gothic" pitchFamily="34" charset="0"/>
+              </a:rPr>
+              <a:t>Candidato:							Relatore:</a:t>
+            </a:r>
+          </a:p>
+          <a:p>
+            <a:r>
+              <a:rPr lang="it-IT" dirty="0" smtClean="0">
+                <a:latin typeface="Century Gothic" pitchFamily="34" charset="0"/>
+              </a:rPr>
+              <a:t>Domenico Pepino						Luca Grilli</a:t>
+            </a:r>
+            <a:endParaRPr lang="it-IT" dirty="0">
+              <a:latin typeface="Century Gothic" pitchFamily="34" charset="0"/>
+            </a:endParaRPr>
+          </a:p>
+        </p:txBody>
+      </p:sp>
+      <p:sp>
+        <p:nvSpPr>
+          <p:cNvPr id="6" name="CasellaDiTesto 5"/>
+          <p:cNvSpPr txBox="1"/>
+          <p:nvPr/>
+        </p:nvSpPr>
+        <p:spPr>
+          <a:xfrm>
+            <a:off x="0" y="4149080"/>
+            <a:ext cx="9144000" cy="646331"/>
+          </a:xfrm>
+          <a:prstGeom prst="rect">
+            <a:avLst/>
+          </a:prstGeom>
+          <a:noFill/>
+        </p:spPr>
+        <p:txBody>
+          <a:bodyPr wrap="square" rtlCol="0">
+            <a:spAutoFit/>
+          </a:bodyPr>
+          <a:lstStyle/>
+          <a:p>
+            <a:r>
               <a:rPr lang="it-IT" dirty="0" smtClean="0"/>
-              <a:t>Candidato:						Relatore:</a:t>
-            </a:r>
-          </a:p>
-          <a:p>
-            <a:r>
-              <a:rPr lang="it-IT" dirty="0" smtClean="0"/>
-              <a:t>Domenico Pepino						Luca Grilli</a:t>
-            </a:r>
-            <a:endParaRPr lang="it-IT" dirty="0"/>
+              <a:t>		               </a:t>
+            </a:r>
+            <a:r>
+              <a:rPr lang="it-IT" dirty="0" smtClean="0">
+                <a:latin typeface="Century Gothic" pitchFamily="34" charset="0"/>
+              </a:rPr>
+              <a:t>Dipartimento di Ingegneria </a:t>
+            </a:r>
+            <a:br>
+              <a:rPr lang="it-IT" dirty="0" smtClean="0">
+                <a:latin typeface="Century Gothic" pitchFamily="34" charset="0"/>
+              </a:rPr>
+            </a:br>
+            <a:r>
+              <a:rPr lang="it-IT" dirty="0" smtClean="0">
+                <a:latin typeface="Century Gothic" pitchFamily="34" charset="0"/>
+              </a:rPr>
+              <a:t>	Corso di Laurea Triennale in Ingegneria Informatica ed Elettronica</a:t>
+            </a:r>
+            <a:endParaRPr lang="it-IT" dirty="0">
+              <a:latin typeface="Century Gothic" pitchFamily="34" charset="0"/>
+            </a:endParaRPr>
           </a:p>
         </p:txBody>
       </p:sp>
@@ -3290,7 +3862,7 @@
         </p:nvSpPr>
         <p:spPr>
           <a:xfrm>
-            <a:off x="0" y="476672"/>
+            <a:off x="0" y="548680"/>
             <a:ext cx="9144000" cy="707886"/>
           </a:xfrm>
           <a:prstGeom prst="rect">
@@ -3306,294 +3878,49 @@
           <a:p>
             <a:r>
               <a:rPr lang="it-IT" sz="4000" b="1" dirty="0" smtClean="0"/>
-              <a:t>Branching : Comandi </a:t>
-            </a:r>
-            <a:endParaRPr lang="it-IT" sz="4000" b="1" dirty="0"/>
-          </a:p>
-        </p:txBody>
-      </p:sp>
-      <p:sp>
-        <p:nvSpPr>
-          <p:cNvPr id="3" name="CasellaDiTesto 2"/>
-          <p:cNvSpPr txBox="1"/>
+              <a:t>Branching</a:t>
+            </a:r>
+            <a:r>
+              <a:rPr lang="it-IT" dirty="0" smtClean="0"/>
+              <a:t> </a:t>
+            </a:r>
+            <a:endParaRPr lang="it-IT" dirty="0"/>
+          </a:p>
+        </p:txBody>
+      </p:sp>
+      <p:pic>
+        <p:nvPicPr>
+          <p:cNvPr id="1026" name="Picture 2"/>
+          <p:cNvPicPr>
+            <a:picLocks noChangeAspect="1" noChangeArrowheads="1"/>
+          </p:cNvPicPr>
           <p:nvPr/>
-        </p:nvSpPr>
-        <p:spPr>
-          <a:xfrm>
-            <a:off x="0" y="1556792"/>
-            <a:ext cx="9144000" cy="1754326"/>
+        </p:nvPicPr>
+        <p:blipFill>
+          <a:blip r:embed="rId2" cstate="print"/>
+          <a:srcRect/>
+          <a:stretch>
+            <a:fillRect/>
+          </a:stretch>
+        </p:blipFill>
+        <p:spPr bwMode="auto">
+          <a:xfrm>
+            <a:off x="0" y="2132856"/>
+            <a:ext cx="8783637" cy="3224212"/>
           </a:xfrm>
           <a:prstGeom prst="rect">
             <a:avLst/>
           </a:prstGeom>
           <a:noFill/>
-        </p:spPr>
-        <p:txBody>
-          <a:bodyPr wrap="square" rtlCol="0">
-            <a:spAutoFit/>
-          </a:bodyPr>
-          <a:lstStyle/>
-          <a:p>
-            <a:pPr>
-              <a:buFont typeface="Arial" pitchFamily="34" charset="0"/>
-              <a:buChar char="•"/>
-            </a:pPr>
-            <a:r>
-              <a:rPr lang="it-IT" dirty="0" smtClean="0"/>
-              <a:t>  </a:t>
-            </a:r>
-            <a:r>
-              <a:rPr lang="it-IT" dirty="0" err="1" smtClean="0"/>
-              <a:t>git</a:t>
-            </a:r>
-            <a:r>
-              <a:rPr lang="it-IT" dirty="0" smtClean="0"/>
-              <a:t> </a:t>
-            </a:r>
-            <a:r>
-              <a:rPr lang="it-IT" dirty="0" err="1" smtClean="0"/>
-              <a:t>branch</a:t>
-            </a:r>
-            <a:r>
-              <a:rPr lang="it-IT" dirty="0" smtClean="0"/>
-              <a:t>, permette la creazione dei rami o di elencare tutti i rami creati</a:t>
-            </a:r>
-          </a:p>
-          <a:p>
-            <a:pPr>
-              <a:buFont typeface="Arial" pitchFamily="34" charset="0"/>
-              <a:buChar char="•"/>
-            </a:pPr>
-            <a:r>
-              <a:rPr lang="it-IT" dirty="0" smtClean="0"/>
-              <a:t>  </a:t>
-            </a:r>
-            <a:r>
-              <a:rPr lang="it-IT" dirty="0" err="1" smtClean="0"/>
-              <a:t>git</a:t>
-            </a:r>
-            <a:r>
-              <a:rPr lang="it-IT" dirty="0" smtClean="0"/>
-              <a:t> checkout,  seleziona il ramo indicato</a:t>
-            </a:r>
-          </a:p>
-          <a:p>
-            <a:pPr>
-              <a:buFont typeface="Arial" pitchFamily="34" charset="0"/>
-              <a:buChar char="•"/>
-            </a:pPr>
-            <a:r>
-              <a:rPr lang="it-IT" dirty="0" smtClean="0"/>
-              <a:t>  </a:t>
-            </a:r>
-            <a:r>
-              <a:rPr lang="it-IT" dirty="0" err="1" smtClean="0"/>
-              <a:t>git</a:t>
-            </a:r>
-            <a:r>
-              <a:rPr lang="it-IT" dirty="0" smtClean="0"/>
-              <a:t> </a:t>
-            </a:r>
-            <a:r>
-              <a:rPr lang="it-IT" dirty="0" err="1" smtClean="0"/>
-              <a:t>merge</a:t>
-            </a:r>
-            <a:r>
-              <a:rPr lang="it-IT" dirty="0" smtClean="0"/>
-              <a:t>, per unire un ramo al progetto originale</a:t>
-            </a:r>
-          </a:p>
-          <a:p>
-            <a:pPr>
-              <a:buFont typeface="Arial" pitchFamily="34" charset="0"/>
-              <a:buChar char="•"/>
-            </a:pPr>
-            <a:r>
-              <a:rPr lang="it-IT" dirty="0" smtClean="0"/>
-              <a:t>  </a:t>
-            </a:r>
-            <a:r>
-              <a:rPr lang="it-IT" dirty="0" err="1" smtClean="0"/>
-              <a:t>git</a:t>
-            </a:r>
-            <a:r>
-              <a:rPr lang="it-IT" dirty="0" smtClean="0"/>
-              <a:t> </a:t>
-            </a:r>
-            <a:r>
-              <a:rPr lang="it-IT" dirty="0" err="1" smtClean="0"/>
-              <a:t>branch</a:t>
-            </a:r>
-            <a:r>
-              <a:rPr lang="it-IT" dirty="0" smtClean="0"/>
-              <a:t> – </a:t>
-            </a:r>
-            <a:r>
-              <a:rPr lang="it-IT" dirty="0" err="1" smtClean="0"/>
-              <a:t>merged</a:t>
-            </a:r>
-            <a:r>
-              <a:rPr lang="it-IT" dirty="0" smtClean="0"/>
-              <a:t>, per visualizzare tutti i rami uniti </a:t>
-            </a:r>
-          </a:p>
-          <a:p>
-            <a:pPr>
-              <a:buFont typeface="Arial" pitchFamily="34" charset="0"/>
-              <a:buChar char="•"/>
-            </a:pPr>
-            <a:r>
-              <a:rPr lang="it-IT" dirty="0" smtClean="0"/>
-              <a:t>  </a:t>
-            </a:r>
-            <a:r>
-              <a:rPr lang="it-IT" dirty="0" err="1" smtClean="0"/>
-              <a:t>git</a:t>
-            </a:r>
-            <a:r>
-              <a:rPr lang="it-IT" dirty="0" smtClean="0"/>
-              <a:t> </a:t>
-            </a:r>
-            <a:r>
-              <a:rPr lang="it-IT" dirty="0" err="1" smtClean="0"/>
-              <a:t>branch</a:t>
-            </a:r>
-            <a:r>
-              <a:rPr lang="it-IT" dirty="0" smtClean="0"/>
-              <a:t> </a:t>
-            </a:r>
-            <a:r>
-              <a:rPr lang="it-IT" dirty="0" err="1" smtClean="0"/>
-              <a:t>–no-merged</a:t>
-            </a:r>
-            <a:r>
-              <a:rPr lang="it-IT" dirty="0" smtClean="0"/>
-              <a:t>, per visualizzare solo i rami non uniti</a:t>
-            </a:r>
-          </a:p>
-          <a:p>
-            <a:pPr>
-              <a:buFont typeface="Arial" pitchFamily="34" charset="0"/>
-              <a:buChar char="•"/>
-            </a:pPr>
-            <a:r>
-              <a:rPr lang="it-IT" dirty="0" smtClean="0"/>
-              <a:t>  </a:t>
-            </a:r>
-            <a:r>
-              <a:rPr lang="it-IT" dirty="0" err="1" smtClean="0"/>
-              <a:t>git</a:t>
-            </a:r>
-            <a:r>
-              <a:rPr lang="it-IT" dirty="0" smtClean="0"/>
-              <a:t> </a:t>
-            </a:r>
-            <a:r>
-              <a:rPr lang="it-IT" dirty="0" err="1" smtClean="0"/>
-              <a:t>rebase</a:t>
-            </a:r>
-            <a:r>
-              <a:rPr lang="it-IT" dirty="0" smtClean="0"/>
-              <a:t>, unisce un ramo al progetto originale</a:t>
-            </a:r>
-            <a:endParaRPr lang="it-IT" dirty="0"/>
-          </a:p>
-        </p:txBody>
-      </p:sp>
-      <p:sp>
-        <p:nvSpPr>
-          <p:cNvPr id="4" name="CasellaDiTesto 3"/>
-          <p:cNvSpPr txBox="1"/>
-          <p:nvPr/>
-        </p:nvSpPr>
-        <p:spPr>
-          <a:xfrm>
-            <a:off x="0" y="3717032"/>
-            <a:ext cx="9144000" cy="646331"/>
-          </a:xfrm>
-          <a:prstGeom prst="rect">
-            <a:avLst/>
-          </a:prstGeom>
-          <a:noFill/>
-        </p:spPr>
-        <p:txBody>
-          <a:bodyPr wrap="square" rtlCol="0">
-            <a:spAutoFit/>
-          </a:bodyPr>
-          <a:lstStyle/>
-          <a:p>
-            <a:r>
-              <a:rPr lang="it-IT" sz="3600" b="1" dirty="0" smtClean="0"/>
-              <a:t>Differenza tra </a:t>
-            </a:r>
-            <a:r>
-              <a:rPr lang="it-IT" sz="3600" b="1" dirty="0" err="1" smtClean="0"/>
-              <a:t>rebasing</a:t>
-            </a:r>
-            <a:r>
-              <a:rPr lang="it-IT" sz="3600" b="1" dirty="0" smtClean="0"/>
-              <a:t> e </a:t>
-            </a:r>
-            <a:r>
-              <a:rPr lang="it-IT" sz="3600" b="1" dirty="0" err="1" smtClean="0"/>
-              <a:t>merging</a:t>
-            </a:r>
-            <a:endParaRPr lang="it-IT" sz="3600" b="1" dirty="0"/>
-          </a:p>
-        </p:txBody>
-      </p:sp>
-      <p:sp>
-        <p:nvSpPr>
-          <p:cNvPr id="6" name="CasellaDiTesto 5"/>
-          <p:cNvSpPr txBox="1"/>
-          <p:nvPr/>
-        </p:nvSpPr>
-        <p:spPr>
-          <a:xfrm>
-            <a:off x="0" y="4725144"/>
-            <a:ext cx="9144000" cy="1200329"/>
-          </a:xfrm>
-          <a:prstGeom prst="rect">
-            <a:avLst/>
-          </a:prstGeom>
-          <a:noFill/>
-        </p:spPr>
-        <p:txBody>
-          <a:bodyPr wrap="square" rtlCol="0">
-            <a:spAutoFit/>
-          </a:bodyPr>
-          <a:lstStyle/>
-          <a:p>
-            <a:r>
-              <a:rPr lang="it-IT" dirty="0" smtClean="0"/>
-              <a:t>Effettuando l’operazione di </a:t>
-            </a:r>
-            <a:r>
-              <a:rPr lang="it-IT" dirty="0" err="1" smtClean="0"/>
-              <a:t>rebasing</a:t>
-            </a:r>
-            <a:r>
-              <a:rPr lang="it-IT" dirty="0" smtClean="0"/>
-              <a:t>, il ramo viene aggiunto alla fine del progetto originale.</a:t>
-            </a:r>
-          </a:p>
-          <a:p>
-            <a:r>
-              <a:rPr lang="it-IT" dirty="0" smtClean="0"/>
-              <a:t>Non ho sovrapposizione di rami </a:t>
-            </a:r>
-          </a:p>
-          <a:p>
-            <a:r>
-              <a:rPr lang="it-IT" dirty="0" smtClean="0"/>
-              <a:t>Cronologia più comprensibile</a:t>
-            </a:r>
-          </a:p>
-          <a:p>
-            <a:endParaRPr lang="it-IT" dirty="0"/>
-          </a:p>
-        </p:txBody>
-      </p:sp>
+          <a:ln w="9525">
+            <a:noFill/>
+            <a:miter lim="800000"/>
+            <a:headEnd/>
+            <a:tailEnd/>
+          </a:ln>
+          <a:effectLst/>
+        </p:spPr>
+      </p:pic>
     </p:spTree>
   </p:cSld>
   <p:clrMapOvr>
@@ -3634,8 +3961,8 @@
         </p:nvSpPr>
         <p:spPr>
           <a:xfrm>
-            <a:off x="0" y="260648"/>
-            <a:ext cx="9144000" cy="830997"/>
+            <a:off x="0" y="476672"/>
+            <a:ext cx="9144000" cy="707886"/>
           </a:xfrm>
           <a:prstGeom prst="rect">
             <a:avLst/>
@@ -3649,118 +3976,258 @@
           <a:lstStyle/>
           <a:p>
             <a:r>
-              <a:rPr lang="it-IT" sz="4800" b="1" dirty="0" err="1" smtClean="0"/>
-              <a:t>Workflows</a:t>
-            </a:r>
-            <a:endParaRPr lang="it-IT" sz="4800" b="1" dirty="0"/>
-          </a:p>
-        </p:txBody>
-      </p:sp>
-      <p:pic>
-        <p:nvPicPr>
-          <p:cNvPr id="3" name="Immagine 2" descr="https://lh4.googleusercontent.com/dd9OiRnION9KaCDlj3n111x4fM9ctbkcig7E4foUQTm_kY1qov-dKZdYXUwOc5XyNb55xlkdymC47czvPEWRl69zT99AyGt02N_T64j47HMkB9XflIpis9w2eU8f7fkiJ7lFgpll"/>
-          <p:cNvPicPr/>
+              <a:rPr lang="it-IT" sz="4000" b="1" dirty="0" smtClean="0"/>
+              <a:t>Branching : Comandi </a:t>
+            </a:r>
+            <a:endParaRPr lang="it-IT" sz="4000" b="1" dirty="0"/>
+          </a:p>
+        </p:txBody>
+      </p:sp>
+      <p:sp>
+        <p:nvSpPr>
+          <p:cNvPr id="3" name="CasellaDiTesto 2"/>
+          <p:cNvSpPr txBox="1"/>
           <p:nvPr/>
-        </p:nvPicPr>
-        <p:blipFill>
-          <a:blip r:embed="rId2" cstate="print"/>
-          <a:srcRect/>
-          <a:stretch>
-            <a:fillRect/>
-          </a:stretch>
-        </p:blipFill>
-        <p:spPr bwMode="auto">
-          <a:xfrm>
-            <a:off x="0" y="1196752"/>
-            <a:ext cx="3543300" cy="1524000"/>
+        </p:nvSpPr>
+        <p:spPr>
+          <a:xfrm>
+            <a:off x="0" y="1556792"/>
+            <a:ext cx="9144000" cy="2246769"/>
           </a:xfrm>
           <a:prstGeom prst="rect">
             <a:avLst/>
           </a:prstGeom>
           <a:noFill/>
-          <a:ln w="9525">
-            <a:noFill/>
-            <a:miter lim="800000"/>
-            <a:headEnd/>
-            <a:tailEnd/>
-          </a:ln>
-        </p:spPr>
-      </p:pic>
-      <p:pic>
-        <p:nvPicPr>
-          <p:cNvPr id="4" name="Immagine 3" descr="https://lh6.googleusercontent.com/sm1MD0slSTahKFo4K65BZTZt4PwW3dRtFo7Q0QfAl2iI3JKOnuNoRAqNYe01JxVFTn2vPCDio5V8V20fRHgD0gwh41ok3SHbvAKh815mSsqxW4SquZF9lWTbRH1EP8JH7RRZpNgN"/>
-          <p:cNvPicPr/>
+        </p:spPr>
+        <p:txBody>
+          <a:bodyPr wrap="square" rtlCol="0">
+            <a:spAutoFit/>
+          </a:bodyPr>
+          <a:lstStyle/>
+          <a:p>
+            <a:pPr>
+              <a:buFont typeface="Arial" pitchFamily="34" charset="0"/>
+              <a:buChar char="•"/>
+            </a:pPr>
+            <a:r>
+              <a:rPr lang="it-IT" sz="2000" dirty="0" smtClean="0"/>
+              <a:t>  </a:t>
+            </a:r>
+            <a:r>
+              <a:rPr lang="it-IT" sz="2000" dirty="0" err="1" smtClean="0"/>
+              <a:t>git</a:t>
+            </a:r>
+            <a:r>
+              <a:rPr lang="it-IT" sz="2000" dirty="0" smtClean="0"/>
+              <a:t> </a:t>
+            </a:r>
+            <a:r>
+              <a:rPr lang="it-IT" sz="2000" dirty="0" err="1" smtClean="0"/>
+              <a:t>branch</a:t>
+            </a:r>
+            <a:r>
+              <a:rPr lang="it-IT" sz="2000" dirty="0" smtClean="0"/>
+              <a:t>, permette la creazione dei rami o di elencare tutti i rami creati</a:t>
+            </a:r>
+          </a:p>
+          <a:p>
+            <a:pPr>
+              <a:buFont typeface="Arial" pitchFamily="34" charset="0"/>
+              <a:buChar char="•"/>
+            </a:pPr>
+            <a:r>
+              <a:rPr lang="it-IT" sz="2000" dirty="0" smtClean="0"/>
+              <a:t>  </a:t>
+            </a:r>
+            <a:r>
+              <a:rPr lang="it-IT" sz="2000" dirty="0" err="1" smtClean="0"/>
+              <a:t>git</a:t>
+            </a:r>
+            <a:r>
+              <a:rPr lang="it-IT" sz="2000" dirty="0" smtClean="0"/>
+              <a:t> checkout,  seleziona il ramo indicato</a:t>
+            </a:r>
+          </a:p>
+          <a:p>
+            <a:pPr>
+              <a:buFont typeface="Arial" pitchFamily="34" charset="0"/>
+              <a:buChar char="•"/>
+            </a:pPr>
+            <a:r>
+              <a:rPr lang="it-IT" sz="2000" dirty="0" smtClean="0"/>
+              <a:t>  </a:t>
+            </a:r>
+            <a:r>
+              <a:rPr lang="it-IT" sz="2000" dirty="0" err="1" smtClean="0"/>
+              <a:t>git</a:t>
+            </a:r>
+            <a:r>
+              <a:rPr lang="it-IT" sz="2000" dirty="0" smtClean="0"/>
+              <a:t> </a:t>
+            </a:r>
+            <a:r>
+              <a:rPr lang="it-IT" sz="2000" dirty="0" err="1" smtClean="0"/>
+              <a:t>merge</a:t>
+            </a:r>
+            <a:r>
+              <a:rPr lang="it-IT" sz="2000" dirty="0" smtClean="0"/>
+              <a:t>, per unire un ramo al progetto originale</a:t>
+            </a:r>
+          </a:p>
+          <a:p>
+            <a:pPr>
+              <a:buFont typeface="Arial" pitchFamily="34" charset="0"/>
+              <a:buChar char="•"/>
+            </a:pPr>
+            <a:r>
+              <a:rPr lang="it-IT" sz="2000" dirty="0" smtClean="0"/>
+              <a:t>  </a:t>
+            </a:r>
+            <a:r>
+              <a:rPr lang="it-IT" sz="2000" dirty="0" err="1" smtClean="0"/>
+              <a:t>git</a:t>
+            </a:r>
+            <a:r>
+              <a:rPr lang="it-IT" sz="2000" dirty="0" smtClean="0"/>
+              <a:t> </a:t>
+            </a:r>
+            <a:r>
+              <a:rPr lang="it-IT" sz="2000" dirty="0" err="1" smtClean="0"/>
+              <a:t>branch</a:t>
+            </a:r>
+            <a:r>
+              <a:rPr lang="it-IT" sz="2000" dirty="0" smtClean="0"/>
+              <a:t> – </a:t>
+            </a:r>
+            <a:r>
+              <a:rPr lang="it-IT" sz="2000" dirty="0" err="1" smtClean="0"/>
+              <a:t>merged</a:t>
+            </a:r>
+            <a:r>
+              <a:rPr lang="it-IT" sz="2000" dirty="0" smtClean="0"/>
+              <a:t>, per visualizzare tutti i rami uniti </a:t>
+            </a:r>
+          </a:p>
+          <a:p>
+            <a:pPr>
+              <a:buFont typeface="Arial" pitchFamily="34" charset="0"/>
+              <a:buChar char="•"/>
+            </a:pPr>
+            <a:r>
+              <a:rPr lang="it-IT" sz="2000" dirty="0" smtClean="0"/>
+              <a:t>  </a:t>
+            </a:r>
+            <a:r>
+              <a:rPr lang="it-IT" sz="2000" dirty="0" err="1" smtClean="0"/>
+              <a:t>git</a:t>
+            </a:r>
+            <a:r>
+              <a:rPr lang="it-IT" sz="2000" dirty="0" smtClean="0"/>
+              <a:t> </a:t>
+            </a:r>
+            <a:r>
+              <a:rPr lang="it-IT" sz="2000" dirty="0" err="1" smtClean="0"/>
+              <a:t>branch</a:t>
+            </a:r>
+            <a:r>
+              <a:rPr lang="it-IT" sz="2000" dirty="0" smtClean="0"/>
+              <a:t> </a:t>
+            </a:r>
+            <a:r>
+              <a:rPr lang="it-IT" sz="2000" dirty="0" err="1" smtClean="0"/>
+              <a:t>–no-merged</a:t>
+            </a:r>
+            <a:r>
+              <a:rPr lang="it-IT" sz="2000" dirty="0" smtClean="0"/>
+              <a:t>, per visualizzare solo i rami non uniti</a:t>
+            </a:r>
+          </a:p>
+          <a:p>
+            <a:pPr>
+              <a:buFont typeface="Arial" pitchFamily="34" charset="0"/>
+              <a:buChar char="•"/>
+            </a:pPr>
+            <a:r>
+              <a:rPr lang="it-IT" sz="2000" dirty="0" smtClean="0"/>
+              <a:t>  </a:t>
+            </a:r>
+            <a:r>
+              <a:rPr lang="it-IT" sz="2000" dirty="0" err="1" smtClean="0"/>
+              <a:t>git</a:t>
+            </a:r>
+            <a:r>
+              <a:rPr lang="it-IT" sz="2000" dirty="0" smtClean="0"/>
+              <a:t> </a:t>
+            </a:r>
+            <a:r>
+              <a:rPr lang="it-IT" sz="2000" dirty="0" err="1" smtClean="0"/>
+              <a:t>rebase</a:t>
+            </a:r>
+            <a:r>
+              <a:rPr lang="it-IT" sz="2000" dirty="0" smtClean="0"/>
+              <a:t>, unisce un ramo al progetto originale</a:t>
+            </a:r>
+            <a:endParaRPr lang="it-IT" sz="2000" dirty="0"/>
+          </a:p>
+        </p:txBody>
+      </p:sp>
+      <p:sp>
+        <p:nvSpPr>
+          <p:cNvPr id="4" name="CasellaDiTesto 3"/>
+          <p:cNvSpPr txBox="1"/>
           <p:nvPr/>
-        </p:nvPicPr>
-        <p:blipFill>
-          <a:blip r:embed="rId3" cstate="print"/>
-          <a:srcRect/>
-          <a:stretch>
-            <a:fillRect/>
-          </a:stretch>
-        </p:blipFill>
-        <p:spPr bwMode="auto">
-          <a:xfrm>
-            <a:off x="4427984" y="2780928"/>
-            <a:ext cx="4716016" cy="1872208"/>
+        </p:nvSpPr>
+        <p:spPr>
+          <a:xfrm>
+            <a:off x="0" y="3933056"/>
+            <a:ext cx="9144000" cy="646331"/>
           </a:xfrm>
           <a:prstGeom prst="rect">
             <a:avLst/>
           </a:prstGeom>
           <a:noFill/>
-          <a:ln w="9525">
-            <a:noFill/>
-            <a:miter lim="800000"/>
-            <a:headEnd/>
-            <a:tailEnd/>
-          </a:ln>
-        </p:spPr>
-      </p:pic>
-      <p:pic>
-        <p:nvPicPr>
-          <p:cNvPr id="5" name="Immagine 4" descr="https://lh4.googleusercontent.com/2YOkur2IX5NLvtHbGPVmWnbE2vGdzUsBxo_pHeq8dypFtc6KopNmOlSkOZugaSOyikc0wARezaaaG9t9r9jbWHXi3Yprxeu6k-sdMMUeAJbXxMG9rwfqD__BSiJqVR0vlPExk4P3"/>
-          <p:cNvPicPr/>
+        </p:spPr>
+        <p:txBody>
+          <a:bodyPr wrap="square" rtlCol="0">
+            <a:spAutoFit/>
+          </a:bodyPr>
+          <a:lstStyle/>
+          <a:p>
+            <a:r>
+              <a:rPr lang="it-IT" sz="3600" b="1" dirty="0" smtClean="0"/>
+              <a:t>Differenza tra </a:t>
+            </a:r>
+            <a:r>
+              <a:rPr lang="it-IT" sz="3600" b="1" dirty="0" err="1" smtClean="0"/>
+              <a:t>rebasing</a:t>
+            </a:r>
+            <a:r>
+              <a:rPr lang="it-IT" sz="3600" b="1" dirty="0" smtClean="0"/>
+              <a:t> e </a:t>
+            </a:r>
+            <a:r>
+              <a:rPr lang="it-IT" sz="3600" b="1" dirty="0" err="1" smtClean="0"/>
+              <a:t>merging</a:t>
+            </a:r>
+            <a:endParaRPr lang="it-IT" sz="3600" b="1" dirty="0"/>
+          </a:p>
+        </p:txBody>
+      </p:sp>
+      <p:sp>
+        <p:nvSpPr>
+          <p:cNvPr id="6" name="CasellaDiTesto 5"/>
+          <p:cNvSpPr txBox="1"/>
           <p:nvPr/>
-        </p:nvPicPr>
-        <p:blipFill>
-          <a:blip r:embed="rId4" cstate="print"/>
-          <a:srcRect/>
-          <a:stretch>
-            <a:fillRect/>
-          </a:stretch>
-        </p:blipFill>
-        <p:spPr bwMode="auto">
-          <a:xfrm>
-            <a:off x="0" y="4653137"/>
-            <a:ext cx="3203848" cy="2204864"/>
+        </p:nvSpPr>
+        <p:spPr>
+          <a:xfrm>
+            <a:off x="0" y="4725144"/>
+            <a:ext cx="9144000" cy="1600438"/>
           </a:xfrm>
           <a:prstGeom prst="rect">
             <a:avLst/>
           </a:prstGeom>
           <a:noFill/>
-          <a:ln w="9525">
-            <a:noFill/>
-            <a:miter lim="800000"/>
-            <a:headEnd/>
-            <a:tailEnd/>
-          </a:ln>
-        </p:spPr>
-      </p:pic>
-      <p:sp>
-        <p:nvSpPr>
-          <p:cNvPr id="6" name="CasellaDiTesto 5"/>
-          <p:cNvSpPr txBox="1"/>
-          <p:nvPr/>
-        </p:nvSpPr>
-        <p:spPr>
-          <a:xfrm>
-            <a:off x="3347864" y="5013176"/>
-            <a:ext cx="5796136" cy="2031325"/>
-          </a:xfrm>
-          <a:prstGeom prst="rect">
-            <a:avLst/>
-          </a:prstGeom>
-          <a:noFill/>
         </p:spPr>
         <p:txBody>
           <a:bodyPr wrap="square" rtlCol="0">
@@ -3769,175 +4236,31 @@
           <a:lstStyle/>
           <a:p>
             <a:r>
-              <a:rPr lang="it-IT" dirty="0" err="1" smtClean="0"/>
-              <a:t>Workflows</a:t>
-            </a:r>
-            <a:r>
-              <a:rPr lang="it-IT" dirty="0" smtClean="0"/>
-              <a:t> con un dittatore e tenenti:</a:t>
-            </a:r>
-          </a:p>
-          <a:p>
-            <a:pPr>
-              <a:buFont typeface="Arial" pitchFamily="34" charset="0"/>
-              <a:buChar char="•"/>
-            </a:pPr>
-            <a:r>
-              <a:rPr lang="it-IT" dirty="0" smtClean="0"/>
-              <a:t>  Utilizzata su grandi progetti </a:t>
-            </a:r>
-          </a:p>
-          <a:p>
-            <a:pPr>
-              <a:buFont typeface="Arial" pitchFamily="34" charset="0"/>
-              <a:buChar char="•"/>
-            </a:pPr>
-            <a:r>
-              <a:rPr lang="it-IT" dirty="0" smtClean="0"/>
-              <a:t>  I tenenti sono responsabili solo di alcuni sottoteam</a:t>
-            </a:r>
-          </a:p>
-          <a:p>
-            <a:pPr>
-              <a:buFont typeface="Arial" pitchFamily="34" charset="0"/>
-              <a:buChar char="•"/>
-            </a:pPr>
-            <a:r>
-              <a:rPr lang="it-IT" dirty="0" smtClean="0"/>
-              <a:t>  il dittatore è l’unico che può effettuare modifiche sul progetto originale </a:t>
-            </a:r>
-          </a:p>
-          <a:p>
-            <a:r>
-              <a:rPr lang="it-IT" dirty="0" smtClean="0"/>
-              <a:t> </a:t>
-            </a:r>
-          </a:p>
-          <a:p>
-            <a:endParaRPr lang="it-IT" dirty="0"/>
-          </a:p>
-        </p:txBody>
-      </p:sp>
-      <p:sp>
-        <p:nvSpPr>
-          <p:cNvPr id="7" name="CasellaDiTesto 6"/>
-          <p:cNvSpPr txBox="1"/>
-          <p:nvPr/>
-        </p:nvSpPr>
-        <p:spPr>
-          <a:xfrm>
-            <a:off x="0" y="2996952"/>
-            <a:ext cx="3851920" cy="1754326"/>
-          </a:xfrm>
-          <a:prstGeom prst="rect">
-            <a:avLst/>
-          </a:prstGeom>
-          <a:noFill/>
-        </p:spPr>
-        <p:txBody>
-          <a:bodyPr wrap="square" rtlCol="0">
-            <a:spAutoFit/>
-          </a:bodyPr>
-          <a:lstStyle/>
-          <a:p>
-            <a:r>
-              <a:rPr lang="it-IT" dirty="0" err="1" smtClean="0"/>
-              <a:t>Workflows</a:t>
-            </a:r>
-            <a:r>
-              <a:rPr lang="it-IT" dirty="0" smtClean="0"/>
-              <a:t> con un manager</a:t>
-            </a:r>
-          </a:p>
-          <a:p>
-            <a:pPr>
-              <a:buFont typeface="Arial" pitchFamily="34" charset="0"/>
-              <a:buChar char="•"/>
-            </a:pPr>
-            <a:r>
-              <a:rPr lang="it-IT" dirty="0" smtClean="0"/>
-              <a:t>  Il manager è l’unico che può effettuare modifiche sul progetto </a:t>
-            </a:r>
-            <a:r>
-              <a:rPr lang="it-IT" dirty="0" err="1" smtClean="0"/>
-              <a:t>universare</a:t>
-            </a:r>
-            <a:r>
-              <a:rPr lang="it-IT" dirty="0" smtClean="0"/>
-              <a:t> </a:t>
-            </a:r>
-          </a:p>
-          <a:p>
-            <a:pPr>
-              <a:buFont typeface="Arial" pitchFamily="34" charset="0"/>
-              <a:buChar char="•"/>
-            </a:pPr>
-            <a:r>
-              <a:rPr lang="it-IT" dirty="0" smtClean="0"/>
-              <a:t>  gli sviluppatori inviano il proprio lavoro al </a:t>
-            </a:r>
-            <a:r>
-              <a:rPr lang="it-IT" dirty="0" err="1" smtClean="0"/>
-              <a:t>manger</a:t>
-            </a:r>
-            <a:r>
-              <a:rPr lang="it-IT" dirty="0" smtClean="0"/>
-              <a:t> </a:t>
-            </a:r>
-            <a:endParaRPr lang="it-IT" dirty="0"/>
-          </a:p>
-        </p:txBody>
-      </p:sp>
-      <p:sp>
-        <p:nvSpPr>
-          <p:cNvPr id="8" name="CasellaDiTesto 7"/>
-          <p:cNvSpPr txBox="1"/>
-          <p:nvPr/>
-        </p:nvSpPr>
-        <p:spPr>
-          <a:xfrm>
-            <a:off x="4139952" y="908720"/>
-            <a:ext cx="5004048" cy="1477328"/>
-          </a:xfrm>
-          <a:prstGeom prst="rect">
-            <a:avLst/>
-          </a:prstGeom>
-          <a:noFill/>
-        </p:spPr>
-        <p:txBody>
-          <a:bodyPr wrap="square" rtlCol="0">
-            <a:spAutoFit/>
-          </a:bodyPr>
-          <a:lstStyle/>
-          <a:p>
-            <a:r>
-              <a:rPr lang="it-IT" dirty="0" err="1" smtClean="0"/>
-              <a:t>Workflows</a:t>
-            </a:r>
-            <a:r>
-              <a:rPr lang="it-IT" dirty="0" smtClean="0"/>
-              <a:t> centralizzato </a:t>
-            </a:r>
-          </a:p>
-          <a:p>
-            <a:pPr>
-              <a:buFont typeface="Arial" pitchFamily="34" charset="0"/>
-              <a:buChar char="•"/>
-            </a:pPr>
-            <a:r>
-              <a:rPr lang="it-IT" dirty="0" smtClean="0"/>
-              <a:t> Utilizzato per progetti piccoli con pochi sviluppatori</a:t>
-            </a:r>
-          </a:p>
-          <a:p>
-            <a:pPr>
-              <a:buFont typeface="Arial" pitchFamily="34" charset="0"/>
-              <a:buChar char="•"/>
-            </a:pPr>
-            <a:r>
-              <a:rPr lang="it-IT" dirty="0" smtClean="0"/>
-              <a:t> Tutti gli sviluppatori posso accedere e modificare il progetto originale</a:t>
-            </a:r>
+              <a:rPr lang="it-IT" sz="2000" dirty="0" smtClean="0"/>
+              <a:t>Effettuando l’operazione di </a:t>
+            </a:r>
+            <a:r>
+              <a:rPr lang="it-IT" sz="2000" dirty="0" err="1" smtClean="0"/>
+              <a:t>rebasing</a:t>
+            </a:r>
+            <a:r>
+              <a:rPr lang="it-IT" sz="2000" dirty="0" smtClean="0"/>
+              <a:t>, il ramo viene aggiunto alla fine del progetto originale.</a:t>
+            </a:r>
+          </a:p>
+          <a:p>
+            <a:r>
+              <a:rPr lang="it-IT" sz="2000" dirty="0" smtClean="0"/>
+              <a:t>Non si ha sovrapposizione di rami </a:t>
+            </a:r>
+          </a:p>
+          <a:p>
+            <a:r>
+              <a:rPr lang="it-IT" sz="2000" dirty="0" smtClean="0"/>
+              <a:t>Cronologia più comprensibile</a:t>
+            </a:r>
+          </a:p>
+          <a:p>
             <a:endParaRPr lang="it-IT" dirty="0"/>
           </a:p>
         </p:txBody>
@@ -3982,8 +4305,8 @@
         </p:nvSpPr>
         <p:spPr>
           <a:xfrm>
-            <a:off x="0" y="332656"/>
-            <a:ext cx="9144000" cy="646331"/>
+            <a:off x="0" y="260648"/>
+            <a:ext cx="9144000" cy="830997"/>
           </a:xfrm>
           <a:prstGeom prst="rect">
             <a:avLst/>
@@ -3997,28 +4320,118 @@
           <a:lstStyle/>
           <a:p>
             <a:r>
-              <a:rPr lang="it-IT" sz="3600" b="1" dirty="0" smtClean="0"/>
-              <a:t>Protocolli per la condivisione di un progetto</a:t>
-            </a:r>
-            <a:endParaRPr lang="it-IT" sz="3600" b="1" dirty="0"/>
-          </a:p>
-        </p:txBody>
-      </p:sp>
-      <p:sp>
-        <p:nvSpPr>
-          <p:cNvPr id="4" name="CasellaDiTesto 3"/>
-          <p:cNvSpPr txBox="1"/>
+              <a:rPr lang="it-IT" sz="4800" b="1" dirty="0" err="1" smtClean="0"/>
+              <a:t>Workflows</a:t>
+            </a:r>
+            <a:endParaRPr lang="it-IT" sz="4800" b="1" dirty="0"/>
+          </a:p>
+        </p:txBody>
+      </p:sp>
+      <p:pic>
+        <p:nvPicPr>
+          <p:cNvPr id="3" name="Immagine 2" descr="https://lh4.googleusercontent.com/dd9OiRnION9KaCDlj3n111x4fM9ctbkcig7E4foUQTm_kY1qov-dKZdYXUwOc5XyNb55xlkdymC47czvPEWRl69zT99AyGt02N_T64j47HMkB9XflIpis9w2eU8f7fkiJ7lFgpll"/>
+          <p:cNvPicPr/>
           <p:nvPr/>
-        </p:nvSpPr>
-        <p:spPr>
-          <a:xfrm>
-            <a:off x="0" y="1268760"/>
-            <a:ext cx="9144000" cy="5016758"/>
+        </p:nvPicPr>
+        <p:blipFill>
+          <a:blip r:embed="rId2" cstate="print"/>
+          <a:srcRect/>
+          <a:stretch>
+            <a:fillRect/>
+          </a:stretch>
+        </p:blipFill>
+        <p:spPr bwMode="auto">
+          <a:xfrm>
+            <a:off x="0" y="1196752"/>
+            <a:ext cx="3543300" cy="1524000"/>
           </a:xfrm>
           <a:prstGeom prst="rect">
             <a:avLst/>
           </a:prstGeom>
           <a:noFill/>
+          <a:ln w="9525">
+            <a:noFill/>
+            <a:miter lim="800000"/>
+            <a:headEnd/>
+            <a:tailEnd/>
+          </a:ln>
+        </p:spPr>
+      </p:pic>
+      <p:pic>
+        <p:nvPicPr>
+          <p:cNvPr id="4" name="Immagine 3" descr="https://lh6.googleusercontent.com/sm1MD0slSTahKFo4K65BZTZt4PwW3dRtFo7Q0QfAl2iI3JKOnuNoRAqNYe01JxVFTn2vPCDio5V8V20fRHgD0gwh41ok3SHbvAKh815mSsqxW4SquZF9lWTbRH1EP8JH7RRZpNgN"/>
+          <p:cNvPicPr/>
+          <p:nvPr/>
+        </p:nvPicPr>
+        <p:blipFill>
+          <a:blip r:embed="rId3" cstate="print"/>
+          <a:srcRect/>
+          <a:stretch>
+            <a:fillRect/>
+          </a:stretch>
+        </p:blipFill>
+        <p:spPr bwMode="auto">
+          <a:xfrm>
+            <a:off x="4427984" y="2780928"/>
+            <a:ext cx="4716016" cy="1872208"/>
+          </a:xfrm>
+          <a:prstGeom prst="rect">
+            <a:avLst/>
+          </a:prstGeom>
+          <a:noFill/>
+          <a:ln w="9525">
+            <a:noFill/>
+            <a:miter lim="800000"/>
+            <a:headEnd/>
+            <a:tailEnd/>
+          </a:ln>
+        </p:spPr>
+      </p:pic>
+      <p:pic>
+        <p:nvPicPr>
+          <p:cNvPr id="5" name="Immagine 4" descr="https://lh4.googleusercontent.com/2YOkur2IX5NLvtHbGPVmWnbE2vGdzUsBxo_pHeq8dypFtc6KopNmOlSkOZugaSOyikc0wARezaaaG9t9r9jbWHXi3Yprxeu6k-sdMMUeAJbXxMG9rwfqD__BSiJqVR0vlPExk4P3"/>
+          <p:cNvPicPr/>
+          <p:nvPr/>
+        </p:nvPicPr>
+        <p:blipFill>
+          <a:blip r:embed="rId4" cstate="print"/>
+          <a:srcRect/>
+          <a:stretch>
+            <a:fillRect/>
+          </a:stretch>
+        </p:blipFill>
+        <p:spPr bwMode="auto">
+          <a:xfrm>
+            <a:off x="0" y="4653137"/>
+            <a:ext cx="3203848" cy="2204864"/>
+          </a:xfrm>
+          <a:prstGeom prst="rect">
+            <a:avLst/>
+          </a:prstGeom>
+          <a:noFill/>
+          <a:ln w="9525">
+            <a:noFill/>
+            <a:miter lim="800000"/>
+            <a:headEnd/>
+            <a:tailEnd/>
+          </a:ln>
+        </p:spPr>
+      </p:pic>
+      <p:sp>
+        <p:nvSpPr>
+          <p:cNvPr id="6" name="CasellaDiTesto 5"/>
+          <p:cNvSpPr txBox="1"/>
+          <p:nvPr/>
+        </p:nvSpPr>
+        <p:spPr>
+          <a:xfrm>
+            <a:off x="3347864" y="5013176"/>
+            <a:ext cx="5796136" cy="2308324"/>
+          </a:xfrm>
+          <a:prstGeom prst="rect">
+            <a:avLst/>
+          </a:prstGeom>
+          <a:noFill/>
         </p:spPr>
         <p:txBody>
           <a:bodyPr wrap="square" rtlCol="0">
@@ -4027,37 +4440,13 @@
           <a:lstStyle/>
           <a:p>
             <a:r>
-              <a:rPr lang="it-IT" sz="3200" dirty="0" smtClean="0"/>
-              <a:t>Un aspetto importante per la  condivisione di un progetto è il tipo di protocollo scelto per comunicare con la </a:t>
-            </a:r>
-            <a:r>
-              <a:rPr lang="it-IT" sz="3200" dirty="0" err="1" smtClean="0"/>
-              <a:t>repository</a:t>
-            </a:r>
-            <a:r>
-              <a:rPr lang="it-IT" sz="3200" dirty="0" smtClean="0"/>
-              <a:t> remota.</a:t>
-            </a:r>
-          </a:p>
-          <a:p>
-            <a:endParaRPr lang="it-IT" sz="3200" dirty="0" smtClean="0"/>
-          </a:p>
-          <a:p>
-            <a:r>
-              <a:rPr lang="it-IT" sz="3200" dirty="0" smtClean="0"/>
-              <a:t>In </a:t>
-            </a:r>
-            <a:r>
-              <a:rPr lang="it-IT" sz="3200" dirty="0" err="1" smtClean="0"/>
-              <a:t>Git</a:t>
-            </a:r>
-            <a:r>
-              <a:rPr lang="it-IT" sz="3200" dirty="0" smtClean="0"/>
-              <a:t> esistono quattro principale protocolli:</a:t>
-            </a:r>
-          </a:p>
-          <a:p>
-            <a:endParaRPr lang="it-IT" sz="3200" dirty="0" smtClean="0"/>
+              <a:rPr lang="it-IT" dirty="0" err="1" smtClean="0"/>
+              <a:t>Workflows</a:t>
+            </a:r>
+            <a:r>
+              <a:rPr lang="it-IT" dirty="0" smtClean="0"/>
+              <a:t> con un dittatore e tenenti:</a:t>
+            </a:r>
           </a:p>
           <a:p>
             <a:pPr>
@@ -4065,8 +4454,8 @@
               <a:buChar char="•"/>
             </a:pPr>
             <a:r>
-              <a:rPr lang="it-IT" sz="3200" dirty="0" smtClean="0"/>
-              <a:t>  Locale </a:t>
+              <a:rPr lang="it-IT" dirty="0" smtClean="0"/>
+              <a:t>  Utilizzata su grandi progetti </a:t>
             </a:r>
           </a:p>
           <a:p>
@@ -4075,22 +4464,9 @@
               <a:buChar char="•"/>
             </a:pPr>
             <a:r>
-              <a:rPr lang="it-IT" sz="3200" dirty="0" smtClean="0"/>
-              <a:t>  </a:t>
-            </a:r>
-            <a:r>
-              <a:rPr lang="it-IT" sz="3200" dirty="0" err="1" smtClean="0"/>
-              <a:t>Secure</a:t>
-            </a:r>
-            <a:r>
-              <a:rPr lang="it-IT" sz="3200" dirty="0" smtClean="0"/>
-              <a:t> </a:t>
-            </a:r>
-            <a:r>
-              <a:rPr lang="it-IT" sz="3200" dirty="0" err="1" smtClean="0"/>
-              <a:t>Shell</a:t>
-            </a:r>
-            <a:endParaRPr lang="it-IT" sz="3200" dirty="0" smtClean="0"/>
+              <a:rPr lang="it-IT" dirty="0" smtClean="0"/>
+              <a:t>  I tenenti sono responsabili solo di alcuni sottoteam</a:t>
+            </a:r>
           </a:p>
           <a:p>
             <a:pPr>
@@ -4098,14 +4474,51 @@
               <a:buChar char="•"/>
             </a:pPr>
             <a:r>
-              <a:rPr lang="it-IT" sz="3200" dirty="0" smtClean="0"/>
-              <a:t>  </a:t>
-            </a:r>
-            <a:r>
-              <a:rPr lang="it-IT" sz="3200" dirty="0" err="1" smtClean="0"/>
-              <a:t>Git</a:t>
-            </a:r>
-            <a:endParaRPr lang="it-IT" sz="3200" dirty="0" smtClean="0"/>
+              <a:rPr lang="it-IT" dirty="0" smtClean="0"/>
+              <a:t>  il dittatore è l’unico che può effettuare modifiche sul progetto originale </a:t>
+            </a:r>
+          </a:p>
+          <a:p>
+            <a:r>
+              <a:rPr lang="it-IT" dirty="0" smtClean="0"/>
+              <a:t> </a:t>
+            </a:r>
+          </a:p>
+          <a:p>
+            <a:endParaRPr lang="it-IT" dirty="0"/>
+          </a:p>
+        </p:txBody>
+      </p:sp>
+      <p:sp>
+        <p:nvSpPr>
+          <p:cNvPr id="7" name="CasellaDiTesto 6"/>
+          <p:cNvSpPr txBox="1"/>
+          <p:nvPr/>
+        </p:nvSpPr>
+        <p:spPr>
+          <a:xfrm>
+            <a:off x="0" y="2996952"/>
+            <a:ext cx="3851920" cy="1569660"/>
+          </a:xfrm>
+          <a:prstGeom prst="rect">
+            <a:avLst/>
+          </a:prstGeom>
+          <a:noFill/>
+        </p:spPr>
+        <p:txBody>
+          <a:bodyPr wrap="square" rtlCol="0">
+            <a:spAutoFit/>
+          </a:bodyPr>
+          <a:lstStyle/>
+          <a:p>
+            <a:r>
+              <a:rPr lang="it-IT" sz="1600" dirty="0" err="1" smtClean="0"/>
+              <a:t>Workflows</a:t>
+            </a:r>
+            <a:r>
+              <a:rPr lang="it-IT" sz="1600" dirty="0" smtClean="0"/>
+              <a:t> con un manager</a:t>
+            </a:r>
           </a:p>
           <a:p>
             <a:pPr>
@@ -4113,9 +4526,74 @@
               <a:buChar char="•"/>
             </a:pPr>
             <a:r>
-              <a:rPr lang="it-IT" sz="3200" dirty="0" smtClean="0"/>
-              <a:t>  HTPP</a:t>
-            </a:r>
+              <a:rPr lang="it-IT" sz="1600" dirty="0" smtClean="0"/>
+              <a:t>  Il manager è l’unico che può effettuare modifiche sul progetto universale </a:t>
+            </a:r>
+          </a:p>
+          <a:p>
+            <a:pPr>
+              <a:buFont typeface="Arial" pitchFamily="34" charset="0"/>
+              <a:buChar char="•"/>
+            </a:pPr>
+            <a:r>
+              <a:rPr lang="it-IT" sz="1600" dirty="0" smtClean="0"/>
+              <a:t>  gli sviluppatori inviano il proprio lavoro al manager </a:t>
+            </a:r>
+            <a:endParaRPr lang="it-IT" sz="1600" dirty="0"/>
+          </a:p>
+        </p:txBody>
+      </p:sp>
+      <p:sp>
+        <p:nvSpPr>
+          <p:cNvPr id="8" name="CasellaDiTesto 7"/>
+          <p:cNvSpPr txBox="1"/>
+          <p:nvPr/>
+        </p:nvSpPr>
+        <p:spPr>
+          <a:xfrm>
+            <a:off x="4139952" y="908720"/>
+            <a:ext cx="5004048" cy="1631216"/>
+          </a:xfrm>
+          <a:prstGeom prst="rect">
+            <a:avLst/>
+          </a:prstGeom>
+          <a:noFill/>
+        </p:spPr>
+        <p:txBody>
+          <a:bodyPr wrap="square" rtlCol="0">
+            <a:spAutoFit/>
+          </a:bodyPr>
+          <a:lstStyle/>
+          <a:p>
+            <a:r>
+              <a:rPr lang="it-IT" sz="2000" dirty="0" err="1" smtClean="0"/>
+              <a:t>Workflows</a:t>
+            </a:r>
+            <a:r>
+              <a:rPr lang="it-IT" sz="2000" dirty="0" smtClean="0"/>
+              <a:t> centralizzato </a:t>
+            </a:r>
+          </a:p>
+          <a:p>
+            <a:pPr>
+              <a:buFont typeface="Arial" pitchFamily="34" charset="0"/>
+              <a:buChar char="•"/>
+            </a:pPr>
+            <a:r>
+              <a:rPr lang="it-IT" sz="2000" dirty="0" smtClean="0"/>
+              <a:t> Utilizzato per progetti piccoli con pochi sviluppatori</a:t>
+            </a:r>
+          </a:p>
+          <a:p>
+            <a:pPr>
+              <a:buFont typeface="Arial" pitchFamily="34" charset="0"/>
+              <a:buChar char="•"/>
+            </a:pPr>
+            <a:r>
+              <a:rPr lang="it-IT" sz="2000" dirty="0" smtClean="0"/>
+              <a:t> Tutti gli sviluppatori posso accedere e modificare il progetto originale</a:t>
+            </a:r>
+            <a:endParaRPr lang="it-IT" sz="2000" dirty="0"/>
           </a:p>
         </p:txBody>
       </p:sp>
@@ -4159,8 +4637,8 @@
         </p:nvSpPr>
         <p:spPr>
           <a:xfrm>
-            <a:off x="0" y="260648"/>
-            <a:ext cx="9144000" cy="769441"/>
+            <a:off x="0" y="332656"/>
+            <a:ext cx="9144000" cy="646331"/>
           </a:xfrm>
           <a:prstGeom prst="rect">
             <a:avLst/>
@@ -4174,23 +4652,23 @@
           <a:lstStyle/>
           <a:p>
             <a:r>
-              <a:rPr lang="it-IT" sz="4400" b="1" dirty="0" err="1" smtClean="0"/>
-              <a:t>GitHub</a:t>
-            </a:r>
-            <a:endParaRPr lang="it-IT" sz="4400" b="1" dirty="0"/>
-          </a:p>
-        </p:txBody>
-      </p:sp>
-      <p:sp>
-        <p:nvSpPr>
-          <p:cNvPr id="3" name="CasellaDiTesto 2"/>
+              <a:rPr lang="it-IT" sz="3600" b="1" dirty="0" smtClean="0"/>
+              <a:t>Protocolli per la condivisione di un progetto</a:t>
+            </a:r>
+            <a:endParaRPr lang="it-IT" sz="3600" b="1" dirty="0"/>
+          </a:p>
+        </p:txBody>
+      </p:sp>
+      <p:sp>
+        <p:nvSpPr>
+          <p:cNvPr id="4" name="CasellaDiTesto 3"/>
           <p:cNvSpPr txBox="1"/>
           <p:nvPr/>
         </p:nvSpPr>
         <p:spPr>
           <a:xfrm>
-            <a:off x="0" y="1484784"/>
-            <a:ext cx="9144000" cy="369332"/>
+            <a:off x="0" y="1700808"/>
+            <a:ext cx="9144000" cy="4401205"/>
           </a:xfrm>
           <a:prstGeom prst="rect">
             <a:avLst/>
@@ -4203,31 +4681,39 @@
           </a:bodyPr>
           <a:lstStyle/>
           <a:p>
-            <a:endParaRPr lang="it-IT" dirty="0"/>
-          </a:p>
-        </p:txBody>
-      </p:sp>
-      <p:sp>
-        <p:nvSpPr>
-          <p:cNvPr id="4" name="CasellaDiTesto 3"/>
-          <p:cNvSpPr txBox="1"/>
-          <p:nvPr/>
-        </p:nvSpPr>
-        <p:spPr>
-          <a:xfrm>
-            <a:off x="0" y="1412776"/>
-            <a:ext cx="9144000" cy="3970318"/>
-          </a:xfrm>
-          <a:prstGeom prst="rect">
-            <a:avLst/>
-          </a:prstGeom>
-          <a:noFill/>
-        </p:spPr>
-        <p:txBody>
-          <a:bodyPr wrap="square" rtlCol="0">
-            <a:spAutoFit/>
-          </a:bodyPr>
-          <a:lstStyle/>
+            <a:r>
+              <a:rPr lang="it-IT" sz="2800" dirty="0" smtClean="0"/>
+              <a:t>Un aspetto importante per la  condivisione di un progetto è il tipo di protocollo scelto per comunicare con la </a:t>
+            </a:r>
+            <a:r>
+              <a:rPr lang="it-IT" sz="2800" dirty="0" err="1" smtClean="0"/>
+              <a:t>repository</a:t>
+            </a:r>
+            <a:r>
+              <a:rPr lang="it-IT" sz="2800" dirty="0" smtClean="0"/>
+              <a:t> remota.</a:t>
+            </a:r>
+          </a:p>
+          <a:p>
+            <a:endParaRPr lang="it-IT" sz="2800" dirty="0" smtClean="0"/>
+          </a:p>
+          <a:p>
+            <a:r>
+              <a:rPr lang="it-IT" sz="2800" dirty="0" smtClean="0"/>
+              <a:t>In </a:t>
+            </a:r>
+            <a:r>
+              <a:rPr lang="it-IT" sz="2800" dirty="0" err="1" smtClean="0"/>
+              <a:t>Git</a:t>
+            </a:r>
+            <a:r>
+              <a:rPr lang="it-IT" sz="2800" dirty="0" smtClean="0"/>
+              <a:t> esistono quattro principale protocolli:</a:t>
+            </a:r>
+          </a:p>
+          <a:p>
+            <a:endParaRPr lang="it-IT" sz="2800" dirty="0" smtClean="0"/>
+          </a:p>
           <a:p>
             <a:pPr>
               <a:buFont typeface="Arial" pitchFamily="34" charset="0"/>
@@ -4235,21 +4721,8 @@
             </a:pPr>
             <a:r>
               <a:rPr lang="it-IT" sz="2800" dirty="0" smtClean="0"/>
-              <a:t> Offre la possibilità di utilizzare sia </a:t>
-            </a:r>
-            <a:r>
-              <a:rPr lang="it-IT" sz="2800" dirty="0" err="1" smtClean="0"/>
-              <a:t>Git</a:t>
-            </a:r>
-            <a:r>
-              <a:rPr lang="it-IT" sz="2800" dirty="0" smtClean="0"/>
-              <a:t> che </a:t>
-            </a:r>
-            <a:r>
-              <a:rPr lang="it-IT" sz="2800" dirty="0" err="1" smtClean="0"/>
-              <a:t>Subversioni</a:t>
-            </a:r>
-            <a:endParaRPr lang="it-IT" sz="2800" dirty="0" smtClean="0"/>
+              <a:t>  Locale </a:t>
+            </a:r>
           </a:p>
           <a:p>
             <a:pPr>
@@ -4258,16 +4731,21 @@
             </a:pPr>
             <a:r>
               <a:rPr lang="it-IT" sz="2800" dirty="0" smtClean="0"/>
-              <a:t> Consente di creare in modo illimitato le </a:t>
+              <a:t>  </a:t>
             </a:r>
             <a:r>
               <a:rPr lang="it-IT" sz="2800" dirty="0" err="1" smtClean="0"/>
-              <a:t>repository</a:t>
+              <a:t>Secure</a:t>
             </a:r>
             <a:r>
               <a:rPr lang="it-IT" sz="2800" dirty="0" smtClean="0"/>
-              <a:t> pubbliche, pagamento mensile per le private</a:t>
-            </a:r>
+              <a:t> </a:t>
+            </a:r>
+            <a:r>
+              <a:rPr lang="it-IT" sz="2800" dirty="0" err="1" smtClean="0"/>
+              <a:t>Shell</a:t>
+            </a:r>
+            <a:endParaRPr lang="it-IT" sz="2800" dirty="0" smtClean="0"/>
           </a:p>
           <a:p>
             <a:pPr>
@@ -4276,8 +4754,13 @@
             </a:pPr>
             <a:r>
               <a:rPr lang="it-IT" sz="2800" dirty="0" smtClean="0"/>
-              <a:t>  Permette di creare team che funzionano come account normali</a:t>
-            </a:r>
+              <a:t>  </a:t>
+            </a:r>
+            <a:r>
+              <a:rPr lang="it-IT" sz="2800" dirty="0" err="1" smtClean="0"/>
+              <a:t>Git</a:t>
+            </a:r>
+            <a:endParaRPr lang="it-IT" sz="2800" dirty="0" smtClean="0"/>
           </a:p>
           <a:p>
             <a:pPr>
@@ -4286,33 +4769,7 @@
             </a:pPr>
             <a:r>
               <a:rPr lang="it-IT" sz="2800" dirty="0" smtClean="0"/>
-              <a:t>  Permette di configurare velocemente la propria </a:t>
-            </a:r>
-            <a:r>
-              <a:rPr lang="it-IT" sz="2800" dirty="0" err="1" smtClean="0"/>
-              <a:t>repository</a:t>
-            </a:r>
-            <a:r>
-              <a:rPr lang="it-IT" sz="2800" dirty="0" smtClean="0"/>
-              <a:t> con i protocolli di HTTPS e SHH</a:t>
-            </a:r>
-          </a:p>
-          <a:p>
-            <a:pPr>
-              <a:buFont typeface="Arial" pitchFamily="34" charset="0"/>
-              <a:buChar char="•"/>
-            </a:pPr>
-            <a:r>
-              <a:rPr lang="it-IT" sz="2800" dirty="0" smtClean="0"/>
-              <a:t>  </a:t>
-            </a:r>
-            <a:r>
-              <a:rPr lang="it-IT" sz="2800" dirty="0" err="1" smtClean="0"/>
-              <a:t>Permettte</a:t>
-            </a:r>
-            <a:r>
-              <a:rPr lang="it-IT" sz="2800" dirty="0" smtClean="0"/>
-              <a:t> l’accesso in solo lettura tramite  il link di condivisione</a:t>
+              <a:t>  HTPP</a:t>
             </a:r>
           </a:p>
         </p:txBody>
@@ -4357,6 +4814,196 @@
         </p:nvSpPr>
         <p:spPr>
           <a:xfrm>
+            <a:off x="0" y="260648"/>
+            <a:ext cx="9144000" cy="769441"/>
+          </a:xfrm>
+          <a:prstGeom prst="rect">
+            <a:avLst/>
+          </a:prstGeom>
+          <a:noFill/>
+        </p:spPr>
+        <p:txBody>
+          <a:bodyPr wrap="square" rtlCol="0">
+            <a:spAutoFit/>
+          </a:bodyPr>
+          <a:lstStyle/>
+          <a:p>
+            <a:r>
+              <a:rPr lang="it-IT" sz="4400" b="1" dirty="0" err="1" smtClean="0"/>
+              <a:t>GitHub</a:t>
+            </a:r>
+            <a:endParaRPr lang="it-IT" sz="4400" b="1" dirty="0"/>
+          </a:p>
+        </p:txBody>
+      </p:sp>
+      <p:sp>
+        <p:nvSpPr>
+          <p:cNvPr id="3" name="CasellaDiTesto 2"/>
+          <p:cNvSpPr txBox="1"/>
+          <p:nvPr/>
+        </p:nvSpPr>
+        <p:spPr>
+          <a:xfrm>
+            <a:off x="0" y="1484784"/>
+            <a:ext cx="9144000" cy="369332"/>
+          </a:xfrm>
+          <a:prstGeom prst="rect">
+            <a:avLst/>
+          </a:prstGeom>
+          <a:noFill/>
+        </p:spPr>
+        <p:txBody>
+          <a:bodyPr wrap="square" rtlCol="0">
+            <a:spAutoFit/>
+          </a:bodyPr>
+          <a:lstStyle/>
+          <a:p>
+            <a:endParaRPr lang="it-IT" dirty="0"/>
+          </a:p>
+        </p:txBody>
+      </p:sp>
+      <p:sp>
+        <p:nvSpPr>
+          <p:cNvPr id="4" name="CasellaDiTesto 3"/>
+          <p:cNvSpPr txBox="1"/>
+          <p:nvPr/>
+        </p:nvSpPr>
+        <p:spPr>
+          <a:xfrm>
+            <a:off x="0" y="1412776"/>
+            <a:ext cx="9144000" cy="4401205"/>
+          </a:xfrm>
+          <a:prstGeom prst="rect">
+            <a:avLst/>
+          </a:prstGeom>
+          <a:noFill/>
+        </p:spPr>
+        <p:txBody>
+          <a:bodyPr wrap="square" rtlCol="0">
+            <a:spAutoFit/>
+          </a:bodyPr>
+          <a:lstStyle/>
+          <a:p>
+            <a:pPr>
+              <a:buFont typeface="Arial" pitchFamily="34" charset="0"/>
+              <a:buChar char="•"/>
+            </a:pPr>
+            <a:r>
+              <a:rPr lang="it-IT" sz="2800" dirty="0" smtClean="0"/>
+              <a:t> Offre la possibilità di utilizzare sia </a:t>
+            </a:r>
+            <a:r>
+              <a:rPr lang="it-IT" sz="2800" dirty="0" err="1" smtClean="0"/>
+              <a:t>Git</a:t>
+            </a:r>
+            <a:r>
+              <a:rPr lang="it-IT" sz="2800" dirty="0" smtClean="0"/>
+              <a:t> che </a:t>
+            </a:r>
+            <a:r>
+              <a:rPr lang="it-IT" sz="2800" dirty="0" err="1" smtClean="0"/>
+              <a:t>Subversion</a:t>
+            </a:r>
+            <a:endParaRPr lang="it-IT" sz="2800" dirty="0" smtClean="0"/>
+          </a:p>
+          <a:p>
+            <a:pPr>
+              <a:buFont typeface="Arial" pitchFamily="34" charset="0"/>
+              <a:buChar char="•"/>
+            </a:pPr>
+            <a:r>
+              <a:rPr lang="it-IT" sz="2800" dirty="0" smtClean="0"/>
+              <a:t> Consente di creare in modo illimitato le </a:t>
+            </a:r>
+            <a:r>
+              <a:rPr lang="it-IT" sz="2800" dirty="0" err="1" smtClean="0"/>
+              <a:t>repository</a:t>
+            </a:r>
+            <a:r>
+              <a:rPr lang="it-IT" sz="2800" dirty="0" smtClean="0"/>
+              <a:t> pubbliche, con pagamento mensile per le private</a:t>
+            </a:r>
+          </a:p>
+          <a:p>
+            <a:pPr>
+              <a:buFont typeface="Arial" pitchFamily="34" charset="0"/>
+              <a:buChar char="•"/>
+            </a:pPr>
+            <a:r>
+              <a:rPr lang="it-IT" sz="2800" dirty="0" smtClean="0"/>
+              <a:t>  Permette di creare team che funzionano come account normali</a:t>
+            </a:r>
+          </a:p>
+          <a:p>
+            <a:pPr>
+              <a:buFont typeface="Arial" pitchFamily="34" charset="0"/>
+              <a:buChar char="•"/>
+            </a:pPr>
+            <a:r>
+              <a:rPr lang="it-IT" sz="2800" dirty="0" smtClean="0"/>
+              <a:t>  Permette di configurare velocemente la propria </a:t>
+            </a:r>
+            <a:r>
+              <a:rPr lang="it-IT" sz="2800" dirty="0" err="1" smtClean="0"/>
+              <a:t>repository</a:t>
+            </a:r>
+            <a:r>
+              <a:rPr lang="it-IT" sz="2800" dirty="0" smtClean="0"/>
+              <a:t> con i protocolli  HTTPS e SHH</a:t>
+            </a:r>
+          </a:p>
+          <a:p>
+            <a:pPr>
+              <a:buFont typeface="Arial" pitchFamily="34" charset="0"/>
+              <a:buChar char="•"/>
+            </a:pPr>
+            <a:r>
+              <a:rPr lang="it-IT" sz="2800" dirty="0" smtClean="0"/>
+              <a:t>  Permette l’accesso in sola lettura tramite  il link di condivisione</a:t>
+            </a:r>
+          </a:p>
+        </p:txBody>
+      </p:sp>
+    </p:spTree>
+  </p:cSld>
+  <p:clrMapOvr>
+    <a:masterClrMapping/>
+  </p:clrMapOvr>
+  <p:timing>
+    <p:tnLst>
+      <p:par>
+        <p:cTn id="1" dur="indefinite" restart="never" nodeType="tmRoot"/>
+      </p:par>
+    </p:tnLst>
+  </p:timing>
+</p:sld>
+</file>
+
+<file path=ppt/slides/slide15.xml><?xml version="1.0" encoding="utf-8"?>
+<p:sld xmlns:a="http://schemas.openxmlformats.org/drawingml/2006/main" xmlns:r="http://schemas.openxmlformats.org/officeDocument/2006/relationships" xmlns:p="http://schemas.openxmlformats.org/presentationml/2006/main">
+  <p:cSld>
+    <p:spTree>
+      <p:nvGrpSpPr>
+        <p:cNvPr id="1" name=""/>
+        <p:cNvGrpSpPr/>
+        <p:nvPr/>
+      </p:nvGrpSpPr>
+      <p:grpSpPr>
+        <a:xfrm>
+          <a:off x="0" y="0"/>
+          <a:ext cx="0" cy="0"/>
+          <a:chOff x="0" y="0"/>
+          <a:chExt cx="0" cy="0"/>
+        </a:xfrm>
+      </p:grpSpPr>
+      <p:sp>
+        <p:nvSpPr>
+          <p:cNvPr id="2" name="CasellaDiTesto 1"/>
+          <p:cNvSpPr txBox="1"/>
+          <p:nvPr/>
+        </p:nvSpPr>
+        <p:spPr>
+          <a:xfrm>
             <a:off x="0" y="332656"/>
             <a:ext cx="9144000" cy="707886"/>
           </a:xfrm>
@@ -4393,7 +5040,7 @@
         </p:nvGraphicFramePr>
         <p:xfrm>
           <a:off x="0" y="1124744"/>
-          <a:ext cx="9144000" cy="5727549"/>
+          <a:ext cx="9144000" cy="6276189"/>
         </p:xfrm>
         <a:graphic>
           <a:graphicData uri="http://schemas.openxmlformats.org/drawingml/2006/table">
@@ -5139,7 +5786,7 @@
 </p:sld>
 </file>
 
-<file path=ppt/slides/slide15.xml><?xml version="1.0" encoding="utf-8"?>
+<file path=ppt/slides/slide16.xml><?xml version="1.0" encoding="utf-8"?>
 <p:sld xmlns:a="http://schemas.openxmlformats.org/drawingml/2006/main" xmlns:r="http://schemas.openxmlformats.org/officeDocument/2006/relationships" xmlns:p="http://schemas.openxmlformats.org/presentationml/2006/main">
   <p:cSld>
     <p:spTree>
@@ -5183,6 +5830,126 @@
               <a:t>Conclusioni</a:t>
             </a:r>
             <a:endParaRPr lang="it-IT" sz="4400" b="1" dirty="0"/>
+          </a:p>
+        </p:txBody>
+      </p:sp>
+      <p:sp>
+        <p:nvSpPr>
+          <p:cNvPr id="3" name="CasellaDiTesto 2"/>
+          <p:cNvSpPr txBox="1"/>
+          <p:nvPr/>
+        </p:nvSpPr>
+        <p:spPr>
+          <a:xfrm>
+            <a:off x="0" y="1340768"/>
+            <a:ext cx="9144000" cy="3477875"/>
+          </a:xfrm>
+          <a:prstGeom prst="rect">
+            <a:avLst/>
+          </a:prstGeom>
+          <a:noFill/>
+        </p:spPr>
+        <p:txBody>
+          <a:bodyPr wrap="square" rtlCol="0">
+            <a:spAutoFit/>
+          </a:bodyPr>
+          <a:lstStyle/>
+          <a:p>
+            <a:r>
+              <a:rPr lang="it-IT" sz="2000" dirty="0" smtClean="0"/>
+              <a:t>Abbiamo visto come i sistemi di controllo di versione aiutino a soddisfare tutte le esigenze degli sviluppatori, permettendo la gestione della cronologia dei lavori attraverso un’opportuna gestione di </a:t>
+            </a:r>
+            <a:r>
+              <a:rPr lang="it-IT" sz="2000" dirty="0" err="1" smtClean="0"/>
+              <a:t>versioning</a:t>
+            </a:r>
+            <a:r>
+              <a:rPr lang="it-IT" sz="2000" dirty="0" smtClean="0"/>
+              <a:t>. </a:t>
+            </a:r>
+            <a:r>
+              <a:rPr lang="it-IT" sz="2000" dirty="0" err="1" smtClean="0"/>
+              <a:t>Git</a:t>
+            </a:r>
+            <a:r>
+              <a:rPr lang="it-IT" sz="2000" dirty="0" smtClean="0"/>
+              <a:t> mette a disposizione un efficiente controllo di versione e permette, attraverso il branching, di agevolare notevolmente il lavoro dei programmatori permettendo loro di duplicare il progetto principale e di modificarlo senza sporcare il codice. Si è visto inoltre che, utilizzando i sistemi di controllo di versione, un aspetto molto importante è la gestione del team di sviluppo e l’utilizzo dei protocolli per la lettura e scrittura</a:t>
+            </a:r>
+            <a:r>
+              <a:rPr lang="it-IT" sz="2000" smtClean="0"/>
+              <a:t>, utilizzati </a:t>
+            </a:r>
+            <a:r>
+              <a:rPr lang="it-IT" sz="2000" dirty="0" smtClean="0"/>
+              <a:t>per ovviare i problemi dei conflitti e per la sicurezza del progetto stesso</a:t>
+            </a:r>
+            <a:r>
+              <a:rPr lang="it-IT" sz="2000" smtClean="0"/>
+              <a:t>. </a:t>
+            </a:r>
+            <a:endParaRPr lang="it-IT" sz="2000" dirty="0"/>
+          </a:p>
+        </p:txBody>
+      </p:sp>
+    </p:spTree>
+  </p:cSld>
+  <p:clrMapOvr>
+    <a:masterClrMapping/>
+  </p:clrMapOvr>
+  <p:timing>
+    <p:tnLst>
+      <p:par>
+        <p:cTn id="1" dur="indefinite" restart="never" nodeType="tmRoot"/>
+      </p:par>
+    </p:tnLst>
+  </p:timing>
+</p:sld>
+</file>
+
+<file path=ppt/slides/slide17.xml><?xml version="1.0" encoding="utf-8"?>
+<p:sld xmlns:a="http://schemas.openxmlformats.org/drawingml/2006/main" xmlns:r="http://schemas.openxmlformats.org/officeDocument/2006/relationships" xmlns:p="http://schemas.openxmlformats.org/presentationml/2006/main">
+  <p:cSld>
+    <p:spTree>
+      <p:nvGrpSpPr>
+        <p:cNvPr id="1" name=""/>
+        <p:cNvGrpSpPr/>
+        <p:nvPr/>
+      </p:nvGrpSpPr>
+      <p:grpSpPr>
+        <a:xfrm>
+          <a:off x="0" y="0"/>
+          <a:ext cx="0" cy="0"/>
+          <a:chOff x="0" y="0"/>
+          <a:chExt cx="0" cy="0"/>
+        </a:xfrm>
+      </p:grpSpPr>
+      <p:sp>
+        <p:nvSpPr>
+          <p:cNvPr id="2" name="CasellaDiTesto 1"/>
+          <p:cNvSpPr txBox="1"/>
+          <p:nvPr/>
+        </p:nvSpPr>
+        <p:spPr>
+          <a:xfrm>
+            <a:off x="0" y="2708920"/>
+            <a:ext cx="9144000" cy="1015663"/>
+          </a:xfrm>
+          <a:prstGeom prst="rect">
+            <a:avLst/>
+          </a:prstGeom>
+          <a:noFill/>
+        </p:spPr>
+        <p:txBody>
+          <a:bodyPr wrap="square" rtlCol="0">
+            <a:spAutoFit/>
+          </a:bodyPr>
+          <a:lstStyle/>
+          <a:p>
+            <a:r>
+              <a:rPr lang="it-IT" sz="6000" dirty="0" smtClean="0"/>
+              <a:t>Grazie per l’attenzione</a:t>
+            </a:r>
+            <a:endParaRPr lang="it-IT" sz="6000" dirty="0"/>
           </a:p>
         </p:txBody>
       </p:sp>
@@ -5227,7 +5994,7 @@
         <p:spPr>
           <a:xfrm>
             <a:off x="251520" y="476672"/>
-            <a:ext cx="8640960" cy="2585323"/>
+            <a:ext cx="8640960" cy="3046988"/>
           </a:xfrm>
           <a:prstGeom prst="rect">
             <a:avLst/>
@@ -5240,15 +6007,20 @@
           </a:bodyPr>
           <a:lstStyle/>
           <a:p>
-            <a:pPr algn="ctr"/>
-            <a:r>
-              <a:rPr lang="it-IT" dirty="0" smtClean="0"/>
-              <a:t>Questa tesi si è proposta di valutare:</a:t>
-            </a:r>
-          </a:p>
-          <a:p>
-            <a:pPr algn="ctr"/>
-            <a:endParaRPr lang="it-IT" dirty="0" smtClean="0"/>
+            <a:r>
+              <a:rPr lang="it-IT" sz="5400" b="1" dirty="0" smtClean="0">
+                <a:latin typeface="Century Gothic" pitchFamily="34" charset="0"/>
+              </a:rPr>
+              <a:t>Sommario</a:t>
+            </a:r>
+            <a:endParaRPr lang="it-IT" dirty="0" smtClean="0">
+              <a:latin typeface="Century Gothic" pitchFamily="34" charset="0"/>
+            </a:endParaRPr>
+          </a:p>
+          <a:p>
+            <a:endParaRPr lang="it-IT" dirty="0" smtClean="0">
+              <a:latin typeface="Century Gothic" pitchFamily="34" charset="0"/>
+            </a:endParaRPr>
           </a:p>
           <a:p>
             <a:pPr>
@@ -5256,8 +6028,10 @@
               <a:buChar char="•"/>
             </a:pPr>
             <a:r>
-              <a:rPr lang="it-IT" dirty="0" smtClean="0"/>
-              <a:t> </a:t>
+              <a:rPr lang="it-IT" sz="4000" dirty="0" smtClean="0">
+                <a:latin typeface="Century Gothic" pitchFamily="34" charset="0"/>
+              </a:rPr>
+              <a:t>  Sistemi di controllo di versione </a:t>
             </a:r>
           </a:p>
           <a:p>
@@ -5266,21 +6040,23 @@
               <a:buChar char="•"/>
             </a:pPr>
             <a:r>
-              <a:rPr lang="it-IT" dirty="0" smtClean="0"/>
+              <a:rPr lang="it-IT" sz="4000" dirty="0" smtClean="0">
+                <a:latin typeface="Century Gothic" pitchFamily="34" charset="0"/>
+              </a:rPr>
+              <a:t>  </a:t>
+            </a:r>
+            <a:r>
+              <a:rPr lang="it-IT" sz="4000" dirty="0" err="1" smtClean="0">
+                <a:latin typeface="Century Gothic" pitchFamily="34" charset="0"/>
+              </a:rPr>
+              <a:t>Git</a:t>
+            </a:r>
+            <a:r>
+              <a:rPr lang="it-IT" sz="4000" dirty="0" smtClean="0">
+                <a:latin typeface="Century Gothic" pitchFamily="34" charset="0"/>
+              </a:rPr>
               <a:t> </a:t>
             </a:r>
-          </a:p>
-          <a:p>
-            <a:endParaRPr lang="it-IT" dirty="0" smtClean="0"/>
-          </a:p>
-          <a:p>
-            <a:r>
-              <a:rPr lang="it-IT" dirty="0" smtClean="0"/>
-              <a:t>A tale scopo:</a:t>
-            </a:r>
-          </a:p>
-          <a:p>
-            <a:endParaRPr lang="it-IT" dirty="0" smtClean="0"/>
           </a:p>
           <a:p>
             <a:pPr>
@@ -5288,18 +6064,22 @@
               <a:buChar char="•"/>
             </a:pPr>
             <a:r>
-              <a:rPr lang="it-IT" dirty="0" smtClean="0"/>
-              <a:t> </a:t>
-            </a:r>
-          </a:p>
-          <a:p>
-            <a:pPr>
-              <a:buFont typeface="Arial" pitchFamily="34" charset="0"/>
-              <a:buChar char="•"/>
-            </a:pPr>
-            <a:r>
-              <a:rPr lang="it-IT" dirty="0" smtClean="0"/>
+              <a:rPr lang="it-IT" sz="4000" dirty="0" smtClean="0">
+                <a:latin typeface="Century Gothic" pitchFamily="34" charset="0"/>
+              </a:rPr>
               <a:t>  </a:t>
+            </a:r>
+            <a:r>
+              <a:rPr lang="it-IT" sz="4000" dirty="0" err="1" smtClean="0">
+                <a:latin typeface="Century Gothic" pitchFamily="34" charset="0"/>
+              </a:rPr>
+              <a:t>GitHub</a:t>
+            </a:r>
+            <a:r>
+              <a:rPr lang="it-IT" sz="4000" dirty="0" smtClean="0">
+                <a:latin typeface="Century Gothic" pitchFamily="34" charset="0"/>
+              </a:rPr>
+              <a:t> e alternative</a:t>
             </a:r>
           </a:p>
         </p:txBody>
@@ -5344,8 +6124,8 @@
         </p:nvSpPr>
         <p:spPr>
           <a:xfrm>
-            <a:off x="395536" y="548680"/>
-            <a:ext cx="8496944" cy="584775"/>
+            <a:off x="0" y="260648"/>
+            <a:ext cx="8892480" cy="1107996"/>
           </a:xfrm>
           <a:prstGeom prst="rect">
             <a:avLst/>
@@ -5359,117 +6139,34 @@
           <a:lstStyle/>
           <a:p>
             <a:r>
-              <a:rPr lang="it-IT" sz="3200" b="1" dirty="0" smtClean="0"/>
-              <a:t>Sistemi di Controllo di Versione</a:t>
-            </a:r>
-          </a:p>
-        </p:txBody>
-      </p:sp>
-      <p:pic>
-        <p:nvPicPr>
-          <p:cNvPr id="3" name="Immagine 2" descr="Schema di controllo di versione locale"/>
-          <p:cNvPicPr/>
+              <a:rPr lang="it-IT" sz="6600" b="1" dirty="0" smtClean="0">
+                <a:latin typeface="Century Gothic" pitchFamily="34" charset="0"/>
+              </a:rPr>
+              <a:t>Obiettivo</a:t>
+            </a:r>
+            <a:r>
+              <a:rPr lang="it-IT" dirty="0" smtClean="0"/>
+              <a:t>  </a:t>
+            </a:r>
+            <a:endParaRPr lang="it-IT" dirty="0"/>
+          </a:p>
+        </p:txBody>
+      </p:sp>
+      <p:sp>
+        <p:nvSpPr>
+          <p:cNvPr id="3" name="CasellaDiTesto 2"/>
+          <p:cNvSpPr txBox="1"/>
           <p:nvPr/>
-        </p:nvPicPr>
-        <p:blipFill>
-          <a:blip r:embed="rId2" cstate="print"/>
-          <a:srcRect/>
-          <a:stretch>
-            <a:fillRect/>
-          </a:stretch>
-        </p:blipFill>
-        <p:spPr bwMode="auto">
-          <a:xfrm>
-            <a:off x="251520" y="2204864"/>
-            <a:ext cx="2736304" cy="2592288"/>
+        </p:nvSpPr>
+        <p:spPr>
+          <a:xfrm>
+            <a:off x="0" y="1844824"/>
+            <a:ext cx="9144000" cy="3416320"/>
           </a:xfrm>
           <a:prstGeom prst="rect">
             <a:avLst/>
           </a:prstGeom>
           <a:noFill/>
-          <a:ln w="9525">
-            <a:noFill/>
-            <a:miter lim="800000"/>
-            <a:headEnd/>
-            <a:tailEnd/>
-          </a:ln>
-        </p:spPr>
-      </p:pic>
-      <p:pic>
-        <p:nvPicPr>
-          <p:cNvPr id="4" name="Immagine 3" descr="Risultato immagini per vcs centralized"/>
-          <p:cNvPicPr/>
-          <p:nvPr/>
-        </p:nvPicPr>
-        <p:blipFill>
-          <a:blip r:embed="rId3" cstate="print"/>
-          <a:srcRect/>
-          <a:stretch>
-            <a:fillRect/>
-          </a:stretch>
-        </p:blipFill>
-        <p:spPr bwMode="auto">
-          <a:xfrm>
-            <a:off x="3491880" y="2204864"/>
-            <a:ext cx="2592288" cy="2592288"/>
-          </a:xfrm>
-          <a:prstGeom prst="rect">
-            <a:avLst/>
-          </a:prstGeom>
-          <a:noFill/>
-          <a:ln w="9525">
-            <a:noFill/>
-            <a:miter lim="800000"/>
-            <a:headEnd/>
-            <a:tailEnd/>
-          </a:ln>
-        </p:spPr>
-      </p:pic>
-      <p:pic>
-        <p:nvPicPr>
-          <p:cNvPr id="5" name="Immagine 4" descr="Distributed Version Control Systems"/>
-          <p:cNvPicPr/>
-          <p:nvPr/>
-        </p:nvPicPr>
-        <p:blipFill>
-          <a:blip r:embed="rId4" cstate="print"/>
-          <a:srcRect/>
-          <a:stretch>
-            <a:fillRect/>
-          </a:stretch>
-        </p:blipFill>
-        <p:spPr bwMode="auto">
-          <a:xfrm>
-            <a:off x="6300192" y="2132856"/>
-            <a:ext cx="2592288" cy="2664296"/>
-          </a:xfrm>
-          <a:prstGeom prst="rect">
-            <a:avLst/>
-          </a:prstGeom>
-          <a:noFill/>
-          <a:ln w="9525">
-            <a:noFill/>
-            <a:miter lim="800000"/>
-            <a:headEnd/>
-            <a:tailEnd/>
-          </a:ln>
-        </p:spPr>
-      </p:pic>
-      <p:sp>
-        <p:nvSpPr>
-          <p:cNvPr id="8" name="CasellaDiTesto 7"/>
-          <p:cNvSpPr txBox="1"/>
-          <p:nvPr/>
-        </p:nvSpPr>
-        <p:spPr>
-          <a:xfrm>
-            <a:off x="251520" y="1412776"/>
-            <a:ext cx="8892480" cy="369332"/>
-          </a:xfrm>
-          <a:prstGeom prst="rect">
-            <a:avLst/>
-          </a:prstGeom>
-          <a:noFill/>
         </p:spPr>
         <p:txBody>
           <a:bodyPr wrap="square" rtlCol="0">
@@ -5478,164 +6175,29 @@
           <a:lstStyle/>
           <a:p>
             <a:r>
-              <a:rPr lang="it-IT" b="1" dirty="0" smtClean="0"/>
-              <a:t>Locale </a:t>
-            </a:r>
-            <a:r>
-              <a:rPr lang="it-IT" dirty="0" smtClean="0"/>
-              <a:t>			        </a:t>
-            </a:r>
-            <a:r>
-              <a:rPr lang="it-IT" b="1" dirty="0" smtClean="0"/>
-              <a:t>Centralizzato </a:t>
-            </a:r>
-            <a:r>
-              <a:rPr lang="it-IT" dirty="0" smtClean="0"/>
-              <a:t>			</a:t>
-            </a:r>
-            <a:r>
-              <a:rPr lang="it-IT" b="1" dirty="0" smtClean="0"/>
-              <a:t>Distribuito</a:t>
-            </a:r>
-            <a:endParaRPr lang="it-IT" b="1" dirty="0"/>
-          </a:p>
-        </p:txBody>
-      </p:sp>
-      <p:graphicFrame>
-        <p:nvGraphicFramePr>
-          <p:cNvPr id="12" name="Tabella 11"/>
-          <p:cNvGraphicFramePr>
-            <a:graphicFrameLocks noGrp="1"/>
-          </p:cNvGraphicFramePr>
-          <p:nvPr/>
-        </p:nvGraphicFramePr>
-        <p:xfrm>
-          <a:off x="-1" y="5301208"/>
-          <a:ext cx="8748465" cy="1463040"/>
-        </p:xfrm>
-        <a:graphic>
-          <a:graphicData uri="http://schemas.openxmlformats.org/drawingml/2006/table">
-            <a:tbl>
-              <a:tblPr firstRow="1" bandRow="1">
-                <a:tableStyleId>{2D5ABB26-0587-4C30-8999-92F81FD0307C}</a:tableStyleId>
-              </a:tblPr>
-              <a:tblGrid>
-                <a:gridCol w="2916155"/>
-                <a:gridCol w="2916155"/>
-                <a:gridCol w="2916155"/>
-              </a:tblGrid>
-              <a:tr h="370840">
-                <a:tc>
-                  <a:txBody>
-                    <a:bodyPr/>
-                    <a:lstStyle/>
-                    <a:p>
-                      <a:pPr>
-                        <a:buFont typeface="Arial" pitchFamily="34" charset="0"/>
-                        <a:buChar char="•"/>
-                      </a:pPr>
-                      <a:r>
-                        <a:rPr lang="it-IT" dirty="0" smtClean="0"/>
-                        <a:t> Database</a:t>
-                      </a:r>
-                      <a:r>
-                        <a:rPr lang="it-IT" baseline="0" dirty="0" smtClean="0"/>
-                        <a:t> semplice</a:t>
-                      </a:r>
-                    </a:p>
-                    <a:p>
-                      <a:pPr>
-                        <a:buFont typeface="Arial" pitchFamily="34" charset="0"/>
-                        <a:buChar char="•"/>
-                      </a:pPr>
-                      <a:r>
-                        <a:rPr lang="it-IT" baseline="0" dirty="0" smtClean="0"/>
-                        <a:t> Informazioni Locali</a:t>
-                      </a:r>
-                      <a:endParaRPr lang="it-IT" dirty="0"/>
-                    </a:p>
-                  </a:txBody>
-                  <a:tcPr/>
-                </a:tc>
-                <a:tc>
-                  <a:txBody>
-                    <a:bodyPr/>
-                    <a:lstStyle/>
-                    <a:p>
-                      <a:pPr>
-                        <a:buFont typeface="Arial" pitchFamily="34" charset="0"/>
-                        <a:buChar char="•"/>
-                      </a:pPr>
-                      <a:r>
-                        <a:rPr lang="it-IT" baseline="0" dirty="0" smtClean="0"/>
-                        <a:t> Permette la collaborazione tra sviluppatori</a:t>
-                      </a:r>
-                    </a:p>
-                    <a:p>
-                      <a:pPr>
-                        <a:buFont typeface="Arial" pitchFamily="34" charset="0"/>
-                        <a:buChar char="•"/>
-                      </a:pPr>
-                      <a:r>
-                        <a:rPr lang="it-IT" baseline="0" dirty="0" smtClean="0"/>
-                        <a:t> Informazioni sul server</a:t>
-                      </a:r>
-                    </a:p>
-                    <a:p>
-                      <a:pPr>
-                        <a:buFont typeface="Arial" pitchFamily="34" charset="0"/>
-                        <a:buChar char="•"/>
-                      </a:pPr>
-                      <a:r>
-                        <a:rPr lang="it-IT" baseline="0" dirty="0" smtClean="0"/>
-                        <a:t>Miglior protocolli: CVS, SUBVERSION</a:t>
-                      </a:r>
-                    </a:p>
-                  </a:txBody>
-                  <a:tcPr/>
-                </a:tc>
-                <a:tc>
-                  <a:txBody>
-                    <a:bodyPr/>
-                    <a:lstStyle/>
-                    <a:p>
-                      <a:pPr>
-                        <a:buFont typeface="Arial" pitchFamily="34" charset="0"/>
-                        <a:buChar char="•"/>
-                      </a:pPr>
-                      <a:r>
-                        <a:rPr lang="it-IT" dirty="0" smtClean="0"/>
-                        <a:t> I</a:t>
-                      </a:r>
-                      <a:r>
-                        <a:rPr lang="it-IT" baseline="0" dirty="0" smtClean="0"/>
-                        <a:t> client controllano una copia completa della </a:t>
-                      </a:r>
-                      <a:r>
-                        <a:rPr lang="it-IT" baseline="0" dirty="0" err="1" smtClean="0"/>
-                        <a:t>repository</a:t>
-                      </a:r>
-                      <a:endParaRPr lang="it-IT" baseline="0" dirty="0" smtClean="0"/>
-                    </a:p>
-                    <a:p>
-                      <a:pPr>
-                        <a:buFont typeface="Arial" pitchFamily="34" charset="0"/>
-                        <a:buChar char="•"/>
-                      </a:pPr>
-                      <a:r>
-                        <a:rPr lang="it-IT" baseline="0" dirty="0" smtClean="0"/>
-                        <a:t> Evita la problematica della rottura del server</a:t>
-                      </a:r>
-                      <a:endParaRPr lang="it-IT" dirty="0"/>
-                    </a:p>
-                  </a:txBody>
-                  <a:tcPr/>
-                </a:tc>
-              </a:tr>
-            </a:tbl>
-          </a:graphicData>
-        </a:graphic>
-      </p:graphicFrame>
+              <a:rPr lang="it-IT" sz="3600" dirty="0" smtClean="0">
+                <a:latin typeface="Century Gothic" pitchFamily="34" charset="0"/>
+              </a:rPr>
+              <a:t>Mostrare come i Sistemi di controllo di versione, </a:t>
+            </a:r>
+            <a:r>
+              <a:rPr lang="it-IT" sz="3600" dirty="0" err="1" smtClean="0">
+                <a:latin typeface="Century Gothic" pitchFamily="34" charset="0"/>
+              </a:rPr>
+              <a:t>Git</a:t>
+            </a:r>
+            <a:r>
+              <a:rPr lang="it-IT" sz="3600" dirty="0" smtClean="0">
+                <a:latin typeface="Century Gothic" pitchFamily="34" charset="0"/>
+              </a:rPr>
+              <a:t> soprattutto, permettono di tenere traccia di tutte le modifiche di un progetto e di evitare l’insorgere dei conflitti delle modifiche di diversi sviluppatori sullo stesso codice.</a:t>
+            </a:r>
+            <a:endParaRPr lang="it-IT" sz="3600" dirty="0">
+              <a:latin typeface="Century Gothic" pitchFamily="34" charset="0"/>
+            </a:endParaRPr>
+          </a:p>
+        </p:txBody>
+      </p:sp>
     </p:spTree>
   </p:cSld>
   <p:clrMapOvr>
@@ -5676,7 +6238,7 @@
         </p:nvSpPr>
         <p:spPr>
           <a:xfrm>
-            <a:off x="395536" y="620688"/>
+            <a:off x="395536" y="548680"/>
             <a:ext cx="8496944" cy="584775"/>
           </a:xfrm>
           <a:prstGeom prst="rect">
@@ -5691,28 +6253,119 @@
           <a:lstStyle/>
           <a:p>
             <a:r>
-              <a:rPr lang="it-IT" sz="3200" b="1" dirty="0" smtClean="0"/>
-              <a:t>Il Sistema di Controllo di Versione Distribuito GIT</a:t>
-            </a:r>
-            <a:endParaRPr lang="it-IT" sz="3200" b="1" dirty="0"/>
-          </a:p>
-        </p:txBody>
-      </p:sp>
-      <p:sp>
-        <p:nvSpPr>
-          <p:cNvPr id="3" name="CasellaDiTesto 2"/>
-          <p:cNvSpPr txBox="1"/>
+              <a:rPr lang="it-IT" sz="3200" b="1" dirty="0" smtClean="0">
+                <a:latin typeface="Century Gothic" pitchFamily="34" charset="0"/>
+              </a:rPr>
+              <a:t>Sistemi di Controllo di Versione</a:t>
+            </a:r>
+          </a:p>
+        </p:txBody>
+      </p:sp>
+      <p:pic>
+        <p:nvPicPr>
+          <p:cNvPr id="3" name="Immagine 2" descr="Schema di controllo di versione locale"/>
+          <p:cNvPicPr/>
           <p:nvPr/>
-        </p:nvSpPr>
-        <p:spPr>
-          <a:xfrm>
-            <a:off x="251520" y="1844824"/>
-            <a:ext cx="8640960" cy="2308324"/>
+        </p:nvPicPr>
+        <p:blipFill>
+          <a:blip r:embed="rId2" cstate="print"/>
+          <a:srcRect/>
+          <a:stretch>
+            <a:fillRect/>
+          </a:stretch>
+        </p:blipFill>
+        <p:spPr bwMode="auto">
+          <a:xfrm>
+            <a:off x="251520" y="2204864"/>
+            <a:ext cx="2736304" cy="2592288"/>
           </a:xfrm>
           <a:prstGeom prst="rect">
             <a:avLst/>
           </a:prstGeom>
           <a:noFill/>
+          <a:ln w="9525">
+            <a:noFill/>
+            <a:miter lim="800000"/>
+            <a:headEnd/>
+            <a:tailEnd/>
+          </a:ln>
+        </p:spPr>
+      </p:pic>
+      <p:pic>
+        <p:nvPicPr>
+          <p:cNvPr id="4" name="Immagine 3" descr="Risultato immagini per vcs centralized"/>
+          <p:cNvPicPr/>
+          <p:nvPr/>
+        </p:nvPicPr>
+        <p:blipFill>
+          <a:blip r:embed="rId3" cstate="print"/>
+          <a:srcRect/>
+          <a:stretch>
+            <a:fillRect/>
+          </a:stretch>
+        </p:blipFill>
+        <p:spPr bwMode="auto">
+          <a:xfrm>
+            <a:off x="3491880" y="2204864"/>
+            <a:ext cx="2592288" cy="2592288"/>
+          </a:xfrm>
+          <a:prstGeom prst="rect">
+            <a:avLst/>
+          </a:prstGeom>
+          <a:noFill/>
+          <a:ln w="9525">
+            <a:noFill/>
+            <a:miter lim="800000"/>
+            <a:headEnd/>
+            <a:tailEnd/>
+          </a:ln>
+        </p:spPr>
+      </p:pic>
+      <p:pic>
+        <p:nvPicPr>
+          <p:cNvPr id="5" name="Immagine 4" descr="Distributed Version Control Systems"/>
+          <p:cNvPicPr/>
+          <p:nvPr/>
+        </p:nvPicPr>
+        <p:blipFill>
+          <a:blip r:embed="rId4" cstate="print"/>
+          <a:srcRect/>
+          <a:stretch>
+            <a:fillRect/>
+          </a:stretch>
+        </p:blipFill>
+        <p:spPr bwMode="auto">
+          <a:xfrm>
+            <a:off x="6300192" y="2132856"/>
+            <a:ext cx="2592288" cy="2664296"/>
+          </a:xfrm>
+          <a:prstGeom prst="rect">
+            <a:avLst/>
+          </a:prstGeom>
+          <a:noFill/>
+          <a:ln w="9525">
+            <a:noFill/>
+            <a:miter lim="800000"/>
+            <a:headEnd/>
+            <a:tailEnd/>
+          </a:ln>
+        </p:spPr>
+      </p:pic>
+      <p:sp>
+        <p:nvSpPr>
+          <p:cNvPr id="8" name="CasellaDiTesto 7"/>
+          <p:cNvSpPr txBox="1"/>
+          <p:nvPr/>
+        </p:nvSpPr>
+        <p:spPr>
+          <a:xfrm>
+            <a:off x="251520" y="1412776"/>
+            <a:ext cx="8892480" cy="369332"/>
+          </a:xfrm>
+          <a:prstGeom prst="rect">
+            <a:avLst/>
+          </a:prstGeom>
+          <a:noFill/>
         </p:spPr>
         <p:txBody>
           <a:bodyPr wrap="square" rtlCol="0">
@@ -5721,283 +6374,202 @@
           <a:lstStyle/>
           <a:p>
             <a:r>
-              <a:rPr lang="it-IT" dirty="0" smtClean="0"/>
-              <a:t>Nasce nel 2005, dopo la revoca dell’uso gratuito di </a:t>
-            </a:r>
-            <a:r>
-              <a:rPr lang="it-IT" dirty="0" err="1" smtClean="0"/>
-              <a:t>BitKeeper</a:t>
-            </a:r>
-            <a:r>
-              <a:rPr lang="it-IT" dirty="0" smtClean="0"/>
-              <a:t>, con i seguenti obiettivi prestazionali:</a:t>
-            </a:r>
-          </a:p>
-          <a:p>
-            <a:pPr>
-              <a:buFont typeface="Arial" pitchFamily="34" charset="0"/>
-              <a:buChar char="•"/>
-            </a:pPr>
-            <a:r>
-              <a:rPr lang="it-IT" dirty="0" smtClean="0"/>
-              <a:t>  Velocità</a:t>
-            </a:r>
-          </a:p>
-          <a:p>
-            <a:pPr>
-              <a:buFont typeface="Arial" pitchFamily="34" charset="0"/>
-              <a:buChar char="•"/>
-            </a:pPr>
-            <a:r>
-              <a:rPr lang="it-IT" dirty="0" smtClean="0"/>
-              <a:t> Design Semplice </a:t>
-            </a:r>
-          </a:p>
-          <a:p>
-            <a:pPr>
-              <a:buFont typeface="Arial" pitchFamily="34" charset="0"/>
-              <a:buChar char="•"/>
-            </a:pPr>
-            <a:r>
-              <a:rPr lang="it-IT" dirty="0" smtClean="0"/>
-              <a:t> Ottimo supporto allo sviluppo non-lineare </a:t>
-            </a:r>
-          </a:p>
-          <a:p>
-            <a:pPr>
-              <a:buFont typeface="Arial" pitchFamily="34" charset="0"/>
-              <a:buChar char="•"/>
-            </a:pPr>
-            <a:r>
-              <a:rPr lang="it-IT" dirty="0" smtClean="0"/>
-              <a:t> Gestione del controllo di versione totalmente distribuito </a:t>
-            </a:r>
-          </a:p>
-          <a:p>
-            <a:pPr>
-              <a:buFont typeface="Arial" pitchFamily="34" charset="0"/>
-              <a:buChar char="•"/>
-            </a:pPr>
-            <a:r>
-              <a:rPr lang="it-IT" dirty="0" smtClean="0"/>
-              <a:t> Capacitò di gestire grandi progetti </a:t>
-            </a:r>
-          </a:p>
-          <a:p>
-            <a:pPr>
-              <a:buFont typeface="Arial" pitchFamily="34" charset="0"/>
-              <a:buChar char="•"/>
-            </a:pPr>
-            <a:endParaRPr lang="it-IT" dirty="0" smtClean="0"/>
-          </a:p>
-        </p:txBody>
-      </p:sp>
-      <p:sp>
-        <p:nvSpPr>
-          <p:cNvPr id="4" name="CasellaDiTesto 3"/>
-          <p:cNvSpPr txBox="1"/>
+              <a:rPr lang="it-IT" b="1" dirty="0" smtClean="0">
+                <a:latin typeface="Century Gothic" pitchFamily="34" charset="0"/>
+              </a:rPr>
+              <a:t>Locale </a:t>
+            </a:r>
+            <a:r>
+              <a:rPr lang="it-IT" dirty="0" smtClean="0">
+                <a:latin typeface="Century Gothic" pitchFamily="34" charset="0"/>
+              </a:rPr>
+              <a:t>			        </a:t>
+            </a:r>
+            <a:r>
+              <a:rPr lang="it-IT" b="1" dirty="0" smtClean="0">
+                <a:latin typeface="Century Gothic" pitchFamily="34" charset="0"/>
+              </a:rPr>
+              <a:t>Centralizzato </a:t>
+            </a:r>
+            <a:r>
+              <a:rPr lang="it-IT" dirty="0" smtClean="0">
+                <a:latin typeface="Century Gothic" pitchFamily="34" charset="0"/>
+              </a:rPr>
+              <a:t>			</a:t>
+            </a:r>
+            <a:r>
+              <a:rPr lang="it-IT" b="1" dirty="0" smtClean="0">
+                <a:latin typeface="Century Gothic" pitchFamily="34" charset="0"/>
+              </a:rPr>
+              <a:t>Distribuito</a:t>
+            </a:r>
+            <a:endParaRPr lang="it-IT" b="1" dirty="0">
+              <a:latin typeface="Century Gothic" pitchFamily="34" charset="0"/>
+            </a:endParaRPr>
+          </a:p>
+        </p:txBody>
+      </p:sp>
+      <p:graphicFrame>
+        <p:nvGraphicFramePr>
+          <p:cNvPr id="12" name="Tabella 11"/>
+          <p:cNvGraphicFramePr>
+            <a:graphicFrameLocks noGrp="1"/>
+          </p:cNvGraphicFramePr>
           <p:nvPr/>
-        </p:nvSpPr>
-        <p:spPr>
-          <a:xfrm>
-            <a:off x="251520" y="4293096"/>
-            <a:ext cx="8640960" cy="646331"/>
-          </a:xfrm>
-          <a:prstGeom prst="rect">
-            <a:avLst/>
-          </a:prstGeom>
-          <a:noFill/>
-        </p:spPr>
-        <p:txBody>
-          <a:bodyPr wrap="square" rtlCol="0">
-            <a:spAutoFit/>
-          </a:bodyPr>
-          <a:lstStyle/>
-          <a:p>
-            <a:r>
-              <a:rPr lang="it-IT" dirty="0" smtClean="0"/>
-              <a:t>È possibile installarlo su qualsiasi sistema operativo, tramite pannello di controllo  o interfaccia grafica, ad esempio per i sistemi linux:</a:t>
-            </a:r>
-            <a:endParaRPr lang="it-IT" dirty="0"/>
-          </a:p>
-        </p:txBody>
-      </p:sp>
-      <p:sp>
-        <p:nvSpPr>
-          <p:cNvPr id="5" name="CasellaDiTesto 4"/>
-          <p:cNvSpPr txBox="1"/>
-          <p:nvPr/>
-        </p:nvSpPr>
-        <p:spPr>
-          <a:xfrm>
-            <a:off x="251520" y="5661248"/>
-            <a:ext cx="8568952" cy="369332"/>
-          </a:xfrm>
-          <a:prstGeom prst="rect">
-            <a:avLst/>
-          </a:prstGeom>
-          <a:solidFill>
-            <a:schemeClr val="bg1">
-              <a:lumMod val="50000"/>
-            </a:schemeClr>
-          </a:solidFill>
-        </p:spPr>
-        <p:txBody>
-          <a:bodyPr wrap="square" rtlCol="0">
-            <a:spAutoFit/>
-          </a:bodyPr>
-          <a:lstStyle/>
-          <a:p>
-            <a:r>
-              <a:rPr lang="it-IT" b="1" dirty="0" smtClean="0">
-                <a:solidFill>
-                  <a:schemeClr val="bg1">
-                    <a:lumMod val="95000"/>
-                  </a:schemeClr>
-                </a:solidFill>
-              </a:rPr>
-              <a:t>$ </a:t>
-            </a:r>
-            <a:r>
-              <a:rPr lang="it-IT" b="1" dirty="0" err="1" smtClean="0">
-                <a:solidFill>
-                  <a:schemeClr val="bg1">
-                    <a:lumMod val="95000"/>
-                  </a:schemeClr>
-                </a:solidFill>
-              </a:rPr>
-              <a:t>yum</a:t>
-            </a:r>
-            <a:r>
-              <a:rPr lang="it-IT" b="1" dirty="0" smtClean="0">
-                <a:solidFill>
-                  <a:schemeClr val="bg1">
-                    <a:lumMod val="95000"/>
-                  </a:schemeClr>
-                </a:solidFill>
-              </a:rPr>
-              <a:t> </a:t>
-            </a:r>
-            <a:r>
-              <a:rPr lang="it-IT" b="1" dirty="0" err="1" smtClean="0">
-                <a:solidFill>
-                  <a:schemeClr val="bg1">
-                    <a:lumMod val="95000"/>
-                  </a:schemeClr>
-                </a:solidFill>
-              </a:rPr>
-              <a:t>install</a:t>
-            </a:r>
-            <a:r>
-              <a:rPr lang="it-IT" b="1" dirty="0" smtClean="0">
-                <a:solidFill>
-                  <a:schemeClr val="bg1">
-                    <a:lumMod val="95000"/>
-                  </a:schemeClr>
-                </a:solidFill>
-              </a:rPr>
-              <a:t> </a:t>
-            </a:r>
-            <a:r>
-              <a:rPr lang="it-IT" b="1" dirty="0" err="1" smtClean="0">
-                <a:solidFill>
-                  <a:schemeClr val="bg1">
-                    <a:lumMod val="95000"/>
-                  </a:schemeClr>
-                </a:solidFill>
-              </a:rPr>
-              <a:t>curl-devel</a:t>
-            </a:r>
-            <a:r>
-              <a:rPr lang="it-IT" b="1" dirty="0" smtClean="0">
-                <a:solidFill>
-                  <a:schemeClr val="bg1">
-                    <a:lumMod val="95000"/>
-                  </a:schemeClr>
-                </a:solidFill>
-              </a:rPr>
-              <a:t> </a:t>
-            </a:r>
-            <a:r>
-              <a:rPr lang="it-IT" b="1" dirty="0" err="1" smtClean="0">
-                <a:solidFill>
-                  <a:schemeClr val="bg1">
-                    <a:lumMod val="95000"/>
-                  </a:schemeClr>
-                </a:solidFill>
-              </a:rPr>
-              <a:t>expat-deval</a:t>
-            </a:r>
-            <a:r>
-              <a:rPr lang="it-IT" b="1" dirty="0" smtClean="0">
-                <a:solidFill>
-                  <a:schemeClr val="bg1">
-                    <a:lumMod val="95000"/>
-                  </a:schemeClr>
-                </a:solidFill>
-              </a:rPr>
-              <a:t> </a:t>
-            </a:r>
-            <a:r>
-              <a:rPr lang="it-IT" b="1" dirty="0" err="1" smtClean="0">
-                <a:solidFill>
-                  <a:schemeClr val="bg1">
-                    <a:lumMod val="95000"/>
-                  </a:schemeClr>
-                </a:solidFill>
-              </a:rPr>
-              <a:t>gettext-devel</a:t>
-            </a:r>
-            <a:r>
-              <a:rPr lang="it-IT" b="1" dirty="0" smtClean="0">
-                <a:solidFill>
-                  <a:schemeClr val="bg1">
-                    <a:lumMod val="95000"/>
-                  </a:schemeClr>
-                </a:solidFill>
-              </a:rPr>
-              <a:t> \ </a:t>
-            </a:r>
-            <a:r>
-              <a:rPr lang="it-IT" b="1" dirty="0" err="1" smtClean="0">
-                <a:solidFill>
-                  <a:schemeClr val="bg1">
-                    <a:lumMod val="95000"/>
-                  </a:schemeClr>
-                </a:solidFill>
-              </a:rPr>
-              <a:t>openssl-devel</a:t>
-            </a:r>
-            <a:r>
-              <a:rPr lang="it-IT" b="1" dirty="0" smtClean="0">
-                <a:solidFill>
-                  <a:schemeClr val="bg1">
-                    <a:lumMod val="95000"/>
-                  </a:schemeClr>
-                </a:solidFill>
-              </a:rPr>
-              <a:t> </a:t>
-            </a:r>
-            <a:r>
-              <a:rPr lang="it-IT" b="1" dirty="0" err="1" smtClean="0">
-                <a:solidFill>
-                  <a:schemeClr val="bg1">
-                    <a:lumMod val="95000"/>
-                  </a:schemeClr>
-                </a:solidFill>
-              </a:rPr>
-              <a:t>zlib-devel</a:t>
-            </a:r>
-            <a:endParaRPr lang="it-IT" b="1" dirty="0">
-              <a:solidFill>
-                <a:schemeClr val="bg1">
-                  <a:lumMod val="95000"/>
-                </a:schemeClr>
-              </a:solidFill>
-            </a:endParaRPr>
-          </a:p>
-        </p:txBody>
-      </p:sp>
+        </p:nvGraphicFramePr>
+        <p:xfrm>
+          <a:off x="-1" y="5013176"/>
+          <a:ext cx="8748465" cy="1842512"/>
+        </p:xfrm>
+        <a:graphic>
+          <a:graphicData uri="http://schemas.openxmlformats.org/drawingml/2006/table">
+            <a:tbl>
+              <a:tblPr firstRow="1" bandRow="1">
+                <a:tableStyleId>{2D5ABB26-0587-4C30-8999-92F81FD0307C}</a:tableStyleId>
+              </a:tblPr>
+              <a:tblGrid>
+                <a:gridCol w="2916155"/>
+                <a:gridCol w="2916155"/>
+                <a:gridCol w="2916155"/>
+              </a:tblGrid>
+              <a:tr h="1842512">
+                <a:tc>
+                  <a:txBody>
+                    <a:bodyPr/>
+                    <a:lstStyle/>
+                    <a:p>
+                      <a:pPr>
+                        <a:buFont typeface="Arial" pitchFamily="34" charset="0"/>
+                        <a:buChar char="•"/>
+                      </a:pPr>
+                      <a:r>
+                        <a:rPr lang="it-IT" sz="1800" dirty="0" smtClean="0">
+                          <a:latin typeface="Century Gothic" pitchFamily="34" charset="0"/>
+                        </a:rPr>
+                        <a:t> Database</a:t>
+                      </a:r>
+                      <a:r>
+                        <a:rPr lang="it-IT" sz="1800" baseline="0" dirty="0" smtClean="0">
+                          <a:latin typeface="Century Gothic" pitchFamily="34" charset="0"/>
+                        </a:rPr>
+                        <a:t> semplice</a:t>
+                      </a:r>
+                    </a:p>
+                    <a:p>
+                      <a:pPr>
+                        <a:buFont typeface="Arial" pitchFamily="34" charset="0"/>
+                        <a:buChar char="•"/>
+                      </a:pPr>
+                      <a:r>
+                        <a:rPr lang="it-IT" sz="1800" baseline="0" dirty="0" smtClean="0">
+                          <a:latin typeface="Century Gothic" pitchFamily="34" charset="0"/>
+                        </a:rPr>
+                        <a:t> Informazioni Locali</a:t>
+                      </a:r>
+                      <a:endParaRPr lang="it-IT" sz="1800" dirty="0">
+                        <a:latin typeface="Century Gothic" pitchFamily="34" charset="0"/>
+                      </a:endParaRPr>
+                    </a:p>
+                  </a:txBody>
+                  <a:tcPr/>
+                </a:tc>
+                <a:tc>
+                  <a:txBody>
+                    <a:bodyPr/>
+                    <a:lstStyle/>
+                    <a:p>
+                      <a:pPr>
+                        <a:buFont typeface="Arial" pitchFamily="34" charset="0"/>
+                        <a:buChar char="•"/>
+                      </a:pPr>
+                      <a:r>
+                        <a:rPr lang="it-IT" sz="1800" baseline="0" dirty="0" smtClean="0">
+                          <a:latin typeface="Century Gothic" pitchFamily="34" charset="0"/>
+                        </a:rPr>
+                        <a:t> Permette la collaborazione tra sviluppatori</a:t>
+                      </a:r>
+                    </a:p>
+                    <a:p>
+                      <a:pPr>
+                        <a:buFont typeface="Arial" pitchFamily="34" charset="0"/>
+                        <a:buChar char="•"/>
+                      </a:pPr>
+                      <a:r>
+                        <a:rPr lang="it-IT" sz="1800" baseline="0" dirty="0" smtClean="0">
+                          <a:latin typeface="Century Gothic" pitchFamily="34" charset="0"/>
+                        </a:rPr>
+                        <a:t> Informazioni sul server</a:t>
+                      </a:r>
+                    </a:p>
+                    <a:p>
+                      <a:pPr>
+                        <a:buFont typeface="Arial" pitchFamily="34" charset="0"/>
+                        <a:buChar char="•"/>
+                      </a:pPr>
+                      <a:r>
+                        <a:rPr lang="it-IT" sz="1800" baseline="0" dirty="0" smtClean="0">
+                          <a:latin typeface="Century Gothic" pitchFamily="34" charset="0"/>
+                        </a:rPr>
+                        <a:t>Miglior protocolli: CVS, SUBVERSION</a:t>
+                      </a:r>
+                    </a:p>
+                  </a:txBody>
+                  <a:tcPr/>
+                </a:tc>
+                <a:tc>
+                  <a:txBody>
+                    <a:bodyPr/>
+                    <a:lstStyle/>
+                    <a:p>
+                      <a:pPr>
+                        <a:buFont typeface="Arial" pitchFamily="34" charset="0"/>
+                        <a:buChar char="•"/>
+                      </a:pPr>
+                      <a:r>
+                        <a:rPr lang="it-IT" sz="1800" dirty="0" smtClean="0">
+                          <a:latin typeface="Century Gothic" pitchFamily="34" charset="0"/>
+                        </a:rPr>
+                        <a:t> I</a:t>
+                      </a:r>
+                      <a:r>
+                        <a:rPr lang="it-IT" sz="1800" baseline="0" dirty="0" smtClean="0">
+                          <a:latin typeface="Century Gothic" pitchFamily="34" charset="0"/>
+                        </a:rPr>
+                        <a:t> client controllano una copia completa della </a:t>
+                      </a:r>
+                      <a:r>
+                        <a:rPr lang="it-IT" sz="1800" baseline="0" dirty="0" err="1" smtClean="0">
+                          <a:latin typeface="Century Gothic" pitchFamily="34" charset="0"/>
+                        </a:rPr>
+                        <a:t>repository</a:t>
+                      </a:r>
+                      <a:endParaRPr lang="it-IT" sz="1800" baseline="0" dirty="0" smtClean="0">
+                        <a:latin typeface="Century Gothic" pitchFamily="34" charset="0"/>
+                      </a:endParaRPr>
+                    </a:p>
+                    <a:p>
+                      <a:pPr>
+                        <a:buFont typeface="Arial" pitchFamily="34" charset="0"/>
+                        <a:buChar char="•"/>
+                      </a:pPr>
+                      <a:r>
+                        <a:rPr lang="it-IT" sz="1800" baseline="0" dirty="0" smtClean="0">
+                          <a:latin typeface="Century Gothic" pitchFamily="34" charset="0"/>
+                        </a:rPr>
+                        <a:t> Evita la problematica della rottura del server</a:t>
+                      </a:r>
+                      <a:endParaRPr lang="it-IT" sz="1800" dirty="0">
+                        <a:latin typeface="Century Gothic" pitchFamily="34" charset="0"/>
+                      </a:endParaRPr>
+                    </a:p>
+                  </a:txBody>
+                  <a:tcPr/>
+                </a:tc>
+              </a:tr>
+            </a:tbl>
+          </a:graphicData>
+        </a:graphic>
+      </p:graphicFrame>
     </p:spTree>
   </p:cSld>
   <p:clrMapOvr>
@@ -6038,8 +6610,8 @@
         </p:nvSpPr>
         <p:spPr>
           <a:xfrm>
-            <a:off x="251520" y="404664"/>
-            <a:ext cx="8640960" cy="707886"/>
+            <a:off x="395536" y="620688"/>
+            <a:ext cx="8496944" cy="1077218"/>
           </a:xfrm>
           <a:prstGeom prst="rect">
             <a:avLst/>
@@ -6053,10 +6625,14 @@
           <a:lstStyle/>
           <a:p>
             <a:r>
-              <a:rPr lang="it-IT" sz="4000" b="1" dirty="0" smtClean="0"/>
-              <a:t>Gestione del Controllo</a:t>
-            </a:r>
-            <a:endParaRPr lang="it-IT" sz="4000" b="1" dirty="0"/>
+              <a:rPr lang="it-IT" sz="3200" b="1" dirty="0" smtClean="0">
+                <a:latin typeface="Century Gothic" pitchFamily="34" charset="0"/>
+              </a:rPr>
+              <a:t>Il Sistema di Controllo di Versione Distribuito GIT</a:t>
+            </a:r>
+            <a:endParaRPr lang="it-IT" sz="3200" b="1" dirty="0">
+              <a:latin typeface="Century Gothic" pitchFamily="34" charset="0"/>
+            </a:endParaRPr>
           </a:p>
         </p:txBody>
       </p:sp>
@@ -6068,8 +6644,8 @@
         </p:nvSpPr>
         <p:spPr>
           <a:xfrm>
-            <a:off x="179512" y="1628800"/>
-            <a:ext cx="8712968" cy="4154984"/>
+            <a:off x="251520" y="1844824"/>
+            <a:ext cx="8640960" cy="2308324"/>
           </a:xfrm>
           <a:prstGeom prst="rect">
             <a:avLst/>
@@ -6083,84 +6659,242 @@
           <a:lstStyle/>
           <a:p>
             <a:r>
-              <a:rPr lang="it-IT" sz="2400" dirty="0" smtClean="0"/>
-              <a:t>Ogni volta che si opera una modifica in un file o un salvataggio dello stato, </a:t>
-            </a:r>
-            <a:r>
-              <a:rPr lang="it-IT" sz="2400" dirty="0" err="1" smtClean="0"/>
-              <a:t>Git</a:t>
-            </a:r>
-            <a:r>
-              <a:rPr lang="it-IT" sz="2400" dirty="0" smtClean="0"/>
-              <a:t> fa un’immagine di tutti i file modificati in quel momento, creando una serie di istantanee.</a:t>
-            </a:r>
-          </a:p>
-          <a:p>
-            <a:endParaRPr lang="it-IT" sz="2400" dirty="0" smtClean="0"/>
-          </a:p>
-          <a:p>
-            <a:r>
-              <a:rPr lang="it-IT" sz="2400" dirty="0" smtClean="0"/>
-              <a:t>Controlla tramite </a:t>
-            </a:r>
-            <a:r>
-              <a:rPr lang="it-IT" sz="2400" dirty="0" err="1" smtClean="0"/>
-              <a:t>checksum</a:t>
-            </a:r>
-            <a:r>
-              <a:rPr lang="it-IT" sz="2400" dirty="0" smtClean="0"/>
-              <a:t> ogni operazione.</a:t>
-            </a:r>
-          </a:p>
-          <a:p>
-            <a:endParaRPr lang="it-IT" sz="2400" dirty="0" smtClean="0"/>
-          </a:p>
-          <a:p>
-            <a:r>
-              <a:rPr lang="it-IT" sz="2400" dirty="0" smtClean="0"/>
-              <a:t>Utilizza il </a:t>
-            </a:r>
-            <a:r>
-              <a:rPr lang="it-IT" sz="2400" dirty="0" err="1" smtClean="0"/>
-              <a:t>checksum</a:t>
-            </a:r>
-            <a:r>
-              <a:rPr lang="it-IT" sz="2400" dirty="0" smtClean="0"/>
-              <a:t> denominato SHA-1.</a:t>
-            </a:r>
-          </a:p>
-          <a:p>
-            <a:endParaRPr lang="it-IT" sz="2400" dirty="0" smtClean="0"/>
-          </a:p>
-          <a:p>
-            <a:r>
-              <a:rPr lang="it-IT" sz="2400" dirty="0" smtClean="0"/>
-              <a:t>SHA-1 è una funzione di </a:t>
-            </a:r>
-            <a:r>
-              <a:rPr lang="it-IT" sz="2400" dirty="0" err="1" smtClean="0"/>
-              <a:t>hash</a:t>
-            </a:r>
-            <a:r>
-              <a:rPr lang="it-IT" sz="2400" dirty="0" smtClean="0"/>
-              <a:t> crittografica che accetta un input e produce un valore di </a:t>
-            </a:r>
-            <a:r>
-              <a:rPr lang="it-IT" sz="2400" dirty="0" err="1" smtClean="0"/>
-              <a:t>hash</a:t>
-            </a:r>
-            <a:r>
-              <a:rPr lang="it-IT" sz="2400" dirty="0" smtClean="0"/>
-              <a:t> a  20 byte, denominato come </a:t>
-            </a:r>
-            <a:r>
-              <a:rPr lang="it-IT" sz="2400" dirty="0" err="1" smtClean="0"/>
-              <a:t>digest</a:t>
-            </a:r>
-            <a:r>
-              <a:rPr lang="it-IT" sz="2400" dirty="0" smtClean="0"/>
-              <a:t> del messaggio. </a:t>
-            </a:r>
+              <a:rPr lang="it-IT" dirty="0" smtClean="0">
+                <a:latin typeface="Century Gothic" pitchFamily="34" charset="0"/>
+              </a:rPr>
+              <a:t>Nasce nel 2005, dopo la revoca dell’uso gratuito di </a:t>
+            </a:r>
+            <a:r>
+              <a:rPr lang="it-IT" dirty="0" err="1" smtClean="0">
+                <a:latin typeface="Century Gothic" pitchFamily="34" charset="0"/>
+              </a:rPr>
+              <a:t>BitKeeper</a:t>
+            </a:r>
+            <a:r>
+              <a:rPr lang="it-IT" dirty="0" smtClean="0">
+                <a:latin typeface="Century Gothic" pitchFamily="34" charset="0"/>
+              </a:rPr>
+              <a:t>, con i seguenti obiettivi prestazionali:</a:t>
+            </a:r>
+          </a:p>
+          <a:p>
+            <a:pPr>
+              <a:buFont typeface="Arial" pitchFamily="34" charset="0"/>
+              <a:buChar char="•"/>
+            </a:pPr>
+            <a:r>
+              <a:rPr lang="it-IT" dirty="0" smtClean="0">
+                <a:latin typeface="Century Gothic" pitchFamily="34" charset="0"/>
+              </a:rPr>
+              <a:t>  Velocità</a:t>
+            </a:r>
+          </a:p>
+          <a:p>
+            <a:pPr>
+              <a:buFont typeface="Arial" pitchFamily="34" charset="0"/>
+              <a:buChar char="•"/>
+            </a:pPr>
+            <a:r>
+              <a:rPr lang="it-IT" dirty="0" smtClean="0">
+                <a:latin typeface="Century Gothic" pitchFamily="34" charset="0"/>
+              </a:rPr>
+              <a:t> Design Semplice </a:t>
+            </a:r>
+          </a:p>
+          <a:p>
+            <a:pPr>
+              <a:buFont typeface="Arial" pitchFamily="34" charset="0"/>
+              <a:buChar char="•"/>
+            </a:pPr>
+            <a:r>
+              <a:rPr lang="it-IT" dirty="0" smtClean="0">
+                <a:latin typeface="Century Gothic" pitchFamily="34" charset="0"/>
+              </a:rPr>
+              <a:t> Ottimo supporto allo sviluppo non-lineare </a:t>
+            </a:r>
+          </a:p>
+          <a:p>
+            <a:pPr>
+              <a:buFont typeface="Arial" pitchFamily="34" charset="0"/>
+              <a:buChar char="•"/>
+            </a:pPr>
+            <a:r>
+              <a:rPr lang="it-IT" dirty="0" smtClean="0">
+                <a:latin typeface="Century Gothic" pitchFamily="34" charset="0"/>
+              </a:rPr>
+              <a:t> Gestione del controllo di versione totalmente distribuito </a:t>
+            </a:r>
+          </a:p>
+          <a:p>
+            <a:pPr>
+              <a:buFont typeface="Arial" pitchFamily="34" charset="0"/>
+              <a:buChar char="•"/>
+            </a:pPr>
+            <a:r>
+              <a:rPr lang="it-IT" dirty="0" smtClean="0">
+                <a:latin typeface="Century Gothic" pitchFamily="34" charset="0"/>
+              </a:rPr>
+              <a:t> Capacitò di gestire grandi progetti </a:t>
+            </a:r>
+          </a:p>
+          <a:p>
+            <a:pPr>
+              <a:buFont typeface="Arial" pitchFamily="34" charset="0"/>
+              <a:buChar char="•"/>
+            </a:pPr>
+            <a:endParaRPr lang="it-IT" dirty="0" smtClean="0">
+              <a:latin typeface="Century Gothic" pitchFamily="34" charset="0"/>
+            </a:endParaRPr>
+          </a:p>
+        </p:txBody>
+      </p:sp>
+      <p:sp>
+        <p:nvSpPr>
+          <p:cNvPr id="4" name="CasellaDiTesto 3"/>
+          <p:cNvSpPr txBox="1"/>
+          <p:nvPr/>
+        </p:nvSpPr>
+        <p:spPr>
+          <a:xfrm>
+            <a:off x="251520" y="4293096"/>
+            <a:ext cx="8640960" cy="646331"/>
+          </a:xfrm>
+          <a:prstGeom prst="rect">
+            <a:avLst/>
+          </a:prstGeom>
+          <a:noFill/>
+        </p:spPr>
+        <p:txBody>
+          <a:bodyPr wrap="square" rtlCol="0">
+            <a:spAutoFit/>
+          </a:bodyPr>
+          <a:lstStyle/>
+          <a:p>
+            <a:r>
+              <a:rPr lang="it-IT" dirty="0" smtClean="0">
+                <a:latin typeface="Century Gothic" pitchFamily="34" charset="0"/>
+              </a:rPr>
+              <a:t>È possibile installarlo su qualsiasi sistema operativo, tramite pannello di controllo  o interfaccia grafica, ad esempio per i sistemi linux:</a:t>
+            </a:r>
+            <a:endParaRPr lang="it-IT" dirty="0">
+              <a:latin typeface="Century Gothic" pitchFamily="34" charset="0"/>
+            </a:endParaRPr>
+          </a:p>
+        </p:txBody>
+      </p:sp>
+      <p:sp>
+        <p:nvSpPr>
+          <p:cNvPr id="5" name="CasellaDiTesto 4"/>
+          <p:cNvSpPr txBox="1"/>
+          <p:nvPr/>
+        </p:nvSpPr>
+        <p:spPr>
+          <a:xfrm>
+            <a:off x="251520" y="5661248"/>
+            <a:ext cx="8568952" cy="646331"/>
+          </a:xfrm>
+          <a:prstGeom prst="rect">
+            <a:avLst/>
+          </a:prstGeom>
+          <a:solidFill>
+            <a:schemeClr val="tx1">
+              <a:lumMod val="65000"/>
+            </a:schemeClr>
+          </a:solidFill>
+        </p:spPr>
+        <p:txBody>
+          <a:bodyPr wrap="square" rtlCol="0">
+            <a:spAutoFit/>
+          </a:bodyPr>
+          <a:lstStyle/>
+          <a:p>
+            <a:r>
+              <a:rPr lang="it-IT" b="1" dirty="0" smtClean="0">
+                <a:latin typeface="Century Gothic" pitchFamily="34" charset="0"/>
+              </a:rPr>
+              <a:t>$ </a:t>
+            </a:r>
+            <a:r>
+              <a:rPr lang="it-IT" b="1" dirty="0" err="1" smtClean="0">
+                <a:latin typeface="Century Gothic" pitchFamily="34" charset="0"/>
+              </a:rPr>
+              <a:t>yum</a:t>
+            </a:r>
+            <a:r>
+              <a:rPr lang="it-IT" b="1" dirty="0" smtClean="0">
+                <a:latin typeface="Century Gothic" pitchFamily="34" charset="0"/>
+              </a:rPr>
+              <a:t> </a:t>
+            </a:r>
+            <a:r>
+              <a:rPr lang="it-IT" b="1" dirty="0" err="1" smtClean="0">
+                <a:latin typeface="Century Gothic" pitchFamily="34" charset="0"/>
+              </a:rPr>
+              <a:t>install</a:t>
+            </a:r>
+            <a:r>
+              <a:rPr lang="it-IT" b="1" dirty="0" smtClean="0">
+                <a:latin typeface="Century Gothic" pitchFamily="34" charset="0"/>
+              </a:rPr>
+              <a:t> </a:t>
+            </a:r>
+            <a:r>
+              <a:rPr lang="it-IT" b="1" dirty="0" err="1" smtClean="0">
+                <a:latin typeface="Century Gothic" pitchFamily="34" charset="0"/>
+              </a:rPr>
+              <a:t>curl-devel</a:t>
+            </a:r>
+            <a:r>
+              <a:rPr lang="it-IT" b="1" dirty="0" smtClean="0">
+                <a:latin typeface="Century Gothic" pitchFamily="34" charset="0"/>
+              </a:rPr>
+              <a:t> </a:t>
+            </a:r>
+            <a:r>
+              <a:rPr lang="it-IT" b="1" dirty="0" err="1" smtClean="0">
+                <a:latin typeface="Century Gothic" pitchFamily="34" charset="0"/>
+              </a:rPr>
+              <a:t>expat-deval</a:t>
+            </a:r>
+            <a:r>
+              <a:rPr lang="it-IT" b="1" dirty="0" smtClean="0">
+                <a:latin typeface="Century Gothic" pitchFamily="34" charset="0"/>
+              </a:rPr>
+              <a:t> </a:t>
+            </a:r>
+            <a:r>
+              <a:rPr lang="it-IT" b="1" dirty="0" err="1" smtClean="0">
+                <a:latin typeface="Century Gothic" pitchFamily="34" charset="0"/>
+              </a:rPr>
+              <a:t>gettext-devel</a:t>
+            </a:r>
+            <a:r>
+              <a:rPr lang="it-IT" b="1" dirty="0" smtClean="0">
+                <a:latin typeface="Century Gothic" pitchFamily="34" charset="0"/>
+              </a:rPr>
+              <a:t> \ </a:t>
+            </a:r>
+            <a:r>
+              <a:rPr lang="it-IT" b="1" dirty="0" err="1" smtClean="0">
+                <a:latin typeface="Century Gothic" pitchFamily="34" charset="0"/>
+              </a:rPr>
+              <a:t>openssl-devel</a:t>
+            </a:r>
+            <a:r>
+              <a:rPr lang="it-IT" b="1" dirty="0" smtClean="0">
+                <a:latin typeface="Century Gothic" pitchFamily="34" charset="0"/>
+              </a:rPr>
+              <a:t> </a:t>
+            </a:r>
+            <a:r>
+              <a:rPr lang="it-IT" b="1" dirty="0" err="1" smtClean="0">
+                <a:latin typeface="Century Gothic" pitchFamily="34" charset="0"/>
+              </a:rPr>
+              <a:t>zlib-devel</a:t>
+            </a:r>
+            <a:endParaRPr lang="it-IT" b="1" dirty="0">
+              <a:latin typeface="Century Gothic" pitchFamily="34" charset="0"/>
+            </a:endParaRPr>
           </a:p>
         </p:txBody>
       </p:sp>
@@ -6204,8 +6938,8 @@
         </p:nvSpPr>
         <p:spPr>
           <a:xfrm>
-            <a:off x="179512" y="476672"/>
-            <a:ext cx="8784976" cy="584775"/>
+            <a:off x="251520" y="404664"/>
+            <a:ext cx="8640960" cy="707886"/>
           </a:xfrm>
           <a:prstGeom prst="rect">
             <a:avLst/>
@@ -6219,58 +6953,28 @@
           <a:lstStyle/>
           <a:p>
             <a:r>
-              <a:rPr lang="it-IT" sz="3200" b="1" dirty="0" smtClean="0"/>
-              <a:t>Divisione per stati dei file e del piano di lavoro</a:t>
-            </a:r>
-            <a:endParaRPr lang="it-IT" sz="3200" b="1" dirty="0"/>
-          </a:p>
-        </p:txBody>
-      </p:sp>
-      <p:pic>
-        <p:nvPicPr>
-          <p:cNvPr id="3" name="Immagine 2" descr="git directory"/>
-          <p:cNvPicPr/>
+              <a:rPr lang="it-IT" sz="4000" b="1" dirty="0" smtClean="0"/>
+              <a:t>Gestione del Controllo</a:t>
+            </a:r>
+            <a:endParaRPr lang="it-IT" sz="4000" b="1" dirty="0"/>
+          </a:p>
+        </p:txBody>
+      </p:sp>
+      <p:sp>
+        <p:nvSpPr>
+          <p:cNvPr id="3" name="CasellaDiTesto 2"/>
+          <p:cNvSpPr txBox="1"/>
           <p:nvPr/>
-        </p:nvPicPr>
-        <p:blipFill>
-          <a:blip r:embed="rId2" cstate="print"/>
-          <a:srcRect/>
-          <a:stretch>
-            <a:fillRect/>
-          </a:stretch>
-        </p:blipFill>
-        <p:spPr bwMode="auto">
-          <a:xfrm>
-            <a:off x="5641216" y="3140968"/>
-            <a:ext cx="3502784" cy="3221665"/>
+        </p:nvSpPr>
+        <p:spPr>
+          <a:xfrm>
+            <a:off x="179512" y="1628800"/>
+            <a:ext cx="8712968" cy="4154984"/>
           </a:xfrm>
           <a:prstGeom prst="rect">
             <a:avLst/>
           </a:prstGeom>
           <a:noFill/>
-          <a:ln w="9525">
-            <a:noFill/>
-            <a:miter lim="800000"/>
-            <a:headEnd/>
-            <a:tailEnd/>
-          </a:ln>
-        </p:spPr>
-      </p:pic>
-      <p:sp>
-        <p:nvSpPr>
-          <p:cNvPr id="4" name="CasellaDiTesto 3"/>
-          <p:cNvSpPr txBox="1"/>
-          <p:nvPr/>
-        </p:nvSpPr>
-        <p:spPr>
-          <a:xfrm>
-            <a:off x="179512" y="1484784"/>
-            <a:ext cx="8712968" cy="1200329"/>
-          </a:xfrm>
-          <a:prstGeom prst="rect">
-            <a:avLst/>
-          </a:prstGeom>
-          <a:noFill/>
         </p:spPr>
         <p:txBody>
           <a:bodyPr wrap="square" rtlCol="0">
@@ -6279,142 +6983,83 @@
           <a:lstStyle/>
           <a:p>
             <a:r>
-              <a:rPr lang="it-IT" dirty="0" smtClean="0"/>
-              <a:t>All’interno di </a:t>
-            </a:r>
-            <a:r>
-              <a:rPr lang="it-IT" dirty="0" err="1" smtClean="0"/>
+              <a:rPr lang="it-IT" sz="2400" dirty="0" smtClean="0"/>
+              <a:t>Ogni volta che si opera una modifica in un file o un salvataggio dello stato, </a:t>
+            </a:r>
+            <a:r>
+              <a:rPr lang="it-IT" sz="2400" dirty="0" err="1" smtClean="0"/>
               <a:t>Git</a:t>
             </a:r>
             <a:r>
-              <a:rPr lang="it-IT" dirty="0" smtClean="0"/>
-              <a:t> i file possono entrare in tre stati</a:t>
-            </a:r>
-          </a:p>
-          <a:p>
-            <a:pPr>
-              <a:buFont typeface="Arial" pitchFamily="34" charset="0"/>
-              <a:buChar char="•"/>
-            </a:pPr>
-            <a:r>
-              <a:rPr lang="it-IT" dirty="0" smtClean="0"/>
-              <a:t>  </a:t>
-            </a:r>
-            <a:r>
-              <a:rPr lang="it-IT" dirty="0" err="1" smtClean="0"/>
-              <a:t>Committed</a:t>
-            </a:r>
-            <a:r>
-              <a:rPr lang="it-IT" dirty="0" smtClean="0"/>
-              <a:t> </a:t>
-            </a:r>
-          </a:p>
-          <a:p>
-            <a:pPr>
-              <a:buFont typeface="Arial" pitchFamily="34" charset="0"/>
-              <a:buChar char="•"/>
-            </a:pPr>
-            <a:r>
-              <a:rPr lang="it-IT" dirty="0" smtClean="0"/>
-              <a:t>  </a:t>
-            </a:r>
-            <a:r>
-              <a:rPr lang="it-IT" dirty="0" err="1" smtClean="0"/>
-              <a:t>Modified</a:t>
-            </a:r>
-            <a:r>
-              <a:rPr lang="it-IT" dirty="0" smtClean="0"/>
-              <a:t> </a:t>
-            </a:r>
-          </a:p>
-          <a:p>
-            <a:pPr>
-              <a:buFont typeface="Arial" pitchFamily="34" charset="0"/>
-              <a:buChar char="•"/>
-            </a:pPr>
-            <a:r>
-              <a:rPr lang="it-IT" dirty="0" smtClean="0"/>
-              <a:t>  In </a:t>
-            </a:r>
-            <a:r>
-              <a:rPr lang="it-IT" dirty="0" err="1" smtClean="0"/>
-              <a:t>Staged</a:t>
-            </a:r>
-            <a:endParaRPr lang="it-IT" dirty="0"/>
-          </a:p>
-        </p:txBody>
-      </p:sp>
-      <p:sp>
-        <p:nvSpPr>
-          <p:cNvPr id="5" name="CasellaDiTesto 4"/>
-          <p:cNvSpPr txBox="1"/>
-          <p:nvPr/>
-        </p:nvSpPr>
-        <p:spPr>
-          <a:xfrm>
-            <a:off x="0" y="3645024"/>
-            <a:ext cx="5076056" cy="1200329"/>
-          </a:xfrm>
-          <a:prstGeom prst="rect">
-            <a:avLst/>
-          </a:prstGeom>
-          <a:noFill/>
-        </p:spPr>
-        <p:txBody>
-          <a:bodyPr wrap="square" rtlCol="0">
-            <a:spAutoFit/>
-          </a:bodyPr>
-          <a:lstStyle/>
-          <a:p>
-            <a:r>
-              <a:rPr lang="it-IT" dirty="0" smtClean="0"/>
-              <a:t>Questi tre strati dividono il piano di lavoro in:</a:t>
-            </a:r>
-          </a:p>
-          <a:p>
-            <a:pPr>
-              <a:buFont typeface="Arial" pitchFamily="34" charset="0"/>
-              <a:buChar char="•"/>
-            </a:pPr>
-            <a:r>
-              <a:rPr lang="it-IT" dirty="0" smtClean="0"/>
-              <a:t> Directory di </a:t>
-            </a:r>
-            <a:r>
-              <a:rPr lang="it-IT" dirty="0" err="1" smtClean="0"/>
-              <a:t>Git</a:t>
-            </a:r>
-            <a:r>
-              <a:rPr lang="it-IT" dirty="0" smtClean="0"/>
-              <a:t> </a:t>
-            </a:r>
-          </a:p>
-          <a:p>
-            <a:pPr>
-              <a:buFont typeface="Arial" pitchFamily="34" charset="0"/>
-              <a:buChar char="•"/>
-            </a:pPr>
-            <a:r>
-              <a:rPr lang="it-IT" dirty="0" smtClean="0"/>
-              <a:t> </a:t>
-            </a:r>
-            <a:r>
-              <a:rPr lang="it-IT" dirty="0" err="1" smtClean="0"/>
-              <a:t>Working</a:t>
-            </a:r>
-            <a:r>
-              <a:rPr lang="it-IT" dirty="0" smtClean="0"/>
-              <a:t> directory </a:t>
-            </a:r>
-          </a:p>
-          <a:p>
-            <a:pPr>
-              <a:buFont typeface="Arial" pitchFamily="34" charset="0"/>
-              <a:buChar char="•"/>
-            </a:pPr>
-            <a:r>
-              <a:rPr lang="it-IT" dirty="0" smtClean="0"/>
-              <a:t> Area di stage</a:t>
+              <a:rPr lang="it-IT" sz="2400" dirty="0" smtClean="0"/>
+              <a:t> fa un’immagine di tutti i file modificati in quel momento, creando una serie di istantanee.</a:t>
+            </a:r>
+          </a:p>
+          <a:p>
+            <a:endParaRPr lang="it-IT" sz="2400" dirty="0" smtClean="0"/>
+          </a:p>
+          <a:p>
+            <a:r>
+              <a:rPr lang="it-IT" sz="2400" dirty="0" smtClean="0"/>
+              <a:t>Controlla tramite </a:t>
+            </a:r>
+            <a:r>
+              <a:rPr lang="it-IT" sz="2400" dirty="0" err="1" smtClean="0"/>
+              <a:t>checksum</a:t>
+            </a:r>
+            <a:r>
+              <a:rPr lang="it-IT" sz="2400" dirty="0" smtClean="0"/>
+              <a:t> ogni operazione.</a:t>
+            </a:r>
+          </a:p>
+          <a:p>
+            <a:endParaRPr lang="it-IT" sz="2400" dirty="0" smtClean="0"/>
+          </a:p>
+          <a:p>
+            <a:r>
+              <a:rPr lang="it-IT" sz="2400" dirty="0" smtClean="0"/>
+              <a:t>Utilizza il </a:t>
+            </a:r>
+            <a:r>
+              <a:rPr lang="it-IT" sz="2400" dirty="0" err="1" smtClean="0"/>
+              <a:t>checksum</a:t>
+            </a:r>
+            <a:r>
+              <a:rPr lang="it-IT" sz="2400" dirty="0" smtClean="0"/>
+              <a:t> denominato SHA-1.</a:t>
+            </a:r>
+          </a:p>
+          <a:p>
+            <a:endParaRPr lang="it-IT" sz="2400" dirty="0" smtClean="0"/>
+          </a:p>
+          <a:p>
+            <a:r>
+              <a:rPr lang="it-IT" sz="2400" dirty="0" smtClean="0"/>
+              <a:t>SHA-1 è una funzione di </a:t>
+            </a:r>
+            <a:r>
+              <a:rPr lang="it-IT" sz="2400" dirty="0" err="1" smtClean="0"/>
+              <a:t>hash</a:t>
+            </a:r>
+            <a:r>
+              <a:rPr lang="it-IT" sz="2400" dirty="0" smtClean="0"/>
+              <a:t> crittografica che accetta un input e produce un valore di </a:t>
+            </a:r>
+            <a:r>
+              <a:rPr lang="it-IT" sz="2400" dirty="0" err="1" smtClean="0"/>
+              <a:t>hash</a:t>
+            </a:r>
+            <a:r>
+              <a:rPr lang="it-IT" sz="2400" dirty="0" smtClean="0"/>
+              <a:t> a  20 byte, denominato come </a:t>
+            </a:r>
+            <a:r>
+              <a:rPr lang="it-IT" sz="2400" dirty="0" err="1" smtClean="0"/>
+              <a:t>digest</a:t>
+            </a:r>
+            <a:r>
+              <a:rPr lang="it-IT" sz="2400" dirty="0" smtClean="0"/>
+              <a:t> del messaggio. </a:t>
             </a:r>
           </a:p>
         </p:txBody>
@@ -6459,8 +7104,8 @@
         </p:nvSpPr>
         <p:spPr>
           <a:xfrm>
-            <a:off x="251520" y="620688"/>
-            <a:ext cx="8640960" cy="1200329"/>
+            <a:off x="179512" y="476672"/>
+            <a:ext cx="8784976" cy="584775"/>
           </a:xfrm>
           <a:prstGeom prst="rect">
             <a:avLst/>
@@ -6474,28 +7119,58 @@
           <a:lstStyle/>
           <a:p>
             <a:r>
-              <a:rPr lang="it-IT" sz="3600" b="1" dirty="0" smtClean="0"/>
-              <a:t>Comandi per la creazione e gestione di un progetto</a:t>
-            </a:r>
-            <a:endParaRPr lang="it-IT" sz="3600" b="1" dirty="0"/>
-          </a:p>
-        </p:txBody>
-      </p:sp>
-      <p:sp>
-        <p:nvSpPr>
-          <p:cNvPr id="3" name="CasellaDiTesto 2"/>
-          <p:cNvSpPr txBox="1"/>
+              <a:rPr lang="it-IT" sz="3200" b="1" dirty="0" smtClean="0"/>
+              <a:t>Divisione per stati dei file e del piano di lavoro</a:t>
+            </a:r>
+            <a:endParaRPr lang="it-IT" sz="3200" b="1" dirty="0"/>
+          </a:p>
+        </p:txBody>
+      </p:sp>
+      <p:pic>
+        <p:nvPicPr>
+          <p:cNvPr id="3" name="Immagine 2" descr="git directory"/>
+          <p:cNvPicPr/>
           <p:nvPr/>
-        </p:nvSpPr>
-        <p:spPr>
-          <a:xfrm>
-            <a:off x="0" y="2348880"/>
-            <a:ext cx="9144000" cy="4093428"/>
+        </p:nvPicPr>
+        <p:blipFill>
+          <a:blip r:embed="rId2" cstate="print"/>
+          <a:srcRect/>
+          <a:stretch>
+            <a:fillRect/>
+          </a:stretch>
+        </p:blipFill>
+        <p:spPr bwMode="auto">
+          <a:xfrm>
+            <a:off x="5641216" y="3140968"/>
+            <a:ext cx="3502784" cy="3221665"/>
           </a:xfrm>
           <a:prstGeom prst="rect">
             <a:avLst/>
           </a:prstGeom>
           <a:noFill/>
+          <a:ln w="9525">
+            <a:noFill/>
+            <a:miter lim="800000"/>
+            <a:headEnd/>
+            <a:tailEnd/>
+          </a:ln>
+        </p:spPr>
+      </p:pic>
+      <p:sp>
+        <p:nvSpPr>
+          <p:cNvPr id="4" name="CasellaDiTesto 3"/>
+          <p:cNvSpPr txBox="1"/>
+          <p:nvPr/>
+        </p:nvSpPr>
+        <p:spPr>
+          <a:xfrm>
+            <a:off x="179512" y="1484784"/>
+            <a:ext cx="8712968" cy="1200329"/>
+          </a:xfrm>
+          <a:prstGeom prst="rect">
+            <a:avLst/>
+          </a:prstGeom>
+          <a:noFill/>
         </p:spPr>
         <p:txBody>
           <a:bodyPr wrap="square" rtlCol="0">
@@ -6503,29 +7178,35 @@
           </a:bodyPr>
           <a:lstStyle/>
           <a:p>
+            <a:r>
+              <a:rPr lang="it-IT" dirty="0" smtClean="0"/>
+              <a:t>All’interno di </a:t>
+            </a:r>
+            <a:r>
+              <a:rPr lang="it-IT" dirty="0" err="1" smtClean="0"/>
+              <a:t>Git</a:t>
+            </a:r>
+            <a:r>
+              <a:rPr lang="it-IT" dirty="0" smtClean="0"/>
+              <a:t> i file possono entrare in tre stati</a:t>
+            </a:r>
+          </a:p>
+          <a:p>
             <a:pPr>
               <a:buFont typeface="Arial" pitchFamily="34" charset="0"/>
               <a:buChar char="•"/>
             </a:pPr>
             <a:r>
-              <a:rPr lang="it-IT" sz="2000" dirty="0" smtClean="0"/>
+              <a:rPr lang="it-IT" dirty="0" smtClean="0"/>
               <a:t>  </a:t>
             </a:r>
             <a:r>
-              <a:rPr lang="it-IT" sz="2000" dirty="0" err="1" smtClean="0"/>
-              <a:t>git</a:t>
-            </a:r>
-            <a:r>
-              <a:rPr lang="it-IT" sz="2000" dirty="0" smtClean="0"/>
-              <a:t> clone, per importare una </a:t>
-            </a:r>
-            <a:r>
-              <a:rPr lang="it-IT" sz="2000" dirty="0" err="1" smtClean="0"/>
-              <a:t>repository</a:t>
-            </a:r>
-            <a:r>
-              <a:rPr lang="it-IT" sz="2000" dirty="0" smtClean="0"/>
-              <a:t> esistente</a:t>
+              <a:rPr lang="it-IT" dirty="0" err="1" smtClean="0"/>
+              <a:t>Committed</a:t>
+            </a:r>
+            <a:r>
+              <a:rPr lang="it-IT" dirty="0" smtClean="0"/>
+              <a:t> </a:t>
             </a:r>
           </a:p>
           <a:p>
@@ -6534,31 +7215,15 @@
               <a:buChar char="•"/>
             </a:pPr>
             <a:r>
-              <a:rPr lang="it-IT" sz="2000" dirty="0" smtClean="0"/>
+              <a:rPr lang="it-IT" dirty="0" smtClean="0"/>
               <a:t>  </a:t>
             </a:r>
             <a:r>
-              <a:rPr lang="it-IT" sz="2000" dirty="0" err="1" smtClean="0"/>
-              <a:t>git</a:t>
-            </a:r>
-            <a:r>
-              <a:rPr lang="it-IT" sz="2000" dirty="0" smtClean="0"/>
-              <a:t> </a:t>
-            </a:r>
-            <a:r>
-              <a:rPr lang="it-IT" sz="2000" dirty="0" err="1" smtClean="0"/>
-              <a:t>init</a:t>
-            </a:r>
-            <a:r>
-              <a:rPr lang="it-IT" sz="2000" dirty="0" smtClean="0"/>
-              <a:t>, per creare una </a:t>
-            </a:r>
-            <a:r>
-              <a:rPr lang="it-IT" sz="2000" dirty="0" err="1" smtClean="0"/>
-              <a:t>repository</a:t>
-            </a:r>
-            <a:r>
-              <a:rPr lang="it-IT" sz="2000" dirty="0" smtClean="0"/>
+              <a:rPr lang="it-IT" dirty="0" err="1" smtClean="0"/>
+              <a:t>Modified</a:t>
+            </a:r>
+            <a:r>
+              <a:rPr lang="it-IT" dirty="0" smtClean="0"/>
               <a:t> </a:t>
             </a:r>
           </a:p>
@@ -6568,30 +7233,43 @@
               <a:buChar char="•"/>
             </a:pPr>
             <a:r>
-              <a:rPr lang="it-IT" sz="2000" dirty="0" smtClean="0"/>
-              <a:t>  </a:t>
-            </a:r>
-            <a:r>
-              <a:rPr lang="it-IT" sz="2000" dirty="0" err="1" smtClean="0"/>
-              <a:t>git</a:t>
-            </a:r>
-            <a:r>
-              <a:rPr lang="it-IT" sz="2000" dirty="0" smtClean="0"/>
-              <a:t> </a:t>
-            </a:r>
-            <a:r>
-              <a:rPr lang="it-IT" sz="2000" dirty="0" err="1" smtClean="0"/>
-              <a:t>add</a:t>
-            </a:r>
-            <a:r>
-              <a:rPr lang="it-IT" sz="2000" dirty="0" smtClean="0"/>
-              <a:t>, per poter aggiungere un  file in area di stage o nella directory di </a:t>
-            </a:r>
-            <a:r>
-              <a:rPr lang="it-IT" sz="2000" dirty="0" err="1" smtClean="0"/>
-              <a:t>git</a:t>
-            </a:r>
-            <a:endParaRPr lang="it-IT" sz="2000" dirty="0" smtClean="0"/>
+              <a:rPr lang="it-IT" dirty="0" smtClean="0"/>
+              <a:t>  In </a:t>
+            </a:r>
+            <a:r>
+              <a:rPr lang="it-IT" dirty="0" err="1" smtClean="0"/>
+              <a:t>Staged</a:t>
+            </a:r>
+            <a:endParaRPr lang="it-IT" dirty="0"/>
+          </a:p>
+        </p:txBody>
+      </p:sp>
+      <p:sp>
+        <p:nvSpPr>
+          <p:cNvPr id="5" name="CasellaDiTesto 4"/>
+          <p:cNvSpPr txBox="1"/>
+          <p:nvPr/>
+        </p:nvSpPr>
+        <p:spPr>
+          <a:xfrm>
+            <a:off x="0" y="3645024"/>
+            <a:ext cx="5220072" cy="1200329"/>
+          </a:xfrm>
+          <a:prstGeom prst="rect">
+            <a:avLst/>
+          </a:prstGeom>
+          <a:noFill/>
+        </p:spPr>
+        <p:txBody>
+          <a:bodyPr wrap="square" rtlCol="0">
+            <a:spAutoFit/>
+          </a:bodyPr>
+          <a:lstStyle/>
+          <a:p>
+            <a:r>
+              <a:rPr lang="it-IT" dirty="0" smtClean="0"/>
+              <a:t>Questi tre strati dividono il piano di lavoro in:</a:t>
+            </a:r>
           </a:p>
           <a:p>
             <a:pPr>
@@ -6599,32 +7277,16 @@
               <a:buChar char="•"/>
             </a:pPr>
             <a:r>
-              <a:rPr lang="it-IT" sz="2000" dirty="0" smtClean="0"/>
-              <a:t>  </a:t>
-            </a:r>
-            <a:r>
-              <a:rPr lang="it-IT" sz="2000" dirty="0" err="1" smtClean="0"/>
-              <a:t>git</a:t>
-            </a:r>
-            <a:r>
-              <a:rPr lang="it-IT" sz="2000" dirty="0" smtClean="0"/>
-              <a:t> status, per conoscere lo stato dei file ( tracciato o non tracciato e </a:t>
-            </a:r>
-            <a:r>
-              <a:rPr lang="it-IT" sz="2000" dirty="0" err="1" smtClean="0"/>
-              <a:t>unmodified</a:t>
-            </a:r>
-            <a:r>
-              <a:rPr lang="it-IT" sz="2000" dirty="0" smtClean="0"/>
-              <a:t> o </a:t>
-            </a:r>
-            <a:r>
-              <a:rPr lang="it-IT" sz="2000" dirty="0" err="1" smtClean="0"/>
-              <a:t>modified</a:t>
-            </a:r>
-            <a:r>
-              <a:rPr lang="it-IT" sz="2000" dirty="0" smtClean="0"/>
-              <a:t>)</a:t>
+              <a:rPr lang="it-IT" dirty="0" smtClean="0"/>
+              <a:t> Directory di </a:t>
+            </a:r>
+            <a:r>
+              <a:rPr lang="it-IT" dirty="0" err="1" smtClean="0"/>
+              <a:t>Git</a:t>
+            </a:r>
+            <a:r>
+              <a:rPr lang="it-IT" dirty="0" smtClean="0"/>
+              <a:t> </a:t>
             </a:r>
           </a:p>
           <a:p>
@@ -6633,32 +7295,16 @@
               <a:buChar char="•"/>
             </a:pPr>
             <a:r>
-              <a:rPr lang="it-IT" sz="2000" dirty="0" smtClean="0"/>
-              <a:t>  </a:t>
-            </a:r>
-            <a:r>
-              <a:rPr lang="it-IT" sz="2000" dirty="0" err="1" smtClean="0"/>
-              <a:t>git</a:t>
-            </a:r>
-            <a:r>
-              <a:rPr lang="it-IT" sz="2000" dirty="0" smtClean="0"/>
+              <a:rPr lang="it-IT" dirty="0" smtClean="0"/>
               <a:t> </a:t>
             </a:r>
             <a:r>
-              <a:rPr lang="it-IT" sz="2000" dirty="0" err="1" smtClean="0"/>
-              <a:t>diff</a:t>
-            </a:r>
-            <a:r>
-              <a:rPr lang="it-IT" sz="2000" dirty="0" smtClean="0"/>
-              <a:t>, per conoscere le </a:t>
-            </a:r>
-            <a:r>
-              <a:rPr lang="it-IT" sz="2000" dirty="0" err="1" smtClean="0"/>
-              <a:t>modifche</a:t>
-            </a:r>
-            <a:r>
-              <a:rPr lang="it-IT" sz="2000" dirty="0" smtClean="0"/>
-              <a:t> di un file  presente in due aree diverse del progetto </a:t>
+              <a:rPr lang="it-IT" dirty="0" err="1" smtClean="0"/>
+              <a:t>Working</a:t>
+            </a:r>
+            <a:r>
+              <a:rPr lang="it-IT" dirty="0" smtClean="0"/>
+              <a:t> directory </a:t>
             </a:r>
           </a:p>
           <a:p>
@@ -6667,150 +7313,9 @@
               <a:buChar char="•"/>
             </a:pPr>
             <a:r>
-              <a:rPr lang="it-IT" sz="2000" dirty="0" smtClean="0"/>
-              <a:t>  </a:t>
-            </a:r>
-            <a:r>
-              <a:rPr lang="it-IT" sz="2000" dirty="0" err="1" smtClean="0"/>
-              <a:t>git</a:t>
-            </a:r>
-            <a:r>
-              <a:rPr lang="it-IT" sz="2000" dirty="0" smtClean="0"/>
-              <a:t> </a:t>
-            </a:r>
-            <a:r>
-              <a:rPr lang="it-IT" sz="2000" dirty="0" err="1" smtClean="0"/>
-              <a:t>commit</a:t>
-            </a:r>
-            <a:r>
-              <a:rPr lang="it-IT" sz="2000" dirty="0" smtClean="0"/>
-              <a:t>, per ufficializzare un file nel progetto</a:t>
-            </a:r>
-          </a:p>
-          <a:p>
-            <a:pPr>
-              <a:buFont typeface="Arial" pitchFamily="34" charset="0"/>
-              <a:buChar char="•"/>
-            </a:pPr>
-            <a:r>
-              <a:rPr lang="it-IT" sz="2000" dirty="0" smtClean="0"/>
-              <a:t>  </a:t>
-            </a:r>
-            <a:r>
-              <a:rPr lang="it-IT" sz="2000" dirty="0" err="1" smtClean="0"/>
-              <a:t>git</a:t>
-            </a:r>
-            <a:r>
-              <a:rPr lang="it-IT" sz="2000" dirty="0" smtClean="0"/>
-              <a:t> checkout </a:t>
-            </a:r>
-            <a:r>
-              <a:rPr lang="it-IT" sz="2000" dirty="0" err="1" smtClean="0"/>
-              <a:t>--</a:t>
-            </a:r>
-            <a:r>
-              <a:rPr lang="it-IT" sz="2000" dirty="0" smtClean="0"/>
-              <a:t> , per eliminare tutte le modifiche</a:t>
-            </a:r>
-          </a:p>
-          <a:p>
-            <a:pPr>
-              <a:buFont typeface="Arial" pitchFamily="34" charset="0"/>
-              <a:buChar char="•"/>
-            </a:pPr>
-            <a:r>
-              <a:rPr lang="it-IT" sz="2000" dirty="0" smtClean="0"/>
-              <a:t>  </a:t>
-            </a:r>
-            <a:r>
-              <a:rPr lang="it-IT" sz="2000" dirty="0" err="1" smtClean="0"/>
-              <a:t>git</a:t>
-            </a:r>
-            <a:r>
-              <a:rPr lang="it-IT" sz="2000" dirty="0" smtClean="0"/>
-              <a:t> </a:t>
-            </a:r>
-            <a:r>
-              <a:rPr lang="it-IT" sz="2000" dirty="0" err="1" smtClean="0"/>
-              <a:t>rm</a:t>
-            </a:r>
-            <a:r>
-              <a:rPr lang="it-IT" sz="2000" dirty="0" smtClean="0"/>
-              <a:t>, per rimuovere un file.</a:t>
-            </a:r>
-          </a:p>
-          <a:p>
-            <a:pPr>
-              <a:buFont typeface="Arial" pitchFamily="34" charset="0"/>
-              <a:buChar char="•"/>
-            </a:pPr>
-            <a:r>
-              <a:rPr lang="it-IT" sz="2000" dirty="0" smtClean="0"/>
-              <a:t>  </a:t>
-            </a:r>
-            <a:r>
-              <a:rPr lang="it-IT" sz="2000" dirty="0" err="1" smtClean="0"/>
-              <a:t>git</a:t>
-            </a:r>
-            <a:r>
-              <a:rPr lang="it-IT" sz="2000" dirty="0" smtClean="0"/>
-              <a:t> </a:t>
-            </a:r>
-            <a:r>
-              <a:rPr lang="it-IT" sz="2000" dirty="0" err="1" smtClean="0"/>
-              <a:t>mv</a:t>
-            </a:r>
-            <a:r>
-              <a:rPr lang="it-IT" sz="2000" dirty="0" smtClean="0"/>
-              <a:t> </a:t>
-            </a:r>
-            <a:r>
-              <a:rPr lang="it-IT" sz="2000" dirty="0" err="1" smtClean="0"/>
-              <a:t>nomefile</a:t>
-            </a:r>
-            <a:r>
-              <a:rPr lang="it-IT" sz="2000" dirty="0" smtClean="0"/>
-              <a:t> </a:t>
-            </a:r>
-            <a:r>
-              <a:rPr lang="it-IT" sz="2000" dirty="0" err="1" smtClean="0"/>
-              <a:t>nomenuovofile</a:t>
-            </a:r>
-            <a:r>
-              <a:rPr lang="it-IT" sz="2000" dirty="0" smtClean="0"/>
-              <a:t>, per rinominare  un file ( </a:t>
-            </a:r>
-            <a:r>
-              <a:rPr lang="it-IT" sz="2000" dirty="0" err="1" smtClean="0"/>
-              <a:t>Git</a:t>
-            </a:r>
-            <a:r>
-              <a:rPr lang="it-IT" sz="2000" dirty="0" smtClean="0"/>
-              <a:t> non traccia questa operazione)</a:t>
-            </a:r>
-          </a:p>
-          <a:p>
-            <a:pPr>
-              <a:buFont typeface="Arial" pitchFamily="34" charset="0"/>
-              <a:buChar char="•"/>
-            </a:pPr>
-            <a:r>
-              <a:rPr lang="it-IT" sz="2000" dirty="0" smtClean="0"/>
-              <a:t>  </a:t>
-            </a:r>
-            <a:r>
-              <a:rPr lang="it-IT" sz="2000" dirty="0" err="1" smtClean="0"/>
-              <a:t>git</a:t>
-            </a:r>
-            <a:r>
-              <a:rPr lang="it-IT" sz="2000" dirty="0" smtClean="0"/>
-              <a:t> log, per controllare la cronologia delle </a:t>
-            </a:r>
-            <a:r>
-              <a:rPr lang="it-IT" sz="2000" dirty="0" err="1" smtClean="0"/>
-              <a:t>commit</a:t>
-            </a:r>
-            <a:endParaRPr lang="it-IT" sz="2000" dirty="0" smtClean="0"/>
+              <a:rPr lang="it-IT" dirty="0" smtClean="0"/>
+              <a:t> Area di stage</a:t>
+            </a:r>
           </a:p>
         </p:txBody>
       </p:sp>
@@ -6854,8 +7359,8 @@
         </p:nvSpPr>
         <p:spPr>
           <a:xfrm>
-            <a:off x="0" y="404664"/>
-            <a:ext cx="9144000" cy="707886"/>
+            <a:off x="251520" y="620688"/>
+            <a:ext cx="8640960" cy="1200329"/>
           </a:xfrm>
           <a:prstGeom prst="rect">
             <a:avLst/>
@@ -6869,23 +7374,23 @@
           <a:lstStyle/>
           <a:p>
             <a:r>
-              <a:rPr lang="it-IT" sz="4000" b="1" dirty="0" smtClean="0"/>
-              <a:t>Etichette</a:t>
-            </a:r>
-            <a:endParaRPr lang="it-IT" sz="4000" b="1" dirty="0"/>
-          </a:p>
-        </p:txBody>
-      </p:sp>
-      <p:sp>
-        <p:nvSpPr>
-          <p:cNvPr id="5" name="CasellaDiTesto 4"/>
+              <a:rPr lang="it-IT" sz="3600" b="1" dirty="0" smtClean="0"/>
+              <a:t>Comandi per la creazione e gestione di un progetto</a:t>
+            </a:r>
+            <a:endParaRPr lang="it-IT" sz="3600" b="1" dirty="0"/>
+          </a:p>
+        </p:txBody>
+      </p:sp>
+      <p:sp>
+        <p:nvSpPr>
+          <p:cNvPr id="3" name="CasellaDiTesto 2"/>
           <p:cNvSpPr txBox="1"/>
           <p:nvPr/>
         </p:nvSpPr>
         <p:spPr>
           <a:xfrm>
-            <a:off x="0" y="1700808"/>
-            <a:ext cx="9144000" cy="5170646"/>
+            <a:off x="0" y="2204864"/>
+            <a:ext cx="9144000" cy="3693319"/>
           </a:xfrm>
           <a:prstGeom prst="rect">
             <a:avLst/>
@@ -6898,36 +7403,29 @@
           </a:bodyPr>
           <a:lstStyle/>
           <a:p>
-            <a:r>
-              <a:rPr lang="it-IT" sz="2400" dirty="0" smtClean="0"/>
-              <a:t>Permettono  di  contrassegnare i  file e  mantenere una migliore gestione della cronologia.</a:t>
-            </a:r>
-          </a:p>
-          <a:p>
-            <a:r>
-              <a:rPr lang="it-IT" sz="2400" dirty="0" smtClean="0"/>
-              <a:t>Esistono due tipi di etichette:</a:t>
-            </a:r>
-          </a:p>
-          <a:p>
-            <a:endParaRPr lang="it-IT" sz="2400" dirty="0" smtClean="0"/>
-          </a:p>
-          <a:p>
             <a:pPr>
               <a:buFont typeface="Arial" pitchFamily="34" charset="0"/>
               <a:buChar char="•"/>
             </a:pPr>
             <a:r>
-              <a:rPr lang="it-IT" sz="2400" dirty="0" smtClean="0"/>
-              <a:t>  Semplici,  semplice riferimento ad un </a:t>
-            </a:r>
-            <a:r>
-              <a:rPr lang="it-IT" sz="2400" dirty="0" err="1" smtClean="0"/>
-              <a:t>commit</a:t>
-            </a:r>
-            <a:r>
-              <a:rPr lang="it-IT" sz="2400" dirty="0" smtClean="0"/>
-              <a:t> specifico</a:t>
+              <a:rPr lang="it-IT" dirty="0" smtClean="0"/>
+              <a:t>  </a:t>
+            </a:r>
+            <a:r>
+              <a:rPr lang="it-IT" dirty="0" err="1" smtClean="0"/>
+              <a:t>git</a:t>
+            </a:r>
+            <a:r>
+              <a:rPr lang="it-IT" dirty="0" smtClean="0"/>
+              <a:t> clone, per importare una </a:t>
+            </a:r>
+            <a:r>
+              <a:rPr lang="it-IT" dirty="0" err="1" smtClean="0"/>
+              <a:t>repository</a:t>
+            </a:r>
+            <a:r>
+              <a:rPr lang="it-IT" dirty="0" smtClean="0"/>
+              <a:t> esistente</a:t>
             </a:r>
           </a:p>
           <a:p>
@@ -6936,25 +7434,32 @@
               <a:buChar char="•"/>
             </a:pPr>
             <a:r>
-              <a:rPr lang="it-IT" sz="2400" dirty="0" smtClean="0"/>
-              <a:t>  Annotate, oggetti complessi , ne viene calcolato il </a:t>
-            </a:r>
-            <a:r>
-              <a:rPr lang="it-IT" sz="2400" dirty="0" err="1" smtClean="0"/>
-              <a:t>checksum</a:t>
-            </a:r>
-            <a:r>
-              <a:rPr lang="it-IT" sz="2400" dirty="0" smtClean="0"/>
-              <a:t>, possono essere firmate con GPG</a:t>
-            </a:r>
-          </a:p>
-          <a:p>
-            <a:endParaRPr lang="it-IT" sz="2400" dirty="0" smtClean="0"/>
-          </a:p>
-          <a:p>
-            <a:r>
-              <a:rPr lang="it-IT" sz="2400" dirty="0" smtClean="0"/>
-              <a:t>Comandi utili:</a:t>
+              <a:rPr lang="it-IT" dirty="0" smtClean="0"/>
+              <a:t>  </a:t>
+            </a:r>
+            <a:r>
+              <a:rPr lang="it-IT" dirty="0" err="1" smtClean="0"/>
+              <a:t>git</a:t>
+            </a:r>
+            <a:r>
+              <a:rPr lang="it-IT" dirty="0" smtClean="0"/>
+              <a:t> </a:t>
+            </a:r>
+            <a:r>
+              <a:rPr lang="it-IT" dirty="0" err="1" smtClean="0"/>
+              <a:t>init</a:t>
+            </a:r>
+            <a:r>
+              <a:rPr lang="it-IT" dirty="0" smtClean="0"/>
+              <a:t>, per creare una </a:t>
+            </a:r>
+            <a:r>
+              <a:rPr lang="it-IT" dirty="0" err="1" smtClean="0"/>
+              <a:t>repository</a:t>
+            </a:r>
+            <a:r>
+              <a:rPr lang="it-IT" dirty="0" smtClean="0"/>
+              <a:t> </a:t>
             </a:r>
           </a:p>
           <a:p>
@@ -6963,25 +7468,30 @@
               <a:buChar char="•"/>
             </a:pPr>
             <a:r>
-              <a:rPr lang="it-IT" sz="2400" dirty="0" smtClean="0"/>
+              <a:rPr lang="it-IT" dirty="0" smtClean="0"/>
               <a:t>  </a:t>
             </a:r>
             <a:r>
-              <a:rPr lang="it-IT" sz="2400" dirty="0" err="1" smtClean="0"/>
+              <a:rPr lang="it-IT" dirty="0" err="1" smtClean="0"/>
               <a:t>git</a:t>
             </a:r>
             <a:r>
-              <a:rPr lang="it-IT" sz="2400" dirty="0" smtClean="0"/>
+              <a:rPr lang="it-IT" dirty="0" smtClean="0"/>
               <a:t> </a:t>
             </a:r>
             <a:r>
-              <a:rPr lang="it-IT" sz="2400" dirty="0" err="1" smtClean="0"/>
-              <a:t>tag</a:t>
-            </a:r>
-            <a:r>
-              <a:rPr lang="it-IT" sz="2400" dirty="0" smtClean="0"/>
-              <a:t>, per creare una etichetta ( -a per creare le etichette Annotate)</a:t>
-            </a:r>
+              <a:rPr lang="it-IT" dirty="0" err="1" smtClean="0"/>
+              <a:t>add</a:t>
+            </a:r>
+            <a:r>
+              <a:rPr lang="it-IT" dirty="0" smtClean="0"/>
+              <a:t>, per poter aggiungere un  file in area di stage o nella directory di </a:t>
+            </a:r>
+            <a:r>
+              <a:rPr lang="it-IT" dirty="0" err="1" smtClean="0"/>
+              <a:t>git</a:t>
+            </a:r>
+            <a:endParaRPr lang="it-IT" dirty="0" smtClean="0"/>
           </a:p>
           <a:p>
             <a:pPr>
@@ -6989,24 +7499,32 @@
               <a:buChar char="•"/>
             </a:pPr>
             <a:r>
-              <a:rPr lang="it-IT" sz="2400" dirty="0" smtClean="0"/>
+              <a:rPr lang="it-IT" dirty="0" smtClean="0"/>
               <a:t>  </a:t>
             </a:r>
             <a:r>
-              <a:rPr lang="it-IT" sz="2400" dirty="0" err="1" smtClean="0"/>
+              <a:rPr lang="it-IT" dirty="0" err="1" smtClean="0"/>
               <a:t>git</a:t>
             </a:r>
             <a:r>
-              <a:rPr lang="it-IT" sz="2400" dirty="0" smtClean="0"/>
-              <a:t> show per ottenere tutte le  informazioni aggiuntive ( nome, </a:t>
-            </a:r>
-            <a:r>
-              <a:rPr lang="it-IT" sz="2400" dirty="0" err="1" smtClean="0"/>
-              <a:t>email</a:t>
-            </a:r>
-            <a:r>
-              <a:rPr lang="it-IT" sz="2400" dirty="0" smtClean="0"/>
-              <a:t> e data del creatore)</a:t>
+              <a:rPr lang="it-IT" dirty="0" smtClean="0"/>
+              <a:t> status, per conoscere lo stato dei file ( tracciato o non tracciato e </a:t>
+            </a:r>
+            <a:r>
+              <a:rPr lang="it-IT" dirty="0" err="1" smtClean="0"/>
+              <a:t>unmodified</a:t>
+            </a:r>
+            <a:r>
+              <a:rPr lang="it-IT" dirty="0" smtClean="0"/>
+              <a:t> o </a:t>
+            </a:r>
+            <a:r>
+              <a:rPr lang="it-IT" dirty="0" err="1" smtClean="0"/>
+              <a:t>modified</a:t>
+            </a:r>
+            <a:r>
+              <a:rPr lang="it-IT" dirty="0" smtClean="0"/>
+              <a:t>)</a:t>
             </a:r>
           </a:p>
           <a:p>
@@ -7015,27 +7533,183 @@
               <a:buChar char="•"/>
             </a:pPr>
             <a:r>
-              <a:rPr lang="it-IT" sz="2400" dirty="0" smtClean="0"/>
+              <a:rPr lang="it-IT" dirty="0" smtClean="0"/>
               <a:t>  </a:t>
             </a:r>
             <a:r>
-              <a:rPr lang="it-IT" sz="2400" dirty="0" err="1" smtClean="0"/>
+              <a:rPr lang="it-IT" dirty="0" err="1" smtClean="0"/>
               <a:t>git</a:t>
             </a:r>
             <a:r>
-              <a:rPr lang="it-IT" sz="2400" dirty="0" smtClean="0"/>
+              <a:rPr lang="it-IT" dirty="0" smtClean="0"/>
               <a:t> </a:t>
             </a:r>
             <a:r>
-              <a:rPr lang="it-IT" sz="2400" dirty="0" err="1" smtClean="0"/>
-              <a:t>tag</a:t>
-            </a:r>
-            <a:r>
-              <a:rPr lang="it-IT" sz="2400" dirty="0" smtClean="0"/>
-              <a:t>, per creare un elenco di tutte le etichette create</a:t>
-            </a:r>
-          </a:p>
-          <a:p>
+              <a:rPr lang="it-IT" dirty="0" err="1" smtClean="0"/>
+              <a:t>diff</a:t>
+            </a:r>
+            <a:r>
+              <a:rPr lang="it-IT" dirty="0" smtClean="0"/>
+              <a:t>, per conoscere le </a:t>
+            </a:r>
+            <a:r>
+              <a:rPr lang="it-IT" dirty="0" err="1" smtClean="0"/>
+              <a:t>modifche</a:t>
+            </a:r>
+            <a:r>
+              <a:rPr lang="it-IT" dirty="0" smtClean="0"/>
+              <a:t> di un file  presente in due aree diverse del progetto </a:t>
+            </a:r>
+          </a:p>
+          <a:p>
+            <a:pPr>
+              <a:buFont typeface="Arial" pitchFamily="34" charset="0"/>
+              <a:buChar char="•"/>
+            </a:pPr>
+            <a:r>
+              <a:rPr lang="it-IT" dirty="0" smtClean="0"/>
+              <a:t>  </a:t>
+            </a:r>
+            <a:r>
+              <a:rPr lang="it-IT" dirty="0" err="1" smtClean="0"/>
+              <a:t>git</a:t>
+            </a:r>
+            <a:r>
+              <a:rPr lang="it-IT" dirty="0" smtClean="0"/>
+              <a:t> </a:t>
+            </a:r>
+            <a:r>
+              <a:rPr lang="it-IT" dirty="0" err="1" smtClean="0"/>
+              <a:t>commit</a:t>
+            </a:r>
+            <a:r>
+              <a:rPr lang="it-IT" dirty="0" smtClean="0"/>
+              <a:t>, per ufficializzare un file nel progetto</a:t>
+            </a:r>
+          </a:p>
+          <a:p>
+            <a:pPr>
+              <a:buFont typeface="Arial" pitchFamily="34" charset="0"/>
+              <a:buChar char="•"/>
+            </a:pPr>
+            <a:r>
+              <a:rPr lang="it-IT" dirty="0" smtClean="0"/>
+              <a:t>  </a:t>
+            </a:r>
+            <a:r>
+              <a:rPr lang="it-IT" dirty="0" err="1" smtClean="0"/>
+              <a:t>git</a:t>
+            </a:r>
+            <a:r>
+              <a:rPr lang="it-IT" dirty="0" smtClean="0"/>
+              <a:t> checkout </a:t>
+            </a:r>
+            <a:r>
+              <a:rPr lang="it-IT" dirty="0" err="1" smtClean="0"/>
+              <a:t>--</a:t>
+            </a:r>
+            <a:r>
+              <a:rPr lang="it-IT" dirty="0" smtClean="0"/>
+              <a:t> , per eliminare tutte le modifiche</a:t>
+            </a:r>
+          </a:p>
+          <a:p>
+            <a:pPr>
+              <a:buFont typeface="Arial" pitchFamily="34" charset="0"/>
+              <a:buChar char="•"/>
+            </a:pPr>
+            <a:r>
+              <a:rPr lang="it-IT" dirty="0" smtClean="0"/>
+              <a:t>  </a:t>
+            </a:r>
+            <a:r>
+              <a:rPr lang="it-IT" dirty="0" err="1" smtClean="0"/>
+              <a:t>git</a:t>
+            </a:r>
+            <a:r>
+              <a:rPr lang="it-IT" dirty="0" smtClean="0"/>
+              <a:t> </a:t>
+            </a:r>
+            <a:r>
+              <a:rPr lang="it-IT" dirty="0" err="1" smtClean="0"/>
+              <a:t>rm</a:t>
+            </a:r>
+            <a:r>
+              <a:rPr lang="it-IT" dirty="0" smtClean="0"/>
+              <a:t>, per rimuovere un file.</a:t>
+            </a:r>
+          </a:p>
+          <a:p>
+            <a:pPr>
+              <a:buFont typeface="Arial" pitchFamily="34" charset="0"/>
+              <a:buChar char="•"/>
+            </a:pPr>
+            <a:r>
+              <a:rPr lang="it-IT" dirty="0" smtClean="0"/>
+              <a:t>  </a:t>
+            </a:r>
+            <a:r>
+              <a:rPr lang="it-IT" dirty="0" err="1" smtClean="0"/>
+              <a:t>git</a:t>
+            </a:r>
+            <a:r>
+              <a:rPr lang="it-IT" dirty="0" smtClean="0"/>
+              <a:t> </a:t>
+            </a:r>
+            <a:r>
+              <a:rPr lang="it-IT" dirty="0" err="1" smtClean="0"/>
+              <a:t>mv</a:t>
+            </a:r>
+            <a:r>
+              <a:rPr lang="it-IT" dirty="0" smtClean="0"/>
+              <a:t> </a:t>
+            </a:r>
+            <a:r>
+              <a:rPr lang="it-IT" dirty="0" err="1" smtClean="0"/>
+              <a:t>nomefile</a:t>
+            </a:r>
+            <a:r>
+              <a:rPr lang="it-IT" dirty="0" smtClean="0"/>
+              <a:t> </a:t>
+            </a:r>
+            <a:r>
+              <a:rPr lang="it-IT" dirty="0" err="1" smtClean="0"/>
+              <a:t>nomenuovofile</a:t>
+            </a:r>
+            <a:r>
+              <a:rPr lang="it-IT" dirty="0" smtClean="0"/>
+              <a:t>, per rinominare  un file ( </a:t>
+            </a:r>
+            <a:r>
+              <a:rPr lang="it-IT" dirty="0" err="1" smtClean="0"/>
+              <a:t>Git</a:t>
+            </a:r>
+            <a:r>
+              <a:rPr lang="it-IT" dirty="0" smtClean="0"/>
+              <a:t> non traccia questa operazione)</a:t>
+            </a:r>
+          </a:p>
+          <a:p>
+            <a:pPr>
+              <a:buFont typeface="Arial" pitchFamily="34" charset="0"/>
+              <a:buChar char="•"/>
+            </a:pPr>
+            <a:r>
+              <a:rPr lang="it-IT" dirty="0" smtClean="0"/>
+              <a:t>  </a:t>
+            </a:r>
+            <a:r>
+              <a:rPr lang="it-IT" dirty="0" err="1" smtClean="0"/>
+              <a:t>git</a:t>
+            </a:r>
+            <a:r>
+              <a:rPr lang="it-IT" dirty="0" smtClean="0"/>
+              <a:t> log, per controllare la cronologia delle </a:t>
+            </a:r>
+            <a:r>
+              <a:rPr lang="it-IT" dirty="0" err="1" smtClean="0"/>
+              <a:t>commit</a:t>
+            </a:r>
             <a:endParaRPr lang="it-IT" dirty="0" smtClean="0"/>
           </a:p>
         </p:txBody>
@@ -7080,7 +7754,7 @@
         </p:nvSpPr>
         <p:spPr>
           <a:xfrm>
-            <a:off x="0" y="548680"/>
+            <a:off x="0" y="404664"/>
             <a:ext cx="9144000" cy="707886"/>
           </a:xfrm>
           <a:prstGeom prst="rect">
@@ -7096,49 +7770,176 @@
           <a:p>
             <a:r>
               <a:rPr lang="it-IT" sz="4000" b="1" dirty="0" smtClean="0"/>
-              <a:t>Branching</a:t>
-            </a:r>
-            <a:r>
-              <a:rPr lang="it-IT" dirty="0" smtClean="0"/>
-              <a:t> </a:t>
-            </a:r>
-            <a:endParaRPr lang="it-IT" dirty="0"/>
-          </a:p>
-        </p:txBody>
-      </p:sp>
-      <p:pic>
-        <p:nvPicPr>
-          <p:cNvPr id="1026" name="Picture 2"/>
-          <p:cNvPicPr>
-            <a:picLocks noChangeAspect="1" noChangeArrowheads="1"/>
-          </p:cNvPicPr>
+              <a:t>Etichette</a:t>
+            </a:r>
+            <a:endParaRPr lang="it-IT" sz="4000" b="1" dirty="0"/>
+          </a:p>
+        </p:txBody>
+      </p:sp>
+      <p:sp>
+        <p:nvSpPr>
+          <p:cNvPr id="5" name="CasellaDiTesto 4"/>
+          <p:cNvSpPr txBox="1"/>
           <p:nvPr/>
-        </p:nvPicPr>
-        <p:blipFill>
-          <a:blip r:embed="rId2" cstate="print"/>
-          <a:srcRect/>
-          <a:stretch>
-            <a:fillRect/>
-          </a:stretch>
-        </p:blipFill>
-        <p:spPr bwMode="auto">
-          <a:xfrm>
-            <a:off x="0" y="2132856"/>
-            <a:ext cx="8783637" cy="3224212"/>
+        </p:nvSpPr>
+        <p:spPr>
+          <a:xfrm>
+            <a:off x="0" y="1700808"/>
+            <a:ext cx="9144000" cy="4370427"/>
           </a:xfrm>
           <a:prstGeom prst="rect">
             <a:avLst/>
           </a:prstGeom>
           <a:noFill/>
-          <a:ln w="9525">
-            <a:noFill/>
-            <a:miter lim="800000"/>
-            <a:headEnd/>
-            <a:tailEnd/>
-          </a:ln>
-          <a:effectLst/>
-        </p:spPr>
-      </p:pic>
+        </p:spPr>
+        <p:txBody>
+          <a:bodyPr wrap="square" rtlCol="0">
+            <a:spAutoFit/>
+          </a:bodyPr>
+          <a:lstStyle/>
+          <a:p>
+            <a:r>
+              <a:rPr lang="it-IT" sz="2000" dirty="0" smtClean="0"/>
+              <a:t>Permettono  di  contrassegnare i  file e  mantenere una migliore gestione della cronologia.</a:t>
+            </a:r>
+          </a:p>
+          <a:p>
+            <a:r>
+              <a:rPr lang="it-IT" sz="2000" dirty="0" smtClean="0"/>
+              <a:t>Esistono due tipi di etichette:</a:t>
+            </a:r>
+          </a:p>
+          <a:p>
+            <a:endParaRPr lang="it-IT" sz="2000" dirty="0" smtClean="0"/>
+          </a:p>
+          <a:p>
+            <a:pPr>
+              <a:buFont typeface="Arial" pitchFamily="34" charset="0"/>
+              <a:buChar char="•"/>
+            </a:pPr>
+            <a:r>
+              <a:rPr lang="it-IT" sz="2000" dirty="0" smtClean="0"/>
+              <a:t>  Semplici,  rappresentano il riferimento ad un </a:t>
+            </a:r>
+            <a:r>
+              <a:rPr lang="it-IT" sz="2000" dirty="0" err="1" smtClean="0"/>
+              <a:t>commit</a:t>
+            </a:r>
+            <a:r>
+              <a:rPr lang="it-IT" sz="2000" dirty="0" smtClean="0"/>
+              <a:t> specifico</a:t>
+            </a:r>
+          </a:p>
+          <a:p>
+            <a:pPr>
+              <a:buFont typeface="Arial" pitchFamily="34" charset="0"/>
+              <a:buChar char="•"/>
+            </a:pPr>
+            <a:r>
+              <a:rPr lang="it-IT" sz="2000" dirty="0" smtClean="0"/>
+              <a:t>  Annotate, oggetti complessi , ne viene calcolato il </a:t>
+            </a:r>
+            <a:r>
+              <a:rPr lang="it-IT" sz="2000" dirty="0" err="1" smtClean="0"/>
+              <a:t>checksum</a:t>
+            </a:r>
+            <a:r>
+              <a:rPr lang="it-IT" sz="2000" dirty="0" smtClean="0"/>
+              <a:t>, possono essere firmate con GPG</a:t>
+            </a:r>
+          </a:p>
+          <a:p>
+            <a:endParaRPr lang="it-IT" sz="2000" dirty="0" smtClean="0"/>
+          </a:p>
+          <a:p>
+            <a:r>
+              <a:rPr lang="it-IT" sz="2000" dirty="0" smtClean="0"/>
+              <a:t>Comandi utili:</a:t>
+            </a:r>
+          </a:p>
+          <a:p>
+            <a:pPr>
+              <a:buFont typeface="Arial" pitchFamily="34" charset="0"/>
+              <a:buChar char="•"/>
+            </a:pPr>
+            <a:r>
+              <a:rPr lang="it-IT" sz="2000" dirty="0" smtClean="0"/>
+              <a:t>  </a:t>
+            </a:r>
+            <a:r>
+              <a:rPr lang="it-IT" sz="2000" dirty="0" err="1" smtClean="0"/>
+              <a:t>git</a:t>
+            </a:r>
+            <a:r>
+              <a:rPr lang="it-IT" sz="2000" dirty="0" smtClean="0"/>
+              <a:t> </a:t>
+            </a:r>
+            <a:r>
+              <a:rPr lang="it-IT" sz="2000" dirty="0" err="1" smtClean="0"/>
+              <a:t>tag</a:t>
+            </a:r>
+            <a:r>
+              <a:rPr lang="it-IT" sz="2000" dirty="0" smtClean="0"/>
+              <a:t>, per creare un’etichetta ( -a per creare le etichette Annotate)</a:t>
+            </a:r>
+          </a:p>
+          <a:p>
+            <a:pPr>
+              <a:buFont typeface="Arial" pitchFamily="34" charset="0"/>
+              <a:buChar char="•"/>
+            </a:pPr>
+            <a:r>
+              <a:rPr lang="it-IT" sz="2000" dirty="0" smtClean="0"/>
+              <a:t>  </a:t>
+            </a:r>
+            <a:r>
+              <a:rPr lang="it-IT" sz="2000" dirty="0" err="1" smtClean="0"/>
+              <a:t>git</a:t>
+            </a:r>
+            <a:r>
+              <a:rPr lang="it-IT" sz="2000" dirty="0" smtClean="0"/>
+              <a:t> show per ottenere tutte le  informazioni aggiuntive ( nome, </a:t>
+            </a:r>
+            <a:r>
+              <a:rPr lang="it-IT" sz="2000" dirty="0" err="1" smtClean="0"/>
+              <a:t>email</a:t>
+            </a:r>
+            <a:r>
+              <a:rPr lang="it-IT" sz="2000" dirty="0" smtClean="0"/>
+              <a:t> e data del creatore)</a:t>
+            </a:r>
+          </a:p>
+          <a:p>
+            <a:pPr>
+              <a:buFont typeface="Arial" pitchFamily="34" charset="0"/>
+              <a:buChar char="•"/>
+            </a:pPr>
+            <a:r>
+              <a:rPr lang="it-IT" sz="2000" dirty="0" smtClean="0"/>
+              <a:t>  </a:t>
+            </a:r>
+            <a:r>
+              <a:rPr lang="it-IT" sz="2000" dirty="0" err="1" smtClean="0"/>
+              <a:t>git</a:t>
+            </a:r>
+            <a:r>
+              <a:rPr lang="it-IT" sz="2000" dirty="0" smtClean="0"/>
+              <a:t> </a:t>
+            </a:r>
+            <a:r>
+              <a:rPr lang="it-IT" sz="2000" dirty="0" err="1" smtClean="0"/>
+              <a:t>tag</a:t>
+            </a:r>
+            <a:r>
+              <a:rPr lang="it-IT" sz="2000" dirty="0" smtClean="0"/>
+              <a:t>, per creare un elenco di tutte le etichette create</a:t>
+            </a:r>
+          </a:p>
+          <a:p>
+            <a:endParaRPr lang="it-IT" dirty="0" smtClean="0"/>
+          </a:p>
+        </p:txBody>
+      </p:sp>
     </p:spTree>
   </p:cSld>
   <p:clrMapOvr>
@@ -7155,9 +7956,9 @@
 </file>
 
 <file path=ppt/theme/theme1.xml><?xml version="1.0" encoding="utf-8"?>
-<a:theme xmlns:a="http://schemas.openxmlformats.org/drawingml/2006/main" name="Tema di Office">
+<a:theme xmlns:a="http://schemas.openxmlformats.org/drawingml/2006/main" name="Verve">
   <a:themeElements>
-    <a:clrScheme name="Office">
+    <a:clrScheme name="Verve">
       <a:dk1>
         <a:sysClr val="windowText" lastClr="000000"/>
       </a:dk1>
@@ -7165,82 +7966,48 @@
         <a:sysClr val="window" lastClr="FFFFFF"/>
       </a:lt1>
       <a:dk2>
-        <a:srgbClr val="1F497D"/>
+        <a:srgbClr val="666666"/>
       </a:dk2>
       <a:lt2>
-        <a:srgbClr val="EEECE1"/>
+        <a:srgbClr val="D2D2D2"/>
       </a:lt2>
       <a:accent1>
-        <a:srgbClr val="4F81BD"/>
+        <a:srgbClr val="FF388C"/>
       </a:accent1>
       <a:accent2>
-        <a:srgbClr val="C0504D"/>
+        <a:srgbClr val="E40059"/>
       </a:accent2>
       <a:accent3>
-        <a:srgbClr val="9BBB59"/>
+        <a:srgbClr val="9C007F"/>
       </a:accent3>
       <a:accent4>
-        <a:srgbClr val="8064A2"/>
+        <a:srgbClr val="68007F"/>
       </a:accent4>
       <a:accent5>
-        <a:srgbClr val="4BACC6"/>
+        <a:srgbClr val="005BD3"/>
       </a:accent5>
       <a:accent6>
-        <a:srgbClr val="F79646"/>
+        <a:srgbClr val="00349E"/>
       </a:accent6>
       <a:hlink>
-        <a:srgbClr val="0000FF"/>
+        <a:srgbClr val="17BBFD"/>
       </a:hlink>
       <a:folHlink>
-        <a:srgbClr val="800080"/>
+        <a:srgbClr val="FF79C2"/>
       </a:folHlink>
     </a:clrScheme>
-    <a:fontScheme name="Office">
+    <a:fontScheme name="Verve">
       <a:majorFont>
-        <a:latin typeface="Calibri"/>
+        <a:latin typeface="Century Gothic"/>
         <a:ea typeface=""/>
         <a:cs typeface=""/>
-        <a:font script="Jpan" typeface="ＭＳ Ｐゴシック"/>
-        <a:font script="Hang" typeface="맑은 고딕"/>
-        <a:font script="Hans" typeface="宋体"/>
-        <a:font script="Hant" typeface="新細明體"/>
-        <a:font script="Arab" typeface="Times New Roman"/>
-        <a:font script="Hebr" typeface="Times New Roman"/>
-        <a:font script="Thai" typeface="Angsana New"/>
-        <a:font script="Ethi" typeface="Nyala"/>
-        <a:font script="Beng" typeface="Vrinda"/>
-        <a:font script="Gujr" typeface="Shruti"/>
-        <a:font script="Khmr" typeface="MoolBoran"/>
-        <a:font script="Knda" typeface="Tunga"/>
-        <a:font script="Guru" typeface="Raavi"/>
-        <a:font script="Cans" typeface="Euphemia"/>
-        <a:font script="Cher" typeface="Plantagenet Cherokee"/>
-        <a:font script="Yiii" typeface="Microsoft Yi Baiti"/>
-        <a:font script="Tibt" typeface="Microsoft Himalaya"/>
-        <a:font script="Thaa" typeface="MV Boli"/>
-        <a:font script="Deva" typeface="Mangal"/>
-        <a:font script="Telu" typeface="Gautami"/>
-        <a:font script="Taml" typeface="Latha"/>
-        <a:font script="Syrc" typeface="Estrangelo Edessa"/>
-        <a:font script="Orya" typeface="Kalinga"/>
-        <a:font script="Mlym" typeface="Kartika"/>
-        <a:font script="Laoo" typeface="DokChampa"/>
-        <a:font script="Sinh" typeface="Iskoola Pota"/>
-        <a:font script="Mong" typeface="Mongolian Baiti"/>
-        <a:font script="Viet" typeface="Times New Roman"/>
-        <a:font script="Uigh" typeface="Microsoft Uighur"/>
-      </a:majorFont>
-      <a:minorFont>
-        <a:latin typeface="Calibri"/>
-        <a:ea typeface=""/>
-        <a:cs typeface=""/>
-        <a:font script="Jpan" typeface="ＭＳ Ｐゴシック"/>
-        <a:font script="Hang" typeface="맑은 고딕"/>
-        <a:font script="Hans" typeface="宋体"/>
-        <a:font script="Hant" typeface="新細明體"/>
-        <a:font script="Arab" typeface="Arial"/>
-        <a:font script="Hebr" typeface="Arial"/>
-        <a:font script="Thai" typeface="Cordia New"/>
+        <a:font script="Jpan" typeface="HGｺﾞｼｯｸM"/>
+        <a:font script="Hang" typeface="HY중고딕"/>
+        <a:font script="Hans" typeface="幼圆"/>
+        <a:font script="Hant" typeface="微軟正黑體"/>
+        <a:font script="Arab" typeface="Tahoma"/>
+        <a:font script="Hebr" typeface="Gisha"/>
+        <a:font script="Thai" typeface="DilleniaUPC"/>
         <a:font script="Ethi" typeface="Nyala"/>
         <a:font script="Beng" typeface="Vrinda"/>
         <a:font script="Gujr" typeface="Shruti"/>
@@ -7261,11 +8028,45 @@
         <a:font script="Laoo" typeface="DokChampa"/>
         <a:font script="Sinh" typeface="Iskoola Pota"/>
         <a:font script="Mong" typeface="Mongolian Baiti"/>
-        <a:font script="Viet" typeface="Arial"/>
+        <a:font script="Viet" typeface="Tahoma"/>
+        <a:font script="Uigh" typeface="Microsoft Uighur"/>
+      </a:majorFont>
+      <a:minorFont>
+        <a:latin typeface="Century Gothic"/>
+        <a:ea typeface=""/>
+        <a:cs typeface=""/>
+        <a:font script="Jpan" typeface="ＭＳ ゴシック"/>
+        <a:font script="Hang" typeface="HY중고딕"/>
+        <a:font script="Hans" typeface="幼圆"/>
+        <a:font script="Hant" typeface="微軟正黑體"/>
+        <a:font script="Arab" typeface="Tahoma"/>
+        <a:font script="Hebr" typeface="Gisha"/>
+        <a:font script="Thai" typeface="DilleniaUPC"/>
+        <a:font script="Ethi" typeface="Nyala"/>
+        <a:font script="Beng" typeface="Vrinda"/>
+        <a:font script="Gujr" typeface="Shruti"/>
+        <a:font script="Khmr" typeface="DaunPenh"/>
+        <a:font script="Knda" typeface="Tunga"/>
+        <a:font script="Guru" typeface="Raavi"/>
+        <a:font script="Cans" typeface="Euphemia"/>
+        <a:font script="Cher" typeface="Plantagenet Cherokee"/>
+        <a:font script="Yiii" typeface="Microsoft Yi Baiti"/>
+        <a:font script="Tibt" typeface="Microsoft Himalaya"/>
+        <a:font script="Thaa" typeface="MV Boli"/>
+        <a:font script="Deva" typeface="Mangal"/>
+        <a:font script="Telu" typeface="Gautami"/>
+        <a:font script="Taml" typeface="Latha"/>
+        <a:font script="Syrc" typeface="Estrangelo Edessa"/>
+        <a:font script="Orya" typeface="Kalinga"/>
+        <a:font script="Mlym" typeface="Kartika"/>
+        <a:font script="Laoo" typeface="DokChampa"/>
+        <a:font script="Sinh" typeface="Iskoola Pota"/>
+        <a:font script="Mong" typeface="Mongolian Baiti"/>
+        <a:font script="Viet" typeface="Verdana"/>
         <a:font script="Uigh" typeface="Microsoft Uighur"/>
       </a:minorFont>
     </a:fontScheme>
-    <a:fmtScheme name="Office">
+    <a:fmtScheme name="Verve">
       <a:fillStyleLst>
         <a:solidFill>
           <a:schemeClr val="phClr"/>
@@ -7274,55 +8075,58 @@
           <a:gsLst>
             <a:gs pos="0">
               <a:schemeClr val="phClr">
-                <a:tint val="50000"/>
+                <a:tint val="10000"/>
                 <a:satMod val="300000"/>
               </a:schemeClr>
             </a:gs>
-            <a:gs pos="35000">
+            <a:gs pos="34000">
               <a:schemeClr val="phClr">
-                <a:tint val="37000"/>
-                <a:satMod val="300000"/>
+                <a:tint val="13500"/>
+                <a:satMod val="250000"/>
               </a:schemeClr>
             </a:gs>
             <a:gs pos="100000">
               <a:schemeClr val="phClr">
-                <a:tint val="15000"/>
-                <a:satMod val="350000"/>
+                <a:tint val="60000"/>
+                <a:satMod val="200000"/>
               </a:schemeClr>
             </a:gs>
           </a:gsLst>
-          <a:lin ang="16200000" scaled="1"/>
+          <a:path path="circle">
+            <a:fillToRect l="50000" t="155000" r="50000" b="-55000"/>
+          </a:path>
         </a:gradFill>
         <a:gradFill rotWithShape="1">
           <a:gsLst>
             <a:gs pos="0">
               <a:schemeClr val="phClr">
-                <a:shade val="51000"/>
-                <a:satMod val="130000"/>
+                <a:tint val="60000"/>
+                <a:satMod val="160000"/>
               </a:schemeClr>
             </a:gs>
-            <a:gs pos="80000">
+            <a:gs pos="46000">
               <a:schemeClr val="phClr">
-                <a:shade val="93000"/>
-                <a:satMod val="130000"/>
+                <a:tint val="86000"/>
+                <a:satMod val="160000"/>
               </a:schemeClr>
             </a:gs>
             <a:gs pos="100000">
               <a:schemeClr val="phClr">
-                <a:shade val="94000"/>
-                <a:satMod val="135000"/>
+                <a:shade val="40000"/>
+                <a:satMod val="160000"/>
               </a:schemeClr>
             </a:gs>
           </a:gsLst>
-          <a:lin ang="16200000" scaled="0"/>
+          <a:path path="circle">
+            <a:fillToRect l="50000" t="155000" r="50000" b="-55000"/>
+          </a:path>
         </a:gradFill>
       </a:fillStyleLst>
       <a:lnStyleLst>
         <a:ln w="9525" cap="flat" cmpd="sng" algn="ctr">
           <a:solidFill>
             <a:schemeClr val="phClr">
-              <a:shade val="95000"/>
-              <a:satMod val="105000"/>
+              <a:satMod val="120000"/>
             </a:schemeClr>
           </a:solidFill>
           <a:prstDash val="solid"/>
@@ -7343,40 +8147,43 @@
       <a:effectStyleLst>
         <a:effectStyle>
           <a:effectLst>
-            <a:outerShdw blurRad="40000" dist="20000" dir="5400000" rotWithShape="0">
+            <a:outerShdw blurRad="63500" dist="25400" dir="14700000" algn="t" rotWithShape="0">
               <a:srgbClr val="000000">
-                <a:alpha val="38000"/>
+                <a:alpha val="50000"/>
               </a:srgbClr>
             </a:outerShdw>
           </a:effectLst>
         </a:effectStyle>
         <a:effectStyle>
           <a:effectLst>
-            <a:outerShdw blurRad="40000" dist="23000" dir="5400000" rotWithShape="0">
+            <a:outerShdw blurRad="50800" dist="38100" dir="14700000" algn="t" rotWithShape="0">
               <a:srgbClr val="000000">
-                <a:alpha val="35000"/>
+                <a:alpha val="60000"/>
               </a:srgbClr>
             </a:outerShdw>
           </a:effectLst>
         </a:effectStyle>
         <a:effectStyle>
           <a:effectLst>
-            <a:outerShdw blurRad="40000" dist="23000" dir="5400000" rotWithShape="0">
+            <a:outerShdw blurRad="50800" dist="38100" dir="14700000" algn="t" rotWithShape="0">
               <a:srgbClr val="000000">
-                <a:alpha val="35000"/>
+                <a:alpha val="60000"/>
               </a:srgbClr>
             </a:outerShdw>
           </a:effectLst>
           <a:scene3d>
-            <a:camera prst="orthographicFront">
+            <a:camera prst="orthographicFront" fov="0">
               <a:rot lat="0" lon="0" rev="0"/>
             </a:camera>
-            <a:lightRig rig="threePt" dir="t">
-              <a:rot lat="0" lon="0" rev="1200000"/>
+            <a:lightRig rig="contrasting" dir="t">
+              <a:rot lat="0" lon="0" rev="3600000"/>
             </a:lightRig>
           </a:scene3d>
-          <a:sp3d>
-            <a:bevelT w="63500" h="25400"/>
+          <a:sp3d prstMaterial="plastic">
+            <a:bevelT w="127000" h="38200" prst="relaxedInset"/>
+            <a:contourClr>
+              <a:schemeClr val="phClr"/>
+            </a:contourClr>
           </a:sp3d>
         </a:effectStyle>
       </a:effectStyleLst>
@@ -7388,47 +8195,40 @@
           <a:gsLst>
             <a:gs pos="0">
               <a:schemeClr val="phClr">
-                <a:tint val="40000"/>
-                <a:satMod val="350000"/>
+                <a:shade val="48000"/>
+                <a:satMod val="230000"/>
               </a:schemeClr>
             </a:gs>
-            <a:gs pos="40000">
+            <a:gs pos="60000">
               <a:schemeClr val="phClr">
-                <a:tint val="45000"/>
-                <a:shade val="99000"/>
-                <a:satMod val="350000"/>
+                <a:shade val="92000"/>
+                <a:satMod val="230000"/>
               </a:schemeClr>
             </a:gs>
             <a:gs pos="100000">
               <a:schemeClr val="phClr">
-                <a:shade val="20000"/>
-                <a:satMod val="255000"/>
+                <a:tint val="85000"/>
+                <a:satMod val="400000"/>
               </a:schemeClr>
             </a:gs>
           </a:gsLst>
-          <a:path path="circle">
-            <a:fillToRect l="50000" t="-80000" r="50000" b="180000"/>
-          </a:path>
+          <a:lin ang="5400000" scaled="0"/>
         </a:gradFill>
-        <a:gradFill rotWithShape="1">
-          <a:gsLst>
-            <a:gs pos="0">
+        <a:blipFill>
+          <a:blip xmlns:r="http://schemas.openxmlformats.org/officeDocument/2006/relationships" r:embed="rId1">
+            <a:duotone>
               <a:schemeClr val="phClr">
-                <a:tint val="80000"/>
-                <a:satMod val="300000"/>
+                <a:shade val="1200"/>
+                <a:satMod val="150000"/>
               </a:schemeClr>
-            </a:gs>
-            <a:gs pos="100000">
               <a:schemeClr val="phClr">
-                <a:shade val="30000"/>
-                <a:satMod val="200000"/>
+                <a:tint val="90000"/>
+                <a:satMod val="150000"/>
               </a:schemeClr>
-            </a:gs>
-          </a:gsLst>
-          <a:path path="circle">
-            <a:fillToRect l="50000" t="50000" r="50000" b="50000"/>
-          </a:path>
-        </a:gradFill>
+            </a:duotone>
+          </a:blip>
+          <a:tile tx="0" ty="0" sx="70000" sy="70000" flip="none" algn="tl"/>
+        </a:blipFill>
       </a:bgFillStyleLst>
     </a:fmtScheme>
   </a:themeElements>
